--- a/2018/02/Syntax_and_variables.pptx
+++ b/2018/02/Syntax_and_variables.pptx
@@ -5,37 +5,39 @@
     <p:sldMasterId id="2147483672" r:id="rId1"/>
   </p:sldMasterIdLst>
   <p:notesMasterIdLst>
-    <p:notesMasterId r:id="rId30"/>
+    <p:notesMasterId r:id="rId32"/>
   </p:notesMasterIdLst>
   <p:sldIdLst>
     <p:sldId id="256" r:id="rId2"/>
     <p:sldId id="257" r:id="rId3"/>
-    <p:sldId id="258" r:id="rId4"/>
-    <p:sldId id="259" r:id="rId5"/>
-    <p:sldId id="261" r:id="rId6"/>
-    <p:sldId id="264" r:id="rId7"/>
-    <p:sldId id="265" r:id="rId8"/>
-    <p:sldId id="266" r:id="rId9"/>
-    <p:sldId id="267" r:id="rId10"/>
-    <p:sldId id="268" r:id="rId11"/>
-    <p:sldId id="269" r:id="rId12"/>
-    <p:sldId id="270" r:id="rId13"/>
-    <p:sldId id="273" r:id="rId14"/>
-    <p:sldId id="271" r:id="rId15"/>
-    <p:sldId id="272" r:id="rId16"/>
-    <p:sldId id="274" r:id="rId17"/>
-    <p:sldId id="277" r:id="rId18"/>
-    <p:sldId id="275" r:id="rId19"/>
-    <p:sldId id="276" r:id="rId20"/>
-    <p:sldId id="278" r:id="rId21"/>
-    <p:sldId id="279" r:id="rId22"/>
-    <p:sldId id="280" r:id="rId23"/>
-    <p:sldId id="281" r:id="rId24"/>
-    <p:sldId id="282" r:id="rId25"/>
-    <p:sldId id="283" r:id="rId26"/>
-    <p:sldId id="284" r:id="rId27"/>
-    <p:sldId id="285" r:id="rId28"/>
-    <p:sldId id="286" r:id="rId29"/>
+    <p:sldId id="287" r:id="rId4"/>
+    <p:sldId id="288" r:id="rId5"/>
+    <p:sldId id="258" r:id="rId6"/>
+    <p:sldId id="259" r:id="rId7"/>
+    <p:sldId id="261" r:id="rId8"/>
+    <p:sldId id="264" r:id="rId9"/>
+    <p:sldId id="265" r:id="rId10"/>
+    <p:sldId id="266" r:id="rId11"/>
+    <p:sldId id="267" r:id="rId12"/>
+    <p:sldId id="268" r:id="rId13"/>
+    <p:sldId id="269" r:id="rId14"/>
+    <p:sldId id="270" r:id="rId15"/>
+    <p:sldId id="273" r:id="rId16"/>
+    <p:sldId id="271" r:id="rId17"/>
+    <p:sldId id="272" r:id="rId18"/>
+    <p:sldId id="274" r:id="rId19"/>
+    <p:sldId id="277" r:id="rId20"/>
+    <p:sldId id="275" r:id="rId21"/>
+    <p:sldId id="276" r:id="rId22"/>
+    <p:sldId id="278" r:id="rId23"/>
+    <p:sldId id="279" r:id="rId24"/>
+    <p:sldId id="280" r:id="rId25"/>
+    <p:sldId id="281" r:id="rId26"/>
+    <p:sldId id="282" r:id="rId27"/>
+    <p:sldId id="283" r:id="rId28"/>
+    <p:sldId id="284" r:id="rId29"/>
+    <p:sldId id="285" r:id="rId30"/>
+    <p:sldId id="286" r:id="rId31"/>
   </p:sldIdLst>
   <p:sldSz cx="12192000" cy="6858000"/>
   <p:notesSz cx="6858000" cy="9144000"/>
@@ -227,7 +229,7 @@
           <a:p>
             <a:fld id="{E74960FE-84BF-4F36-96F9-AC8A426EF4E1}" type="datetimeFigureOut">
               <a:rPr lang="en-GB" smtClean="0"/>
-              <a:t>26/03/2018</a:t>
+              <a:t>29/03/2018</a:t>
             </a:fld>
             <a:endParaRPr lang="en-GB"/>
           </a:p>
@@ -565,7 +567,7 @@
           <a:p>
             <a:fld id="{42145966-3644-4EF3-8D3C-4E37A0E97571}" type="slidenum">
               <a:rPr lang="en-GB" smtClean="0"/>
-              <a:t>8</a:t>
+              <a:t>10</a:t>
             </a:fld>
             <a:endParaRPr lang="en-GB"/>
           </a:p>
@@ -654,7 +656,7 @@
           <a:p>
             <a:fld id="{42145966-3644-4EF3-8D3C-4E37A0E97571}" type="slidenum">
               <a:rPr lang="en-GB" smtClean="0"/>
-              <a:t>9</a:t>
+              <a:t>11</a:t>
             </a:fld>
             <a:endParaRPr lang="en-GB"/>
           </a:p>
@@ -743,7 +745,7 @@
           <a:p>
             <a:fld id="{42145966-3644-4EF3-8D3C-4E37A0E97571}" type="slidenum">
               <a:rPr lang="en-GB" smtClean="0"/>
-              <a:t>10</a:t>
+              <a:t>12</a:t>
             </a:fld>
             <a:endParaRPr lang="en-GB"/>
           </a:p>
@@ -832,7 +834,7 @@
           <a:p>
             <a:fld id="{42145966-3644-4EF3-8D3C-4E37A0E97571}" type="slidenum">
               <a:rPr lang="en-GB" smtClean="0"/>
-              <a:t>11</a:t>
+              <a:t>13</a:t>
             </a:fld>
             <a:endParaRPr lang="en-GB"/>
           </a:p>
@@ -921,7 +923,7 @@
           <a:p>
             <a:fld id="{42145966-3644-4EF3-8D3C-4E37A0E97571}" type="slidenum">
               <a:rPr lang="en-GB" smtClean="0"/>
-              <a:t>16</a:t>
+              <a:t>18</a:t>
             </a:fld>
             <a:endParaRPr lang="en-GB"/>
           </a:p>
@@ -1133,7 +1135,7 @@
           <a:p>
             <a:fld id="{59D2D3E5-8D07-442F-AD09-44D2D54E3827}" type="datetime1">
               <a:rPr lang="en-GB" smtClean="0"/>
-              <a:t>26/03/2018</a:t>
+              <a:t>29/03/2018</a:t>
             </a:fld>
             <a:endParaRPr lang="en-GB"/>
           </a:p>
@@ -1835,7 +1837,7 @@
           <a:p>
             <a:fld id="{AC8401FF-837F-478C-A187-ED49428D1834}" type="datetime1">
               <a:rPr lang="en-GB" smtClean="0"/>
-              <a:t>26/03/2018</a:t>
+              <a:t>29/03/2018</a:t>
             </a:fld>
             <a:endParaRPr lang="en-GB"/>
           </a:p>
@@ -2034,7 +2036,7 @@
           <a:p>
             <a:fld id="{A4BB1C3B-24F6-4AC1-B694-40E27DE719F2}" type="datetime1">
               <a:rPr lang="en-GB" smtClean="0"/>
-              <a:t>26/03/2018</a:t>
+              <a:t>29/03/2018</a:t>
             </a:fld>
             <a:endParaRPr lang="en-GB"/>
           </a:p>
@@ -2721,7 +2723,7 @@
           <a:p>
             <a:fld id="{1BF7B5F6-71AF-4144-B18A-52D5DACADA0A}" type="datetime1">
               <a:rPr lang="en-GB" smtClean="0"/>
-              <a:t>26/03/2018</a:t>
+              <a:t>29/03/2018</a:t>
             </a:fld>
             <a:endParaRPr lang="en-GB"/>
           </a:p>
@@ -2886,7 +2888,7 @@
           <a:p>
             <a:fld id="{5255503A-C87E-470F-982F-B4799D338920}" type="datetime1">
               <a:rPr lang="en-GB" smtClean="0"/>
-              <a:t>26/03/2018</a:t>
+              <a:t>29/03/2018</a:t>
             </a:fld>
             <a:endParaRPr lang="en-GB"/>
           </a:p>
@@ -3661,7 +3663,7 @@
           <a:p>
             <a:fld id="{75144A6B-3049-457F-A987-8390460069EE}" type="datetime1">
               <a:rPr lang="en-GB" smtClean="0"/>
-              <a:t>26/03/2018</a:t>
+              <a:t>29/03/2018</a:t>
             </a:fld>
             <a:endParaRPr lang="en-GB"/>
           </a:p>
@@ -4021,7 +4023,7 @@
           <a:p>
             <a:fld id="{FBD4005F-9225-497A-885F-BA883E74DE5D}" type="datetime1">
               <a:rPr lang="en-GB" smtClean="0"/>
-              <a:t>26/03/2018</a:t>
+              <a:t>29/03/2018</a:t>
             </a:fld>
             <a:endParaRPr lang="en-GB"/>
           </a:p>
@@ -4120,7 +4122,7 @@
           <a:p>
             <a:fld id="{AE523FC3-765C-4CC7-9E4B-E3B68A3EDBFE}" type="datetime1">
               <a:rPr lang="en-GB" smtClean="0"/>
-              <a:t>26/03/2018</a:t>
+              <a:t>29/03/2018</a:t>
             </a:fld>
             <a:endParaRPr lang="en-GB"/>
           </a:p>
@@ -4234,7 +4236,7 @@
           <a:p>
             <a:fld id="{9AA3DD7D-9416-45E8-AF3B-D7B360CC564A}" type="datetime1">
               <a:rPr lang="en-GB" smtClean="0"/>
-              <a:t>26/03/2018</a:t>
+              <a:t>29/03/2018</a:t>
             </a:fld>
             <a:endParaRPr lang="en-GB"/>
           </a:p>
@@ -5036,7 +5038,7 @@
           <a:p>
             <a:fld id="{F613CE8B-DAD8-4C75-ABDD-E74B55B147EF}" type="datetime1">
               <a:rPr lang="en-GB" smtClean="0"/>
-              <a:t>26/03/2018</a:t>
+              <a:t>29/03/2018</a:t>
             </a:fld>
             <a:endParaRPr lang="en-GB"/>
           </a:p>
@@ -5828,7 +5830,7 @@
           <a:p>
             <a:fld id="{90C1D48F-8DEA-4C52-92C1-302F75FCAD76}" type="datetime1">
               <a:rPr lang="en-GB" smtClean="0"/>
-              <a:t>26/03/2018</a:t>
+              <a:t>29/03/2018</a:t>
             </a:fld>
             <a:endParaRPr lang="en-GB"/>
           </a:p>
@@ -6577,7 +6579,7 @@
           <a:p>
             <a:fld id="{0F5CF901-3F04-46D3-A66D-6A29BDCE7C35}" type="datetime1">
               <a:rPr lang="en-GB" smtClean="0"/>
-              <a:t>26/03/2018</a:t>
+              <a:t>29/03/2018</a:t>
             </a:fld>
             <a:endParaRPr lang="en-GB"/>
           </a:p>
@@ -7700,16 +7702,22 @@
           <a:lstStyle/>
           <a:p>
             <a:r>
-              <a:rPr lang="de-DE" dirty="0">
+              <a:rPr lang="de-DE" dirty="0" err="1">
                 <a:cs typeface="Calibri Light"/>
               </a:rPr>
-              <a:t>Truth </a:t>
-            </a:r>
-            <a:r>
-              <a:rPr lang="de-DE" dirty="0" err="1">
+              <a:t>Number</a:t>
+            </a:r>
+            <a:r>
+              <a:rPr lang="de-DE" dirty="0">
                 <a:cs typeface="Calibri Light"/>
               </a:rPr>
-              <a:t>values</a:t>
+              <a:t> </a:t>
+            </a:r>
+            <a:r>
+              <a:rPr lang="de-DE" dirty="0" err="1">
+                <a:cs typeface="Calibri Light"/>
+              </a:rPr>
+              <a:t>types</a:t>
             </a:r>
             <a:endParaRPr lang="de-DE" dirty="0" err="1"/>
           </a:p>
@@ -7740,88 +7748,160 @@
           <a:p>
             <a:pPr marL="182245" indent="-182245"/>
             <a:r>
-              <a:rPr lang="de-DE" dirty="0">
-                <a:cs typeface="Calibri"/>
-              </a:rPr>
-              <a:t>The type </a:t>
-            </a:r>
-            <a:r>
-              <a:rPr lang="de-DE" dirty="0" err="1">
-                <a:cs typeface="Calibri"/>
-              </a:rPr>
-              <a:t>of</a:t>
-            </a:r>
-            <a:r>
-              <a:rPr lang="de-DE" dirty="0">
-                <a:cs typeface="Calibri"/>
-              </a:rPr>
-              <a:t> a variable </a:t>
-            </a:r>
-            <a:r>
-              <a:rPr lang="de-DE" dirty="0" err="1">
-                <a:cs typeface="Calibri"/>
-              </a:rPr>
-              <a:t>containing</a:t>
-            </a:r>
-            <a:r>
-              <a:rPr lang="de-DE" dirty="0">
-                <a:cs typeface="Calibri"/>
-              </a:rPr>
-              <a:t> a </a:t>
-            </a:r>
-            <a:r>
-              <a:rPr lang="de-DE" dirty="0" err="1">
-                <a:cs typeface="Calibri"/>
-              </a:rPr>
-              <a:t>truth</a:t>
-            </a:r>
-            <a:r>
-              <a:rPr lang="de-DE" dirty="0">
-                <a:cs typeface="Calibri"/>
-              </a:rPr>
-              <a:t> </a:t>
-            </a:r>
-            <a:r>
-              <a:rPr lang="de-DE" dirty="0" err="1">
-                <a:cs typeface="Calibri"/>
-              </a:rPr>
-              <a:t>value</a:t>
-            </a:r>
-            <a:r>
-              <a:rPr lang="de-DE" dirty="0">
-                <a:cs typeface="Calibri"/>
-              </a:rPr>
-              <a:t> </a:t>
-            </a:r>
-            <a:r>
-              <a:rPr lang="de-DE" dirty="0" err="1">
-                <a:cs typeface="Calibri"/>
-              </a:rPr>
-              <a:t>is</a:t>
-            </a:r>
-            <a:r>
-              <a:rPr lang="de-DE" dirty="0">
-                <a:cs typeface="Calibri"/>
-              </a:rPr>
-              <a:t> </a:t>
-            </a:r>
-            <a:r>
-              <a:rPr lang="de-DE" dirty="0" err="1">
-                <a:cs typeface="Calibri"/>
-              </a:rPr>
-              <a:t>called</a:t>
-            </a:r>
-            <a:r>
-              <a:rPr lang="de-DE" dirty="0">
-                <a:cs typeface="Calibri"/>
-              </a:rPr>
-              <a:t> </a:t>
+              <a:rPr lang="de-DE" dirty="0" err="1">
+                <a:cs typeface="Calibri"/>
+              </a:rPr>
+              <a:t>There</a:t>
+            </a:r>
+            <a:r>
+              <a:rPr lang="de-DE" dirty="0">
+                <a:cs typeface="Calibri"/>
+              </a:rPr>
+              <a:t> </a:t>
+            </a:r>
+            <a:r>
+              <a:rPr lang="de-DE" dirty="0" err="1">
+                <a:cs typeface="Calibri"/>
+              </a:rPr>
+              <a:t>are</a:t>
+            </a:r>
+            <a:r>
+              <a:rPr lang="de-DE" dirty="0">
+                <a:cs typeface="Calibri"/>
+              </a:rPr>
+              <a:t> </a:t>
+            </a:r>
+            <a:r>
+              <a:rPr lang="de-DE" dirty="0" err="1">
+                <a:cs typeface="Calibri"/>
+              </a:rPr>
+              <a:t>two</a:t>
+            </a:r>
+            <a:r>
+              <a:rPr lang="de-DE" dirty="0">
+                <a:cs typeface="Calibri"/>
+              </a:rPr>
+              <a:t> </a:t>
+            </a:r>
+            <a:r>
+              <a:rPr lang="de-DE" dirty="0" err="1">
+                <a:cs typeface="Calibri"/>
+              </a:rPr>
+              <a:t>number</a:t>
+            </a:r>
+            <a:r>
+              <a:rPr lang="de-DE" dirty="0">
+                <a:cs typeface="Calibri"/>
+              </a:rPr>
+              <a:t> </a:t>
+            </a:r>
+            <a:r>
+              <a:rPr lang="de-DE" dirty="0" err="1">
+                <a:cs typeface="Calibri"/>
+              </a:rPr>
+              <a:t>types</a:t>
+            </a:r>
+            <a:r>
+              <a:rPr lang="de-DE" dirty="0">
+                <a:cs typeface="Calibri"/>
+              </a:rPr>
+              <a:t> </a:t>
+            </a:r>
+            <a:r>
+              <a:rPr lang="de-DE" dirty="0" err="1">
+                <a:cs typeface="Calibri"/>
+              </a:rPr>
+              <a:t>you</a:t>
+            </a:r>
+            <a:r>
+              <a:rPr lang="de-DE" dirty="0">
+                <a:cs typeface="Calibri"/>
+              </a:rPr>
+              <a:t> </a:t>
+            </a:r>
+            <a:r>
+              <a:rPr lang="de-DE" dirty="0" err="1">
+                <a:cs typeface="Calibri"/>
+              </a:rPr>
+              <a:t>should</a:t>
+            </a:r>
+            <a:r>
+              <a:rPr lang="de-DE" dirty="0">
+                <a:cs typeface="Calibri"/>
+              </a:rPr>
+              <a:t> </a:t>
+            </a:r>
+            <a:r>
+              <a:rPr lang="de-DE" dirty="0" err="1">
+                <a:cs typeface="Calibri"/>
+              </a:rPr>
+              <a:t>know</a:t>
+            </a:r>
+            <a:r>
+              <a:rPr lang="de-DE" dirty="0">
+                <a:cs typeface="Calibri"/>
+              </a:rPr>
+              <a:t> </a:t>
+            </a:r>
+            <a:r>
+              <a:rPr lang="de-DE" dirty="0" err="1">
+                <a:cs typeface="Calibri"/>
+              </a:rPr>
+              <a:t>for</a:t>
+            </a:r>
+            <a:r>
+              <a:rPr lang="de-DE" dirty="0">
+                <a:cs typeface="Calibri"/>
+              </a:rPr>
+              <a:t> </a:t>
+            </a:r>
+            <a:r>
+              <a:rPr lang="de-DE" dirty="0" err="1">
+                <a:cs typeface="Calibri"/>
+              </a:rPr>
+              <a:t>now</a:t>
+            </a:r>
+            <a:r>
+              <a:rPr lang="de-DE" dirty="0">
+                <a:cs typeface="Calibri"/>
+              </a:rPr>
+              <a:t>: </a:t>
             </a:r>
             <a:r>
               <a:rPr lang="de-DE" b="1" dirty="0" err="1">
                 <a:cs typeface="Calibri"/>
               </a:rPr>
-              <a:t>boolean</a:t>
+              <a:t>integers</a:t>
+            </a:r>
+            <a:r>
+              <a:rPr lang="de-DE" b="1" dirty="0">
+                <a:cs typeface="Calibri"/>
+              </a:rPr>
+              <a:t> </a:t>
+            </a:r>
+            <a:r>
+              <a:rPr lang="de-DE" dirty="0">
+                <a:cs typeface="Calibri"/>
+              </a:rPr>
+              <a:t>(</a:t>
+            </a:r>
+            <a:r>
+              <a:rPr lang="de-DE" dirty="0" err="1">
+                <a:cs typeface="Calibri"/>
+              </a:rPr>
+              <a:t>int</a:t>
+            </a:r>
+            <a:r>
+              <a:rPr lang="de-DE" dirty="0">
+                <a:cs typeface="Calibri"/>
+              </a:rPr>
+              <a:t>) and </a:t>
+            </a:r>
+            <a:r>
+              <a:rPr lang="de-DE" b="1" dirty="0" err="1">
+                <a:cs typeface="Calibri"/>
+              </a:rPr>
+              <a:t>floats</a:t>
             </a:r>
             <a:endParaRPr lang="de-DE" b="1" dirty="0">
               <a:cs typeface="Calibri"/>
@@ -7833,7 +7913,7 @@
               <a:rPr lang="de-DE" dirty="0" err="1">
                 <a:cs typeface="Calibri"/>
               </a:rPr>
-              <a:t>Booleans</a:t>
+              <a:t>Integers</a:t>
             </a:r>
           </a:p>
           <a:p>
@@ -7842,130 +7922,7 @@
               <a:rPr lang="de-DE" dirty="0">
                 <a:cs typeface="Calibri"/>
               </a:rPr>
-              <a:t>Are </a:t>
-            </a:r>
-            <a:r>
-              <a:rPr lang="de-DE" dirty="0" err="1">
-                <a:cs typeface="Calibri"/>
-              </a:rPr>
-              <a:t>either</a:t>
-            </a:r>
-            <a:r>
-              <a:rPr lang="de-DE" dirty="0">
-                <a:cs typeface="Calibri"/>
-              </a:rPr>
-              <a:t> </a:t>
-            </a:r>
-            <a:r>
-              <a:rPr lang="de-DE" i="1" dirty="0" err="1">
-                <a:cs typeface="Calibri"/>
-              </a:rPr>
-              <a:t>true</a:t>
-            </a:r>
-            <a:r>
-              <a:rPr lang="de-DE" dirty="0">
-                <a:cs typeface="Calibri"/>
-              </a:rPr>
-              <a:t> </a:t>
-            </a:r>
-            <a:r>
-              <a:rPr lang="de-DE" dirty="0" err="1">
-                <a:cs typeface="Calibri"/>
-              </a:rPr>
-              <a:t>or</a:t>
-            </a:r>
-            <a:r>
-              <a:rPr lang="de-DE" dirty="0">
-                <a:cs typeface="Calibri"/>
-              </a:rPr>
-              <a:t> </a:t>
-            </a:r>
-            <a:r>
-              <a:rPr lang="de-DE" i="1" dirty="0" err="1">
-                <a:cs typeface="Calibri"/>
-              </a:rPr>
-              <a:t>false</a:t>
-            </a:r>
-          </a:p>
-          <a:p>
-            <a:pPr marL="566420" lvl="2"/>
-            <a:r>
-              <a:rPr lang="de-DE" dirty="0" err="1">
-                <a:cs typeface="Calibri"/>
-              </a:rPr>
-              <a:t>Which</a:t>
-            </a:r>
-            <a:r>
-              <a:rPr lang="de-DE" dirty="0">
-                <a:cs typeface="Calibri"/>
-              </a:rPr>
-              <a:t> </a:t>
-            </a:r>
-            <a:r>
-              <a:rPr lang="de-DE" dirty="0" err="1">
-                <a:cs typeface="Calibri"/>
-              </a:rPr>
-              <a:t>translates</a:t>
-            </a:r>
-            <a:r>
-              <a:rPr lang="de-DE" dirty="0">
-                <a:cs typeface="Calibri"/>
-              </a:rPr>
-              <a:t> </a:t>
-            </a:r>
-            <a:r>
-              <a:rPr lang="de-DE" dirty="0" err="1">
-                <a:cs typeface="Calibri"/>
-              </a:rPr>
-              <a:t>to</a:t>
-            </a:r>
-            <a:r>
-              <a:rPr lang="de-DE" dirty="0">
-                <a:cs typeface="Calibri"/>
-              </a:rPr>
-              <a:t> </a:t>
-            </a:r>
-            <a:r>
-              <a:rPr lang="de-DE" i="1" dirty="0" err="1">
-                <a:cs typeface="Calibri"/>
-              </a:rPr>
-              <a:t>yes</a:t>
-            </a:r>
-            <a:r>
-              <a:rPr lang="de-DE" i="1" dirty="0">
-                <a:cs typeface="Calibri"/>
-              </a:rPr>
-              <a:t>/</a:t>
-            </a:r>
-            <a:r>
-              <a:rPr lang="de-DE" i="1" dirty="0" err="1">
-                <a:cs typeface="Calibri"/>
-              </a:rPr>
-              <a:t>no</a:t>
-            </a:r>
-            <a:r>
-              <a:rPr lang="de-DE" i="1" dirty="0">
-                <a:cs typeface="Calibri"/>
-              </a:rPr>
-              <a:t> </a:t>
-            </a:r>
-            <a:r>
-              <a:rPr lang="de-DE" dirty="0" err="1">
-                <a:cs typeface="Calibri"/>
-              </a:rPr>
-              <a:t>or</a:t>
-            </a:r>
-            <a:r>
-              <a:rPr lang="de-DE" dirty="0">
-                <a:cs typeface="Calibri"/>
-              </a:rPr>
-              <a:t> </a:t>
-            </a:r>
-            <a:r>
-              <a:rPr lang="de-DE" i="1" dirty="0">
-                <a:cs typeface="Calibri"/>
-              </a:rPr>
-              <a:t>0/1 </a:t>
+              <a:t>"Ganze Zahlen"</a:t>
             </a:r>
           </a:p>
           <a:p>
@@ -7974,72 +7931,71 @@
               <a:rPr lang="de-DE" dirty="0" err="1">
                 <a:cs typeface="Calibri"/>
               </a:rPr>
-              <a:t>there</a:t>
-            </a:r>
-            <a:r>
-              <a:rPr lang="de-DE" dirty="0">
-                <a:cs typeface="Calibri"/>
-              </a:rPr>
-              <a:t> </a:t>
-            </a:r>
-            <a:r>
-              <a:rPr lang="de-DE" dirty="0" err="1">
-                <a:cs typeface="Calibri"/>
-              </a:rPr>
-              <a:t>is</a:t>
-            </a:r>
-            <a:r>
-              <a:rPr lang="de-DE" dirty="0">
-                <a:cs typeface="Calibri"/>
-              </a:rPr>
-              <a:t> </a:t>
-            </a:r>
-            <a:r>
-              <a:rPr lang="de-DE" dirty="0" err="1">
-                <a:cs typeface="Calibri"/>
-              </a:rPr>
-              <a:t>no</a:t>
-            </a:r>
-            <a:r>
-              <a:rPr lang="de-DE" dirty="0">
-                <a:cs typeface="Calibri"/>
-              </a:rPr>
-              <a:t> </a:t>
-            </a:r>
-            <a:r>
-              <a:rPr lang="de-DE" dirty="0" err="1">
-                <a:cs typeface="Calibri"/>
-              </a:rPr>
-              <a:t>other</a:t>
-            </a:r>
-            <a:r>
-              <a:rPr lang="de-DE" dirty="0">
-                <a:cs typeface="Calibri"/>
-              </a:rPr>
-              <a:t> </a:t>
-            </a:r>
-            <a:r>
-              <a:rPr lang="de-DE" dirty="0" err="1">
-                <a:cs typeface="Calibri"/>
-              </a:rPr>
-              <a:t>option</a:t>
-            </a:r>
-          </a:p>
-          <a:p>
-            <a:pPr marL="0" indent="0">
-              <a:buNone/>
-            </a:pPr>
-            <a:endParaRPr lang="de-DE" dirty="0">
-              <a:cs typeface="Calibri"/>
-            </a:endParaRPr>
-          </a:p>
-          <a:p>
-            <a:pPr marL="0" indent="0">
-              <a:buNone/>
-            </a:pPr>
-            <a:endParaRPr lang="de-DE" dirty="0">
-              <a:cs typeface="Calibri"/>
-            </a:endParaRPr>
+              <a:t>Examples</a:t>
+            </a:r>
+            <a:r>
+              <a:rPr lang="de-DE" dirty="0">
+                <a:cs typeface="Calibri"/>
+              </a:rPr>
+              <a:t>: 0, 19, -42, 478349</a:t>
+            </a:r>
+          </a:p>
+          <a:p>
+            <a:pPr marL="182245" indent="-182245"/>
+            <a:r>
+              <a:rPr lang="de-DE" dirty="0" err="1">
+                <a:cs typeface="Calibri"/>
+              </a:rPr>
+              <a:t>Floats</a:t>
+            </a:r>
+            <a:r>
+              <a:rPr lang="de-DE" dirty="0">
+                <a:cs typeface="Calibri"/>
+              </a:rPr>
+              <a:t>:</a:t>
+            </a:r>
+          </a:p>
+          <a:p>
+            <a:pPr marL="383540" lvl="1"/>
+            <a:r>
+              <a:rPr lang="de-DE" dirty="0">
+                <a:cs typeface="Calibri"/>
+              </a:rPr>
+              <a:t>Floating </a:t>
+            </a:r>
+            <a:r>
+              <a:rPr lang="de-DE" dirty="0" err="1">
+                <a:cs typeface="Calibri"/>
+              </a:rPr>
+              <a:t>point</a:t>
+            </a:r>
+            <a:r>
+              <a:rPr lang="de-DE" dirty="0">
+                <a:cs typeface="Calibri"/>
+              </a:rPr>
+              <a:t> </a:t>
+            </a:r>
+            <a:r>
+              <a:rPr lang="de-DE" dirty="0" err="1">
+                <a:cs typeface="Calibri"/>
+              </a:rPr>
+              <a:t>numbers</a:t>
+            </a:r>
+          </a:p>
+          <a:p>
+            <a:pPr marL="383540" lvl="1"/>
+            <a:r>
+              <a:rPr lang="de-DE" dirty="0" err="1">
+                <a:cs typeface="Calibri"/>
+              </a:rPr>
+              <a:t>Examples</a:t>
+            </a:r>
+            <a:r>
+              <a:rPr lang="de-DE" dirty="0">
+                <a:cs typeface="Calibri"/>
+              </a:rPr>
+              <a:t>: 0.01, 23.8912, -10.5</a:t>
+            </a:r>
           </a:p>
         </p:txBody>
       </p:sp>
@@ -8075,7 +8031,7 @@
     </p:spTree>
     <p:extLst>
       <p:ext uri="{BB962C8B-B14F-4D97-AF65-F5344CB8AC3E}">
-        <p14:creationId xmlns:p14="http://schemas.microsoft.com/office/powerpoint/2010/main" val="3216760496"/>
+        <p14:creationId xmlns:p14="http://schemas.microsoft.com/office/powerpoint/2010/main" val="518916278"/>
       </p:ext>
     </p:extLst>
   </p:cSld>
@@ -8124,6 +8080,1050 @@
           <a:lstStyle/>
           <a:p>
             <a:r>
+              <a:rPr lang="de-DE" dirty="0">
+                <a:cs typeface="Calibri Light"/>
+              </a:rPr>
+              <a:t>Text </a:t>
+            </a:r>
+            <a:r>
+              <a:rPr lang="de-DE" dirty="0" err="1">
+                <a:cs typeface="Calibri Light"/>
+              </a:rPr>
+              <a:t>types</a:t>
+            </a:r>
+            <a:endParaRPr lang="de-DE" dirty="0" err="1"/>
+          </a:p>
+        </p:txBody>
+      </p:sp>
+      <p:sp>
+        <p:nvSpPr>
+          <p:cNvPr id="3" name="Inhaltsplatzhalter 2">
+            <a:extLst>
+              <a:ext uri="{FF2B5EF4-FFF2-40B4-BE49-F238E27FC236}">
+                <a16:creationId xmlns:a16="http://schemas.microsoft.com/office/drawing/2014/main" id="{63E5014E-4309-491A-B29A-6289374FB3BD}"/>
+              </a:ext>
+            </a:extLst>
+          </p:cNvPr>
+          <p:cNvSpPr>
+            <a:spLocks noGrp="1"/>
+          </p:cNvSpPr>
+          <p:nvPr>
+            <p:ph idx="1"/>
+          </p:nvPr>
+        </p:nvSpPr>
+        <p:spPr/>
+        <p:txBody>
+          <a:bodyPr vert="horz" lIns="0" tIns="45720" rIns="0" bIns="45720" rtlCol="0" anchor="t">
+            <a:normAutofit/>
+          </a:bodyPr>
+          <a:lstStyle/>
+          <a:p>
+            <a:pPr marL="182245" indent="-182245"/>
+            <a:r>
+              <a:rPr lang="de-DE" dirty="0" err="1">
+                <a:cs typeface="Calibri"/>
+              </a:rPr>
+              <a:t>We</a:t>
+            </a:r>
+            <a:r>
+              <a:rPr lang="de-DE" dirty="0">
+                <a:cs typeface="Calibri"/>
+              </a:rPr>
+              <a:t> </a:t>
+            </a:r>
+            <a:r>
+              <a:rPr lang="de-DE" dirty="0" err="1">
+                <a:cs typeface="Calibri"/>
+              </a:rPr>
+              <a:t>are</a:t>
+            </a:r>
+            <a:r>
+              <a:rPr lang="de-DE" dirty="0">
+                <a:cs typeface="Calibri"/>
+              </a:rPr>
+              <a:t> also </a:t>
+            </a:r>
+            <a:r>
+              <a:rPr lang="de-DE" dirty="0" err="1">
+                <a:cs typeface="Calibri"/>
+              </a:rPr>
+              <a:t>introducing</a:t>
+            </a:r>
+            <a:r>
+              <a:rPr lang="de-DE" dirty="0">
+                <a:cs typeface="Calibri"/>
+              </a:rPr>
+              <a:t> </a:t>
+            </a:r>
+            <a:r>
+              <a:rPr lang="de-DE" dirty="0" err="1">
+                <a:cs typeface="Calibri"/>
+              </a:rPr>
+              <a:t>two</a:t>
+            </a:r>
+            <a:r>
+              <a:rPr lang="de-DE" dirty="0">
+                <a:cs typeface="Calibri"/>
+              </a:rPr>
+              <a:t> </a:t>
+            </a:r>
+            <a:r>
+              <a:rPr lang="de-DE" dirty="0" err="1">
+                <a:cs typeface="Calibri"/>
+              </a:rPr>
+              <a:t>text</a:t>
+            </a:r>
+            <a:r>
+              <a:rPr lang="de-DE" dirty="0">
+                <a:cs typeface="Calibri"/>
+              </a:rPr>
+              <a:t> </a:t>
+            </a:r>
+            <a:r>
+              <a:rPr lang="de-DE" dirty="0" err="1">
+                <a:cs typeface="Calibri"/>
+              </a:rPr>
+              <a:t>types</a:t>
+            </a:r>
+            <a:r>
+              <a:rPr lang="de-DE" dirty="0">
+                <a:cs typeface="Calibri"/>
+              </a:rPr>
+              <a:t>:</a:t>
+            </a:r>
+            <a:r>
+              <a:rPr lang="de-DE" b="1" dirty="0">
+                <a:cs typeface="Calibri"/>
+              </a:rPr>
+              <a:t> </a:t>
+            </a:r>
+            <a:r>
+              <a:rPr lang="de-DE" b="1" dirty="0" err="1">
+                <a:cs typeface="Calibri"/>
+              </a:rPr>
+              <a:t>chars</a:t>
+            </a:r>
+            <a:r>
+              <a:rPr lang="de-DE" dirty="0">
+                <a:cs typeface="Calibri"/>
+              </a:rPr>
+              <a:t> and </a:t>
+            </a:r>
+            <a:r>
+              <a:rPr lang="de-DE" b="1" dirty="0" err="1">
+                <a:cs typeface="Calibri"/>
+              </a:rPr>
+              <a:t>strings</a:t>
+            </a:r>
+            <a:endParaRPr lang="de-DE" b="1" dirty="0">
+              <a:cs typeface="Calibri"/>
+            </a:endParaRPr>
+          </a:p>
+          <a:p>
+            <a:pPr marL="182245" indent="-182245"/>
+            <a:r>
+              <a:rPr lang="de-DE" dirty="0">
+                <a:cs typeface="Calibri"/>
+              </a:rPr>
+              <a:t>Chars</a:t>
+            </a:r>
+          </a:p>
+          <a:p>
+            <a:pPr marL="383540" lvl="1"/>
+            <a:r>
+              <a:rPr lang="de-DE" dirty="0" err="1">
+                <a:cs typeface="Calibri"/>
+              </a:rPr>
+              <a:t>contain</a:t>
+            </a:r>
+            <a:r>
+              <a:rPr lang="de-DE" dirty="0">
+                <a:cs typeface="Calibri"/>
+              </a:rPr>
+              <a:t> </a:t>
+            </a:r>
+            <a:r>
+              <a:rPr lang="de-DE" dirty="0" err="1">
+                <a:cs typeface="Calibri"/>
+              </a:rPr>
+              <a:t>single</a:t>
+            </a:r>
+            <a:r>
+              <a:rPr lang="de-DE" dirty="0">
+                <a:cs typeface="Calibri"/>
+              </a:rPr>
+              <a:t> </a:t>
+            </a:r>
+            <a:r>
+              <a:rPr lang="de-DE" dirty="0" err="1">
+                <a:cs typeface="Calibri"/>
+              </a:rPr>
+              <a:t>characters</a:t>
+            </a:r>
+          </a:p>
+          <a:p>
+            <a:pPr marL="383540" lvl="1"/>
+            <a:r>
+              <a:rPr lang="de-DE" dirty="0" err="1">
+                <a:cs typeface="Calibri"/>
+              </a:rPr>
+              <a:t>Characters</a:t>
+            </a:r>
+            <a:r>
+              <a:rPr lang="de-DE" dirty="0">
+                <a:cs typeface="Calibri"/>
+              </a:rPr>
+              <a:t> </a:t>
+            </a:r>
+            <a:r>
+              <a:rPr lang="de-DE" dirty="0" err="1">
+                <a:cs typeface="Calibri"/>
+              </a:rPr>
+              <a:t>don't</a:t>
+            </a:r>
+            <a:r>
+              <a:rPr lang="de-DE" dirty="0">
+                <a:cs typeface="Calibri"/>
+              </a:rPr>
+              <a:t> </a:t>
+            </a:r>
+            <a:r>
+              <a:rPr lang="de-DE" dirty="0" err="1">
+                <a:cs typeface="Calibri"/>
+              </a:rPr>
+              <a:t>have</a:t>
+            </a:r>
+            <a:r>
+              <a:rPr lang="de-DE" dirty="0">
+                <a:cs typeface="Calibri"/>
+              </a:rPr>
+              <a:t> </a:t>
+            </a:r>
+            <a:r>
+              <a:rPr lang="de-DE" dirty="0" err="1">
+                <a:cs typeface="Calibri"/>
+              </a:rPr>
+              <a:t>to</a:t>
+            </a:r>
+            <a:r>
+              <a:rPr lang="de-DE" dirty="0">
+                <a:cs typeface="Calibri"/>
+              </a:rPr>
+              <a:t> </a:t>
+            </a:r>
+            <a:r>
+              <a:rPr lang="de-DE" dirty="0" err="1">
+                <a:cs typeface="Calibri"/>
+              </a:rPr>
+              <a:t>be</a:t>
+            </a:r>
+            <a:r>
+              <a:rPr lang="de-DE" dirty="0">
+                <a:cs typeface="Calibri"/>
+              </a:rPr>
+              <a:t> </a:t>
+            </a:r>
+            <a:r>
+              <a:rPr lang="de-DE" dirty="0" err="1">
+                <a:cs typeface="Calibri"/>
+              </a:rPr>
+              <a:t>letters</a:t>
+            </a:r>
+            <a:r>
+              <a:rPr lang="de-DE" dirty="0">
+                <a:cs typeface="Calibri"/>
+              </a:rPr>
+              <a:t> </a:t>
+            </a:r>
+            <a:r>
+              <a:rPr lang="de-DE" dirty="0" err="1">
+                <a:cs typeface="Calibri"/>
+              </a:rPr>
+              <a:t>from</a:t>
+            </a:r>
+            <a:r>
+              <a:rPr lang="de-DE" dirty="0">
+                <a:cs typeface="Calibri"/>
+              </a:rPr>
+              <a:t> </a:t>
+            </a:r>
+            <a:r>
+              <a:rPr lang="de-DE" dirty="0" err="1">
+                <a:cs typeface="Calibri"/>
+              </a:rPr>
+              <a:t>the</a:t>
+            </a:r>
+            <a:r>
+              <a:rPr lang="de-DE" dirty="0">
+                <a:cs typeface="Calibri"/>
+              </a:rPr>
+              <a:t> </a:t>
+            </a:r>
+            <a:r>
+              <a:rPr lang="de-DE" dirty="0" err="1">
+                <a:cs typeface="Calibri"/>
+              </a:rPr>
+              <a:t>alphabet</a:t>
+            </a:r>
+            <a:r>
+              <a:rPr lang="de-DE" dirty="0">
+                <a:cs typeface="Calibri"/>
+              </a:rPr>
+              <a:t> – </a:t>
+            </a:r>
+            <a:r>
+              <a:rPr lang="de-DE" dirty="0" err="1">
+                <a:cs typeface="Calibri"/>
+              </a:rPr>
+              <a:t>they</a:t>
+            </a:r>
+            <a:r>
+              <a:rPr lang="de-DE" dirty="0">
+                <a:cs typeface="Calibri"/>
+              </a:rPr>
+              <a:t> </a:t>
+            </a:r>
+            <a:r>
+              <a:rPr lang="de-DE" dirty="0" err="1">
+                <a:cs typeface="Calibri"/>
+              </a:rPr>
+              <a:t>can</a:t>
+            </a:r>
+            <a:r>
+              <a:rPr lang="de-DE" dirty="0">
+                <a:cs typeface="Calibri"/>
+              </a:rPr>
+              <a:t> also </a:t>
+            </a:r>
+            <a:r>
+              <a:rPr lang="de-DE" dirty="0" err="1">
+                <a:cs typeface="Calibri"/>
+              </a:rPr>
+              <a:t>be</a:t>
+            </a:r>
+            <a:r>
+              <a:rPr lang="de-DE" dirty="0">
+                <a:cs typeface="Calibri"/>
+              </a:rPr>
+              <a:t> </a:t>
+            </a:r>
+            <a:r>
+              <a:rPr lang="de-DE" dirty="0" err="1">
+                <a:cs typeface="Calibri"/>
+              </a:rPr>
+              <a:t>punctuation</a:t>
+            </a:r>
+            <a:r>
+              <a:rPr lang="de-DE" dirty="0">
+                <a:cs typeface="Calibri"/>
+              </a:rPr>
+              <a:t> </a:t>
+            </a:r>
+            <a:r>
+              <a:rPr lang="de-DE" dirty="0" err="1">
+                <a:cs typeface="Calibri"/>
+              </a:rPr>
+              <a:t>characters</a:t>
+            </a:r>
+            <a:r>
+              <a:rPr lang="de-DE" dirty="0">
+                <a:cs typeface="Calibri"/>
+              </a:rPr>
+              <a:t>, </a:t>
+            </a:r>
+            <a:r>
+              <a:rPr lang="de-DE" dirty="0" err="1">
+                <a:cs typeface="Calibri"/>
+              </a:rPr>
+              <a:t>numbers</a:t>
+            </a:r>
+            <a:r>
+              <a:rPr lang="de-DE" dirty="0">
+                <a:cs typeface="Calibri"/>
+              </a:rPr>
+              <a:t>, ...</a:t>
+            </a:r>
+          </a:p>
+          <a:p>
+            <a:pPr marL="383540" lvl="1"/>
+            <a:r>
+              <a:rPr lang="de-DE" dirty="0" err="1">
+                <a:cs typeface="Calibri"/>
+              </a:rPr>
+              <a:t>Examples</a:t>
+            </a:r>
+            <a:r>
+              <a:rPr lang="de-DE" dirty="0">
+                <a:cs typeface="Calibri"/>
+              </a:rPr>
+              <a:t>: 'a', 'Z', '!', '#', '5'</a:t>
+            </a:r>
+          </a:p>
+          <a:p>
+            <a:pPr marL="182245" indent="-182245"/>
+            <a:r>
+              <a:rPr lang="de-DE" dirty="0">
+                <a:cs typeface="Calibri"/>
+              </a:rPr>
+              <a:t>Strings:</a:t>
+            </a:r>
+          </a:p>
+          <a:p>
+            <a:pPr marL="383540" lvl="1"/>
+            <a:r>
+              <a:rPr lang="de-DE" dirty="0" err="1">
+                <a:cs typeface="Calibri"/>
+              </a:rPr>
+              <a:t>Contain</a:t>
+            </a:r>
+            <a:r>
+              <a:rPr lang="de-DE" dirty="0">
+                <a:cs typeface="Calibri"/>
+              </a:rPr>
+              <a:t> </a:t>
+            </a:r>
+            <a:r>
+              <a:rPr lang="de-DE" dirty="0" err="1">
+                <a:cs typeface="Calibri"/>
+              </a:rPr>
+              <a:t>concatenations</a:t>
+            </a:r>
+            <a:r>
+              <a:rPr lang="de-DE" dirty="0">
+                <a:cs typeface="Calibri"/>
+              </a:rPr>
+              <a:t> </a:t>
+            </a:r>
+            <a:r>
+              <a:rPr lang="de-DE" dirty="0" err="1">
+                <a:cs typeface="Calibri"/>
+              </a:rPr>
+              <a:t>of</a:t>
+            </a:r>
+            <a:r>
+              <a:rPr lang="de-DE" dirty="0">
+                <a:cs typeface="Calibri"/>
+              </a:rPr>
+              <a:t> </a:t>
+            </a:r>
+            <a:r>
+              <a:rPr lang="de-DE" dirty="0" err="1">
+                <a:cs typeface="Calibri"/>
+              </a:rPr>
+              <a:t>single</a:t>
+            </a:r>
+            <a:r>
+              <a:rPr lang="de-DE" dirty="0">
+                <a:cs typeface="Calibri"/>
+              </a:rPr>
+              <a:t> </a:t>
+            </a:r>
+            <a:r>
+              <a:rPr lang="de-DE" dirty="0" err="1">
+                <a:cs typeface="Calibri"/>
+              </a:rPr>
+              <a:t>characters</a:t>
+            </a:r>
+            <a:r>
+              <a:rPr lang="de-DE" dirty="0">
+                <a:cs typeface="Calibri"/>
+              </a:rPr>
+              <a:t> (</a:t>
+            </a:r>
+            <a:r>
+              <a:rPr lang="de-DE" dirty="0" err="1">
+                <a:cs typeface="Calibri"/>
+              </a:rPr>
+              <a:t>they</a:t>
+            </a:r>
+            <a:r>
+              <a:rPr lang="de-DE" dirty="0">
+                <a:cs typeface="Calibri"/>
+              </a:rPr>
+              <a:t> </a:t>
+            </a:r>
+            <a:r>
+              <a:rPr lang="de-DE" dirty="0" err="1">
+                <a:cs typeface="Calibri"/>
+              </a:rPr>
+              <a:t>can</a:t>
+            </a:r>
+            <a:r>
+              <a:rPr lang="de-DE" dirty="0">
+                <a:cs typeface="Calibri"/>
+              </a:rPr>
+              <a:t> also </a:t>
+            </a:r>
+            <a:r>
+              <a:rPr lang="de-DE" dirty="0" err="1">
+                <a:cs typeface="Calibri"/>
+              </a:rPr>
+              <a:t>be</a:t>
+            </a:r>
+            <a:r>
+              <a:rPr lang="de-DE" dirty="0">
+                <a:cs typeface="Calibri"/>
+              </a:rPr>
+              <a:t> </a:t>
+            </a:r>
+            <a:r>
+              <a:rPr lang="de-DE" dirty="0" err="1">
+                <a:cs typeface="Calibri"/>
+              </a:rPr>
+              <a:t>empty</a:t>
+            </a:r>
+            <a:r>
+              <a:rPr lang="de-DE" dirty="0">
+                <a:solidFill>
+                  <a:srgbClr val="404040"/>
+                </a:solidFill>
+                <a:cs typeface="Calibri"/>
+              </a:rPr>
+              <a:t>!)</a:t>
+            </a:r>
+          </a:p>
+          <a:p>
+            <a:pPr marL="383540" lvl="1"/>
+            <a:r>
+              <a:rPr lang="de-DE" dirty="0" err="1">
+                <a:cs typeface="Calibri"/>
+              </a:rPr>
+              <a:t>Examples</a:t>
+            </a:r>
+            <a:r>
+              <a:rPr lang="de-DE" dirty="0">
+                <a:cs typeface="Calibri"/>
+              </a:rPr>
+              <a:t>: "Hello World", "</a:t>
+            </a:r>
+            <a:r>
+              <a:rPr lang="de-DE" dirty="0" err="1">
+                <a:cs typeface="Calibri"/>
+              </a:rPr>
+              <a:t>arrr</a:t>
+            </a:r>
+            <a:r>
+              <a:rPr lang="de-DE" dirty="0">
+                <a:cs typeface="Calibri"/>
+              </a:rPr>
+              <a:t>!", "347893helloworld", "x", ""</a:t>
+            </a:r>
+          </a:p>
+          <a:p>
+            <a:pPr marL="0" indent="0">
+              <a:buNone/>
+            </a:pPr>
+            <a:endParaRPr lang="de-DE" dirty="0">
+              <a:cs typeface="Calibri"/>
+            </a:endParaRPr>
+          </a:p>
+        </p:txBody>
+      </p:sp>
+      <p:sp>
+        <p:nvSpPr>
+          <p:cNvPr id="4" name="Foliennummernplatzhalter 3">
+            <a:extLst>
+              <a:ext uri="{FF2B5EF4-FFF2-40B4-BE49-F238E27FC236}">
+                <a16:creationId xmlns:a16="http://schemas.microsoft.com/office/drawing/2014/main" id="{40AF29B7-F2AB-4A5E-A585-80CFDAAC8759}"/>
+              </a:ext>
+            </a:extLst>
+          </p:cNvPr>
+          <p:cNvSpPr>
+            <a:spLocks noGrp="1"/>
+          </p:cNvSpPr>
+          <p:nvPr>
+            <p:ph type="sldNum" sz="quarter" idx="12"/>
+          </p:nvPr>
+        </p:nvSpPr>
+        <p:spPr/>
+        <p:txBody>
+          <a:bodyPr/>
+          <a:lstStyle/>
+          <a:p>
+            <a:fld id="{89C4E583-6443-4199-AF95-A2ECCC288D48}" type="slidenum">
+              <a:rPr lang="en-GB" smtClean="0"/>
+              <a:t>11</a:t>
+            </a:fld>
+            <a:endParaRPr lang="en-GB"/>
+          </a:p>
+        </p:txBody>
+      </p:sp>
+    </p:spTree>
+    <p:extLst>
+      <p:ext uri="{BB962C8B-B14F-4D97-AF65-F5344CB8AC3E}">
+        <p14:creationId xmlns:p14="http://schemas.microsoft.com/office/powerpoint/2010/main" val="2874044789"/>
+      </p:ext>
+    </p:extLst>
+  </p:cSld>
+  <p:clrMapOvr>
+    <a:masterClrMapping/>
+  </p:clrMapOvr>
+</p:sld>
+</file>
+
+<file path=ppt/slides/slide12.xml><?xml version="1.0" encoding="utf-8"?>
+<p:sld xmlns:a="http://schemas.openxmlformats.org/drawingml/2006/main" xmlns:r="http://schemas.openxmlformats.org/officeDocument/2006/relationships" xmlns:p="http://schemas.openxmlformats.org/presentationml/2006/main">
+  <p:cSld>
+    <p:spTree>
+      <p:nvGrpSpPr>
+        <p:cNvPr id="1" name=""/>
+        <p:cNvGrpSpPr/>
+        <p:nvPr/>
+      </p:nvGrpSpPr>
+      <p:grpSpPr>
+        <a:xfrm>
+          <a:off x="0" y="0"/>
+          <a:ext cx="0" cy="0"/>
+          <a:chOff x="0" y="0"/>
+          <a:chExt cx="0" cy="0"/>
+        </a:xfrm>
+      </p:grpSpPr>
+      <p:sp>
+        <p:nvSpPr>
+          <p:cNvPr id="2" name="Titel 1">
+            <a:extLst>
+              <a:ext uri="{FF2B5EF4-FFF2-40B4-BE49-F238E27FC236}">
+                <a16:creationId xmlns:a16="http://schemas.microsoft.com/office/drawing/2014/main" id="{824CCC26-B5F4-445B-9894-044ABDE86E58}"/>
+              </a:ext>
+            </a:extLst>
+          </p:cNvPr>
+          <p:cNvSpPr>
+            <a:spLocks noGrp="1"/>
+          </p:cNvSpPr>
+          <p:nvPr>
+            <p:ph type="title"/>
+          </p:nvPr>
+        </p:nvSpPr>
+        <p:spPr/>
+        <p:txBody>
+          <a:bodyPr/>
+          <a:lstStyle/>
+          <a:p>
+            <a:r>
+              <a:rPr lang="de-DE" dirty="0">
+                <a:cs typeface="Calibri Light"/>
+              </a:rPr>
+              <a:t>Truth </a:t>
+            </a:r>
+            <a:r>
+              <a:rPr lang="de-DE" dirty="0" err="1">
+                <a:cs typeface="Calibri Light"/>
+              </a:rPr>
+              <a:t>values</a:t>
+            </a:r>
+            <a:endParaRPr lang="de-DE" dirty="0" err="1"/>
+          </a:p>
+        </p:txBody>
+      </p:sp>
+      <p:sp>
+        <p:nvSpPr>
+          <p:cNvPr id="3" name="Inhaltsplatzhalter 2">
+            <a:extLst>
+              <a:ext uri="{FF2B5EF4-FFF2-40B4-BE49-F238E27FC236}">
+                <a16:creationId xmlns:a16="http://schemas.microsoft.com/office/drawing/2014/main" id="{63E5014E-4309-491A-B29A-6289374FB3BD}"/>
+              </a:ext>
+            </a:extLst>
+          </p:cNvPr>
+          <p:cNvSpPr>
+            <a:spLocks noGrp="1"/>
+          </p:cNvSpPr>
+          <p:nvPr>
+            <p:ph idx="1"/>
+          </p:nvPr>
+        </p:nvSpPr>
+        <p:spPr/>
+        <p:txBody>
+          <a:bodyPr vert="horz" lIns="0" tIns="45720" rIns="0" bIns="45720" rtlCol="0" anchor="t">
+            <a:normAutofit/>
+          </a:bodyPr>
+          <a:lstStyle/>
+          <a:p>
+            <a:pPr marL="182245" indent="-182245"/>
+            <a:r>
+              <a:rPr lang="de-DE" dirty="0">
+                <a:cs typeface="Calibri"/>
+              </a:rPr>
+              <a:t>The type </a:t>
+            </a:r>
+            <a:r>
+              <a:rPr lang="de-DE" dirty="0" err="1">
+                <a:cs typeface="Calibri"/>
+              </a:rPr>
+              <a:t>of</a:t>
+            </a:r>
+            <a:r>
+              <a:rPr lang="de-DE" dirty="0">
+                <a:cs typeface="Calibri"/>
+              </a:rPr>
+              <a:t> a variable </a:t>
+            </a:r>
+            <a:r>
+              <a:rPr lang="de-DE" dirty="0" err="1">
+                <a:cs typeface="Calibri"/>
+              </a:rPr>
+              <a:t>containing</a:t>
+            </a:r>
+            <a:r>
+              <a:rPr lang="de-DE" dirty="0">
+                <a:cs typeface="Calibri"/>
+              </a:rPr>
+              <a:t> a </a:t>
+            </a:r>
+            <a:r>
+              <a:rPr lang="de-DE" dirty="0" err="1">
+                <a:cs typeface="Calibri"/>
+              </a:rPr>
+              <a:t>truth</a:t>
+            </a:r>
+            <a:r>
+              <a:rPr lang="de-DE" dirty="0">
+                <a:cs typeface="Calibri"/>
+              </a:rPr>
+              <a:t> </a:t>
+            </a:r>
+            <a:r>
+              <a:rPr lang="de-DE" dirty="0" err="1">
+                <a:cs typeface="Calibri"/>
+              </a:rPr>
+              <a:t>value</a:t>
+            </a:r>
+            <a:r>
+              <a:rPr lang="de-DE" dirty="0">
+                <a:cs typeface="Calibri"/>
+              </a:rPr>
+              <a:t> </a:t>
+            </a:r>
+            <a:r>
+              <a:rPr lang="de-DE" dirty="0" err="1">
+                <a:cs typeface="Calibri"/>
+              </a:rPr>
+              <a:t>is</a:t>
+            </a:r>
+            <a:r>
+              <a:rPr lang="de-DE" dirty="0">
+                <a:cs typeface="Calibri"/>
+              </a:rPr>
+              <a:t> </a:t>
+            </a:r>
+            <a:r>
+              <a:rPr lang="de-DE" dirty="0" err="1">
+                <a:cs typeface="Calibri"/>
+              </a:rPr>
+              <a:t>called</a:t>
+            </a:r>
+            <a:r>
+              <a:rPr lang="de-DE" dirty="0">
+                <a:cs typeface="Calibri"/>
+              </a:rPr>
+              <a:t> </a:t>
+            </a:r>
+            <a:r>
+              <a:rPr lang="de-DE" b="1" dirty="0" err="1">
+                <a:cs typeface="Calibri"/>
+              </a:rPr>
+              <a:t>boolean</a:t>
+            </a:r>
+            <a:endParaRPr lang="de-DE" b="1" dirty="0">
+              <a:cs typeface="Calibri"/>
+            </a:endParaRPr>
+          </a:p>
+          <a:p>
+            <a:pPr marL="182245" indent="-182245"/>
+            <a:r>
+              <a:rPr lang="de-DE" dirty="0" err="1">
+                <a:cs typeface="Calibri"/>
+              </a:rPr>
+              <a:t>Booleans</a:t>
+            </a:r>
+          </a:p>
+          <a:p>
+            <a:pPr marL="383540" lvl="1"/>
+            <a:r>
+              <a:rPr lang="de-DE" dirty="0">
+                <a:cs typeface="Calibri"/>
+              </a:rPr>
+              <a:t>Are </a:t>
+            </a:r>
+            <a:r>
+              <a:rPr lang="de-DE" dirty="0" err="1">
+                <a:cs typeface="Calibri"/>
+              </a:rPr>
+              <a:t>either</a:t>
+            </a:r>
+            <a:r>
+              <a:rPr lang="de-DE" dirty="0">
+                <a:cs typeface="Calibri"/>
+              </a:rPr>
+              <a:t> </a:t>
+            </a:r>
+            <a:r>
+              <a:rPr lang="de-DE" i="1" dirty="0" err="1">
+                <a:cs typeface="Calibri"/>
+              </a:rPr>
+              <a:t>true</a:t>
+            </a:r>
+            <a:r>
+              <a:rPr lang="de-DE" dirty="0">
+                <a:cs typeface="Calibri"/>
+              </a:rPr>
+              <a:t> </a:t>
+            </a:r>
+            <a:r>
+              <a:rPr lang="de-DE" dirty="0" err="1">
+                <a:cs typeface="Calibri"/>
+              </a:rPr>
+              <a:t>or</a:t>
+            </a:r>
+            <a:r>
+              <a:rPr lang="de-DE" dirty="0">
+                <a:cs typeface="Calibri"/>
+              </a:rPr>
+              <a:t> </a:t>
+            </a:r>
+            <a:r>
+              <a:rPr lang="de-DE" i="1" dirty="0" err="1">
+                <a:cs typeface="Calibri"/>
+              </a:rPr>
+              <a:t>false</a:t>
+            </a:r>
+          </a:p>
+          <a:p>
+            <a:pPr marL="566420" lvl="2"/>
+            <a:r>
+              <a:rPr lang="de-DE" dirty="0" err="1">
+                <a:cs typeface="Calibri"/>
+              </a:rPr>
+              <a:t>Which</a:t>
+            </a:r>
+            <a:r>
+              <a:rPr lang="de-DE" dirty="0">
+                <a:cs typeface="Calibri"/>
+              </a:rPr>
+              <a:t> </a:t>
+            </a:r>
+            <a:r>
+              <a:rPr lang="de-DE" dirty="0" err="1">
+                <a:cs typeface="Calibri"/>
+              </a:rPr>
+              <a:t>translates</a:t>
+            </a:r>
+            <a:r>
+              <a:rPr lang="de-DE" dirty="0">
+                <a:cs typeface="Calibri"/>
+              </a:rPr>
+              <a:t> </a:t>
+            </a:r>
+            <a:r>
+              <a:rPr lang="de-DE" dirty="0" err="1">
+                <a:cs typeface="Calibri"/>
+              </a:rPr>
+              <a:t>to</a:t>
+            </a:r>
+            <a:r>
+              <a:rPr lang="de-DE" dirty="0">
+                <a:cs typeface="Calibri"/>
+              </a:rPr>
+              <a:t> </a:t>
+            </a:r>
+            <a:r>
+              <a:rPr lang="de-DE" i="1" dirty="0" err="1">
+                <a:cs typeface="Calibri"/>
+              </a:rPr>
+              <a:t>yes</a:t>
+            </a:r>
+            <a:r>
+              <a:rPr lang="de-DE" i="1" dirty="0">
+                <a:cs typeface="Calibri"/>
+              </a:rPr>
+              <a:t>/</a:t>
+            </a:r>
+            <a:r>
+              <a:rPr lang="de-DE" i="1" dirty="0" err="1">
+                <a:cs typeface="Calibri"/>
+              </a:rPr>
+              <a:t>no</a:t>
+            </a:r>
+            <a:r>
+              <a:rPr lang="de-DE" i="1" dirty="0">
+                <a:cs typeface="Calibri"/>
+              </a:rPr>
+              <a:t> </a:t>
+            </a:r>
+            <a:r>
+              <a:rPr lang="de-DE" dirty="0" err="1">
+                <a:cs typeface="Calibri"/>
+              </a:rPr>
+              <a:t>or</a:t>
+            </a:r>
+            <a:r>
+              <a:rPr lang="de-DE" dirty="0">
+                <a:cs typeface="Calibri"/>
+              </a:rPr>
+              <a:t> </a:t>
+            </a:r>
+            <a:r>
+              <a:rPr lang="de-DE" i="1" dirty="0">
+                <a:cs typeface="Calibri"/>
+              </a:rPr>
+              <a:t>0/1 </a:t>
+            </a:r>
+          </a:p>
+          <a:p>
+            <a:pPr marL="383540" lvl="1"/>
+            <a:r>
+              <a:rPr lang="de-DE" dirty="0" err="1">
+                <a:cs typeface="Calibri"/>
+              </a:rPr>
+              <a:t>there</a:t>
+            </a:r>
+            <a:r>
+              <a:rPr lang="de-DE" dirty="0">
+                <a:cs typeface="Calibri"/>
+              </a:rPr>
+              <a:t> </a:t>
+            </a:r>
+            <a:r>
+              <a:rPr lang="de-DE" dirty="0" err="1">
+                <a:cs typeface="Calibri"/>
+              </a:rPr>
+              <a:t>is</a:t>
+            </a:r>
+            <a:r>
+              <a:rPr lang="de-DE" dirty="0">
+                <a:cs typeface="Calibri"/>
+              </a:rPr>
+              <a:t> </a:t>
+            </a:r>
+            <a:r>
+              <a:rPr lang="de-DE" dirty="0" err="1">
+                <a:cs typeface="Calibri"/>
+              </a:rPr>
+              <a:t>no</a:t>
+            </a:r>
+            <a:r>
+              <a:rPr lang="de-DE" dirty="0">
+                <a:cs typeface="Calibri"/>
+              </a:rPr>
+              <a:t> </a:t>
+            </a:r>
+            <a:r>
+              <a:rPr lang="de-DE" dirty="0" err="1">
+                <a:cs typeface="Calibri"/>
+              </a:rPr>
+              <a:t>other</a:t>
+            </a:r>
+            <a:r>
+              <a:rPr lang="de-DE" dirty="0">
+                <a:cs typeface="Calibri"/>
+              </a:rPr>
+              <a:t> </a:t>
+            </a:r>
+            <a:r>
+              <a:rPr lang="de-DE" dirty="0" err="1">
+                <a:cs typeface="Calibri"/>
+              </a:rPr>
+              <a:t>option</a:t>
+            </a:r>
+          </a:p>
+          <a:p>
+            <a:pPr marL="0" indent="0">
+              <a:buNone/>
+            </a:pPr>
+            <a:endParaRPr lang="de-DE" dirty="0">
+              <a:cs typeface="Calibri"/>
+            </a:endParaRPr>
+          </a:p>
+          <a:p>
+            <a:pPr marL="0" indent="0">
+              <a:buNone/>
+            </a:pPr>
+            <a:endParaRPr lang="de-DE" dirty="0">
+              <a:cs typeface="Calibri"/>
+            </a:endParaRPr>
+          </a:p>
+        </p:txBody>
+      </p:sp>
+      <p:sp>
+        <p:nvSpPr>
+          <p:cNvPr id="4" name="Foliennummernplatzhalter 3">
+            <a:extLst>
+              <a:ext uri="{FF2B5EF4-FFF2-40B4-BE49-F238E27FC236}">
+                <a16:creationId xmlns:a16="http://schemas.microsoft.com/office/drawing/2014/main" id="{40AF29B7-F2AB-4A5E-A585-80CFDAAC8759}"/>
+              </a:ext>
+            </a:extLst>
+          </p:cNvPr>
+          <p:cNvSpPr>
+            <a:spLocks noGrp="1"/>
+          </p:cNvSpPr>
+          <p:nvPr>
+            <p:ph type="sldNum" sz="quarter" idx="12"/>
+          </p:nvPr>
+        </p:nvSpPr>
+        <p:spPr/>
+        <p:txBody>
+          <a:bodyPr/>
+          <a:lstStyle/>
+          <a:p>
+            <a:fld id="{89C4E583-6443-4199-AF95-A2ECCC288D48}" type="slidenum">
+              <a:rPr lang="en-GB" smtClean="0"/>
+              <a:t>12</a:t>
+            </a:fld>
+            <a:endParaRPr lang="en-GB"/>
+          </a:p>
+        </p:txBody>
+      </p:sp>
+    </p:spTree>
+    <p:extLst>
+      <p:ext uri="{BB962C8B-B14F-4D97-AF65-F5344CB8AC3E}">
+        <p14:creationId xmlns:p14="http://schemas.microsoft.com/office/powerpoint/2010/main" val="3216760496"/>
+      </p:ext>
+    </p:extLst>
+  </p:cSld>
+  <p:clrMapOvr>
+    <a:masterClrMapping/>
+  </p:clrMapOvr>
+</p:sld>
+</file>
+
+<file path=ppt/slides/slide13.xml><?xml version="1.0" encoding="utf-8"?>
+<p:sld xmlns:a="http://schemas.openxmlformats.org/drawingml/2006/main" xmlns:r="http://schemas.openxmlformats.org/officeDocument/2006/relationships" xmlns:p="http://schemas.openxmlformats.org/presentationml/2006/main">
+  <p:cSld>
+    <p:spTree>
+      <p:nvGrpSpPr>
+        <p:cNvPr id="1" name=""/>
+        <p:cNvGrpSpPr/>
+        <p:nvPr/>
+      </p:nvGrpSpPr>
+      <p:grpSpPr>
+        <a:xfrm>
+          <a:off x="0" y="0"/>
+          <a:ext cx="0" cy="0"/>
+          <a:chOff x="0" y="0"/>
+          <a:chExt cx="0" cy="0"/>
+        </a:xfrm>
+      </p:grpSpPr>
+      <p:sp>
+        <p:nvSpPr>
+          <p:cNvPr id="2" name="Titel 1">
+            <a:extLst>
+              <a:ext uri="{FF2B5EF4-FFF2-40B4-BE49-F238E27FC236}">
+                <a16:creationId xmlns:a16="http://schemas.microsoft.com/office/drawing/2014/main" id="{824CCC26-B5F4-445B-9894-044ABDE86E58}"/>
+              </a:ext>
+            </a:extLst>
+          </p:cNvPr>
+          <p:cNvSpPr>
+            <a:spLocks noGrp="1"/>
+          </p:cNvSpPr>
+          <p:nvPr>
+            <p:ph type="title"/>
+          </p:nvPr>
+        </p:nvSpPr>
+        <p:spPr/>
+        <p:txBody>
+          <a:bodyPr/>
+          <a:lstStyle/>
+          <a:p>
+            <a:r>
               <a:rPr lang="de-DE" dirty="0" err="1">
                 <a:cs typeface="Calibri Light"/>
               </a:rPr>
@@ -8777,7 +9777,7 @@
           <a:p>
             <a:fld id="{89C4E583-6443-4199-AF95-A2ECCC288D48}" type="slidenum">
               <a:rPr lang="en-GB" smtClean="0"/>
-              <a:t>11</a:t>
+              <a:t>13</a:t>
             </a:fld>
             <a:endParaRPr lang="en-GB"/>
           </a:p>
@@ -8796,7 +9796,7 @@
 </p:sld>
 </file>
 
-<file path=ppt/slides/slide12.xml><?xml version="1.0" encoding="utf-8"?>
+<file path=ppt/slides/slide14.xml><?xml version="1.0" encoding="utf-8"?>
 <p:sld xmlns:a="http://schemas.openxmlformats.org/drawingml/2006/main" xmlns:r="http://schemas.openxmlformats.org/officeDocument/2006/relationships" xmlns:p="http://schemas.openxmlformats.org/presentationml/2006/main">
   <p:cSld>
     <p:spTree>
@@ -8838,15 +9838,9 @@
               <a:rPr lang="de-DE" dirty="0">
                 <a:cs typeface="Calibri Light"/>
               </a:rPr>
-              <a:t>Variables in </a:t>
-            </a:r>
-            <a:r>
-              <a:rPr lang="de-DE" dirty="0" err="1">
-                <a:cs typeface="Calibri Light"/>
-              </a:rPr>
-              <a:t>python</a:t>
-            </a:r>
-            <a:endParaRPr lang="de-DE" dirty="0" err="1"/>
+              <a:t>Variables in Python</a:t>
+            </a:r>
+            <a:endParaRPr lang="de-DE" dirty="0"/>
           </a:p>
         </p:txBody>
       </p:sp>
@@ -8873,7 +9867,7 @@
           <a:p>
             <a:fld id="{89C4E583-6443-4199-AF95-A2ECCC288D48}" type="slidenum">
               <a:rPr lang="en-GB" smtClean="0"/>
-              <a:t>12</a:t>
+              <a:t>14</a:t>
             </a:fld>
             <a:endParaRPr lang="en-GB"/>
           </a:p>
@@ -8883,996 +9877,6 @@
     <p:extLst>
       <p:ext uri="{BB962C8B-B14F-4D97-AF65-F5344CB8AC3E}">
         <p14:creationId xmlns:p14="http://schemas.microsoft.com/office/powerpoint/2010/main" val="1159602225"/>
-      </p:ext>
-    </p:extLst>
-  </p:cSld>
-  <p:clrMapOvr>
-    <a:masterClrMapping/>
-  </p:clrMapOvr>
-</p:sld>
-</file>
-
-<file path=ppt/slides/slide13.xml><?xml version="1.0" encoding="utf-8"?>
-<p:sld xmlns:a="http://schemas.openxmlformats.org/drawingml/2006/main" xmlns:r="http://schemas.openxmlformats.org/officeDocument/2006/relationships" xmlns:p="http://schemas.openxmlformats.org/presentationml/2006/main">
-  <p:cSld>
-    <p:spTree>
-      <p:nvGrpSpPr>
-        <p:cNvPr id="1" name=""/>
-        <p:cNvGrpSpPr/>
-        <p:nvPr/>
-      </p:nvGrpSpPr>
-      <p:grpSpPr>
-        <a:xfrm>
-          <a:off x="0" y="0"/>
-          <a:ext cx="0" cy="0"/>
-          <a:chOff x="0" y="0"/>
-          <a:chExt cx="0" cy="0"/>
-        </a:xfrm>
-      </p:grpSpPr>
-      <p:sp>
-        <p:nvSpPr>
-          <p:cNvPr id="2" name="Titel 1">
-            <a:extLst>
-              <a:ext uri="{FF2B5EF4-FFF2-40B4-BE49-F238E27FC236}">
-                <a16:creationId xmlns:a16="http://schemas.microsoft.com/office/drawing/2014/main" id="{539BE8DF-2D08-4FD5-B662-42CBC1F970C6}"/>
-              </a:ext>
-            </a:extLst>
-          </p:cNvPr>
-          <p:cNvSpPr>
-            <a:spLocks noGrp="1"/>
-          </p:cNvSpPr>
-          <p:nvPr>
-            <p:ph type="title"/>
-          </p:nvPr>
-        </p:nvSpPr>
-        <p:spPr/>
-        <p:txBody>
-          <a:bodyPr/>
-          <a:lstStyle/>
-          <a:p>
-            <a:r>
-              <a:rPr lang="de-DE" dirty="0" err="1">
-                <a:cs typeface="Calibri Light"/>
-              </a:rPr>
-              <a:t>Assigning</a:t>
-            </a:r>
-            <a:r>
-              <a:rPr lang="de-DE" dirty="0">
-                <a:cs typeface="Calibri Light"/>
-              </a:rPr>
-              <a:t> variables in </a:t>
-            </a:r>
-            <a:r>
-              <a:rPr lang="de-DE" dirty="0" err="1">
-                <a:cs typeface="Calibri Light"/>
-              </a:rPr>
-              <a:t>python</a:t>
-            </a:r>
-            <a:endParaRPr lang="de-DE" dirty="0" err="1"/>
-          </a:p>
-        </p:txBody>
-      </p:sp>
-      <p:sp>
-        <p:nvSpPr>
-          <p:cNvPr id="5" name="Inhaltsplatzhalter 4">
-            <a:extLst>
-              <a:ext uri="{FF2B5EF4-FFF2-40B4-BE49-F238E27FC236}">
-                <a16:creationId xmlns:a16="http://schemas.microsoft.com/office/drawing/2014/main" id="{11CC889A-9483-4BFF-8D2C-5C3C2568CFD1}"/>
-              </a:ext>
-            </a:extLst>
-          </p:cNvPr>
-          <p:cNvSpPr>
-            <a:spLocks noGrp="1"/>
-          </p:cNvSpPr>
-          <p:nvPr>
-            <p:ph idx="1"/>
-          </p:nvPr>
-        </p:nvSpPr>
-        <p:spPr/>
-        <p:txBody>
-          <a:bodyPr vert="horz" lIns="0" tIns="45720" rIns="0" bIns="45720" rtlCol="0" anchor="t">
-            <a:normAutofit/>
-          </a:bodyPr>
-          <a:lstStyle/>
-          <a:p>
-            <a:pPr marL="182245" indent="-182245"/>
-            <a:r>
-              <a:rPr lang="de-DE" dirty="0">
-                <a:latin typeface="Calibri"/>
-                <a:cs typeface="Calibri"/>
-              </a:rPr>
-              <a:t>Variable </a:t>
-            </a:r>
-            <a:r>
-              <a:rPr lang="de-DE" dirty="0" err="1">
-                <a:latin typeface="Calibri"/>
-                <a:cs typeface="Calibri"/>
-              </a:rPr>
-              <a:t>assignment</a:t>
-            </a:r>
-            <a:r>
-              <a:rPr lang="de-DE" dirty="0">
-                <a:latin typeface="Calibri"/>
-                <a:cs typeface="Calibri"/>
-              </a:rPr>
-              <a:t> </a:t>
-            </a:r>
-            <a:r>
-              <a:rPr lang="de-DE" dirty="0" err="1">
-                <a:latin typeface="Calibri"/>
-                <a:cs typeface="Calibri"/>
-              </a:rPr>
-              <a:t>is</a:t>
-            </a:r>
-            <a:r>
-              <a:rPr lang="de-DE" dirty="0">
-                <a:latin typeface="Calibri"/>
-                <a:cs typeface="Calibri"/>
-              </a:rPr>
-              <a:t> </a:t>
-            </a:r>
-            <a:r>
-              <a:rPr lang="de-DE" dirty="0" err="1">
-                <a:latin typeface="Calibri"/>
-                <a:cs typeface="Calibri"/>
-              </a:rPr>
-              <a:t>indicated</a:t>
-            </a:r>
-            <a:r>
-              <a:rPr lang="de-DE" dirty="0">
-                <a:latin typeface="Calibri"/>
-                <a:cs typeface="Calibri"/>
-              </a:rPr>
-              <a:t> </a:t>
-            </a:r>
-            <a:r>
-              <a:rPr lang="de-DE" dirty="0" err="1">
-                <a:latin typeface="Calibri"/>
-                <a:cs typeface="Calibri"/>
-              </a:rPr>
-              <a:t>by</a:t>
-            </a:r>
-            <a:r>
-              <a:rPr lang="de-DE" dirty="0">
-                <a:latin typeface="Calibri"/>
-                <a:cs typeface="Calibri"/>
-              </a:rPr>
-              <a:t> </a:t>
-            </a:r>
-            <a:r>
-              <a:rPr lang="de-DE" dirty="0" err="1">
-                <a:latin typeface="Calibri"/>
-                <a:cs typeface="Calibri"/>
-              </a:rPr>
-              <a:t>using</a:t>
-            </a:r>
-            <a:r>
-              <a:rPr lang="de-DE" dirty="0">
-                <a:latin typeface="Calibri"/>
-                <a:cs typeface="Calibri"/>
-              </a:rPr>
-              <a:t> a </a:t>
-            </a:r>
-            <a:r>
-              <a:rPr lang="de-DE" dirty="0" err="1">
-                <a:latin typeface="Calibri"/>
-                <a:cs typeface="Calibri"/>
-              </a:rPr>
-              <a:t>single</a:t>
-            </a:r>
-            <a:r>
-              <a:rPr lang="de-DE" dirty="0">
-                <a:latin typeface="Calibri"/>
-                <a:cs typeface="Calibri"/>
-              </a:rPr>
-              <a:t> </a:t>
-            </a:r>
-            <a:r>
-              <a:rPr lang="de-DE" i="1" dirty="0">
-                <a:latin typeface="Calibri"/>
-                <a:cs typeface="Calibri"/>
-              </a:rPr>
-              <a:t>=</a:t>
-            </a:r>
-          </a:p>
-          <a:p>
-            <a:pPr marL="182245" indent="-182245"/>
-            <a:r>
-              <a:rPr lang="de-DE" dirty="0" err="1">
-                <a:latin typeface="Calibri"/>
-                <a:cs typeface="Calibri"/>
-              </a:rPr>
-              <a:t>You</a:t>
-            </a:r>
-            <a:r>
-              <a:rPr lang="de-DE" dirty="0">
-                <a:latin typeface="Calibri"/>
-                <a:cs typeface="Calibri"/>
-              </a:rPr>
-              <a:t> </a:t>
-            </a:r>
-            <a:r>
-              <a:rPr lang="de-DE" dirty="0" err="1">
-                <a:latin typeface="Calibri"/>
-                <a:cs typeface="Calibri"/>
-              </a:rPr>
-              <a:t>always</a:t>
-            </a:r>
-            <a:r>
-              <a:rPr lang="de-DE" dirty="0">
-                <a:latin typeface="Calibri"/>
-                <a:cs typeface="Calibri"/>
-              </a:rPr>
-              <a:t> </a:t>
-            </a:r>
-            <a:r>
-              <a:rPr lang="de-DE" dirty="0" err="1">
-                <a:latin typeface="Calibri"/>
-                <a:cs typeface="Calibri"/>
-              </a:rPr>
-              <a:t>state</a:t>
-            </a:r>
-            <a:r>
-              <a:rPr lang="de-DE" dirty="0">
-                <a:latin typeface="Calibri"/>
-                <a:cs typeface="Calibri"/>
-              </a:rPr>
-              <a:t> </a:t>
-            </a:r>
-            <a:r>
-              <a:rPr lang="de-DE" dirty="0" err="1">
-                <a:latin typeface="Calibri"/>
-                <a:cs typeface="Calibri"/>
-              </a:rPr>
-              <a:t>the</a:t>
-            </a:r>
-            <a:r>
-              <a:rPr lang="de-DE" dirty="0">
-                <a:latin typeface="Calibri"/>
-                <a:cs typeface="Calibri"/>
-              </a:rPr>
-              <a:t> </a:t>
-            </a:r>
-            <a:r>
-              <a:rPr lang="de-DE" b="1" dirty="0" err="1">
-                <a:latin typeface="Calibri"/>
-                <a:cs typeface="Calibri"/>
-              </a:rPr>
-              <a:t>name</a:t>
-            </a:r>
-            <a:r>
-              <a:rPr lang="de-DE" b="1" dirty="0">
-                <a:latin typeface="Calibri"/>
-                <a:cs typeface="Calibri"/>
-              </a:rPr>
-              <a:t> </a:t>
-            </a:r>
-            <a:r>
-              <a:rPr lang="de-DE" dirty="0" err="1">
-                <a:latin typeface="Calibri"/>
-                <a:cs typeface="Calibri"/>
-              </a:rPr>
-              <a:t>of</a:t>
-            </a:r>
-            <a:r>
-              <a:rPr lang="de-DE" dirty="0">
-                <a:latin typeface="Calibri"/>
-                <a:cs typeface="Calibri"/>
-              </a:rPr>
-              <a:t> </a:t>
-            </a:r>
-            <a:r>
-              <a:rPr lang="de-DE" dirty="0" err="1">
-                <a:latin typeface="Calibri"/>
-                <a:cs typeface="Calibri"/>
-              </a:rPr>
-              <a:t>your</a:t>
-            </a:r>
-            <a:r>
-              <a:rPr lang="de-DE" dirty="0">
-                <a:latin typeface="Calibri"/>
-                <a:cs typeface="Calibri"/>
-              </a:rPr>
-              <a:t> variable on </a:t>
-            </a:r>
-            <a:r>
-              <a:rPr lang="de-DE" dirty="0" err="1">
-                <a:latin typeface="Calibri"/>
-                <a:cs typeface="Calibri"/>
-              </a:rPr>
-              <a:t>the</a:t>
-            </a:r>
-            <a:r>
-              <a:rPr lang="de-DE" dirty="0">
-                <a:latin typeface="Calibri"/>
-                <a:cs typeface="Calibri"/>
-              </a:rPr>
-              <a:t> </a:t>
-            </a:r>
-            <a:r>
-              <a:rPr lang="de-DE" dirty="0" err="1">
-                <a:latin typeface="Calibri"/>
-                <a:cs typeface="Calibri"/>
-              </a:rPr>
-              <a:t>left</a:t>
-            </a:r>
-            <a:r>
-              <a:rPr lang="de-DE" dirty="0">
-                <a:latin typeface="Calibri"/>
-                <a:cs typeface="Calibri"/>
-              </a:rPr>
-              <a:t> and </a:t>
-            </a:r>
-            <a:r>
-              <a:rPr lang="de-DE" dirty="0" err="1">
-                <a:latin typeface="Calibri"/>
-                <a:cs typeface="Calibri"/>
-              </a:rPr>
-              <a:t>the</a:t>
-            </a:r>
-            <a:r>
-              <a:rPr lang="de-DE" dirty="0">
-                <a:latin typeface="Calibri"/>
-                <a:cs typeface="Calibri"/>
-              </a:rPr>
-              <a:t> </a:t>
-            </a:r>
-            <a:r>
-              <a:rPr lang="de-DE" b="1" dirty="0" err="1">
-                <a:latin typeface="Calibri"/>
-                <a:cs typeface="Calibri"/>
-              </a:rPr>
-              <a:t>value</a:t>
-            </a:r>
-            <a:r>
-              <a:rPr lang="de-DE" b="1" dirty="0">
-                <a:latin typeface="Calibri"/>
-                <a:cs typeface="Calibri"/>
-              </a:rPr>
-              <a:t> </a:t>
-            </a:r>
-            <a:r>
-              <a:rPr lang="de-DE" dirty="0" err="1">
-                <a:latin typeface="Calibri"/>
-                <a:cs typeface="Calibri"/>
-              </a:rPr>
-              <a:t>you</a:t>
-            </a:r>
-            <a:r>
-              <a:rPr lang="de-DE" dirty="0">
-                <a:latin typeface="Calibri"/>
-                <a:cs typeface="Calibri"/>
-              </a:rPr>
-              <a:t> </a:t>
-            </a:r>
-            <a:r>
-              <a:rPr lang="de-DE" dirty="0" err="1">
-                <a:latin typeface="Calibri"/>
-                <a:cs typeface="Calibri"/>
-              </a:rPr>
-              <a:t>want</a:t>
-            </a:r>
-            <a:r>
-              <a:rPr lang="de-DE" dirty="0">
-                <a:latin typeface="Calibri"/>
-                <a:cs typeface="Calibri"/>
-              </a:rPr>
-              <a:t> </a:t>
-            </a:r>
-            <a:r>
-              <a:rPr lang="de-DE" dirty="0" err="1">
-                <a:latin typeface="Calibri"/>
-                <a:cs typeface="Calibri"/>
-              </a:rPr>
-              <a:t>to</a:t>
-            </a:r>
-            <a:r>
-              <a:rPr lang="de-DE" dirty="0">
-                <a:latin typeface="Calibri"/>
-                <a:cs typeface="Calibri"/>
-              </a:rPr>
-              <a:t> </a:t>
-            </a:r>
-            <a:r>
-              <a:rPr lang="de-DE" dirty="0" err="1">
-                <a:latin typeface="Calibri"/>
-                <a:cs typeface="Calibri"/>
-              </a:rPr>
-              <a:t>store</a:t>
-            </a:r>
-            <a:r>
-              <a:rPr lang="de-DE" dirty="0">
-                <a:latin typeface="Calibri"/>
-                <a:cs typeface="Calibri"/>
-              </a:rPr>
-              <a:t> on </a:t>
-            </a:r>
-            <a:r>
-              <a:rPr lang="de-DE" dirty="0" err="1">
-                <a:latin typeface="Calibri"/>
-                <a:cs typeface="Calibri"/>
-              </a:rPr>
-              <a:t>the</a:t>
-            </a:r>
-            <a:r>
-              <a:rPr lang="de-DE" dirty="0">
-                <a:latin typeface="Calibri"/>
-                <a:cs typeface="Calibri"/>
-              </a:rPr>
-              <a:t> </a:t>
-            </a:r>
-            <a:r>
-              <a:rPr lang="de-DE" dirty="0" err="1">
-                <a:latin typeface="Calibri"/>
-                <a:cs typeface="Calibri"/>
-              </a:rPr>
-              <a:t>right</a:t>
-            </a:r>
-            <a:endParaRPr lang="de-DE" dirty="0">
-              <a:solidFill>
-                <a:schemeClr val="tx1"/>
-              </a:solidFill>
-            </a:endParaRPr>
-          </a:p>
-          <a:p>
-            <a:pPr marL="0" indent="0">
-              <a:buNone/>
-            </a:pPr>
-            <a:endParaRPr lang="de-DE" dirty="0">
-              <a:latin typeface="Consolas"/>
-            </a:endParaRPr>
-          </a:p>
-          <a:p>
-            <a:pPr marL="0" indent="0">
-              <a:buNone/>
-            </a:pPr>
-            <a:r>
-              <a:rPr lang="de-DE" dirty="0" err="1">
-                <a:solidFill>
-                  <a:srgbClr val="00B050"/>
-                </a:solidFill>
-                <a:latin typeface="Consolas"/>
-              </a:rPr>
-              <a:t>var</a:t>
-            </a:r>
-            <a:r>
-              <a:rPr lang="de-DE" dirty="0">
-                <a:solidFill>
-                  <a:srgbClr val="00B050"/>
-                </a:solidFill>
-                <a:latin typeface="Consolas"/>
-              </a:rPr>
-              <a:t> = 5</a:t>
-            </a:r>
-            <a:r>
-              <a:rPr lang="de-DE" dirty="0">
-                <a:solidFill>
-                  <a:srgbClr val="00B050"/>
-                </a:solidFill>
-                <a:latin typeface="Consolas"/>
-                <a:cs typeface="Calibri"/>
-              </a:rPr>
-              <a:t> </a:t>
-            </a:r>
-          </a:p>
-          <a:p>
-            <a:pPr marL="0" indent="0">
-              <a:buNone/>
-            </a:pPr>
-            <a:r>
-              <a:rPr lang="de-DE" dirty="0">
-                <a:solidFill>
-                  <a:srgbClr val="FF0000"/>
-                </a:solidFill>
-                <a:latin typeface="Consolas"/>
-                <a:cs typeface="Calibri"/>
-              </a:rPr>
-              <a:t>5 = </a:t>
-            </a:r>
-            <a:r>
-              <a:rPr lang="de-DE" dirty="0" err="1">
-                <a:solidFill>
-                  <a:srgbClr val="FF0000"/>
-                </a:solidFill>
-                <a:latin typeface="Consolas"/>
-                <a:cs typeface="Calibri"/>
-              </a:rPr>
-              <a:t>var</a:t>
-            </a:r>
-          </a:p>
-          <a:p>
-            <a:pPr marL="0" indent="0">
-              <a:buNone/>
-            </a:pPr>
-            <a:r>
-              <a:rPr lang="de-DE" dirty="0" err="1">
-                <a:solidFill>
-                  <a:srgbClr val="FF0000"/>
-                </a:solidFill>
-                <a:latin typeface="Consolas"/>
-                <a:cs typeface="Calibri"/>
-              </a:rPr>
-              <a:t>var</a:t>
-            </a:r>
-            <a:r>
-              <a:rPr lang="de-DE" dirty="0">
-                <a:solidFill>
-                  <a:srgbClr val="FF0000"/>
-                </a:solidFill>
-                <a:latin typeface="Consolas"/>
-                <a:cs typeface="Calibri"/>
-              </a:rPr>
-              <a:t> == 5</a:t>
-            </a:r>
-          </a:p>
-          <a:p>
-            <a:pPr marL="0" indent="0">
-              <a:buNone/>
-            </a:pPr>
-            <a:endParaRPr lang="de-DE" dirty="0">
-              <a:solidFill>
-                <a:srgbClr val="00B050"/>
-              </a:solidFill>
-              <a:latin typeface="Consolas"/>
-              <a:cs typeface="Calibri"/>
-            </a:endParaRPr>
-          </a:p>
-        </p:txBody>
-      </p:sp>
-      <p:sp>
-        <p:nvSpPr>
-          <p:cNvPr id="3" name="Foliennummernplatzhalter 2">
-            <a:extLst>
-              <a:ext uri="{FF2B5EF4-FFF2-40B4-BE49-F238E27FC236}">
-                <a16:creationId xmlns:a16="http://schemas.microsoft.com/office/drawing/2014/main" id="{BB378421-3D43-4430-94E3-0922DD5714B8}"/>
-              </a:ext>
-            </a:extLst>
-          </p:cNvPr>
-          <p:cNvSpPr>
-            <a:spLocks noGrp="1"/>
-          </p:cNvSpPr>
-          <p:nvPr>
-            <p:ph type="sldNum" sz="quarter" idx="12"/>
-          </p:nvPr>
-        </p:nvSpPr>
-        <p:spPr/>
-        <p:txBody>
-          <a:bodyPr/>
-          <a:lstStyle/>
-          <a:p>
-            <a:fld id="{89C4E583-6443-4199-AF95-A2ECCC288D48}" type="slidenum">
-              <a:rPr lang="en-GB" smtClean="0"/>
-              <a:t>13</a:t>
-            </a:fld>
-            <a:endParaRPr lang="en-GB"/>
-          </a:p>
-        </p:txBody>
-      </p:sp>
-    </p:spTree>
-    <p:extLst>
-      <p:ext uri="{BB962C8B-B14F-4D97-AF65-F5344CB8AC3E}">
-        <p14:creationId xmlns:p14="http://schemas.microsoft.com/office/powerpoint/2010/main" val="961012304"/>
-      </p:ext>
-    </p:extLst>
-  </p:cSld>
-  <p:clrMapOvr>
-    <a:masterClrMapping/>
-  </p:clrMapOvr>
-</p:sld>
-</file>
-
-<file path=ppt/slides/slide14.xml><?xml version="1.0" encoding="utf-8"?>
-<p:sld xmlns:a="http://schemas.openxmlformats.org/drawingml/2006/main" xmlns:r="http://schemas.openxmlformats.org/officeDocument/2006/relationships" xmlns:p="http://schemas.openxmlformats.org/presentationml/2006/main">
-  <p:cSld>
-    <p:spTree>
-      <p:nvGrpSpPr>
-        <p:cNvPr id="1" name=""/>
-        <p:cNvGrpSpPr/>
-        <p:nvPr/>
-      </p:nvGrpSpPr>
-      <p:grpSpPr>
-        <a:xfrm>
-          <a:off x="0" y="0"/>
-          <a:ext cx="0" cy="0"/>
-          <a:chOff x="0" y="0"/>
-          <a:chExt cx="0" cy="0"/>
-        </a:xfrm>
-      </p:grpSpPr>
-      <p:sp>
-        <p:nvSpPr>
-          <p:cNvPr id="2" name="Titel 1">
-            <a:extLst>
-              <a:ext uri="{FF2B5EF4-FFF2-40B4-BE49-F238E27FC236}">
-                <a16:creationId xmlns:a16="http://schemas.microsoft.com/office/drawing/2014/main" id="{539BE8DF-2D08-4FD5-B662-42CBC1F970C6}"/>
-              </a:ext>
-            </a:extLst>
-          </p:cNvPr>
-          <p:cNvSpPr>
-            <a:spLocks noGrp="1"/>
-          </p:cNvSpPr>
-          <p:nvPr>
-            <p:ph type="title"/>
-          </p:nvPr>
-        </p:nvSpPr>
-        <p:spPr/>
-        <p:txBody>
-          <a:bodyPr/>
-          <a:lstStyle/>
-          <a:p>
-            <a:r>
-              <a:rPr lang="de-DE" dirty="0" err="1">
-                <a:cs typeface="Calibri Light"/>
-              </a:rPr>
-              <a:t>Assigning</a:t>
-            </a:r>
-            <a:r>
-              <a:rPr lang="de-DE" dirty="0">
-                <a:cs typeface="Calibri Light"/>
-              </a:rPr>
-              <a:t> variables in </a:t>
-            </a:r>
-            <a:r>
-              <a:rPr lang="de-DE" dirty="0" err="1">
-                <a:cs typeface="Calibri Light"/>
-              </a:rPr>
-              <a:t>python</a:t>
-            </a:r>
-            <a:endParaRPr lang="de-DE" dirty="0" err="1"/>
-          </a:p>
-        </p:txBody>
-      </p:sp>
-      <p:sp>
-        <p:nvSpPr>
-          <p:cNvPr id="7" name="Textplatzhalter 6">
-            <a:extLst>
-              <a:ext uri="{FF2B5EF4-FFF2-40B4-BE49-F238E27FC236}">
-                <a16:creationId xmlns:a16="http://schemas.microsoft.com/office/drawing/2014/main" id="{50F63E56-A880-49F8-A942-0E28B5AB1DA9}"/>
-              </a:ext>
-            </a:extLst>
-          </p:cNvPr>
-          <p:cNvSpPr>
-            <a:spLocks noGrp="1"/>
-          </p:cNvSpPr>
-          <p:nvPr>
-            <p:ph type="body" idx="1"/>
-          </p:nvPr>
-        </p:nvSpPr>
-        <p:spPr/>
-        <p:txBody>
-          <a:bodyPr/>
-          <a:lstStyle/>
-          <a:p>
-            <a:r>
-              <a:rPr lang="de-DE" dirty="0">
-                <a:cs typeface="Calibri"/>
-              </a:rPr>
-              <a:t>Python </a:t>
-            </a:r>
-            <a:r>
-              <a:rPr lang="de-DE" dirty="0" err="1">
-                <a:cs typeface="Calibri"/>
-              </a:rPr>
-              <a:t>syntax</a:t>
-            </a:r>
-            <a:endParaRPr lang="de-DE" dirty="0" err="1"/>
-          </a:p>
-        </p:txBody>
-      </p:sp>
-      <p:sp>
-        <p:nvSpPr>
-          <p:cNvPr id="5" name="Inhaltsplatzhalter 4">
-            <a:extLst>
-              <a:ext uri="{FF2B5EF4-FFF2-40B4-BE49-F238E27FC236}">
-                <a16:creationId xmlns:a16="http://schemas.microsoft.com/office/drawing/2014/main" id="{11CC889A-9483-4BFF-8D2C-5C3C2568CFD1}"/>
-              </a:ext>
-            </a:extLst>
-          </p:cNvPr>
-          <p:cNvSpPr>
-            <a:spLocks noGrp="1"/>
-          </p:cNvSpPr>
-          <p:nvPr>
-            <p:ph sz="half" idx="2"/>
-          </p:nvPr>
-        </p:nvSpPr>
-        <p:spPr/>
-        <p:txBody>
-          <a:bodyPr vert="horz" lIns="0" tIns="45720" rIns="0" bIns="45720" rtlCol="0" anchor="t">
-            <a:normAutofit/>
-          </a:bodyPr>
-          <a:lstStyle/>
-          <a:p>
-            <a:pPr marL="0" indent="0">
-              <a:buNone/>
-            </a:pPr>
-            <a:r>
-              <a:rPr lang="de-DE" dirty="0" err="1">
-                <a:latin typeface="Consolas"/>
-              </a:rPr>
-              <a:t>var</a:t>
-            </a:r>
-            <a:r>
-              <a:rPr lang="de-DE" dirty="0">
-                <a:latin typeface="Consolas"/>
-              </a:rPr>
-              <a:t> = 5</a:t>
-            </a:r>
-            <a:endParaRPr lang="de-DE" dirty="0">
-              <a:cs typeface="Calibri"/>
-            </a:endParaRPr>
-          </a:p>
-        </p:txBody>
-      </p:sp>
-      <p:sp>
-        <p:nvSpPr>
-          <p:cNvPr id="9" name="Textplatzhalter 8">
-            <a:extLst>
-              <a:ext uri="{FF2B5EF4-FFF2-40B4-BE49-F238E27FC236}">
-                <a16:creationId xmlns:a16="http://schemas.microsoft.com/office/drawing/2014/main" id="{67BDB17A-276A-43F6-9343-FCB1ECAADA8E}"/>
-              </a:ext>
-            </a:extLst>
-          </p:cNvPr>
-          <p:cNvSpPr>
-            <a:spLocks noGrp="1"/>
-          </p:cNvSpPr>
-          <p:nvPr>
-            <p:ph type="body" sz="quarter" idx="3"/>
-          </p:nvPr>
-        </p:nvSpPr>
-        <p:spPr/>
-        <p:txBody>
-          <a:bodyPr/>
-          <a:lstStyle/>
-          <a:p>
-            <a:r>
-              <a:rPr lang="de-DE" dirty="0" err="1">
-                <a:cs typeface="Calibri"/>
-              </a:rPr>
-              <a:t>explained</a:t>
-            </a:r>
-            <a:endParaRPr lang="de-DE" dirty="0" err="1"/>
-          </a:p>
-        </p:txBody>
-      </p:sp>
-      <p:sp>
-        <p:nvSpPr>
-          <p:cNvPr id="11" name="Inhaltsplatzhalter 10">
-            <a:extLst>
-              <a:ext uri="{FF2B5EF4-FFF2-40B4-BE49-F238E27FC236}">
-                <a16:creationId xmlns:a16="http://schemas.microsoft.com/office/drawing/2014/main" id="{3BE80849-40DF-4E88-9814-1050B4B8C1F6}"/>
-              </a:ext>
-            </a:extLst>
-          </p:cNvPr>
-          <p:cNvSpPr>
-            <a:spLocks noGrp="1"/>
-          </p:cNvSpPr>
-          <p:nvPr>
-            <p:ph sz="quarter" idx="4"/>
-          </p:nvPr>
-        </p:nvSpPr>
-        <p:spPr/>
-        <p:txBody>
-          <a:bodyPr vert="horz" lIns="0" tIns="45720" rIns="0" bIns="45720" rtlCol="0" anchor="t">
-            <a:normAutofit/>
-          </a:bodyPr>
-          <a:lstStyle/>
-          <a:p>
-            <a:r>
-              <a:rPr lang="de-DE" i="1" dirty="0" err="1">
-                <a:cs typeface="Calibri"/>
-              </a:rPr>
-              <a:t>var</a:t>
-            </a:r>
-            <a:r>
-              <a:rPr lang="de-DE" i="1" dirty="0">
-                <a:cs typeface="Calibri"/>
-              </a:rPr>
-              <a:t> </a:t>
-            </a:r>
-            <a:r>
-              <a:rPr lang="de-DE" dirty="0" err="1">
-                <a:cs typeface="Calibri"/>
-              </a:rPr>
-              <a:t>shall</a:t>
-            </a:r>
-            <a:r>
-              <a:rPr lang="de-DE" dirty="0">
-                <a:cs typeface="Calibri"/>
-              </a:rPr>
-              <a:t> </a:t>
-            </a:r>
-            <a:r>
-              <a:rPr lang="de-DE" dirty="0" err="1">
-                <a:cs typeface="Calibri"/>
-              </a:rPr>
-              <a:t>now</a:t>
-            </a:r>
-            <a:r>
-              <a:rPr lang="de-DE" dirty="0">
-                <a:cs typeface="Calibri"/>
-              </a:rPr>
-              <a:t> </a:t>
-            </a:r>
-            <a:r>
-              <a:rPr lang="de-DE" dirty="0" err="1">
-                <a:cs typeface="Calibri"/>
-              </a:rPr>
-              <a:t>contain</a:t>
-            </a:r>
-            <a:r>
-              <a:rPr lang="de-DE" dirty="0">
-                <a:cs typeface="Calibri"/>
-              </a:rPr>
-              <a:t> </a:t>
-            </a:r>
-            <a:r>
-              <a:rPr lang="de-DE" dirty="0" err="1">
-                <a:cs typeface="Calibri"/>
-              </a:rPr>
-              <a:t>the</a:t>
-            </a:r>
-            <a:r>
-              <a:rPr lang="de-DE" dirty="0">
-                <a:cs typeface="Calibri"/>
-              </a:rPr>
-              <a:t> </a:t>
-            </a:r>
-            <a:r>
-              <a:rPr lang="de-DE" dirty="0" err="1">
-                <a:cs typeface="Calibri"/>
-              </a:rPr>
-              <a:t>value</a:t>
-            </a:r>
-            <a:r>
-              <a:rPr lang="de-DE" dirty="0">
-                <a:cs typeface="Calibri"/>
-              </a:rPr>
-              <a:t> </a:t>
-            </a:r>
-            <a:r>
-              <a:rPr lang="de-DE" i="1" dirty="0">
-                <a:cs typeface="Calibri"/>
-              </a:rPr>
-              <a:t>5</a:t>
-            </a:r>
-          </a:p>
-          <a:p>
-            <a:endParaRPr lang="de-DE" i="1" dirty="0">
-              <a:cs typeface="Calibri"/>
-            </a:endParaRPr>
-          </a:p>
-          <a:p>
-            <a:endParaRPr lang="de-DE" i="1" dirty="0">
-              <a:cs typeface="Calibri"/>
-            </a:endParaRPr>
-          </a:p>
-          <a:p>
-            <a:endParaRPr lang="de-DE" i="1" dirty="0">
-              <a:cs typeface="Calibri"/>
-            </a:endParaRPr>
-          </a:p>
-          <a:p>
-            <a:endParaRPr lang="de-DE" dirty="0">
-              <a:cs typeface="Calibri"/>
-            </a:endParaRPr>
-          </a:p>
-        </p:txBody>
-      </p:sp>
-      <p:sp>
-        <p:nvSpPr>
-          <p:cNvPr id="3" name="Foliennummernplatzhalter 2">
-            <a:extLst>
-              <a:ext uri="{FF2B5EF4-FFF2-40B4-BE49-F238E27FC236}">
-                <a16:creationId xmlns:a16="http://schemas.microsoft.com/office/drawing/2014/main" id="{BB378421-3D43-4430-94E3-0922DD5714B8}"/>
-              </a:ext>
-            </a:extLst>
-          </p:cNvPr>
-          <p:cNvSpPr>
-            <a:spLocks noGrp="1"/>
-          </p:cNvSpPr>
-          <p:nvPr>
-            <p:ph type="sldNum" sz="quarter" idx="12"/>
-          </p:nvPr>
-        </p:nvSpPr>
-        <p:spPr/>
-        <p:txBody>
-          <a:bodyPr/>
-          <a:lstStyle/>
-          <a:p>
-            <a:fld id="{89C4E583-6443-4199-AF95-A2ECCC288D48}" type="slidenum">
-              <a:rPr lang="en-GB" smtClean="0"/>
-              <a:t>14</a:t>
-            </a:fld>
-            <a:endParaRPr lang="en-GB"/>
-          </a:p>
-        </p:txBody>
-      </p:sp>
-      <p:sp>
-        <p:nvSpPr>
-          <p:cNvPr id="13" name="Textfeld 12">
-            <a:extLst>
-              <a:ext uri="{FF2B5EF4-FFF2-40B4-BE49-F238E27FC236}">
-                <a16:creationId xmlns:a16="http://schemas.microsoft.com/office/drawing/2014/main" id="{311760D7-8057-476D-B099-7D92A43FD856}"/>
-              </a:ext>
-            </a:extLst>
-          </p:cNvPr>
-          <p:cNvSpPr txBox="1"/>
-          <p:nvPr/>
-        </p:nvSpPr>
-        <p:spPr>
-          <a:xfrm>
-            <a:off x="6210300" y="3362325"/>
-            <a:ext cx="3054284" cy="369332"/>
-          </a:xfrm>
-          <a:prstGeom prst="rect">
-            <a:avLst/>
-          </a:prstGeom>
-          <a:ln>
-            <a:solidFill>
-              <a:schemeClr val="tx1"/>
-            </a:solidFill>
-          </a:ln>
-        </p:spPr>
-        <p:txBody>
-          <a:bodyPr rot="0" spcFirstLastPara="0" vertOverflow="overflow" horzOverflow="overflow" vert="horz" wrap="square" lIns="91440" tIns="45720" rIns="91440" bIns="45720" numCol="1" spcCol="0" rtlCol="0" fromWordArt="0" anchor="t" anchorCtr="0" forceAA="0" compatLnSpc="1">
-            <a:prstTxWarp prst="textNoShape">
-              <a:avLst/>
-            </a:prstTxWarp>
-            <a:spAutoFit/>
-          </a:bodyPr>
-          <a:lstStyle/>
-          <a:p>
-            <a:pPr algn="ctr"/>
-            <a:r>
-              <a:rPr lang="de-DE" dirty="0">
-                <a:cs typeface="Calibri"/>
-              </a:rPr>
-              <a:t>5</a:t>
-            </a:r>
-          </a:p>
-        </p:txBody>
-      </p:sp>
-      <p:sp>
-        <p:nvSpPr>
-          <p:cNvPr id="15" name="Textfeld 14">
-            <a:extLst>
-              <a:ext uri="{FF2B5EF4-FFF2-40B4-BE49-F238E27FC236}">
-                <a16:creationId xmlns:a16="http://schemas.microsoft.com/office/drawing/2014/main" id="{0C7AACEF-AC55-4EA0-987E-B016B9546F29}"/>
-              </a:ext>
-            </a:extLst>
-          </p:cNvPr>
-          <p:cNvSpPr txBox="1"/>
-          <p:nvPr/>
-        </p:nvSpPr>
-        <p:spPr>
-          <a:xfrm>
-            <a:off x="6210300" y="2990850"/>
-            <a:ext cx="3153251" cy="369888"/>
-          </a:xfrm>
-          <a:prstGeom prst="rect">
-            <a:avLst/>
-          </a:prstGeom>
-        </p:spPr>
-        <p:txBody>
-          <a:bodyPr rot="0" spcFirstLastPara="0" vertOverflow="overflow" horzOverflow="overflow" vert="horz" wrap="square" lIns="91440" tIns="45720" rIns="91440" bIns="45720" numCol="1" spcCol="0" rtlCol="0" fromWordArt="0" anchor="t" anchorCtr="0" forceAA="0" compatLnSpc="1">
-            <a:prstTxWarp prst="textNoShape">
-              <a:avLst/>
-            </a:prstTxWarp>
-            <a:spAutoFit/>
-          </a:bodyPr>
-          <a:lstStyle/>
-          <a:p>
-            <a:r>
-              <a:rPr lang="de-DE" i="1" dirty="0" err="1"/>
-              <a:t>var</a:t>
-            </a:r>
-            <a:endParaRPr lang="de-DE" i="1"/>
-          </a:p>
-        </p:txBody>
-      </p:sp>
-    </p:spTree>
-    <p:extLst>
-      <p:ext uri="{BB962C8B-B14F-4D97-AF65-F5344CB8AC3E}">
-        <p14:creationId xmlns:p14="http://schemas.microsoft.com/office/powerpoint/2010/main" val="1761527965"/>
       </p:ext>
     </p:extLst>
   </p:cSld>
@@ -9924,19 +9928,576 @@
               <a:rPr lang="de-DE" dirty="0" err="1">
                 <a:cs typeface="Calibri Light"/>
               </a:rPr>
-              <a:t>Reassigning</a:t>
+              <a:t>Assigning</a:t>
             </a:r>
             <a:r>
               <a:rPr lang="de-DE" dirty="0">
                 <a:cs typeface="Calibri Light"/>
               </a:rPr>
-              <a:t> variables in </a:t>
-            </a:r>
+              <a:t> variables in Python</a:t>
+            </a:r>
+            <a:endParaRPr lang="de-DE" dirty="0"/>
+          </a:p>
+        </p:txBody>
+      </p:sp>
+      <p:sp>
+        <p:nvSpPr>
+          <p:cNvPr id="5" name="Inhaltsplatzhalter 4">
+            <a:extLst>
+              <a:ext uri="{FF2B5EF4-FFF2-40B4-BE49-F238E27FC236}">
+                <a16:creationId xmlns:a16="http://schemas.microsoft.com/office/drawing/2014/main" id="{11CC889A-9483-4BFF-8D2C-5C3C2568CFD1}"/>
+              </a:ext>
+            </a:extLst>
+          </p:cNvPr>
+          <p:cNvSpPr>
+            <a:spLocks noGrp="1"/>
+          </p:cNvSpPr>
+          <p:nvPr>
+            <p:ph idx="1"/>
+          </p:nvPr>
+        </p:nvSpPr>
+        <p:spPr/>
+        <p:txBody>
+          <a:bodyPr vert="horz" lIns="0" tIns="45720" rIns="0" bIns="45720" rtlCol="0" anchor="t">
+            <a:normAutofit/>
+          </a:bodyPr>
+          <a:lstStyle/>
+          <a:p>
+            <a:pPr marL="182245" indent="-182245"/>
+            <a:r>
+              <a:rPr lang="de-DE" dirty="0">
+                <a:latin typeface="Calibri"/>
+                <a:cs typeface="Calibri"/>
+              </a:rPr>
+              <a:t>Variable </a:t>
+            </a:r>
+            <a:r>
+              <a:rPr lang="de-DE" dirty="0" err="1">
+                <a:latin typeface="Calibri"/>
+                <a:cs typeface="Calibri"/>
+              </a:rPr>
+              <a:t>assignment</a:t>
+            </a:r>
+            <a:r>
+              <a:rPr lang="de-DE" dirty="0">
+                <a:latin typeface="Calibri"/>
+                <a:cs typeface="Calibri"/>
+              </a:rPr>
+              <a:t> </a:t>
+            </a:r>
+            <a:r>
+              <a:rPr lang="de-DE" dirty="0" err="1">
+                <a:latin typeface="Calibri"/>
+                <a:cs typeface="Calibri"/>
+              </a:rPr>
+              <a:t>is</a:t>
+            </a:r>
+            <a:r>
+              <a:rPr lang="de-DE" dirty="0">
+                <a:latin typeface="Calibri"/>
+                <a:cs typeface="Calibri"/>
+              </a:rPr>
+              <a:t> </a:t>
+            </a:r>
+            <a:r>
+              <a:rPr lang="de-DE" dirty="0" err="1">
+                <a:latin typeface="Calibri"/>
+                <a:cs typeface="Calibri"/>
+              </a:rPr>
+              <a:t>indicated</a:t>
+            </a:r>
+            <a:r>
+              <a:rPr lang="de-DE" dirty="0">
+                <a:latin typeface="Calibri"/>
+                <a:cs typeface="Calibri"/>
+              </a:rPr>
+              <a:t> </a:t>
+            </a:r>
+            <a:r>
+              <a:rPr lang="de-DE" dirty="0" err="1">
+                <a:latin typeface="Calibri"/>
+                <a:cs typeface="Calibri"/>
+              </a:rPr>
+              <a:t>by</a:t>
+            </a:r>
+            <a:r>
+              <a:rPr lang="de-DE" dirty="0">
+                <a:latin typeface="Calibri"/>
+                <a:cs typeface="Calibri"/>
+              </a:rPr>
+              <a:t> </a:t>
+            </a:r>
+            <a:r>
+              <a:rPr lang="de-DE" dirty="0" err="1">
+                <a:latin typeface="Calibri"/>
+                <a:cs typeface="Calibri"/>
+              </a:rPr>
+              <a:t>using</a:t>
+            </a:r>
+            <a:r>
+              <a:rPr lang="de-DE" dirty="0">
+                <a:latin typeface="Calibri"/>
+                <a:cs typeface="Calibri"/>
+              </a:rPr>
+              <a:t> a </a:t>
+            </a:r>
+            <a:r>
+              <a:rPr lang="de-DE" dirty="0" err="1">
+                <a:latin typeface="Calibri"/>
+                <a:cs typeface="Calibri"/>
+              </a:rPr>
+              <a:t>single</a:t>
+            </a:r>
+            <a:r>
+              <a:rPr lang="de-DE" dirty="0">
+                <a:latin typeface="Calibri"/>
+                <a:cs typeface="Calibri"/>
+              </a:rPr>
+              <a:t> </a:t>
+            </a:r>
+            <a:r>
+              <a:rPr lang="de-DE" i="1" dirty="0">
+                <a:latin typeface="Calibri"/>
+                <a:cs typeface="Calibri"/>
+              </a:rPr>
+              <a:t>=</a:t>
+            </a:r>
+          </a:p>
+          <a:p>
+            <a:pPr marL="182245" indent="-182245"/>
+            <a:r>
+              <a:rPr lang="de-DE" dirty="0" err="1">
+                <a:latin typeface="Calibri"/>
+                <a:cs typeface="Calibri"/>
+              </a:rPr>
+              <a:t>You</a:t>
+            </a:r>
+            <a:r>
+              <a:rPr lang="de-DE" dirty="0">
+                <a:latin typeface="Calibri"/>
+                <a:cs typeface="Calibri"/>
+              </a:rPr>
+              <a:t> </a:t>
+            </a:r>
+            <a:r>
+              <a:rPr lang="de-DE" dirty="0" err="1">
+                <a:latin typeface="Calibri"/>
+                <a:cs typeface="Calibri"/>
+              </a:rPr>
+              <a:t>always</a:t>
+            </a:r>
+            <a:r>
+              <a:rPr lang="de-DE" dirty="0">
+                <a:latin typeface="Calibri"/>
+                <a:cs typeface="Calibri"/>
+              </a:rPr>
+              <a:t> </a:t>
+            </a:r>
+            <a:r>
+              <a:rPr lang="de-DE" dirty="0" err="1">
+                <a:latin typeface="Calibri"/>
+                <a:cs typeface="Calibri"/>
+              </a:rPr>
+              <a:t>state</a:t>
+            </a:r>
+            <a:r>
+              <a:rPr lang="de-DE" dirty="0">
+                <a:latin typeface="Calibri"/>
+                <a:cs typeface="Calibri"/>
+              </a:rPr>
+              <a:t> </a:t>
+            </a:r>
+            <a:r>
+              <a:rPr lang="de-DE" dirty="0" err="1">
+                <a:latin typeface="Calibri"/>
+                <a:cs typeface="Calibri"/>
+              </a:rPr>
+              <a:t>the</a:t>
+            </a:r>
+            <a:r>
+              <a:rPr lang="de-DE" dirty="0">
+                <a:latin typeface="Calibri"/>
+                <a:cs typeface="Calibri"/>
+              </a:rPr>
+              <a:t> </a:t>
+            </a:r>
+            <a:r>
+              <a:rPr lang="de-DE" b="1" dirty="0" err="1">
+                <a:latin typeface="Calibri"/>
+                <a:cs typeface="Calibri"/>
+              </a:rPr>
+              <a:t>name</a:t>
+            </a:r>
+            <a:r>
+              <a:rPr lang="de-DE" b="1" dirty="0">
+                <a:latin typeface="Calibri"/>
+                <a:cs typeface="Calibri"/>
+              </a:rPr>
+              <a:t> </a:t>
+            </a:r>
+            <a:r>
+              <a:rPr lang="de-DE" dirty="0" err="1">
+                <a:latin typeface="Calibri"/>
+                <a:cs typeface="Calibri"/>
+              </a:rPr>
+              <a:t>of</a:t>
+            </a:r>
+            <a:r>
+              <a:rPr lang="de-DE" dirty="0">
+                <a:latin typeface="Calibri"/>
+                <a:cs typeface="Calibri"/>
+              </a:rPr>
+              <a:t> </a:t>
+            </a:r>
+            <a:r>
+              <a:rPr lang="de-DE" dirty="0" err="1">
+                <a:latin typeface="Calibri"/>
+                <a:cs typeface="Calibri"/>
+              </a:rPr>
+              <a:t>your</a:t>
+            </a:r>
+            <a:r>
+              <a:rPr lang="de-DE" dirty="0">
+                <a:latin typeface="Calibri"/>
+                <a:cs typeface="Calibri"/>
+              </a:rPr>
+              <a:t> variable on </a:t>
+            </a:r>
+            <a:r>
+              <a:rPr lang="de-DE" dirty="0" err="1">
+                <a:latin typeface="Calibri"/>
+                <a:cs typeface="Calibri"/>
+              </a:rPr>
+              <a:t>the</a:t>
+            </a:r>
+            <a:r>
+              <a:rPr lang="de-DE" dirty="0">
+                <a:latin typeface="Calibri"/>
+                <a:cs typeface="Calibri"/>
+              </a:rPr>
+              <a:t> </a:t>
+            </a:r>
+            <a:r>
+              <a:rPr lang="de-DE" dirty="0" err="1">
+                <a:latin typeface="Calibri"/>
+                <a:cs typeface="Calibri"/>
+              </a:rPr>
+              <a:t>left</a:t>
+            </a:r>
+            <a:r>
+              <a:rPr lang="de-DE" dirty="0">
+                <a:latin typeface="Calibri"/>
+                <a:cs typeface="Calibri"/>
+              </a:rPr>
+              <a:t> and </a:t>
+            </a:r>
+            <a:r>
+              <a:rPr lang="de-DE" dirty="0" err="1">
+                <a:latin typeface="Calibri"/>
+                <a:cs typeface="Calibri"/>
+              </a:rPr>
+              <a:t>the</a:t>
+            </a:r>
+            <a:r>
+              <a:rPr lang="de-DE" dirty="0">
+                <a:latin typeface="Calibri"/>
+                <a:cs typeface="Calibri"/>
+              </a:rPr>
+              <a:t> </a:t>
+            </a:r>
+            <a:r>
+              <a:rPr lang="de-DE" b="1" dirty="0" err="1">
+                <a:latin typeface="Calibri"/>
+                <a:cs typeface="Calibri"/>
+              </a:rPr>
+              <a:t>value</a:t>
+            </a:r>
+            <a:r>
+              <a:rPr lang="de-DE" b="1" dirty="0">
+                <a:latin typeface="Calibri"/>
+                <a:cs typeface="Calibri"/>
+              </a:rPr>
+              <a:t> </a:t>
+            </a:r>
+            <a:r>
+              <a:rPr lang="de-DE" dirty="0" err="1">
+                <a:latin typeface="Calibri"/>
+                <a:cs typeface="Calibri"/>
+              </a:rPr>
+              <a:t>you</a:t>
+            </a:r>
+            <a:r>
+              <a:rPr lang="de-DE" dirty="0">
+                <a:latin typeface="Calibri"/>
+                <a:cs typeface="Calibri"/>
+              </a:rPr>
+              <a:t> </a:t>
+            </a:r>
+            <a:r>
+              <a:rPr lang="de-DE" dirty="0" err="1">
+                <a:latin typeface="Calibri"/>
+                <a:cs typeface="Calibri"/>
+              </a:rPr>
+              <a:t>want</a:t>
+            </a:r>
+            <a:r>
+              <a:rPr lang="de-DE" dirty="0">
+                <a:latin typeface="Calibri"/>
+                <a:cs typeface="Calibri"/>
+              </a:rPr>
+              <a:t> </a:t>
+            </a:r>
+            <a:r>
+              <a:rPr lang="de-DE" dirty="0" err="1">
+                <a:latin typeface="Calibri"/>
+                <a:cs typeface="Calibri"/>
+              </a:rPr>
+              <a:t>to</a:t>
+            </a:r>
+            <a:r>
+              <a:rPr lang="de-DE" dirty="0">
+                <a:latin typeface="Calibri"/>
+                <a:cs typeface="Calibri"/>
+              </a:rPr>
+              <a:t> </a:t>
+            </a:r>
+            <a:r>
+              <a:rPr lang="de-DE" dirty="0" err="1">
+                <a:latin typeface="Calibri"/>
+                <a:cs typeface="Calibri"/>
+              </a:rPr>
+              <a:t>store</a:t>
+            </a:r>
+            <a:r>
+              <a:rPr lang="de-DE" dirty="0">
+                <a:latin typeface="Calibri"/>
+                <a:cs typeface="Calibri"/>
+              </a:rPr>
+              <a:t> on </a:t>
+            </a:r>
+            <a:r>
+              <a:rPr lang="de-DE" dirty="0" err="1">
+                <a:latin typeface="Calibri"/>
+                <a:cs typeface="Calibri"/>
+              </a:rPr>
+              <a:t>the</a:t>
+            </a:r>
+            <a:r>
+              <a:rPr lang="de-DE" dirty="0">
+                <a:latin typeface="Calibri"/>
+                <a:cs typeface="Calibri"/>
+              </a:rPr>
+              <a:t> </a:t>
+            </a:r>
+            <a:r>
+              <a:rPr lang="de-DE" dirty="0" err="1">
+                <a:latin typeface="Calibri"/>
+                <a:cs typeface="Calibri"/>
+              </a:rPr>
+              <a:t>right</a:t>
+            </a:r>
+            <a:endParaRPr lang="de-DE" dirty="0">
+              <a:solidFill>
+                <a:schemeClr val="tx1"/>
+              </a:solidFill>
+            </a:endParaRPr>
+          </a:p>
+          <a:p>
+            <a:pPr marL="0" indent="0">
+              <a:buNone/>
+            </a:pPr>
+            <a:endParaRPr lang="de-DE" dirty="0">
+              <a:latin typeface="Consolas"/>
+            </a:endParaRPr>
+          </a:p>
+          <a:p>
+            <a:pPr marL="0" indent="0">
+              <a:buNone/>
+            </a:pPr>
+            <a:r>
+              <a:rPr lang="de-DE" dirty="0" err="1">
+                <a:solidFill>
+                  <a:srgbClr val="00B050"/>
+                </a:solidFill>
+                <a:latin typeface="Consolas"/>
+              </a:rPr>
+              <a:t>var</a:t>
+            </a:r>
+            <a:r>
+              <a:rPr lang="de-DE" dirty="0">
+                <a:solidFill>
+                  <a:srgbClr val="00B050"/>
+                </a:solidFill>
+                <a:latin typeface="Consolas"/>
+              </a:rPr>
+              <a:t> = 5</a:t>
+            </a:r>
+            <a:r>
+              <a:rPr lang="de-DE" dirty="0">
+                <a:solidFill>
+                  <a:srgbClr val="00B050"/>
+                </a:solidFill>
+                <a:latin typeface="Consolas"/>
+                <a:cs typeface="Calibri"/>
+              </a:rPr>
+              <a:t> </a:t>
+            </a:r>
+          </a:p>
+          <a:p>
+            <a:pPr marL="0" indent="0">
+              <a:buNone/>
+            </a:pPr>
+            <a:r>
+              <a:rPr lang="de-DE" dirty="0">
+                <a:solidFill>
+                  <a:srgbClr val="FF0000"/>
+                </a:solidFill>
+                <a:latin typeface="Consolas"/>
+                <a:cs typeface="Calibri"/>
+              </a:rPr>
+              <a:t>5 = </a:t>
+            </a:r>
+            <a:r>
+              <a:rPr lang="de-DE" dirty="0" err="1">
+                <a:solidFill>
+                  <a:srgbClr val="FF0000"/>
+                </a:solidFill>
+                <a:latin typeface="Consolas"/>
+                <a:cs typeface="Calibri"/>
+              </a:rPr>
+              <a:t>var</a:t>
+            </a:r>
+          </a:p>
+          <a:p>
+            <a:pPr marL="0" indent="0">
+              <a:buNone/>
+            </a:pPr>
+            <a:r>
+              <a:rPr lang="de-DE" dirty="0" err="1">
+                <a:solidFill>
+                  <a:srgbClr val="FF0000"/>
+                </a:solidFill>
+                <a:latin typeface="Consolas"/>
+                <a:cs typeface="Calibri"/>
+              </a:rPr>
+              <a:t>var</a:t>
+            </a:r>
+            <a:r>
+              <a:rPr lang="de-DE" dirty="0">
+                <a:solidFill>
+                  <a:srgbClr val="FF0000"/>
+                </a:solidFill>
+                <a:latin typeface="Consolas"/>
+                <a:cs typeface="Calibri"/>
+              </a:rPr>
+              <a:t> == 5</a:t>
+            </a:r>
+          </a:p>
+          <a:p>
+            <a:pPr marL="0" indent="0">
+              <a:buNone/>
+            </a:pPr>
+            <a:endParaRPr lang="de-DE" dirty="0">
+              <a:solidFill>
+                <a:srgbClr val="00B050"/>
+              </a:solidFill>
+              <a:latin typeface="Consolas"/>
+              <a:cs typeface="Calibri"/>
+            </a:endParaRPr>
+          </a:p>
+        </p:txBody>
+      </p:sp>
+      <p:sp>
+        <p:nvSpPr>
+          <p:cNvPr id="3" name="Foliennummernplatzhalter 2">
+            <a:extLst>
+              <a:ext uri="{FF2B5EF4-FFF2-40B4-BE49-F238E27FC236}">
+                <a16:creationId xmlns:a16="http://schemas.microsoft.com/office/drawing/2014/main" id="{BB378421-3D43-4430-94E3-0922DD5714B8}"/>
+              </a:ext>
+            </a:extLst>
+          </p:cNvPr>
+          <p:cNvSpPr>
+            <a:spLocks noGrp="1"/>
+          </p:cNvSpPr>
+          <p:nvPr>
+            <p:ph type="sldNum" sz="quarter" idx="12"/>
+          </p:nvPr>
+        </p:nvSpPr>
+        <p:spPr/>
+        <p:txBody>
+          <a:bodyPr/>
+          <a:lstStyle/>
+          <a:p>
+            <a:fld id="{89C4E583-6443-4199-AF95-A2ECCC288D48}" type="slidenum">
+              <a:rPr lang="en-GB" smtClean="0"/>
+              <a:t>15</a:t>
+            </a:fld>
+            <a:endParaRPr lang="en-GB"/>
+          </a:p>
+        </p:txBody>
+      </p:sp>
+    </p:spTree>
+    <p:extLst>
+      <p:ext uri="{BB962C8B-B14F-4D97-AF65-F5344CB8AC3E}">
+        <p14:creationId xmlns:p14="http://schemas.microsoft.com/office/powerpoint/2010/main" val="961012304"/>
+      </p:ext>
+    </p:extLst>
+  </p:cSld>
+  <p:clrMapOvr>
+    <a:masterClrMapping/>
+  </p:clrMapOvr>
+</p:sld>
+</file>
+
+<file path=ppt/slides/slide16.xml><?xml version="1.0" encoding="utf-8"?>
+<p:sld xmlns:a="http://schemas.openxmlformats.org/drawingml/2006/main" xmlns:r="http://schemas.openxmlformats.org/officeDocument/2006/relationships" xmlns:p="http://schemas.openxmlformats.org/presentationml/2006/main">
+  <p:cSld>
+    <p:spTree>
+      <p:nvGrpSpPr>
+        <p:cNvPr id="1" name=""/>
+        <p:cNvGrpSpPr/>
+        <p:nvPr/>
+      </p:nvGrpSpPr>
+      <p:grpSpPr>
+        <a:xfrm>
+          <a:off x="0" y="0"/>
+          <a:ext cx="0" cy="0"/>
+          <a:chOff x="0" y="0"/>
+          <a:chExt cx="0" cy="0"/>
+        </a:xfrm>
+      </p:grpSpPr>
+      <p:sp>
+        <p:nvSpPr>
+          <p:cNvPr id="2" name="Titel 1">
+            <a:extLst>
+              <a:ext uri="{FF2B5EF4-FFF2-40B4-BE49-F238E27FC236}">
+                <a16:creationId xmlns:a16="http://schemas.microsoft.com/office/drawing/2014/main" id="{539BE8DF-2D08-4FD5-B662-42CBC1F970C6}"/>
+              </a:ext>
+            </a:extLst>
+          </p:cNvPr>
+          <p:cNvSpPr>
+            <a:spLocks noGrp="1"/>
+          </p:cNvSpPr>
+          <p:nvPr>
+            <p:ph type="title"/>
+          </p:nvPr>
+        </p:nvSpPr>
+        <p:spPr/>
+        <p:txBody>
+          <a:bodyPr/>
+          <a:lstStyle/>
+          <a:p>
             <a:r>
               <a:rPr lang="de-DE" dirty="0" err="1">
                 <a:cs typeface="Calibri Light"/>
               </a:rPr>
-              <a:t>python</a:t>
+              <a:t>Assigning</a:t>
+            </a:r>
+            <a:r>
+              <a:rPr lang="de-DE" dirty="0">
+                <a:cs typeface="Calibri Light"/>
+              </a:rPr>
+              <a:t> variables in Python</a:t>
             </a:r>
             <a:endParaRPr lang="de-DE" dirty="0"/>
           </a:p>
@@ -9975,7 +10536,7 @@
               </a:rPr>
               <a:t>syntax</a:t>
             </a:r>
-            <a:endParaRPr lang="de-DE" dirty="0" err="1"/>
+            <a:endParaRPr lang="de-DE" dirty="0"/>
           </a:p>
         </p:txBody>
       </p:sp>
@@ -10003,9 +10564,6 @@
           <a:lstStyle/>
           <a:p>
             <a:pPr marL="0" indent="0">
-              <a:lnSpc>
-                <a:spcPct val="100000"/>
-              </a:lnSpc>
               <a:buNone/>
             </a:pPr>
             <a:r>
@@ -10023,28 +10581,6 @@
             <a:endParaRPr lang="de-DE" dirty="0">
               <a:cs typeface="Calibri"/>
             </a:endParaRPr>
-          </a:p>
-          <a:p>
-            <a:pPr marL="0" indent="0">
-              <a:lnSpc>
-                <a:spcPct val="100000"/>
-              </a:lnSpc>
-              <a:buNone/>
-            </a:pPr>
-            <a:r>
-              <a:rPr lang="de-DE" dirty="0" err="1">
-                <a:latin typeface="Consolas"/>
-                <a:cs typeface="Calibri"/>
-              </a:rPr>
-              <a:t>var</a:t>
-            </a:r>
-            <a:r>
-              <a:rPr lang="de-DE" dirty="0">
-                <a:latin typeface="Consolas"/>
-                <a:cs typeface="Calibri"/>
-              </a:rPr>
-              <a:t> = 42</a:t>
-            </a:r>
           </a:p>
         </p:txBody>
       </p:sp>
@@ -10180,98 +10716,26 @@
               </a:rPr>
               <a:t>5</a:t>
             </a:r>
+          </a:p>
+          <a:p>
+            <a:endParaRPr lang="de-DE" i="1" dirty="0">
+              <a:cs typeface="Calibri"/>
+            </a:endParaRPr>
+          </a:p>
+          <a:p>
+            <a:endParaRPr lang="de-DE" i="1" dirty="0">
+              <a:cs typeface="Calibri"/>
+            </a:endParaRPr>
+          </a:p>
+          <a:p>
+            <a:endParaRPr lang="de-DE" i="1" dirty="0">
+              <a:cs typeface="Calibri"/>
+            </a:endParaRPr>
+          </a:p>
+          <a:p>
             <a:endParaRPr lang="de-DE" dirty="0">
               <a:cs typeface="Calibri"/>
             </a:endParaRPr>
-          </a:p>
-          <a:p>
-            <a:endParaRPr lang="de-DE" i="1" dirty="0">
-              <a:cs typeface="Calibri"/>
-            </a:endParaRPr>
-          </a:p>
-          <a:p>
-            <a:endParaRPr lang="de-DE" i="1" dirty="0">
-              <a:cs typeface="Calibri"/>
-            </a:endParaRPr>
-          </a:p>
-          <a:p>
-            <a:endParaRPr lang="de-DE" i="1" dirty="0">
-              <a:cs typeface="Calibri"/>
-            </a:endParaRPr>
-          </a:p>
-          <a:p>
-            <a:r>
-              <a:rPr lang="de-DE" i="1" dirty="0" err="1">
-                <a:cs typeface="Calibri"/>
-              </a:rPr>
-              <a:t>var</a:t>
-            </a:r>
-            <a:r>
-              <a:rPr lang="de-DE" i="1" dirty="0">
-                <a:cs typeface="Calibri"/>
-              </a:rPr>
-              <a:t> </a:t>
-            </a:r>
-            <a:r>
-              <a:rPr lang="de-DE" dirty="0" err="1">
-                <a:cs typeface="Calibri"/>
-              </a:rPr>
-              <a:t>shall</a:t>
-            </a:r>
-            <a:r>
-              <a:rPr lang="de-DE" dirty="0">
-                <a:cs typeface="Calibri"/>
-              </a:rPr>
-              <a:t> </a:t>
-            </a:r>
-            <a:r>
-              <a:rPr lang="de-DE" dirty="0" err="1">
-                <a:cs typeface="Calibri"/>
-              </a:rPr>
-              <a:t>now</a:t>
-            </a:r>
-            <a:r>
-              <a:rPr lang="de-DE" dirty="0">
-                <a:cs typeface="Calibri"/>
-              </a:rPr>
-              <a:t> </a:t>
-            </a:r>
-            <a:r>
-              <a:rPr lang="de-DE" dirty="0" err="1">
-                <a:cs typeface="Calibri"/>
-              </a:rPr>
-              <a:t>contain</a:t>
-            </a:r>
-            <a:r>
-              <a:rPr lang="de-DE" dirty="0">
-                <a:cs typeface="Calibri"/>
-              </a:rPr>
-              <a:t> </a:t>
-            </a:r>
-            <a:r>
-              <a:rPr lang="de-DE" dirty="0" err="1">
-                <a:cs typeface="Calibri"/>
-              </a:rPr>
-              <a:t>the</a:t>
-            </a:r>
-            <a:r>
-              <a:rPr lang="de-DE" dirty="0">
-                <a:cs typeface="Calibri"/>
-              </a:rPr>
-              <a:t> </a:t>
-            </a:r>
-            <a:r>
-              <a:rPr lang="de-DE" dirty="0" err="1">
-                <a:cs typeface="Calibri"/>
-              </a:rPr>
-              <a:t>value</a:t>
-            </a:r>
-            <a:r>
-              <a:rPr lang="de-DE" i="1" dirty="0">
-                <a:cs typeface="Calibri"/>
-              </a:rPr>
-              <a:t> 42</a:t>
-            </a:r>
           </a:p>
         </p:txBody>
       </p:sp>
@@ -10298,7 +10762,7 @@
           <a:p>
             <a:fld id="{89C4E583-6443-4199-AF95-A2ECCC288D48}" type="slidenum">
               <a:rPr lang="en-GB" smtClean="0"/>
-              <a:t>15</a:t>
+              <a:t>16</a:t>
             </a:fld>
             <a:endParaRPr lang="en-GB"/>
           </a:p>
@@ -10387,6 +10851,518 @@
           </a:p>
         </p:txBody>
       </p:sp>
+    </p:spTree>
+    <p:extLst>
+      <p:ext uri="{BB962C8B-B14F-4D97-AF65-F5344CB8AC3E}">
+        <p14:creationId xmlns:p14="http://schemas.microsoft.com/office/powerpoint/2010/main" val="1761527965"/>
+      </p:ext>
+    </p:extLst>
+  </p:cSld>
+  <p:clrMapOvr>
+    <a:masterClrMapping/>
+  </p:clrMapOvr>
+</p:sld>
+</file>
+
+<file path=ppt/slides/slide17.xml><?xml version="1.0" encoding="utf-8"?>
+<p:sld xmlns:a="http://schemas.openxmlformats.org/drawingml/2006/main" xmlns:r="http://schemas.openxmlformats.org/officeDocument/2006/relationships" xmlns:p="http://schemas.openxmlformats.org/presentationml/2006/main">
+  <p:cSld>
+    <p:spTree>
+      <p:nvGrpSpPr>
+        <p:cNvPr id="1" name=""/>
+        <p:cNvGrpSpPr/>
+        <p:nvPr/>
+      </p:nvGrpSpPr>
+      <p:grpSpPr>
+        <a:xfrm>
+          <a:off x="0" y="0"/>
+          <a:ext cx="0" cy="0"/>
+          <a:chOff x="0" y="0"/>
+          <a:chExt cx="0" cy="0"/>
+        </a:xfrm>
+      </p:grpSpPr>
+      <p:sp>
+        <p:nvSpPr>
+          <p:cNvPr id="2" name="Titel 1">
+            <a:extLst>
+              <a:ext uri="{FF2B5EF4-FFF2-40B4-BE49-F238E27FC236}">
+                <a16:creationId xmlns:a16="http://schemas.microsoft.com/office/drawing/2014/main" id="{539BE8DF-2D08-4FD5-B662-42CBC1F970C6}"/>
+              </a:ext>
+            </a:extLst>
+          </p:cNvPr>
+          <p:cNvSpPr>
+            <a:spLocks noGrp="1"/>
+          </p:cNvSpPr>
+          <p:nvPr>
+            <p:ph type="title"/>
+          </p:nvPr>
+        </p:nvSpPr>
+        <p:spPr/>
+        <p:txBody>
+          <a:bodyPr/>
+          <a:lstStyle/>
+          <a:p>
+            <a:r>
+              <a:rPr lang="de-DE" dirty="0" err="1">
+                <a:cs typeface="Calibri Light"/>
+              </a:rPr>
+              <a:t>Reassigning</a:t>
+            </a:r>
+            <a:r>
+              <a:rPr lang="de-DE" dirty="0">
+                <a:cs typeface="Calibri Light"/>
+              </a:rPr>
+              <a:t> variables in Python</a:t>
+            </a:r>
+            <a:endParaRPr lang="de-DE" dirty="0"/>
+          </a:p>
+        </p:txBody>
+      </p:sp>
+      <p:sp>
+        <p:nvSpPr>
+          <p:cNvPr id="7" name="Textplatzhalter 6">
+            <a:extLst>
+              <a:ext uri="{FF2B5EF4-FFF2-40B4-BE49-F238E27FC236}">
+                <a16:creationId xmlns:a16="http://schemas.microsoft.com/office/drawing/2014/main" id="{50F63E56-A880-49F8-A942-0E28B5AB1DA9}"/>
+              </a:ext>
+            </a:extLst>
+          </p:cNvPr>
+          <p:cNvSpPr>
+            <a:spLocks noGrp="1"/>
+          </p:cNvSpPr>
+          <p:nvPr>
+            <p:ph type="body" idx="1"/>
+          </p:nvPr>
+        </p:nvSpPr>
+        <p:spPr/>
+        <p:txBody>
+          <a:bodyPr/>
+          <a:lstStyle/>
+          <a:p>
+            <a:r>
+              <a:rPr lang="de-DE" dirty="0">
+                <a:cs typeface="Calibri"/>
+              </a:rPr>
+              <a:t>Python </a:t>
+            </a:r>
+            <a:r>
+              <a:rPr lang="de-DE" dirty="0" err="1">
+                <a:cs typeface="Calibri"/>
+              </a:rPr>
+              <a:t>syntax</a:t>
+            </a:r>
+            <a:endParaRPr lang="de-DE" dirty="0"/>
+          </a:p>
+        </p:txBody>
+      </p:sp>
+      <p:sp>
+        <p:nvSpPr>
+          <p:cNvPr id="5" name="Inhaltsplatzhalter 4">
+            <a:extLst>
+              <a:ext uri="{FF2B5EF4-FFF2-40B4-BE49-F238E27FC236}">
+                <a16:creationId xmlns:a16="http://schemas.microsoft.com/office/drawing/2014/main" id="{11CC889A-9483-4BFF-8D2C-5C3C2568CFD1}"/>
+              </a:ext>
+            </a:extLst>
+          </p:cNvPr>
+          <p:cNvSpPr>
+            <a:spLocks noGrp="1"/>
+          </p:cNvSpPr>
+          <p:nvPr>
+            <p:ph sz="half" idx="2"/>
+          </p:nvPr>
+        </p:nvSpPr>
+        <p:spPr/>
+        <p:txBody>
+          <a:bodyPr vert="horz" lIns="0" tIns="45720" rIns="0" bIns="45720" rtlCol="0" anchor="t">
+            <a:normAutofit/>
+          </a:bodyPr>
+          <a:lstStyle/>
+          <a:p>
+            <a:pPr marL="0" indent="0">
+              <a:lnSpc>
+                <a:spcPct val="100000"/>
+              </a:lnSpc>
+              <a:buNone/>
+            </a:pPr>
+            <a:r>
+              <a:rPr lang="de-DE" dirty="0" err="1">
+                <a:latin typeface="Consolas"/>
+              </a:rPr>
+              <a:t>var</a:t>
+            </a:r>
+            <a:r>
+              <a:rPr lang="de-DE" dirty="0">
+                <a:latin typeface="Consolas"/>
+              </a:rPr>
+              <a:t> = 5</a:t>
+            </a:r>
+            <a:endParaRPr lang="de-DE" dirty="0">
+              <a:cs typeface="Calibri"/>
+            </a:endParaRPr>
+          </a:p>
+          <a:p>
+            <a:pPr marL="0" indent="0">
+              <a:lnSpc>
+                <a:spcPct val="100000"/>
+              </a:lnSpc>
+              <a:buNone/>
+            </a:pPr>
+            <a:r>
+              <a:rPr lang="de-DE" dirty="0" err="1">
+                <a:latin typeface="Consolas"/>
+                <a:cs typeface="Calibri"/>
+              </a:rPr>
+              <a:t>var</a:t>
+            </a:r>
+            <a:r>
+              <a:rPr lang="de-DE" dirty="0">
+                <a:latin typeface="Consolas"/>
+                <a:cs typeface="Calibri"/>
+              </a:rPr>
+              <a:t> = 42</a:t>
+            </a:r>
+          </a:p>
+        </p:txBody>
+      </p:sp>
+      <p:sp>
+        <p:nvSpPr>
+          <p:cNvPr id="9" name="Textplatzhalter 8">
+            <a:extLst>
+              <a:ext uri="{FF2B5EF4-FFF2-40B4-BE49-F238E27FC236}">
+                <a16:creationId xmlns:a16="http://schemas.microsoft.com/office/drawing/2014/main" id="{67BDB17A-276A-43F6-9343-FCB1ECAADA8E}"/>
+              </a:ext>
+            </a:extLst>
+          </p:cNvPr>
+          <p:cNvSpPr>
+            <a:spLocks noGrp="1"/>
+          </p:cNvSpPr>
+          <p:nvPr>
+            <p:ph type="body" sz="quarter" idx="3"/>
+          </p:nvPr>
+        </p:nvSpPr>
+        <p:spPr/>
+        <p:txBody>
+          <a:bodyPr/>
+          <a:lstStyle/>
+          <a:p>
+            <a:r>
+              <a:rPr lang="de-DE" dirty="0" err="1">
+                <a:cs typeface="Calibri"/>
+              </a:rPr>
+              <a:t>explained</a:t>
+            </a:r>
+            <a:endParaRPr lang="de-DE" dirty="0" err="1"/>
+          </a:p>
+        </p:txBody>
+      </p:sp>
+      <p:sp>
+        <p:nvSpPr>
+          <p:cNvPr id="11" name="Inhaltsplatzhalter 10">
+            <a:extLst>
+              <a:ext uri="{FF2B5EF4-FFF2-40B4-BE49-F238E27FC236}">
+                <a16:creationId xmlns:a16="http://schemas.microsoft.com/office/drawing/2014/main" id="{3BE80849-40DF-4E88-9814-1050B4B8C1F6}"/>
+              </a:ext>
+            </a:extLst>
+          </p:cNvPr>
+          <p:cNvSpPr>
+            <a:spLocks noGrp="1"/>
+          </p:cNvSpPr>
+          <p:nvPr>
+            <p:ph sz="quarter" idx="4"/>
+          </p:nvPr>
+        </p:nvSpPr>
+        <p:spPr/>
+        <p:txBody>
+          <a:bodyPr vert="horz" lIns="0" tIns="45720" rIns="0" bIns="45720" rtlCol="0" anchor="t">
+            <a:normAutofit/>
+          </a:bodyPr>
+          <a:lstStyle/>
+          <a:p>
+            <a:r>
+              <a:rPr lang="de-DE" i="1" dirty="0" err="1">
+                <a:cs typeface="Calibri"/>
+              </a:rPr>
+              <a:t>var</a:t>
+            </a:r>
+            <a:r>
+              <a:rPr lang="de-DE" i="1" dirty="0">
+                <a:cs typeface="Calibri"/>
+              </a:rPr>
+              <a:t> </a:t>
+            </a:r>
+            <a:r>
+              <a:rPr lang="de-DE" dirty="0" err="1">
+                <a:cs typeface="Calibri"/>
+              </a:rPr>
+              <a:t>shall</a:t>
+            </a:r>
+            <a:r>
+              <a:rPr lang="de-DE" dirty="0">
+                <a:cs typeface="Calibri"/>
+              </a:rPr>
+              <a:t> </a:t>
+            </a:r>
+            <a:r>
+              <a:rPr lang="de-DE" dirty="0" err="1">
+                <a:cs typeface="Calibri"/>
+              </a:rPr>
+              <a:t>now</a:t>
+            </a:r>
+            <a:r>
+              <a:rPr lang="de-DE" dirty="0">
+                <a:cs typeface="Calibri"/>
+              </a:rPr>
+              <a:t> </a:t>
+            </a:r>
+            <a:r>
+              <a:rPr lang="de-DE" dirty="0" err="1">
+                <a:cs typeface="Calibri"/>
+              </a:rPr>
+              <a:t>contain</a:t>
+            </a:r>
+            <a:r>
+              <a:rPr lang="de-DE" dirty="0">
+                <a:cs typeface="Calibri"/>
+              </a:rPr>
+              <a:t> </a:t>
+            </a:r>
+            <a:r>
+              <a:rPr lang="de-DE" dirty="0" err="1">
+                <a:cs typeface="Calibri"/>
+              </a:rPr>
+              <a:t>the</a:t>
+            </a:r>
+            <a:r>
+              <a:rPr lang="de-DE" dirty="0">
+                <a:cs typeface="Calibri"/>
+              </a:rPr>
+              <a:t> </a:t>
+            </a:r>
+            <a:r>
+              <a:rPr lang="de-DE" dirty="0" err="1">
+                <a:cs typeface="Calibri"/>
+              </a:rPr>
+              <a:t>value</a:t>
+            </a:r>
+            <a:r>
+              <a:rPr lang="de-DE" dirty="0">
+                <a:cs typeface="Calibri"/>
+              </a:rPr>
+              <a:t> </a:t>
+            </a:r>
+            <a:r>
+              <a:rPr lang="de-DE" i="1" dirty="0">
+                <a:cs typeface="Calibri"/>
+              </a:rPr>
+              <a:t>5</a:t>
+            </a:r>
+            <a:endParaRPr lang="de-DE" dirty="0">
+              <a:cs typeface="Calibri"/>
+            </a:endParaRPr>
+          </a:p>
+          <a:p>
+            <a:endParaRPr lang="de-DE" i="1" dirty="0">
+              <a:cs typeface="Calibri"/>
+            </a:endParaRPr>
+          </a:p>
+          <a:p>
+            <a:endParaRPr lang="de-DE" i="1" dirty="0">
+              <a:cs typeface="Calibri"/>
+            </a:endParaRPr>
+          </a:p>
+          <a:p>
+            <a:endParaRPr lang="de-DE" i="1" dirty="0">
+              <a:cs typeface="Calibri"/>
+            </a:endParaRPr>
+          </a:p>
+          <a:p>
+            <a:r>
+              <a:rPr lang="de-DE" i="1" dirty="0" err="1">
+                <a:cs typeface="Calibri"/>
+              </a:rPr>
+              <a:t>var</a:t>
+            </a:r>
+            <a:r>
+              <a:rPr lang="de-DE" i="1" dirty="0">
+                <a:cs typeface="Calibri"/>
+              </a:rPr>
+              <a:t> </a:t>
+            </a:r>
+            <a:r>
+              <a:rPr lang="de-DE" dirty="0" err="1">
+                <a:cs typeface="Calibri"/>
+              </a:rPr>
+              <a:t>shall</a:t>
+            </a:r>
+            <a:r>
+              <a:rPr lang="de-DE" dirty="0">
+                <a:cs typeface="Calibri"/>
+              </a:rPr>
+              <a:t> </a:t>
+            </a:r>
+            <a:r>
+              <a:rPr lang="de-DE" dirty="0" err="1">
+                <a:cs typeface="Calibri"/>
+              </a:rPr>
+              <a:t>now</a:t>
+            </a:r>
+            <a:r>
+              <a:rPr lang="de-DE" dirty="0">
+                <a:cs typeface="Calibri"/>
+              </a:rPr>
+              <a:t> </a:t>
+            </a:r>
+            <a:r>
+              <a:rPr lang="de-DE" dirty="0" err="1">
+                <a:cs typeface="Calibri"/>
+              </a:rPr>
+              <a:t>contain</a:t>
+            </a:r>
+            <a:r>
+              <a:rPr lang="de-DE" dirty="0">
+                <a:cs typeface="Calibri"/>
+              </a:rPr>
+              <a:t> </a:t>
+            </a:r>
+            <a:r>
+              <a:rPr lang="de-DE" dirty="0" err="1">
+                <a:cs typeface="Calibri"/>
+              </a:rPr>
+              <a:t>the</a:t>
+            </a:r>
+            <a:r>
+              <a:rPr lang="de-DE" dirty="0">
+                <a:cs typeface="Calibri"/>
+              </a:rPr>
+              <a:t> </a:t>
+            </a:r>
+            <a:r>
+              <a:rPr lang="de-DE" dirty="0" err="1">
+                <a:cs typeface="Calibri"/>
+              </a:rPr>
+              <a:t>value</a:t>
+            </a:r>
+            <a:r>
+              <a:rPr lang="de-DE" i="1" dirty="0">
+                <a:cs typeface="Calibri"/>
+              </a:rPr>
+              <a:t> 42</a:t>
+            </a:r>
+          </a:p>
+        </p:txBody>
+      </p:sp>
+      <p:sp>
+        <p:nvSpPr>
+          <p:cNvPr id="3" name="Foliennummernplatzhalter 2">
+            <a:extLst>
+              <a:ext uri="{FF2B5EF4-FFF2-40B4-BE49-F238E27FC236}">
+                <a16:creationId xmlns:a16="http://schemas.microsoft.com/office/drawing/2014/main" id="{BB378421-3D43-4430-94E3-0922DD5714B8}"/>
+              </a:ext>
+            </a:extLst>
+          </p:cNvPr>
+          <p:cNvSpPr>
+            <a:spLocks noGrp="1"/>
+          </p:cNvSpPr>
+          <p:nvPr>
+            <p:ph type="sldNum" sz="quarter" idx="12"/>
+          </p:nvPr>
+        </p:nvSpPr>
+        <p:spPr/>
+        <p:txBody>
+          <a:bodyPr/>
+          <a:lstStyle/>
+          <a:p>
+            <a:fld id="{89C4E583-6443-4199-AF95-A2ECCC288D48}" type="slidenum">
+              <a:rPr lang="en-GB" smtClean="0"/>
+              <a:t>17</a:t>
+            </a:fld>
+            <a:endParaRPr lang="en-GB"/>
+          </a:p>
+        </p:txBody>
+      </p:sp>
+      <p:sp>
+        <p:nvSpPr>
+          <p:cNvPr id="13" name="Textfeld 12">
+            <a:extLst>
+              <a:ext uri="{FF2B5EF4-FFF2-40B4-BE49-F238E27FC236}">
+                <a16:creationId xmlns:a16="http://schemas.microsoft.com/office/drawing/2014/main" id="{311760D7-8057-476D-B099-7D92A43FD856}"/>
+              </a:ext>
+            </a:extLst>
+          </p:cNvPr>
+          <p:cNvSpPr txBox="1"/>
+          <p:nvPr/>
+        </p:nvSpPr>
+        <p:spPr>
+          <a:xfrm>
+            <a:off x="6210300" y="3362325"/>
+            <a:ext cx="3054284" cy="369332"/>
+          </a:xfrm>
+          <a:prstGeom prst="rect">
+            <a:avLst/>
+          </a:prstGeom>
+          <a:ln>
+            <a:solidFill>
+              <a:schemeClr val="tx1"/>
+            </a:solidFill>
+          </a:ln>
+        </p:spPr>
+        <p:txBody>
+          <a:bodyPr rot="0" spcFirstLastPara="0" vertOverflow="overflow" horzOverflow="overflow" vert="horz" wrap="square" lIns="91440" tIns="45720" rIns="91440" bIns="45720" numCol="1" spcCol="0" rtlCol="0" fromWordArt="0" anchor="t" anchorCtr="0" forceAA="0" compatLnSpc="1">
+            <a:prstTxWarp prst="textNoShape">
+              <a:avLst/>
+            </a:prstTxWarp>
+            <a:spAutoFit/>
+          </a:bodyPr>
+          <a:lstStyle/>
+          <a:p>
+            <a:pPr algn="ctr"/>
+            <a:r>
+              <a:rPr lang="de-DE" dirty="0">
+                <a:cs typeface="Calibri"/>
+              </a:rPr>
+              <a:t>5</a:t>
+            </a:r>
+          </a:p>
+        </p:txBody>
+      </p:sp>
+      <p:sp>
+        <p:nvSpPr>
+          <p:cNvPr id="15" name="Textfeld 14">
+            <a:extLst>
+              <a:ext uri="{FF2B5EF4-FFF2-40B4-BE49-F238E27FC236}">
+                <a16:creationId xmlns:a16="http://schemas.microsoft.com/office/drawing/2014/main" id="{0C7AACEF-AC55-4EA0-987E-B016B9546F29}"/>
+              </a:ext>
+            </a:extLst>
+          </p:cNvPr>
+          <p:cNvSpPr txBox="1"/>
+          <p:nvPr/>
+        </p:nvSpPr>
+        <p:spPr>
+          <a:xfrm>
+            <a:off x="6210300" y="2990850"/>
+            <a:ext cx="3153251" cy="369888"/>
+          </a:xfrm>
+          <a:prstGeom prst="rect">
+            <a:avLst/>
+          </a:prstGeom>
+        </p:spPr>
+        <p:txBody>
+          <a:bodyPr rot="0" spcFirstLastPara="0" vertOverflow="overflow" horzOverflow="overflow" vert="horz" wrap="square" lIns="91440" tIns="45720" rIns="91440" bIns="45720" numCol="1" spcCol="0" rtlCol="0" fromWordArt="0" anchor="t" anchorCtr="0" forceAA="0" compatLnSpc="1">
+            <a:prstTxWarp prst="textNoShape">
+              <a:avLst/>
+            </a:prstTxWarp>
+            <a:spAutoFit/>
+          </a:bodyPr>
+          <a:lstStyle/>
+          <a:p>
+            <a:r>
+              <a:rPr lang="de-DE" i="1" dirty="0" err="1"/>
+              <a:t>var</a:t>
+            </a:r>
+            <a:endParaRPr lang="de-DE" i="1"/>
+          </a:p>
+        </p:txBody>
+      </p:sp>
       <p:sp>
         <p:nvSpPr>
           <p:cNvPr id="10" name="Textfeld 9">
@@ -10489,7 +11465,7 @@
 </p:sld>
 </file>
 
-<file path=ppt/slides/slide16.xml><?xml version="1.0" encoding="utf-8"?>
+<file path=ppt/slides/slide18.xml><?xml version="1.0" encoding="utf-8"?>
 <p:sld xmlns:a="http://schemas.openxmlformats.org/drawingml/2006/main" xmlns:r="http://schemas.openxmlformats.org/officeDocument/2006/relationships" xmlns:p="http://schemas.openxmlformats.org/presentationml/2006/main">
   <p:cSld>
     <p:spTree>
@@ -10539,7 +11515,7 @@
               </a:rPr>
               <a:t>types</a:t>
             </a:r>
-            <a:endParaRPr lang="de-DE" dirty="0" err="1"/>
+            <a:endParaRPr lang="de-DE" dirty="0"/>
           </a:p>
         </p:txBody>
       </p:sp>
@@ -10571,19 +11547,7 @@
               <a:rPr lang="de-DE" dirty="0">
                 <a:cs typeface="Calibri"/>
               </a:rPr>
-              <a:t>In </a:t>
-            </a:r>
-            <a:r>
-              <a:rPr lang="de-DE" dirty="0" err="1">
-                <a:cs typeface="Calibri"/>
-              </a:rPr>
-              <a:t>python</a:t>
-            </a:r>
-            <a:r>
-              <a:rPr lang="de-DE" dirty="0">
-                <a:cs typeface="Calibri"/>
-              </a:rPr>
-              <a:t>, </a:t>
+              <a:t>In Python, </a:t>
             </a:r>
             <a:r>
               <a:rPr lang="de-DE" dirty="0" err="1">
@@ -10651,7 +11615,7 @@
               </a:rPr>
               <a:t>inside</a:t>
             </a:r>
-            <a:endParaRPr lang="de-DE" dirty="0" err="1"/>
+            <a:endParaRPr lang="de-DE" dirty="0"/>
           </a:p>
           <a:p>
             <a:pPr marL="182245" indent="-182245"/>
@@ -10971,14 +11935,7 @@
                 <a:latin typeface="Calibri"/>
                 <a:cs typeface="Calibri"/>
               </a:rPr>
-              <a:t> in </a:t>
-            </a:r>
-            <a:r>
-              <a:rPr lang="de-DE" dirty="0" err="1">
-                <a:latin typeface="Calibri"/>
-                <a:cs typeface="Calibri"/>
-              </a:rPr>
-              <a:t>python</a:t>
+              <a:t> in Python</a:t>
             </a:r>
           </a:p>
         </p:txBody>
@@ -11006,7 +11963,7 @@
           <a:p>
             <a:fld id="{89C4E583-6443-4199-AF95-A2ECCC288D48}" type="slidenum">
               <a:rPr lang="en-GB" smtClean="0"/>
-              <a:t>16</a:t>
+              <a:t>18</a:t>
             </a:fld>
             <a:endParaRPr lang="en-GB"/>
           </a:p>
@@ -11025,7 +11982,7 @@
 </p:sld>
 </file>
 
-<file path=ppt/slides/slide17.xml><?xml version="1.0" encoding="utf-8"?>
+<file path=ppt/slides/slide19.xml><?xml version="1.0" encoding="utf-8"?>
 <p:sld xmlns:a="http://schemas.openxmlformats.org/drawingml/2006/main" xmlns:r="http://schemas.openxmlformats.org/officeDocument/2006/relationships" xmlns:p="http://schemas.openxmlformats.org/presentationml/2006/main">
   <p:cSld>
     <p:spTree>
@@ -11634,7 +12591,7 @@
           <a:p>
             <a:fld id="{89C4E583-6443-4199-AF95-A2ECCC288D48}" type="slidenum">
               <a:rPr lang="en-GB" smtClean="0"/>
-              <a:t>17</a:t>
+              <a:t>19</a:t>
             </a:fld>
             <a:endParaRPr lang="en-GB"/>
           </a:p>
@@ -11644,1022 +12601,6 @@
     <p:extLst>
       <p:ext uri="{BB962C8B-B14F-4D97-AF65-F5344CB8AC3E}">
         <p14:creationId xmlns:p14="http://schemas.microsoft.com/office/powerpoint/2010/main" val="2926010222"/>
-      </p:ext>
-    </p:extLst>
-  </p:cSld>
-  <p:clrMapOvr>
-    <a:masterClrMapping/>
-  </p:clrMapOvr>
-</p:sld>
-</file>
-
-<file path=ppt/slides/slide18.xml><?xml version="1.0" encoding="utf-8"?>
-<p:sld xmlns:a="http://schemas.openxmlformats.org/drawingml/2006/main" xmlns:r="http://schemas.openxmlformats.org/officeDocument/2006/relationships" xmlns:p="http://schemas.openxmlformats.org/presentationml/2006/main">
-  <p:cSld>
-    <p:spTree>
-      <p:nvGrpSpPr>
-        <p:cNvPr id="1" name=""/>
-        <p:cNvGrpSpPr/>
-        <p:nvPr/>
-      </p:nvGrpSpPr>
-      <p:grpSpPr>
-        <a:xfrm>
-          <a:off x="0" y="0"/>
-          <a:ext cx="0" cy="0"/>
-          <a:chOff x="0" y="0"/>
-          <a:chExt cx="0" cy="0"/>
-        </a:xfrm>
-      </p:grpSpPr>
-      <p:sp>
-        <p:nvSpPr>
-          <p:cNvPr id="2" name="Titel 1">
-            <a:extLst>
-              <a:ext uri="{FF2B5EF4-FFF2-40B4-BE49-F238E27FC236}">
-                <a16:creationId xmlns:a16="http://schemas.microsoft.com/office/drawing/2014/main" id="{7897BDA2-F0AE-4E0E-9D6B-69C780906CEF}"/>
-              </a:ext>
-            </a:extLst>
-          </p:cNvPr>
-          <p:cNvSpPr>
-            <a:spLocks noGrp="1"/>
-          </p:cNvSpPr>
-          <p:nvPr>
-            <p:ph type="title"/>
-          </p:nvPr>
-        </p:nvSpPr>
-        <p:spPr/>
-        <p:txBody>
-          <a:bodyPr>
-            <a:normAutofit fontScale="90000"/>
-          </a:bodyPr>
-          <a:lstStyle/>
-          <a:p>
-            <a:r>
-              <a:rPr lang="de-DE" dirty="0" err="1">
-                <a:cs typeface="Calibri Light"/>
-              </a:rPr>
-              <a:t>Therefore</a:t>
-            </a:r>
-            <a:r>
-              <a:rPr lang="de-DE" dirty="0">
-                <a:cs typeface="Calibri Light"/>
-              </a:rPr>
-              <a:t>, </a:t>
-            </a:r>
-            <a:r>
-              <a:rPr lang="de-DE" dirty="0" err="1">
-                <a:cs typeface="Calibri Light"/>
-              </a:rPr>
-              <a:t>the</a:t>
-            </a:r>
-            <a:r>
-              <a:rPr lang="de-DE" dirty="0">
-                <a:cs typeface="Calibri Light"/>
-              </a:rPr>
-              <a:t> </a:t>
-            </a:r>
-            <a:r>
-              <a:rPr lang="de-DE" dirty="0" err="1">
-                <a:cs typeface="Calibri Light"/>
-              </a:rPr>
-              <a:t>following</a:t>
-            </a:r>
-            <a:r>
-              <a:rPr lang="de-DE" dirty="0">
-                <a:cs typeface="Calibri Light"/>
-              </a:rPr>
-              <a:t> </a:t>
-            </a:r>
-            <a:r>
-              <a:rPr lang="de-DE" dirty="0" err="1">
-                <a:cs typeface="Calibri Light"/>
-              </a:rPr>
-              <a:t>is</a:t>
-            </a:r>
-            <a:r>
-              <a:rPr lang="de-DE" dirty="0">
-                <a:cs typeface="Calibri Light"/>
-              </a:rPr>
-              <a:t> </a:t>
-            </a:r>
-            <a:r>
-              <a:rPr lang="de-DE" b="1" dirty="0" err="1">
-                <a:cs typeface="Calibri Light"/>
-              </a:rPr>
-              <a:t>very</a:t>
-            </a:r>
-            <a:r>
-              <a:rPr lang="de-DE" b="1" dirty="0">
-                <a:cs typeface="Calibri Light"/>
-              </a:rPr>
-              <a:t> </a:t>
-            </a:r>
-            <a:r>
-              <a:rPr lang="de-DE" dirty="0" err="1">
-                <a:cs typeface="Calibri Light"/>
-              </a:rPr>
-              <a:t>important</a:t>
-            </a:r>
-            <a:r>
-              <a:rPr lang="de-DE" dirty="0">
-                <a:cs typeface="Calibri Light"/>
-              </a:rPr>
-              <a:t>...</a:t>
-            </a:r>
-            <a:endParaRPr lang="de-DE" b="1" dirty="0">
-              <a:cs typeface="Calibri Light"/>
-            </a:endParaRPr>
-          </a:p>
-        </p:txBody>
-      </p:sp>
-      <p:sp>
-        <p:nvSpPr>
-          <p:cNvPr id="3" name="Inhaltsplatzhalter 2">
-            <a:extLst>
-              <a:ext uri="{FF2B5EF4-FFF2-40B4-BE49-F238E27FC236}">
-                <a16:creationId xmlns:a16="http://schemas.microsoft.com/office/drawing/2014/main" id="{A7EC3A80-3A67-4399-B09F-D7509A31421E}"/>
-              </a:ext>
-            </a:extLst>
-          </p:cNvPr>
-          <p:cNvSpPr>
-            <a:spLocks noGrp="1"/>
-          </p:cNvSpPr>
-          <p:nvPr>
-            <p:ph idx="1"/>
-          </p:nvPr>
-        </p:nvSpPr>
-        <p:spPr/>
-        <p:txBody>
-          <a:bodyPr/>
-          <a:lstStyle/>
-          <a:p>
-            <a:endParaRPr lang="de-DE"/>
-          </a:p>
-        </p:txBody>
-      </p:sp>
-      <p:sp>
-        <p:nvSpPr>
-          <p:cNvPr id="4" name="Foliennummernplatzhalter 3">
-            <a:extLst>
-              <a:ext uri="{FF2B5EF4-FFF2-40B4-BE49-F238E27FC236}">
-                <a16:creationId xmlns:a16="http://schemas.microsoft.com/office/drawing/2014/main" id="{0B5C55AB-D003-47D8-80CD-AAADF0B5B630}"/>
-              </a:ext>
-            </a:extLst>
-          </p:cNvPr>
-          <p:cNvSpPr>
-            <a:spLocks noGrp="1"/>
-          </p:cNvSpPr>
-          <p:nvPr>
-            <p:ph type="sldNum" sz="quarter" idx="12"/>
-          </p:nvPr>
-        </p:nvSpPr>
-        <p:spPr/>
-        <p:txBody>
-          <a:bodyPr/>
-          <a:lstStyle/>
-          <a:p>
-            <a:fld id="{89C4E583-6443-4199-AF95-A2ECCC288D48}" type="slidenum">
-              <a:rPr lang="en-GB" smtClean="0"/>
-              <a:t>18</a:t>
-            </a:fld>
-            <a:endParaRPr lang="en-GB"/>
-          </a:p>
-        </p:txBody>
-      </p:sp>
-    </p:spTree>
-    <p:extLst>
-      <p:ext uri="{BB962C8B-B14F-4D97-AF65-F5344CB8AC3E}">
-        <p14:creationId xmlns:p14="http://schemas.microsoft.com/office/powerpoint/2010/main" val="2394665117"/>
-      </p:ext>
-    </p:extLst>
-  </p:cSld>
-  <p:clrMapOvr>
-    <a:masterClrMapping/>
-  </p:clrMapOvr>
-</p:sld>
-</file>
-
-<file path=ppt/slides/slide19.xml><?xml version="1.0" encoding="utf-8"?>
-<p:sld xmlns:a="http://schemas.openxmlformats.org/drawingml/2006/main" xmlns:r="http://schemas.openxmlformats.org/officeDocument/2006/relationships" xmlns:p="http://schemas.openxmlformats.org/presentationml/2006/main">
-  <p:cSld>
-    <p:spTree>
-      <p:nvGrpSpPr>
-        <p:cNvPr id="1" name=""/>
-        <p:cNvGrpSpPr/>
-        <p:nvPr/>
-      </p:nvGrpSpPr>
-      <p:grpSpPr>
-        <a:xfrm>
-          <a:off x="0" y="0"/>
-          <a:ext cx="0" cy="0"/>
-          <a:chOff x="0" y="0"/>
-          <a:chExt cx="0" cy="0"/>
-        </a:xfrm>
-      </p:grpSpPr>
-      <p:sp>
-        <p:nvSpPr>
-          <p:cNvPr id="2" name="Titel 1">
-            <a:extLst>
-              <a:ext uri="{FF2B5EF4-FFF2-40B4-BE49-F238E27FC236}">
-                <a16:creationId xmlns:a16="http://schemas.microsoft.com/office/drawing/2014/main" id="{AAF7C7CE-06FC-435E-9D4E-01BE26B79928}"/>
-              </a:ext>
-            </a:extLst>
-          </p:cNvPr>
-          <p:cNvSpPr>
-            <a:spLocks noGrp="1"/>
-          </p:cNvSpPr>
-          <p:nvPr>
-            <p:ph type="title"/>
-          </p:nvPr>
-        </p:nvSpPr>
-        <p:spPr/>
-        <p:txBody>
-          <a:bodyPr/>
-          <a:lstStyle/>
-          <a:p>
-            <a:r>
-              <a:rPr lang="de-DE" dirty="0">
-                <a:cs typeface="Calibri Light"/>
-              </a:rPr>
-              <a:t>Do. Not. Mix. </a:t>
-            </a:r>
-            <a:r>
-              <a:rPr lang="de-DE" dirty="0" err="1">
-                <a:cs typeface="Calibri Light"/>
-              </a:rPr>
-              <a:t>Types</a:t>
-            </a:r>
-            <a:r>
-              <a:rPr lang="de-DE" dirty="0">
-                <a:cs typeface="Calibri Light"/>
-              </a:rPr>
-              <a:t>.</a:t>
-            </a:r>
-            <a:endParaRPr lang="de-DE" dirty="0"/>
-          </a:p>
-        </p:txBody>
-      </p:sp>
-      <p:sp>
-        <p:nvSpPr>
-          <p:cNvPr id="3" name="Inhaltsplatzhalter 2">
-            <a:extLst>
-              <a:ext uri="{FF2B5EF4-FFF2-40B4-BE49-F238E27FC236}">
-                <a16:creationId xmlns:a16="http://schemas.microsoft.com/office/drawing/2014/main" id="{F0673C46-ED62-46BD-AB78-F744B769757E}"/>
-              </a:ext>
-            </a:extLst>
-          </p:cNvPr>
-          <p:cNvSpPr>
-            <a:spLocks noGrp="1"/>
-          </p:cNvSpPr>
-          <p:nvPr>
-            <p:ph idx="1"/>
-          </p:nvPr>
-        </p:nvSpPr>
-        <p:spPr/>
-        <p:txBody>
-          <a:bodyPr vert="horz" lIns="0" tIns="45720" rIns="0" bIns="45720" rtlCol="0" anchor="t">
-            <a:normAutofit/>
-          </a:bodyPr>
-          <a:lstStyle/>
-          <a:p>
-            <a:pPr marL="182245" indent="-182245"/>
-            <a:r>
-              <a:rPr lang="de-DE" dirty="0" err="1">
-                <a:cs typeface="Calibri"/>
-              </a:rPr>
-              <a:t>It</a:t>
-            </a:r>
-            <a:r>
-              <a:rPr lang="de-DE" dirty="0">
-                <a:cs typeface="Calibri"/>
-              </a:rPr>
-              <a:t> </a:t>
-            </a:r>
-            <a:r>
-              <a:rPr lang="de-DE" dirty="0" err="1">
-                <a:cs typeface="Calibri"/>
-              </a:rPr>
-              <a:t>is</a:t>
-            </a:r>
-            <a:r>
-              <a:rPr lang="de-DE" dirty="0">
-                <a:cs typeface="Calibri"/>
-              </a:rPr>
-              <a:t> </a:t>
-            </a:r>
-            <a:r>
-              <a:rPr lang="de-DE" dirty="0" err="1">
-                <a:cs typeface="Calibri"/>
-              </a:rPr>
-              <a:t>good</a:t>
-            </a:r>
-            <a:r>
-              <a:rPr lang="de-DE" dirty="0">
-                <a:cs typeface="Calibri"/>
-              </a:rPr>
-              <a:t> </a:t>
-            </a:r>
-            <a:r>
-              <a:rPr lang="de-DE" dirty="0" err="1">
-                <a:cs typeface="Calibri"/>
-              </a:rPr>
-              <a:t>practice</a:t>
-            </a:r>
-            <a:r>
-              <a:rPr lang="de-DE" dirty="0">
-                <a:cs typeface="Calibri"/>
-              </a:rPr>
-              <a:t> </a:t>
-            </a:r>
-            <a:r>
-              <a:rPr lang="de-DE" dirty="0" err="1">
-                <a:cs typeface="Calibri"/>
-              </a:rPr>
-              <a:t>to</a:t>
-            </a:r>
-            <a:r>
-              <a:rPr lang="de-DE" dirty="0">
-                <a:cs typeface="Calibri"/>
-              </a:rPr>
-              <a:t> </a:t>
-            </a:r>
-            <a:r>
-              <a:rPr lang="de-DE" dirty="0" err="1">
-                <a:cs typeface="Calibri"/>
-              </a:rPr>
-              <a:t>use</a:t>
-            </a:r>
-            <a:r>
-              <a:rPr lang="de-DE" dirty="0">
-                <a:cs typeface="Calibri"/>
-              </a:rPr>
-              <a:t> a variable </a:t>
-            </a:r>
-            <a:r>
-              <a:rPr lang="de-DE" dirty="0" err="1">
-                <a:cs typeface="Calibri"/>
-              </a:rPr>
-              <a:t>only</a:t>
-            </a:r>
-            <a:r>
-              <a:rPr lang="de-DE" dirty="0">
-                <a:cs typeface="Calibri"/>
-              </a:rPr>
-              <a:t> </a:t>
-            </a:r>
-            <a:r>
-              <a:rPr lang="de-DE" dirty="0" err="1">
-                <a:cs typeface="Calibri"/>
-              </a:rPr>
-              <a:t>with</a:t>
-            </a:r>
-            <a:r>
-              <a:rPr lang="de-DE" dirty="0">
-                <a:cs typeface="Calibri"/>
-              </a:rPr>
-              <a:t> a </a:t>
-            </a:r>
-            <a:r>
-              <a:rPr lang="de-DE" dirty="0" err="1">
-                <a:cs typeface="Calibri"/>
-              </a:rPr>
-              <a:t>certain</a:t>
-            </a:r>
-            <a:r>
-              <a:rPr lang="de-DE" dirty="0">
-                <a:cs typeface="Calibri"/>
-              </a:rPr>
-              <a:t> type</a:t>
-            </a:r>
-          </a:p>
-          <a:p>
-            <a:pPr marL="182245" indent="-182245"/>
-            <a:r>
-              <a:rPr lang="de-DE" dirty="0" err="1">
-                <a:cs typeface="Calibri"/>
-              </a:rPr>
-              <a:t>If</a:t>
-            </a:r>
-            <a:r>
-              <a:rPr lang="de-DE" dirty="0">
-                <a:cs typeface="Calibri"/>
-              </a:rPr>
-              <a:t> </a:t>
-            </a:r>
-            <a:r>
-              <a:rPr lang="de-DE" dirty="0" err="1">
-                <a:cs typeface="Calibri"/>
-              </a:rPr>
-              <a:t>you</a:t>
-            </a:r>
-            <a:r>
-              <a:rPr lang="de-DE" dirty="0">
-                <a:cs typeface="Calibri"/>
-              </a:rPr>
-              <a:t> </a:t>
-            </a:r>
-            <a:r>
-              <a:rPr lang="de-DE" dirty="0" err="1">
-                <a:cs typeface="Calibri"/>
-              </a:rPr>
-              <a:t>need</a:t>
-            </a:r>
-            <a:r>
-              <a:rPr lang="de-DE" dirty="0">
-                <a:cs typeface="Calibri"/>
-              </a:rPr>
-              <a:t> </a:t>
-            </a:r>
-            <a:r>
-              <a:rPr lang="de-DE" dirty="0" err="1">
-                <a:cs typeface="Calibri"/>
-              </a:rPr>
-              <a:t>to</a:t>
-            </a:r>
-            <a:r>
-              <a:rPr lang="de-DE" dirty="0">
-                <a:cs typeface="Calibri"/>
-              </a:rPr>
-              <a:t> </a:t>
-            </a:r>
-            <a:r>
-              <a:rPr lang="de-DE" dirty="0" err="1">
-                <a:cs typeface="Calibri"/>
-              </a:rPr>
-              <a:t>store</a:t>
-            </a:r>
-            <a:r>
-              <a:rPr lang="de-DE" dirty="0">
-                <a:cs typeface="Calibri"/>
-              </a:rPr>
-              <a:t> a </a:t>
-            </a:r>
-            <a:r>
-              <a:rPr lang="de-DE" dirty="0" err="1">
-                <a:cs typeface="Calibri"/>
-              </a:rPr>
-              <a:t>value</a:t>
-            </a:r>
-            <a:r>
-              <a:rPr lang="de-DE" dirty="0">
-                <a:cs typeface="Calibri"/>
-              </a:rPr>
-              <a:t> </a:t>
-            </a:r>
-            <a:r>
-              <a:rPr lang="de-DE" dirty="0" err="1">
-                <a:cs typeface="Calibri"/>
-              </a:rPr>
-              <a:t>of</a:t>
-            </a:r>
-            <a:r>
-              <a:rPr lang="de-DE" dirty="0">
-                <a:cs typeface="Calibri"/>
-              </a:rPr>
-              <a:t> a different type, </a:t>
-            </a:r>
-            <a:r>
-              <a:rPr lang="de-DE" b="1" dirty="0" err="1">
-                <a:cs typeface="Calibri"/>
-              </a:rPr>
-              <a:t>make</a:t>
-            </a:r>
-            <a:r>
-              <a:rPr lang="de-DE" b="1" dirty="0">
-                <a:cs typeface="Calibri"/>
-              </a:rPr>
-              <a:t> a </a:t>
-            </a:r>
-            <a:r>
-              <a:rPr lang="de-DE" b="1" dirty="0" err="1">
-                <a:cs typeface="Calibri"/>
-              </a:rPr>
-              <a:t>new</a:t>
-            </a:r>
-            <a:r>
-              <a:rPr lang="de-DE" b="1" dirty="0">
-                <a:cs typeface="Calibri"/>
-              </a:rPr>
-              <a:t> variable </a:t>
-            </a:r>
-            <a:r>
-              <a:rPr lang="de-DE" b="1" dirty="0" err="1">
-                <a:cs typeface="Calibri"/>
-              </a:rPr>
-              <a:t>with</a:t>
-            </a:r>
-            <a:r>
-              <a:rPr lang="de-DE" b="1" dirty="0">
-                <a:cs typeface="Calibri"/>
-              </a:rPr>
-              <a:t> a different </a:t>
-            </a:r>
-            <a:r>
-              <a:rPr lang="de-DE" b="1" dirty="0" err="1">
-                <a:cs typeface="Calibri"/>
-              </a:rPr>
-              <a:t>name</a:t>
-            </a:r>
-          </a:p>
-          <a:p>
-            <a:pPr marL="182245" indent="-182245"/>
-            <a:r>
-              <a:rPr lang="de-DE" dirty="0">
-                <a:cs typeface="Calibri"/>
-              </a:rPr>
-              <a:t>In </a:t>
-            </a:r>
-            <a:r>
-              <a:rPr lang="de-DE" dirty="0" err="1">
-                <a:cs typeface="Calibri"/>
-              </a:rPr>
-              <a:t>this</a:t>
-            </a:r>
-            <a:r>
-              <a:rPr lang="de-DE" dirty="0">
-                <a:cs typeface="Calibri"/>
-              </a:rPr>
-              <a:t> </a:t>
-            </a:r>
-            <a:r>
-              <a:rPr lang="de-DE" dirty="0" err="1">
-                <a:cs typeface="Calibri"/>
-              </a:rPr>
-              <a:t>class</a:t>
-            </a:r>
-            <a:r>
-              <a:rPr lang="de-DE" dirty="0">
-                <a:cs typeface="Calibri"/>
-              </a:rPr>
-              <a:t>, </a:t>
-            </a:r>
-            <a:r>
-              <a:rPr lang="de-DE" dirty="0" err="1">
-                <a:cs typeface="Calibri"/>
-              </a:rPr>
-              <a:t>your</a:t>
-            </a:r>
-            <a:r>
-              <a:rPr lang="de-DE" dirty="0">
-                <a:cs typeface="Calibri"/>
-              </a:rPr>
-              <a:t> </a:t>
-            </a:r>
-            <a:r>
-              <a:rPr lang="de-DE" dirty="0" err="1">
-                <a:cs typeface="Calibri"/>
-              </a:rPr>
-              <a:t>program</a:t>
-            </a:r>
-            <a:r>
-              <a:rPr lang="de-DE" dirty="0">
-                <a:cs typeface="Calibri"/>
-              </a:rPr>
-              <a:t> </a:t>
-            </a:r>
-            <a:r>
-              <a:rPr lang="de-DE" dirty="0" err="1">
-                <a:cs typeface="Calibri"/>
-              </a:rPr>
-              <a:t>might</a:t>
-            </a:r>
-            <a:r>
-              <a:rPr lang="de-DE" dirty="0">
-                <a:cs typeface="Calibri"/>
-              </a:rPr>
-              <a:t> not crash </a:t>
-            </a:r>
-            <a:r>
-              <a:rPr lang="de-DE" dirty="0" err="1">
-                <a:cs typeface="Calibri"/>
-              </a:rPr>
-              <a:t>if</a:t>
-            </a:r>
-            <a:r>
-              <a:rPr lang="de-DE" dirty="0">
-                <a:cs typeface="Calibri"/>
-              </a:rPr>
-              <a:t> </a:t>
-            </a:r>
-            <a:r>
-              <a:rPr lang="de-DE" dirty="0" err="1">
-                <a:cs typeface="Calibri"/>
-              </a:rPr>
-              <a:t>you</a:t>
-            </a:r>
-            <a:r>
-              <a:rPr lang="de-DE" dirty="0">
-                <a:cs typeface="Calibri"/>
-              </a:rPr>
-              <a:t> mix </a:t>
-            </a:r>
-            <a:r>
-              <a:rPr lang="de-DE" dirty="0" err="1">
-                <a:cs typeface="Calibri"/>
-              </a:rPr>
-              <a:t>types</a:t>
-            </a:r>
-            <a:r>
-              <a:rPr lang="de-DE" dirty="0">
-                <a:cs typeface="Calibri"/>
-              </a:rPr>
-              <a:t>, but </a:t>
-            </a:r>
-            <a:r>
-              <a:rPr lang="de-DE" dirty="0" err="1">
-                <a:cs typeface="Calibri"/>
-              </a:rPr>
-              <a:t>it</a:t>
-            </a:r>
-            <a:r>
-              <a:rPr lang="de-DE" dirty="0">
-                <a:cs typeface="Calibri"/>
-              </a:rPr>
-              <a:t> </a:t>
-            </a:r>
-            <a:r>
-              <a:rPr lang="de-DE" dirty="0" err="1">
-                <a:cs typeface="Calibri"/>
-              </a:rPr>
-              <a:t>can</a:t>
-            </a:r>
-            <a:r>
-              <a:rPr lang="de-DE" dirty="0">
-                <a:cs typeface="Calibri"/>
-              </a:rPr>
-              <a:t> </a:t>
-            </a:r>
-            <a:r>
-              <a:rPr lang="de-DE" dirty="0" err="1">
-                <a:cs typeface="Calibri"/>
-              </a:rPr>
-              <a:t>lead</a:t>
-            </a:r>
-            <a:r>
-              <a:rPr lang="de-DE" dirty="0">
-                <a:cs typeface="Calibri"/>
-              </a:rPr>
-              <a:t> </a:t>
-            </a:r>
-            <a:r>
-              <a:rPr lang="de-DE" dirty="0" err="1">
-                <a:cs typeface="Calibri"/>
-              </a:rPr>
-              <a:t>to</a:t>
-            </a:r>
-            <a:r>
-              <a:rPr lang="de-DE" dirty="0">
-                <a:cs typeface="Calibri"/>
-              </a:rPr>
-              <a:t> a </a:t>
-            </a:r>
-            <a:r>
-              <a:rPr lang="de-DE" dirty="0" err="1">
-                <a:cs typeface="Calibri"/>
-              </a:rPr>
-              <a:t>lot</a:t>
-            </a:r>
-            <a:r>
-              <a:rPr lang="de-DE" dirty="0">
-                <a:cs typeface="Calibri"/>
-              </a:rPr>
-              <a:t> </a:t>
-            </a:r>
-            <a:r>
-              <a:rPr lang="de-DE" dirty="0" err="1">
-                <a:cs typeface="Calibri"/>
-              </a:rPr>
-              <a:t>of</a:t>
-            </a:r>
-            <a:r>
-              <a:rPr lang="de-DE" dirty="0">
-                <a:cs typeface="Calibri"/>
-              </a:rPr>
-              <a:t> </a:t>
-            </a:r>
-            <a:r>
-              <a:rPr lang="de-DE" dirty="0" err="1">
-                <a:cs typeface="Calibri"/>
-              </a:rPr>
-              <a:t>trouble</a:t>
-            </a:r>
-            <a:r>
-              <a:rPr lang="de-DE" dirty="0">
-                <a:cs typeface="Calibri"/>
-              </a:rPr>
-              <a:t> down </a:t>
-            </a:r>
-            <a:r>
-              <a:rPr lang="de-DE" dirty="0" err="1">
-                <a:cs typeface="Calibri"/>
-              </a:rPr>
-              <a:t>the</a:t>
-            </a:r>
-            <a:r>
-              <a:rPr lang="de-DE" dirty="0">
-                <a:cs typeface="Calibri"/>
-              </a:rPr>
-              <a:t> </a:t>
-            </a:r>
-            <a:r>
-              <a:rPr lang="de-DE" dirty="0" err="1">
-                <a:cs typeface="Calibri"/>
-              </a:rPr>
-              <a:t>line</a:t>
-            </a:r>
-          </a:p>
-          <a:p>
-            <a:pPr marL="383540" lvl="1"/>
-            <a:r>
-              <a:rPr lang="de-DE" err="1">
-                <a:cs typeface="Calibri"/>
-              </a:rPr>
-              <a:t>especially</a:t>
-            </a:r>
-            <a:r>
-              <a:rPr lang="de-DE" dirty="0">
-                <a:cs typeface="Calibri"/>
-              </a:rPr>
-              <a:t> </a:t>
-            </a:r>
-            <a:r>
-              <a:rPr lang="de-DE" err="1">
-                <a:cs typeface="Calibri"/>
-              </a:rPr>
-              <a:t>if</a:t>
-            </a:r>
-            <a:r>
-              <a:rPr lang="de-DE" dirty="0">
-                <a:cs typeface="Calibri"/>
-              </a:rPr>
-              <a:t> </a:t>
-            </a:r>
-            <a:r>
-              <a:rPr lang="de-DE" err="1">
-                <a:cs typeface="Calibri"/>
-              </a:rPr>
-              <a:t>you're</a:t>
-            </a:r>
-            <a:r>
-              <a:rPr lang="de-DE" dirty="0">
-                <a:cs typeface="Calibri"/>
-              </a:rPr>
-              <a:t> </a:t>
-            </a:r>
-            <a:r>
-              <a:rPr lang="de-DE" err="1">
-                <a:cs typeface="Calibri"/>
-              </a:rPr>
-              <a:t>using</a:t>
-            </a:r>
-            <a:r>
-              <a:rPr lang="de-DE" dirty="0">
-                <a:cs typeface="Calibri"/>
-              </a:rPr>
-              <a:t> </a:t>
-            </a:r>
-            <a:r>
-              <a:rPr lang="de-DE" err="1">
-                <a:cs typeface="Calibri"/>
-              </a:rPr>
-              <a:t>programming</a:t>
-            </a:r>
-            <a:r>
-              <a:rPr lang="de-DE" dirty="0">
-                <a:cs typeface="Calibri"/>
-              </a:rPr>
-              <a:t> </a:t>
-            </a:r>
-            <a:r>
-              <a:rPr lang="de-DE" err="1">
-                <a:cs typeface="Calibri"/>
-              </a:rPr>
-              <a:t>languages</a:t>
-            </a:r>
-            <a:r>
-              <a:rPr lang="de-DE" dirty="0">
-                <a:cs typeface="Calibri"/>
-              </a:rPr>
-              <a:t> </a:t>
-            </a:r>
-            <a:r>
-              <a:rPr lang="de-DE" err="1">
-                <a:cs typeface="Calibri"/>
-              </a:rPr>
-              <a:t>other</a:t>
-            </a:r>
-            <a:r>
-              <a:rPr lang="de-DE" dirty="0">
-                <a:cs typeface="Calibri"/>
-              </a:rPr>
-              <a:t> </a:t>
-            </a:r>
-            <a:r>
-              <a:rPr lang="de-DE" err="1">
-                <a:cs typeface="Calibri"/>
-              </a:rPr>
-              <a:t>than</a:t>
-            </a:r>
-            <a:r>
-              <a:rPr lang="de-DE" dirty="0">
-                <a:cs typeface="Calibri"/>
-              </a:rPr>
-              <a:t> </a:t>
-            </a:r>
-            <a:r>
-              <a:rPr lang="de-DE" err="1">
-                <a:cs typeface="Calibri"/>
-              </a:rPr>
-              <a:t>python</a:t>
-            </a:r>
-            <a:endParaRPr lang="de-DE">
-              <a:solidFill>
-                <a:schemeClr val="tx1"/>
-              </a:solidFill>
-              <a:cs typeface="Calibri"/>
-            </a:endParaRPr>
-          </a:p>
-          <a:p>
-            <a:pPr marL="182245" indent="-182245"/>
-            <a:r>
-              <a:rPr lang="de-DE" dirty="0">
-                <a:cs typeface="Calibri"/>
-              </a:rPr>
-              <a:t>So do </a:t>
-            </a:r>
-            <a:r>
-              <a:rPr lang="de-DE" err="1">
-                <a:cs typeface="Calibri"/>
-              </a:rPr>
-              <a:t>yourself</a:t>
-            </a:r>
-            <a:r>
-              <a:rPr lang="de-DE" dirty="0">
-                <a:cs typeface="Calibri"/>
-              </a:rPr>
-              <a:t> </a:t>
-            </a:r>
-            <a:r>
-              <a:rPr lang="de-DE" err="1">
-                <a:cs typeface="Calibri"/>
-              </a:rPr>
-              <a:t>the</a:t>
-            </a:r>
-            <a:r>
-              <a:rPr lang="de-DE" dirty="0">
-                <a:cs typeface="Calibri"/>
-              </a:rPr>
-              <a:t> </a:t>
-            </a:r>
-            <a:r>
-              <a:rPr lang="de-DE" err="1">
-                <a:cs typeface="Calibri"/>
-              </a:rPr>
-              <a:t>favour</a:t>
-            </a:r>
-            <a:r>
-              <a:rPr lang="de-DE" dirty="0">
-                <a:cs typeface="Calibri"/>
-              </a:rPr>
-              <a:t> and </a:t>
-            </a:r>
-            <a:r>
-              <a:rPr lang="de-DE" err="1">
-                <a:cs typeface="Calibri"/>
-              </a:rPr>
-              <a:t>get</a:t>
-            </a:r>
-            <a:r>
-              <a:rPr lang="de-DE" dirty="0">
-                <a:cs typeface="Calibri"/>
-              </a:rPr>
-              <a:t> </a:t>
-            </a:r>
-            <a:r>
-              <a:rPr lang="de-DE" err="1">
-                <a:cs typeface="Calibri"/>
-              </a:rPr>
-              <a:t>used</a:t>
-            </a:r>
-            <a:r>
-              <a:rPr lang="de-DE" dirty="0">
-                <a:cs typeface="Calibri"/>
-              </a:rPr>
-              <a:t> </a:t>
-            </a:r>
-            <a:r>
-              <a:rPr lang="de-DE" err="1">
-                <a:cs typeface="Calibri"/>
-              </a:rPr>
-              <a:t>to</a:t>
-            </a:r>
-            <a:r>
-              <a:rPr lang="de-DE" dirty="0">
-                <a:cs typeface="Calibri"/>
-              </a:rPr>
-              <a:t> </a:t>
-            </a:r>
-            <a:r>
-              <a:rPr lang="de-DE" err="1">
-                <a:cs typeface="Calibri"/>
-              </a:rPr>
-              <a:t>using</a:t>
-            </a:r>
-            <a:r>
-              <a:rPr lang="de-DE" dirty="0">
-                <a:cs typeface="Calibri"/>
-              </a:rPr>
-              <a:t> </a:t>
-            </a:r>
-            <a:r>
-              <a:rPr lang="de-DE" b="1" dirty="0">
-                <a:cs typeface="Calibri"/>
-              </a:rPr>
-              <a:t>different variables </a:t>
-            </a:r>
-            <a:r>
-              <a:rPr lang="de-DE" b="1" err="1">
-                <a:cs typeface="Calibri"/>
-              </a:rPr>
-              <a:t>for</a:t>
-            </a:r>
-            <a:r>
-              <a:rPr lang="de-DE" b="1" dirty="0">
-                <a:cs typeface="Calibri"/>
-              </a:rPr>
-              <a:t> different </a:t>
-            </a:r>
-            <a:r>
-              <a:rPr lang="de-DE" b="1" err="1">
-                <a:cs typeface="Calibri"/>
-              </a:rPr>
-              <a:t>types</a:t>
-            </a:r>
-            <a:r>
-              <a:rPr lang="de-DE" dirty="0">
-                <a:cs typeface="Calibri"/>
-              </a:rPr>
-              <a:t> </a:t>
-            </a:r>
-            <a:r>
-              <a:rPr lang="de-DE" err="1">
-                <a:cs typeface="Calibri"/>
-              </a:rPr>
-              <a:t>right</a:t>
-            </a:r>
-            <a:r>
-              <a:rPr lang="de-DE" dirty="0">
-                <a:cs typeface="Calibri"/>
-              </a:rPr>
-              <a:t> </a:t>
-            </a:r>
-            <a:r>
-              <a:rPr lang="de-DE" err="1">
-                <a:cs typeface="Calibri"/>
-              </a:rPr>
-              <a:t>away</a:t>
-            </a:r>
-          </a:p>
-          <a:p>
-            <a:pPr marL="182245" indent="-182245"/>
-            <a:endParaRPr lang="de-DE" dirty="0">
-              <a:cs typeface="Calibri"/>
-            </a:endParaRPr>
-          </a:p>
-        </p:txBody>
-      </p:sp>
-      <p:sp>
-        <p:nvSpPr>
-          <p:cNvPr id="4" name="Foliennummernplatzhalter 3">
-            <a:extLst>
-              <a:ext uri="{FF2B5EF4-FFF2-40B4-BE49-F238E27FC236}">
-                <a16:creationId xmlns:a16="http://schemas.microsoft.com/office/drawing/2014/main" id="{75A3FEE5-91B8-4193-939D-3A5B1E2677BC}"/>
-              </a:ext>
-            </a:extLst>
-          </p:cNvPr>
-          <p:cNvSpPr>
-            <a:spLocks noGrp="1"/>
-          </p:cNvSpPr>
-          <p:nvPr>
-            <p:ph type="sldNum" sz="quarter" idx="12"/>
-          </p:nvPr>
-        </p:nvSpPr>
-        <p:spPr/>
-        <p:txBody>
-          <a:bodyPr/>
-          <a:lstStyle/>
-          <a:p>
-            <a:fld id="{89C4E583-6443-4199-AF95-A2ECCC288D48}" type="slidenum">
-              <a:rPr lang="en-GB" smtClean="0"/>
-              <a:t>19</a:t>
-            </a:fld>
-            <a:endParaRPr lang="en-GB"/>
-          </a:p>
-        </p:txBody>
-      </p:sp>
-    </p:spTree>
-    <p:extLst>
-      <p:ext uri="{BB962C8B-B14F-4D97-AF65-F5344CB8AC3E}">
-        <p14:creationId xmlns:p14="http://schemas.microsoft.com/office/powerpoint/2010/main" val="3626653586"/>
       </p:ext>
     </p:extLst>
   </p:cSld>
@@ -12924,6 +12865,1019 @@
       </p:grpSpPr>
       <p:sp>
         <p:nvSpPr>
+          <p:cNvPr id="2" name="Titel 1">
+            <a:extLst>
+              <a:ext uri="{FF2B5EF4-FFF2-40B4-BE49-F238E27FC236}">
+                <a16:creationId xmlns:a16="http://schemas.microsoft.com/office/drawing/2014/main" id="{7897BDA2-F0AE-4E0E-9D6B-69C780906CEF}"/>
+              </a:ext>
+            </a:extLst>
+          </p:cNvPr>
+          <p:cNvSpPr>
+            <a:spLocks noGrp="1"/>
+          </p:cNvSpPr>
+          <p:nvPr>
+            <p:ph type="title"/>
+          </p:nvPr>
+        </p:nvSpPr>
+        <p:spPr/>
+        <p:txBody>
+          <a:bodyPr>
+            <a:normAutofit fontScale="90000"/>
+          </a:bodyPr>
+          <a:lstStyle/>
+          <a:p>
+            <a:r>
+              <a:rPr lang="de-DE" dirty="0" err="1">
+                <a:cs typeface="Calibri Light"/>
+              </a:rPr>
+              <a:t>Therefore</a:t>
+            </a:r>
+            <a:r>
+              <a:rPr lang="de-DE" dirty="0">
+                <a:cs typeface="Calibri Light"/>
+              </a:rPr>
+              <a:t>, </a:t>
+            </a:r>
+            <a:r>
+              <a:rPr lang="de-DE" dirty="0" err="1">
+                <a:cs typeface="Calibri Light"/>
+              </a:rPr>
+              <a:t>the</a:t>
+            </a:r>
+            <a:r>
+              <a:rPr lang="de-DE" dirty="0">
+                <a:cs typeface="Calibri Light"/>
+              </a:rPr>
+              <a:t> </a:t>
+            </a:r>
+            <a:r>
+              <a:rPr lang="de-DE" dirty="0" err="1">
+                <a:cs typeface="Calibri Light"/>
+              </a:rPr>
+              <a:t>following</a:t>
+            </a:r>
+            <a:r>
+              <a:rPr lang="de-DE" dirty="0">
+                <a:cs typeface="Calibri Light"/>
+              </a:rPr>
+              <a:t> </a:t>
+            </a:r>
+            <a:r>
+              <a:rPr lang="de-DE" dirty="0" err="1">
+                <a:cs typeface="Calibri Light"/>
+              </a:rPr>
+              <a:t>is</a:t>
+            </a:r>
+            <a:r>
+              <a:rPr lang="de-DE" dirty="0">
+                <a:cs typeface="Calibri Light"/>
+              </a:rPr>
+              <a:t> </a:t>
+            </a:r>
+            <a:r>
+              <a:rPr lang="de-DE" b="1" dirty="0" err="1">
+                <a:cs typeface="Calibri Light"/>
+              </a:rPr>
+              <a:t>very</a:t>
+            </a:r>
+            <a:r>
+              <a:rPr lang="de-DE" b="1" dirty="0">
+                <a:cs typeface="Calibri Light"/>
+              </a:rPr>
+              <a:t> </a:t>
+            </a:r>
+            <a:r>
+              <a:rPr lang="de-DE" dirty="0" err="1">
+                <a:cs typeface="Calibri Light"/>
+              </a:rPr>
+              <a:t>important</a:t>
+            </a:r>
+            <a:r>
+              <a:rPr lang="de-DE" dirty="0">
+                <a:cs typeface="Calibri Light"/>
+              </a:rPr>
+              <a:t>...</a:t>
+            </a:r>
+            <a:endParaRPr lang="de-DE" b="1" dirty="0">
+              <a:cs typeface="Calibri Light"/>
+            </a:endParaRPr>
+          </a:p>
+        </p:txBody>
+      </p:sp>
+      <p:sp>
+        <p:nvSpPr>
+          <p:cNvPr id="3" name="Inhaltsplatzhalter 2">
+            <a:extLst>
+              <a:ext uri="{FF2B5EF4-FFF2-40B4-BE49-F238E27FC236}">
+                <a16:creationId xmlns:a16="http://schemas.microsoft.com/office/drawing/2014/main" id="{A7EC3A80-3A67-4399-B09F-D7509A31421E}"/>
+              </a:ext>
+            </a:extLst>
+          </p:cNvPr>
+          <p:cNvSpPr>
+            <a:spLocks noGrp="1"/>
+          </p:cNvSpPr>
+          <p:nvPr>
+            <p:ph idx="1"/>
+          </p:nvPr>
+        </p:nvSpPr>
+        <p:spPr/>
+        <p:txBody>
+          <a:bodyPr/>
+          <a:lstStyle/>
+          <a:p>
+            <a:endParaRPr lang="de-DE"/>
+          </a:p>
+        </p:txBody>
+      </p:sp>
+      <p:sp>
+        <p:nvSpPr>
+          <p:cNvPr id="4" name="Foliennummernplatzhalter 3">
+            <a:extLst>
+              <a:ext uri="{FF2B5EF4-FFF2-40B4-BE49-F238E27FC236}">
+                <a16:creationId xmlns:a16="http://schemas.microsoft.com/office/drawing/2014/main" id="{0B5C55AB-D003-47D8-80CD-AAADF0B5B630}"/>
+              </a:ext>
+            </a:extLst>
+          </p:cNvPr>
+          <p:cNvSpPr>
+            <a:spLocks noGrp="1"/>
+          </p:cNvSpPr>
+          <p:nvPr>
+            <p:ph type="sldNum" sz="quarter" idx="12"/>
+          </p:nvPr>
+        </p:nvSpPr>
+        <p:spPr/>
+        <p:txBody>
+          <a:bodyPr/>
+          <a:lstStyle/>
+          <a:p>
+            <a:fld id="{89C4E583-6443-4199-AF95-A2ECCC288D48}" type="slidenum">
+              <a:rPr lang="en-GB" smtClean="0"/>
+              <a:t>20</a:t>
+            </a:fld>
+            <a:endParaRPr lang="en-GB"/>
+          </a:p>
+        </p:txBody>
+      </p:sp>
+    </p:spTree>
+    <p:extLst>
+      <p:ext uri="{BB962C8B-B14F-4D97-AF65-F5344CB8AC3E}">
+        <p14:creationId xmlns:p14="http://schemas.microsoft.com/office/powerpoint/2010/main" val="2394665117"/>
+      </p:ext>
+    </p:extLst>
+  </p:cSld>
+  <p:clrMapOvr>
+    <a:masterClrMapping/>
+  </p:clrMapOvr>
+</p:sld>
+</file>
+
+<file path=ppt/slides/slide21.xml><?xml version="1.0" encoding="utf-8"?>
+<p:sld xmlns:a="http://schemas.openxmlformats.org/drawingml/2006/main" xmlns:r="http://schemas.openxmlformats.org/officeDocument/2006/relationships" xmlns:p="http://schemas.openxmlformats.org/presentationml/2006/main">
+  <p:cSld>
+    <p:spTree>
+      <p:nvGrpSpPr>
+        <p:cNvPr id="1" name=""/>
+        <p:cNvGrpSpPr/>
+        <p:nvPr/>
+      </p:nvGrpSpPr>
+      <p:grpSpPr>
+        <a:xfrm>
+          <a:off x="0" y="0"/>
+          <a:ext cx="0" cy="0"/>
+          <a:chOff x="0" y="0"/>
+          <a:chExt cx="0" cy="0"/>
+        </a:xfrm>
+      </p:grpSpPr>
+      <p:sp>
+        <p:nvSpPr>
+          <p:cNvPr id="2" name="Titel 1">
+            <a:extLst>
+              <a:ext uri="{FF2B5EF4-FFF2-40B4-BE49-F238E27FC236}">
+                <a16:creationId xmlns:a16="http://schemas.microsoft.com/office/drawing/2014/main" id="{AAF7C7CE-06FC-435E-9D4E-01BE26B79928}"/>
+              </a:ext>
+            </a:extLst>
+          </p:cNvPr>
+          <p:cNvSpPr>
+            <a:spLocks noGrp="1"/>
+          </p:cNvSpPr>
+          <p:nvPr>
+            <p:ph type="title"/>
+          </p:nvPr>
+        </p:nvSpPr>
+        <p:spPr/>
+        <p:txBody>
+          <a:bodyPr/>
+          <a:lstStyle/>
+          <a:p>
+            <a:r>
+              <a:rPr lang="de-DE" dirty="0">
+                <a:cs typeface="Calibri Light"/>
+              </a:rPr>
+              <a:t>Do. Not. Mix. </a:t>
+            </a:r>
+            <a:r>
+              <a:rPr lang="de-DE" dirty="0" err="1">
+                <a:cs typeface="Calibri Light"/>
+              </a:rPr>
+              <a:t>Types</a:t>
+            </a:r>
+            <a:r>
+              <a:rPr lang="de-DE" dirty="0">
+                <a:cs typeface="Calibri Light"/>
+              </a:rPr>
+              <a:t>.</a:t>
+            </a:r>
+            <a:endParaRPr lang="de-DE" dirty="0"/>
+          </a:p>
+        </p:txBody>
+      </p:sp>
+      <p:sp>
+        <p:nvSpPr>
+          <p:cNvPr id="3" name="Inhaltsplatzhalter 2">
+            <a:extLst>
+              <a:ext uri="{FF2B5EF4-FFF2-40B4-BE49-F238E27FC236}">
+                <a16:creationId xmlns:a16="http://schemas.microsoft.com/office/drawing/2014/main" id="{F0673C46-ED62-46BD-AB78-F744B769757E}"/>
+              </a:ext>
+            </a:extLst>
+          </p:cNvPr>
+          <p:cNvSpPr>
+            <a:spLocks noGrp="1"/>
+          </p:cNvSpPr>
+          <p:nvPr>
+            <p:ph idx="1"/>
+          </p:nvPr>
+        </p:nvSpPr>
+        <p:spPr/>
+        <p:txBody>
+          <a:bodyPr vert="horz" lIns="0" tIns="45720" rIns="0" bIns="45720" rtlCol="0" anchor="t">
+            <a:normAutofit/>
+          </a:bodyPr>
+          <a:lstStyle/>
+          <a:p>
+            <a:pPr marL="182245" indent="-182245"/>
+            <a:r>
+              <a:rPr lang="de-DE" dirty="0" err="1">
+                <a:cs typeface="Calibri"/>
+              </a:rPr>
+              <a:t>It</a:t>
+            </a:r>
+            <a:r>
+              <a:rPr lang="de-DE" dirty="0">
+                <a:cs typeface="Calibri"/>
+              </a:rPr>
+              <a:t> </a:t>
+            </a:r>
+            <a:r>
+              <a:rPr lang="de-DE" dirty="0" err="1">
+                <a:cs typeface="Calibri"/>
+              </a:rPr>
+              <a:t>is</a:t>
+            </a:r>
+            <a:r>
+              <a:rPr lang="de-DE" dirty="0">
+                <a:cs typeface="Calibri"/>
+              </a:rPr>
+              <a:t> </a:t>
+            </a:r>
+            <a:r>
+              <a:rPr lang="de-DE" dirty="0" err="1">
+                <a:cs typeface="Calibri"/>
+              </a:rPr>
+              <a:t>good</a:t>
+            </a:r>
+            <a:r>
+              <a:rPr lang="de-DE" dirty="0">
+                <a:cs typeface="Calibri"/>
+              </a:rPr>
+              <a:t> </a:t>
+            </a:r>
+            <a:r>
+              <a:rPr lang="de-DE" dirty="0" err="1">
+                <a:cs typeface="Calibri"/>
+              </a:rPr>
+              <a:t>practice</a:t>
+            </a:r>
+            <a:r>
+              <a:rPr lang="de-DE" dirty="0">
+                <a:cs typeface="Calibri"/>
+              </a:rPr>
+              <a:t> </a:t>
+            </a:r>
+            <a:r>
+              <a:rPr lang="de-DE" dirty="0" err="1">
+                <a:cs typeface="Calibri"/>
+              </a:rPr>
+              <a:t>to</a:t>
+            </a:r>
+            <a:r>
+              <a:rPr lang="de-DE" dirty="0">
+                <a:cs typeface="Calibri"/>
+              </a:rPr>
+              <a:t> </a:t>
+            </a:r>
+            <a:r>
+              <a:rPr lang="de-DE" dirty="0" err="1">
+                <a:cs typeface="Calibri"/>
+              </a:rPr>
+              <a:t>use</a:t>
+            </a:r>
+            <a:r>
+              <a:rPr lang="de-DE" dirty="0">
+                <a:cs typeface="Calibri"/>
+              </a:rPr>
+              <a:t> a variable </a:t>
+            </a:r>
+            <a:r>
+              <a:rPr lang="de-DE" dirty="0" err="1">
+                <a:cs typeface="Calibri"/>
+              </a:rPr>
+              <a:t>only</a:t>
+            </a:r>
+            <a:r>
+              <a:rPr lang="de-DE" dirty="0">
+                <a:cs typeface="Calibri"/>
+              </a:rPr>
+              <a:t> </a:t>
+            </a:r>
+            <a:r>
+              <a:rPr lang="de-DE" dirty="0" err="1">
+                <a:cs typeface="Calibri"/>
+              </a:rPr>
+              <a:t>with</a:t>
+            </a:r>
+            <a:r>
+              <a:rPr lang="de-DE" dirty="0">
+                <a:cs typeface="Calibri"/>
+              </a:rPr>
+              <a:t> a </a:t>
+            </a:r>
+            <a:r>
+              <a:rPr lang="de-DE" dirty="0" err="1">
+                <a:cs typeface="Calibri"/>
+              </a:rPr>
+              <a:t>certain</a:t>
+            </a:r>
+            <a:r>
+              <a:rPr lang="de-DE" dirty="0">
+                <a:cs typeface="Calibri"/>
+              </a:rPr>
+              <a:t> type</a:t>
+            </a:r>
+          </a:p>
+          <a:p>
+            <a:pPr marL="182245" indent="-182245"/>
+            <a:r>
+              <a:rPr lang="de-DE" dirty="0" err="1">
+                <a:cs typeface="Calibri"/>
+              </a:rPr>
+              <a:t>If</a:t>
+            </a:r>
+            <a:r>
+              <a:rPr lang="de-DE" dirty="0">
+                <a:cs typeface="Calibri"/>
+              </a:rPr>
+              <a:t> </a:t>
+            </a:r>
+            <a:r>
+              <a:rPr lang="de-DE" dirty="0" err="1">
+                <a:cs typeface="Calibri"/>
+              </a:rPr>
+              <a:t>you</a:t>
+            </a:r>
+            <a:r>
+              <a:rPr lang="de-DE" dirty="0">
+                <a:cs typeface="Calibri"/>
+              </a:rPr>
+              <a:t> </a:t>
+            </a:r>
+            <a:r>
+              <a:rPr lang="de-DE" dirty="0" err="1">
+                <a:cs typeface="Calibri"/>
+              </a:rPr>
+              <a:t>need</a:t>
+            </a:r>
+            <a:r>
+              <a:rPr lang="de-DE" dirty="0">
+                <a:cs typeface="Calibri"/>
+              </a:rPr>
+              <a:t> </a:t>
+            </a:r>
+            <a:r>
+              <a:rPr lang="de-DE" dirty="0" err="1">
+                <a:cs typeface="Calibri"/>
+              </a:rPr>
+              <a:t>to</a:t>
+            </a:r>
+            <a:r>
+              <a:rPr lang="de-DE" dirty="0">
+                <a:cs typeface="Calibri"/>
+              </a:rPr>
+              <a:t> </a:t>
+            </a:r>
+            <a:r>
+              <a:rPr lang="de-DE" dirty="0" err="1">
+                <a:cs typeface="Calibri"/>
+              </a:rPr>
+              <a:t>store</a:t>
+            </a:r>
+            <a:r>
+              <a:rPr lang="de-DE" dirty="0">
+                <a:cs typeface="Calibri"/>
+              </a:rPr>
+              <a:t> a </a:t>
+            </a:r>
+            <a:r>
+              <a:rPr lang="de-DE" dirty="0" err="1">
+                <a:cs typeface="Calibri"/>
+              </a:rPr>
+              <a:t>value</a:t>
+            </a:r>
+            <a:r>
+              <a:rPr lang="de-DE" dirty="0">
+                <a:cs typeface="Calibri"/>
+              </a:rPr>
+              <a:t> </a:t>
+            </a:r>
+            <a:r>
+              <a:rPr lang="de-DE" dirty="0" err="1">
+                <a:cs typeface="Calibri"/>
+              </a:rPr>
+              <a:t>of</a:t>
+            </a:r>
+            <a:r>
+              <a:rPr lang="de-DE" dirty="0">
+                <a:cs typeface="Calibri"/>
+              </a:rPr>
+              <a:t> a different type, </a:t>
+            </a:r>
+            <a:r>
+              <a:rPr lang="de-DE" b="1" dirty="0" err="1">
+                <a:cs typeface="Calibri"/>
+              </a:rPr>
+              <a:t>make</a:t>
+            </a:r>
+            <a:r>
+              <a:rPr lang="de-DE" b="1" dirty="0">
+                <a:cs typeface="Calibri"/>
+              </a:rPr>
+              <a:t> a </a:t>
+            </a:r>
+            <a:r>
+              <a:rPr lang="de-DE" b="1" dirty="0" err="1">
+                <a:cs typeface="Calibri"/>
+              </a:rPr>
+              <a:t>new</a:t>
+            </a:r>
+            <a:r>
+              <a:rPr lang="de-DE" b="1" dirty="0">
+                <a:cs typeface="Calibri"/>
+              </a:rPr>
+              <a:t> variable </a:t>
+            </a:r>
+            <a:r>
+              <a:rPr lang="de-DE" b="1" dirty="0" err="1">
+                <a:cs typeface="Calibri"/>
+              </a:rPr>
+              <a:t>with</a:t>
+            </a:r>
+            <a:r>
+              <a:rPr lang="de-DE" b="1" dirty="0">
+                <a:cs typeface="Calibri"/>
+              </a:rPr>
+              <a:t> a different </a:t>
+            </a:r>
+            <a:r>
+              <a:rPr lang="de-DE" b="1" dirty="0" err="1">
+                <a:cs typeface="Calibri"/>
+              </a:rPr>
+              <a:t>name</a:t>
+            </a:r>
+          </a:p>
+          <a:p>
+            <a:pPr marL="182245" indent="-182245"/>
+            <a:r>
+              <a:rPr lang="de-DE" dirty="0">
+                <a:cs typeface="Calibri"/>
+              </a:rPr>
+              <a:t>In </a:t>
+            </a:r>
+            <a:r>
+              <a:rPr lang="de-DE" dirty="0" err="1">
+                <a:cs typeface="Calibri"/>
+              </a:rPr>
+              <a:t>this</a:t>
+            </a:r>
+            <a:r>
+              <a:rPr lang="de-DE" dirty="0">
+                <a:cs typeface="Calibri"/>
+              </a:rPr>
+              <a:t> </a:t>
+            </a:r>
+            <a:r>
+              <a:rPr lang="de-DE" dirty="0" err="1">
+                <a:cs typeface="Calibri"/>
+              </a:rPr>
+              <a:t>class</a:t>
+            </a:r>
+            <a:r>
+              <a:rPr lang="de-DE" dirty="0">
+                <a:cs typeface="Calibri"/>
+              </a:rPr>
+              <a:t>, </a:t>
+            </a:r>
+            <a:r>
+              <a:rPr lang="de-DE" dirty="0" err="1">
+                <a:cs typeface="Calibri"/>
+              </a:rPr>
+              <a:t>your</a:t>
+            </a:r>
+            <a:r>
+              <a:rPr lang="de-DE" dirty="0">
+                <a:cs typeface="Calibri"/>
+              </a:rPr>
+              <a:t> </a:t>
+            </a:r>
+            <a:r>
+              <a:rPr lang="de-DE" dirty="0" err="1">
+                <a:cs typeface="Calibri"/>
+              </a:rPr>
+              <a:t>program</a:t>
+            </a:r>
+            <a:r>
+              <a:rPr lang="de-DE" dirty="0">
+                <a:cs typeface="Calibri"/>
+              </a:rPr>
+              <a:t> </a:t>
+            </a:r>
+            <a:r>
+              <a:rPr lang="de-DE" dirty="0" err="1">
+                <a:cs typeface="Calibri"/>
+              </a:rPr>
+              <a:t>might</a:t>
+            </a:r>
+            <a:r>
+              <a:rPr lang="de-DE" dirty="0">
+                <a:cs typeface="Calibri"/>
+              </a:rPr>
+              <a:t> not crash </a:t>
+            </a:r>
+            <a:r>
+              <a:rPr lang="de-DE" dirty="0" err="1">
+                <a:cs typeface="Calibri"/>
+              </a:rPr>
+              <a:t>if</a:t>
+            </a:r>
+            <a:r>
+              <a:rPr lang="de-DE" dirty="0">
+                <a:cs typeface="Calibri"/>
+              </a:rPr>
+              <a:t> </a:t>
+            </a:r>
+            <a:r>
+              <a:rPr lang="de-DE" dirty="0" err="1">
+                <a:cs typeface="Calibri"/>
+              </a:rPr>
+              <a:t>you</a:t>
+            </a:r>
+            <a:r>
+              <a:rPr lang="de-DE" dirty="0">
+                <a:cs typeface="Calibri"/>
+              </a:rPr>
+              <a:t> mix </a:t>
+            </a:r>
+            <a:r>
+              <a:rPr lang="de-DE" dirty="0" err="1">
+                <a:cs typeface="Calibri"/>
+              </a:rPr>
+              <a:t>types</a:t>
+            </a:r>
+            <a:r>
+              <a:rPr lang="de-DE" dirty="0">
+                <a:cs typeface="Calibri"/>
+              </a:rPr>
+              <a:t>, but </a:t>
+            </a:r>
+            <a:r>
+              <a:rPr lang="de-DE" dirty="0" err="1">
+                <a:cs typeface="Calibri"/>
+              </a:rPr>
+              <a:t>it</a:t>
+            </a:r>
+            <a:r>
+              <a:rPr lang="de-DE" dirty="0">
+                <a:cs typeface="Calibri"/>
+              </a:rPr>
+              <a:t> </a:t>
+            </a:r>
+            <a:r>
+              <a:rPr lang="de-DE" dirty="0" err="1">
+                <a:cs typeface="Calibri"/>
+              </a:rPr>
+              <a:t>can</a:t>
+            </a:r>
+            <a:r>
+              <a:rPr lang="de-DE" dirty="0">
+                <a:cs typeface="Calibri"/>
+              </a:rPr>
+              <a:t> </a:t>
+            </a:r>
+            <a:r>
+              <a:rPr lang="de-DE" dirty="0" err="1">
+                <a:cs typeface="Calibri"/>
+              </a:rPr>
+              <a:t>lead</a:t>
+            </a:r>
+            <a:r>
+              <a:rPr lang="de-DE" dirty="0">
+                <a:cs typeface="Calibri"/>
+              </a:rPr>
+              <a:t> </a:t>
+            </a:r>
+            <a:r>
+              <a:rPr lang="de-DE" dirty="0" err="1">
+                <a:cs typeface="Calibri"/>
+              </a:rPr>
+              <a:t>to</a:t>
+            </a:r>
+            <a:r>
+              <a:rPr lang="de-DE" dirty="0">
+                <a:cs typeface="Calibri"/>
+              </a:rPr>
+              <a:t> a </a:t>
+            </a:r>
+            <a:r>
+              <a:rPr lang="de-DE" dirty="0" err="1">
+                <a:cs typeface="Calibri"/>
+              </a:rPr>
+              <a:t>lot</a:t>
+            </a:r>
+            <a:r>
+              <a:rPr lang="de-DE" dirty="0">
+                <a:cs typeface="Calibri"/>
+              </a:rPr>
+              <a:t> </a:t>
+            </a:r>
+            <a:r>
+              <a:rPr lang="de-DE" dirty="0" err="1">
+                <a:cs typeface="Calibri"/>
+              </a:rPr>
+              <a:t>of</a:t>
+            </a:r>
+            <a:r>
+              <a:rPr lang="de-DE" dirty="0">
+                <a:cs typeface="Calibri"/>
+              </a:rPr>
+              <a:t> </a:t>
+            </a:r>
+            <a:r>
+              <a:rPr lang="de-DE" dirty="0" err="1">
+                <a:cs typeface="Calibri"/>
+              </a:rPr>
+              <a:t>trouble</a:t>
+            </a:r>
+            <a:r>
+              <a:rPr lang="de-DE" dirty="0">
+                <a:cs typeface="Calibri"/>
+              </a:rPr>
+              <a:t> down </a:t>
+            </a:r>
+            <a:r>
+              <a:rPr lang="de-DE" dirty="0" err="1">
+                <a:cs typeface="Calibri"/>
+              </a:rPr>
+              <a:t>the</a:t>
+            </a:r>
+            <a:r>
+              <a:rPr lang="de-DE" dirty="0">
+                <a:cs typeface="Calibri"/>
+              </a:rPr>
+              <a:t> </a:t>
+            </a:r>
+            <a:r>
+              <a:rPr lang="de-DE" dirty="0" err="1">
+                <a:cs typeface="Calibri"/>
+              </a:rPr>
+              <a:t>line</a:t>
+            </a:r>
+          </a:p>
+          <a:p>
+            <a:pPr marL="383540" lvl="1"/>
+            <a:r>
+              <a:rPr lang="de-DE" dirty="0" err="1">
+                <a:cs typeface="Calibri"/>
+              </a:rPr>
+              <a:t>especially</a:t>
+            </a:r>
+            <a:r>
+              <a:rPr lang="de-DE" dirty="0">
+                <a:cs typeface="Calibri"/>
+              </a:rPr>
+              <a:t> </a:t>
+            </a:r>
+            <a:r>
+              <a:rPr lang="de-DE" dirty="0" err="1">
+                <a:cs typeface="Calibri"/>
+              </a:rPr>
+              <a:t>if</a:t>
+            </a:r>
+            <a:r>
+              <a:rPr lang="de-DE" dirty="0">
+                <a:cs typeface="Calibri"/>
+              </a:rPr>
+              <a:t> </a:t>
+            </a:r>
+            <a:r>
+              <a:rPr lang="de-DE" dirty="0" err="1">
+                <a:cs typeface="Calibri"/>
+              </a:rPr>
+              <a:t>you're</a:t>
+            </a:r>
+            <a:r>
+              <a:rPr lang="de-DE" dirty="0">
+                <a:cs typeface="Calibri"/>
+              </a:rPr>
+              <a:t> </a:t>
+            </a:r>
+            <a:r>
+              <a:rPr lang="de-DE" dirty="0" err="1">
+                <a:cs typeface="Calibri"/>
+              </a:rPr>
+              <a:t>using</a:t>
+            </a:r>
+            <a:r>
+              <a:rPr lang="de-DE" dirty="0">
+                <a:cs typeface="Calibri"/>
+              </a:rPr>
+              <a:t> </a:t>
+            </a:r>
+            <a:r>
+              <a:rPr lang="de-DE" dirty="0" err="1">
+                <a:cs typeface="Calibri"/>
+              </a:rPr>
+              <a:t>programming</a:t>
+            </a:r>
+            <a:r>
+              <a:rPr lang="de-DE" dirty="0">
+                <a:cs typeface="Calibri"/>
+              </a:rPr>
+              <a:t> </a:t>
+            </a:r>
+            <a:r>
+              <a:rPr lang="de-DE" dirty="0" err="1">
+                <a:cs typeface="Calibri"/>
+              </a:rPr>
+              <a:t>languages</a:t>
+            </a:r>
+            <a:r>
+              <a:rPr lang="de-DE" dirty="0">
+                <a:cs typeface="Calibri"/>
+              </a:rPr>
+              <a:t> </a:t>
+            </a:r>
+            <a:r>
+              <a:rPr lang="de-DE" dirty="0" err="1">
+                <a:cs typeface="Calibri"/>
+              </a:rPr>
+              <a:t>other</a:t>
+            </a:r>
+            <a:r>
+              <a:rPr lang="de-DE" dirty="0">
+                <a:cs typeface="Calibri"/>
+              </a:rPr>
+              <a:t> </a:t>
+            </a:r>
+            <a:r>
+              <a:rPr lang="de-DE" dirty="0" err="1">
+                <a:cs typeface="Calibri"/>
+              </a:rPr>
+              <a:t>than</a:t>
+            </a:r>
+            <a:r>
+              <a:rPr lang="de-DE" dirty="0">
+                <a:cs typeface="Calibri"/>
+              </a:rPr>
+              <a:t> Python</a:t>
+            </a:r>
+            <a:endParaRPr lang="de-DE" dirty="0">
+              <a:solidFill>
+                <a:schemeClr val="tx1"/>
+              </a:solidFill>
+              <a:cs typeface="Calibri"/>
+            </a:endParaRPr>
+          </a:p>
+          <a:p>
+            <a:pPr marL="182245" indent="-182245"/>
+            <a:r>
+              <a:rPr lang="de-DE" dirty="0">
+                <a:cs typeface="Calibri"/>
+              </a:rPr>
+              <a:t>So do </a:t>
+            </a:r>
+            <a:r>
+              <a:rPr lang="de-DE" dirty="0" err="1">
+                <a:cs typeface="Calibri"/>
+              </a:rPr>
+              <a:t>yourself</a:t>
+            </a:r>
+            <a:r>
+              <a:rPr lang="de-DE" dirty="0">
+                <a:cs typeface="Calibri"/>
+              </a:rPr>
+              <a:t> </a:t>
+            </a:r>
+            <a:r>
+              <a:rPr lang="de-DE" dirty="0" err="1">
+                <a:cs typeface="Calibri"/>
+              </a:rPr>
+              <a:t>the</a:t>
+            </a:r>
+            <a:r>
+              <a:rPr lang="de-DE" dirty="0">
+                <a:cs typeface="Calibri"/>
+              </a:rPr>
+              <a:t> </a:t>
+            </a:r>
+            <a:r>
+              <a:rPr lang="de-DE" dirty="0" err="1">
+                <a:cs typeface="Calibri"/>
+              </a:rPr>
+              <a:t>favour</a:t>
+            </a:r>
+            <a:r>
+              <a:rPr lang="de-DE" dirty="0">
+                <a:cs typeface="Calibri"/>
+              </a:rPr>
+              <a:t> and </a:t>
+            </a:r>
+            <a:r>
+              <a:rPr lang="de-DE" dirty="0" err="1">
+                <a:cs typeface="Calibri"/>
+              </a:rPr>
+              <a:t>get</a:t>
+            </a:r>
+            <a:r>
+              <a:rPr lang="de-DE" dirty="0">
+                <a:cs typeface="Calibri"/>
+              </a:rPr>
+              <a:t> </a:t>
+            </a:r>
+            <a:r>
+              <a:rPr lang="de-DE" dirty="0" err="1">
+                <a:cs typeface="Calibri"/>
+              </a:rPr>
+              <a:t>used</a:t>
+            </a:r>
+            <a:r>
+              <a:rPr lang="de-DE" dirty="0">
+                <a:cs typeface="Calibri"/>
+              </a:rPr>
+              <a:t> </a:t>
+            </a:r>
+            <a:r>
+              <a:rPr lang="de-DE" dirty="0" err="1">
+                <a:cs typeface="Calibri"/>
+              </a:rPr>
+              <a:t>to</a:t>
+            </a:r>
+            <a:r>
+              <a:rPr lang="de-DE" dirty="0">
+                <a:cs typeface="Calibri"/>
+              </a:rPr>
+              <a:t> </a:t>
+            </a:r>
+            <a:r>
+              <a:rPr lang="de-DE" dirty="0" err="1">
+                <a:cs typeface="Calibri"/>
+              </a:rPr>
+              <a:t>using</a:t>
+            </a:r>
+            <a:r>
+              <a:rPr lang="de-DE" dirty="0">
+                <a:cs typeface="Calibri"/>
+              </a:rPr>
+              <a:t> </a:t>
+            </a:r>
+            <a:r>
+              <a:rPr lang="de-DE" b="1" dirty="0">
+                <a:cs typeface="Calibri"/>
+              </a:rPr>
+              <a:t>different variables </a:t>
+            </a:r>
+            <a:r>
+              <a:rPr lang="de-DE" b="1" dirty="0" err="1">
+                <a:cs typeface="Calibri"/>
+              </a:rPr>
+              <a:t>for</a:t>
+            </a:r>
+            <a:r>
+              <a:rPr lang="de-DE" b="1" dirty="0">
+                <a:cs typeface="Calibri"/>
+              </a:rPr>
+              <a:t> different </a:t>
+            </a:r>
+            <a:r>
+              <a:rPr lang="de-DE" b="1" dirty="0" err="1">
+                <a:cs typeface="Calibri"/>
+              </a:rPr>
+              <a:t>types</a:t>
+            </a:r>
+            <a:r>
+              <a:rPr lang="de-DE" dirty="0">
+                <a:cs typeface="Calibri"/>
+              </a:rPr>
+              <a:t> </a:t>
+            </a:r>
+            <a:r>
+              <a:rPr lang="de-DE" dirty="0" err="1">
+                <a:cs typeface="Calibri"/>
+              </a:rPr>
+              <a:t>right</a:t>
+            </a:r>
+            <a:r>
+              <a:rPr lang="de-DE" dirty="0">
+                <a:cs typeface="Calibri"/>
+              </a:rPr>
+              <a:t> </a:t>
+            </a:r>
+            <a:r>
+              <a:rPr lang="de-DE" dirty="0" err="1">
+                <a:cs typeface="Calibri"/>
+              </a:rPr>
+              <a:t>away</a:t>
+            </a:r>
+            <a:endParaRPr lang="de-DE" dirty="0">
+              <a:cs typeface="Calibri"/>
+            </a:endParaRPr>
+          </a:p>
+          <a:p>
+            <a:pPr marL="182245" indent="-182245"/>
+            <a:endParaRPr lang="de-DE" dirty="0">
+              <a:cs typeface="Calibri"/>
+            </a:endParaRPr>
+          </a:p>
+        </p:txBody>
+      </p:sp>
+      <p:sp>
+        <p:nvSpPr>
+          <p:cNvPr id="4" name="Foliennummernplatzhalter 3">
+            <a:extLst>
+              <a:ext uri="{FF2B5EF4-FFF2-40B4-BE49-F238E27FC236}">
+                <a16:creationId xmlns:a16="http://schemas.microsoft.com/office/drawing/2014/main" id="{75A3FEE5-91B8-4193-939D-3A5B1E2677BC}"/>
+              </a:ext>
+            </a:extLst>
+          </p:cNvPr>
+          <p:cNvSpPr>
+            <a:spLocks noGrp="1"/>
+          </p:cNvSpPr>
+          <p:nvPr>
+            <p:ph type="sldNum" sz="quarter" idx="12"/>
+          </p:nvPr>
+        </p:nvSpPr>
+        <p:spPr/>
+        <p:txBody>
+          <a:bodyPr/>
+          <a:lstStyle/>
+          <a:p>
+            <a:fld id="{89C4E583-6443-4199-AF95-A2ECCC288D48}" type="slidenum">
+              <a:rPr lang="en-GB" smtClean="0"/>
+              <a:t>21</a:t>
+            </a:fld>
+            <a:endParaRPr lang="en-GB"/>
+          </a:p>
+        </p:txBody>
+      </p:sp>
+    </p:spTree>
+    <p:extLst>
+      <p:ext uri="{BB962C8B-B14F-4D97-AF65-F5344CB8AC3E}">
+        <p14:creationId xmlns:p14="http://schemas.microsoft.com/office/powerpoint/2010/main" val="3626653586"/>
+      </p:ext>
+    </p:extLst>
+  </p:cSld>
+  <p:clrMapOvr>
+    <a:masterClrMapping/>
+  </p:clrMapOvr>
+</p:sld>
+</file>
+
+<file path=ppt/slides/slide22.xml><?xml version="1.0" encoding="utf-8"?>
+<p:sld xmlns:a="http://schemas.openxmlformats.org/drawingml/2006/main" xmlns:r="http://schemas.openxmlformats.org/officeDocument/2006/relationships" xmlns:p="http://schemas.openxmlformats.org/presentationml/2006/main">
+  <p:cSld>
+    <p:spTree>
+      <p:nvGrpSpPr>
+        <p:cNvPr id="1" name=""/>
+        <p:cNvGrpSpPr/>
+        <p:nvPr/>
+      </p:nvGrpSpPr>
+      <p:grpSpPr>
+        <a:xfrm>
+          <a:off x="0" y="0"/>
+          <a:ext cx="0" cy="0"/>
+          <a:chOff x="0" y="0"/>
+          <a:chExt cx="0" cy="0"/>
+        </a:xfrm>
+      </p:grpSpPr>
+      <p:sp>
+        <p:nvSpPr>
           <p:cNvPr id="2" name="Title 1">
             <a:extLst>
               <a:ext uri="{FF2B5EF4-FFF2-40B4-BE49-F238E27FC236}">
@@ -12976,7 +13930,7 @@
           <a:p>
             <a:fld id="{89C4E583-6443-4199-AF95-A2ECCC288D48}" type="slidenum">
               <a:rPr lang="en-GB" smtClean="0"/>
-              <a:t>20</a:t>
+              <a:t>22</a:t>
             </a:fld>
             <a:endParaRPr lang="en-GB"/>
           </a:p>
@@ -12995,7 +13949,7 @@
 </p:sld>
 </file>
 
-<file path=ppt/slides/slide21.xml><?xml version="1.0" encoding="utf-8"?>
+<file path=ppt/slides/slide23.xml><?xml version="1.0" encoding="utf-8"?>
 <p:sld xmlns:a="http://schemas.openxmlformats.org/drawingml/2006/main" xmlns:r="http://schemas.openxmlformats.org/officeDocument/2006/relationships" xmlns:p="http://schemas.openxmlformats.org/presentationml/2006/main">
   <p:cSld>
     <p:spTree>
@@ -13251,7 +14205,7 @@
           <a:p>
             <a:fld id="{89C4E583-6443-4199-AF95-A2ECCC288D48}" type="slidenum">
               <a:rPr lang="en-GB" smtClean="0"/>
-              <a:t>21</a:t>
+              <a:t>23</a:t>
             </a:fld>
             <a:endParaRPr lang="en-GB"/>
           </a:p>
@@ -13270,7 +14224,7 @@
 </p:sld>
 </file>
 
-<file path=ppt/slides/slide22.xml><?xml version="1.0" encoding="utf-8"?>
+<file path=ppt/slides/slide24.xml><?xml version="1.0" encoding="utf-8"?>
 <p:sld xmlns:a="http://schemas.openxmlformats.org/drawingml/2006/main" xmlns:r="http://schemas.openxmlformats.org/officeDocument/2006/relationships" xmlns:p="http://schemas.openxmlformats.org/presentationml/2006/main">
   <p:cSld>
     <p:spTree>
@@ -13457,7 +14411,7 @@
           <a:p>
             <a:fld id="{89C4E583-6443-4199-AF95-A2ECCC288D48}" type="slidenum">
               <a:rPr lang="en-GB" smtClean="0"/>
-              <a:t>22</a:t>
+              <a:t>24</a:t>
             </a:fld>
             <a:endParaRPr lang="en-GB"/>
           </a:p>
@@ -13476,7 +14430,7 @@
 </p:sld>
 </file>
 
-<file path=ppt/slides/slide23.xml><?xml version="1.0" encoding="utf-8"?>
+<file path=ppt/slides/slide25.xml><?xml version="1.0" encoding="utf-8"?>
 <p:sld xmlns:a="http://schemas.openxmlformats.org/drawingml/2006/main" xmlns:r="http://schemas.openxmlformats.org/officeDocument/2006/relationships" xmlns:p="http://schemas.openxmlformats.org/presentationml/2006/main">
   <p:cSld>
     <p:spTree>
@@ -13700,7 +14654,7 @@
           <a:p>
             <a:fld id="{89C4E583-6443-4199-AF95-A2ECCC288D48}" type="slidenum">
               <a:rPr lang="en-GB" smtClean="0"/>
-              <a:t>23</a:t>
+              <a:t>25</a:t>
             </a:fld>
             <a:endParaRPr lang="en-GB"/>
           </a:p>
@@ -13719,7 +14673,7 @@
 </p:sld>
 </file>
 
-<file path=ppt/slides/slide24.xml><?xml version="1.0" encoding="utf-8"?>
+<file path=ppt/slides/slide26.xml><?xml version="1.0" encoding="utf-8"?>
 <p:sld xmlns:a="http://schemas.openxmlformats.org/drawingml/2006/main" xmlns:r="http://schemas.openxmlformats.org/officeDocument/2006/relationships" xmlns:p="http://schemas.openxmlformats.org/presentationml/2006/main">
   <p:cSld>
     <p:spTree>
@@ -13950,7 +14904,7 @@
           <a:p>
             <a:fld id="{89C4E583-6443-4199-AF95-A2ECCC288D48}" type="slidenum">
               <a:rPr lang="en-GB" smtClean="0"/>
-              <a:t>24</a:t>
+              <a:t>26</a:t>
             </a:fld>
             <a:endParaRPr lang="en-GB"/>
           </a:p>
@@ -14062,7 +15016,7 @@
 </p:sld>
 </file>
 
-<file path=ppt/slides/slide25.xml><?xml version="1.0" encoding="utf-8"?>
+<file path=ppt/slides/slide27.xml><?xml version="1.0" encoding="utf-8"?>
 <p:sld xmlns:a="http://schemas.openxmlformats.org/drawingml/2006/main" xmlns:r="http://schemas.openxmlformats.org/officeDocument/2006/relationships" xmlns:p="http://schemas.openxmlformats.org/presentationml/2006/main">
   <p:cSld>
     <p:spTree>
@@ -14133,7 +15087,7 @@
           <a:p>
             <a:fld id="{89C4E583-6443-4199-AF95-A2ECCC288D48}" type="slidenum">
               <a:rPr lang="en-GB" smtClean="0"/>
-              <a:t>25</a:t>
+              <a:t>27</a:t>
             </a:fld>
             <a:endParaRPr lang="en-GB"/>
           </a:p>
@@ -14152,7 +15106,7 @@
 </p:sld>
 </file>
 
-<file path=ppt/slides/slide26.xml><?xml version="1.0" encoding="utf-8"?>
+<file path=ppt/slides/slide28.xml><?xml version="1.0" encoding="utf-8"?>
 <p:sld xmlns:a="http://schemas.openxmlformats.org/drawingml/2006/main" xmlns:r="http://schemas.openxmlformats.org/officeDocument/2006/relationships" xmlns:p="http://schemas.openxmlformats.org/presentationml/2006/main">
   <p:cSld>
     <p:spTree>
@@ -14228,7 +15182,36 @@
               <a:rPr lang="en-US" dirty="0">
                 <a:cs typeface="Calibri"/>
               </a:rPr>
-              <a:t>The way you structure and code your style is very important as it improves readability and keeps one from making quick mistakes</a:t>
+              <a:t>“[…] </a:t>
+            </a:r>
+            <a:r>
+              <a:rPr lang="en-GB" dirty="0"/>
+              <a:t>code is read much more often than it is written.”</a:t>
+            </a:r>
+          </a:p>
+          <a:p>
+            <a:pPr marL="383730" lvl="1" indent="-182245"/>
+            <a:r>
+              <a:rPr lang="en-US" dirty="0">
+                <a:cs typeface="Calibri"/>
+                <a:hlinkClick r:id="rId2"/>
+              </a:rPr>
+              <a:t>Python Docs - PEP8</a:t>
+            </a:r>
+            <a:r>
+              <a:rPr lang="en-US" dirty="0">
+                <a:cs typeface="Calibri"/>
+              </a:rPr>
+              <a:t>, Guido van Rossum</a:t>
+            </a:r>
+          </a:p>
+          <a:p>
+            <a:pPr marL="182245" indent="-182245"/>
+            <a:r>
+              <a:rPr lang="en-US" dirty="0">
+                <a:cs typeface="Calibri"/>
+              </a:rPr>
+              <a:t>The way you structure and style your code is very important as it improves readability and keeps one from making careless mistakes</a:t>
             </a:r>
           </a:p>
           <a:p>
@@ -14274,7 +15257,7 @@
           <a:p>
             <a:fld id="{89C4E583-6443-4199-AF95-A2ECCC288D48}" type="slidenum">
               <a:rPr lang="en-GB" smtClean="0"/>
-              <a:t>26</a:t>
+              <a:t>28</a:t>
             </a:fld>
             <a:endParaRPr lang="en-GB"/>
           </a:p>
@@ -14293,7 +15276,7 @@
 </p:sld>
 </file>
 
-<file path=ppt/slides/slide27.xml><?xml version="1.0" encoding="utf-8"?>
+<file path=ppt/slides/slide29.xml><?xml version="1.0" encoding="utf-8"?>
 <p:sld xmlns:a="http://schemas.openxmlformats.org/drawingml/2006/main" xmlns:r="http://schemas.openxmlformats.org/officeDocument/2006/relationships" xmlns:p="http://schemas.openxmlformats.org/presentationml/2006/main">
   <p:cSld>
     <p:spTree>
@@ -14448,7 +15431,7 @@
           <a:p>
             <a:fld id="{89C4E583-6443-4199-AF95-A2ECCC288D48}" type="slidenum">
               <a:rPr lang="en-GB" smtClean="0"/>
-              <a:t>27</a:t>
+              <a:t>29</a:t>
             </a:fld>
             <a:endParaRPr lang="en-GB"/>
           </a:p>
@@ -14467,7 +15450,94 @@
 </p:sld>
 </file>
 
-<file path=ppt/slides/slide28.xml><?xml version="1.0" encoding="utf-8"?>
+<file path=ppt/slides/slide3.xml><?xml version="1.0" encoding="utf-8"?>
+<p:sld xmlns:a="http://schemas.openxmlformats.org/drawingml/2006/main" xmlns:r="http://schemas.openxmlformats.org/officeDocument/2006/relationships" xmlns:p="http://schemas.openxmlformats.org/presentationml/2006/main">
+  <p:cSld>
+    <p:spTree>
+      <p:nvGrpSpPr>
+        <p:cNvPr id="1" name=""/>
+        <p:cNvGrpSpPr/>
+        <p:nvPr/>
+      </p:nvGrpSpPr>
+      <p:grpSpPr>
+        <a:xfrm>
+          <a:off x="0" y="0"/>
+          <a:ext cx="0" cy="0"/>
+          <a:chOff x="0" y="0"/>
+          <a:chExt cx="0" cy="0"/>
+        </a:xfrm>
+      </p:grpSpPr>
+      <p:sp>
+        <p:nvSpPr>
+          <p:cNvPr id="2" name="Title 1">
+            <a:extLst>
+              <a:ext uri="{FF2B5EF4-FFF2-40B4-BE49-F238E27FC236}">
+                <a16:creationId xmlns:a16="http://schemas.microsoft.com/office/drawing/2014/main" id="{A88BA56A-7002-4ECD-9D62-F527140E65FB}"/>
+              </a:ext>
+            </a:extLst>
+          </p:cNvPr>
+          <p:cNvSpPr>
+            <a:spLocks noGrp="1"/>
+          </p:cNvSpPr>
+          <p:nvPr>
+            <p:ph type="title"/>
+          </p:nvPr>
+        </p:nvSpPr>
+        <p:spPr/>
+        <p:txBody>
+          <a:bodyPr/>
+          <a:lstStyle/>
+          <a:p>
+            <a:r>
+              <a:rPr lang="en-GB" dirty="0"/>
+              <a:t>Scripts</a:t>
+            </a:r>
+          </a:p>
+        </p:txBody>
+      </p:sp>
+      <p:sp>
+        <p:nvSpPr>
+          <p:cNvPr id="3" name="Slide Number Placeholder 2">
+            <a:extLst>
+              <a:ext uri="{FF2B5EF4-FFF2-40B4-BE49-F238E27FC236}">
+                <a16:creationId xmlns:a16="http://schemas.microsoft.com/office/drawing/2014/main" id="{CED8A50D-CB4D-469F-99D7-C0B2F2845D14}"/>
+              </a:ext>
+            </a:extLst>
+          </p:cNvPr>
+          <p:cNvSpPr>
+            <a:spLocks noGrp="1"/>
+          </p:cNvSpPr>
+          <p:nvPr>
+            <p:ph type="sldNum" sz="quarter" idx="12"/>
+          </p:nvPr>
+        </p:nvSpPr>
+        <p:spPr/>
+        <p:txBody>
+          <a:bodyPr/>
+          <a:lstStyle/>
+          <a:p>
+            <a:fld id="{89C4E583-6443-4199-AF95-A2ECCC288D48}" type="slidenum">
+              <a:rPr lang="en-GB" smtClean="0"/>
+              <a:t>3</a:t>
+            </a:fld>
+            <a:endParaRPr lang="en-GB"/>
+          </a:p>
+        </p:txBody>
+      </p:sp>
+    </p:spTree>
+    <p:extLst>
+      <p:ext uri="{BB962C8B-B14F-4D97-AF65-F5344CB8AC3E}">
+        <p14:creationId xmlns:p14="http://schemas.microsoft.com/office/powerpoint/2010/main" val="3952360868"/>
+      </p:ext>
+    </p:extLst>
+  </p:cSld>
+  <p:clrMapOvr>
+    <a:masterClrMapping/>
+  </p:clrMapOvr>
+</p:sld>
+</file>
+
+<file path=ppt/slides/slide30.xml><?xml version="1.0" encoding="utf-8"?>
 <p:sld xmlns:a="http://schemas.openxmlformats.org/drawingml/2006/main" xmlns:r="http://schemas.openxmlformats.org/officeDocument/2006/relationships" xmlns:p="http://schemas.openxmlformats.org/presentationml/2006/main">
   <p:cSld>
     <p:spTree>
@@ -14622,7 +15692,7 @@
           <a:p>
             <a:fld id="{89C4E583-6443-4199-AF95-A2ECCC288D48}" type="slidenum">
               <a:rPr lang="en-GB" smtClean="0"/>
-              <a:t>28</a:t>
+              <a:t>30</a:t>
             </a:fld>
             <a:endParaRPr lang="en-GB"/>
           </a:p>
@@ -14641,7 +15711,160 @@
 </p:sld>
 </file>
 
-<file path=ppt/slides/slide3.xml><?xml version="1.0" encoding="utf-8"?>
+<file path=ppt/slides/slide4.xml><?xml version="1.0" encoding="utf-8"?>
+<p:sld xmlns:a="http://schemas.openxmlformats.org/drawingml/2006/main" xmlns:r="http://schemas.openxmlformats.org/officeDocument/2006/relationships" xmlns:p="http://schemas.openxmlformats.org/presentationml/2006/main">
+  <p:cSld>
+    <p:spTree>
+      <p:nvGrpSpPr>
+        <p:cNvPr id="1" name=""/>
+        <p:cNvGrpSpPr/>
+        <p:nvPr/>
+      </p:nvGrpSpPr>
+      <p:grpSpPr>
+        <a:xfrm>
+          <a:off x="0" y="0"/>
+          <a:ext cx="0" cy="0"/>
+          <a:chOff x="0" y="0"/>
+          <a:chExt cx="0" cy="0"/>
+        </a:xfrm>
+      </p:grpSpPr>
+      <p:sp>
+        <p:nvSpPr>
+          <p:cNvPr id="6" name="Title 5">
+            <a:extLst>
+              <a:ext uri="{FF2B5EF4-FFF2-40B4-BE49-F238E27FC236}">
+                <a16:creationId xmlns:a16="http://schemas.microsoft.com/office/drawing/2014/main" id="{71216121-2D61-438E-90D9-826C503ACE04}"/>
+              </a:ext>
+            </a:extLst>
+          </p:cNvPr>
+          <p:cNvSpPr>
+            <a:spLocks noGrp="1"/>
+          </p:cNvSpPr>
+          <p:nvPr>
+            <p:ph type="title"/>
+          </p:nvPr>
+        </p:nvSpPr>
+        <p:spPr/>
+        <p:txBody>
+          <a:bodyPr/>
+          <a:lstStyle/>
+          <a:p>
+            <a:r>
+              <a:rPr lang="en-GB" dirty="0"/>
+              <a:t>What is a script?</a:t>
+            </a:r>
+          </a:p>
+        </p:txBody>
+      </p:sp>
+      <p:sp>
+        <p:nvSpPr>
+          <p:cNvPr id="7" name="Content Placeholder 6">
+            <a:extLst>
+              <a:ext uri="{FF2B5EF4-FFF2-40B4-BE49-F238E27FC236}">
+                <a16:creationId xmlns:a16="http://schemas.microsoft.com/office/drawing/2014/main" id="{2121BED5-8327-4FB0-8BEA-FCAB233B8F97}"/>
+              </a:ext>
+            </a:extLst>
+          </p:cNvPr>
+          <p:cNvSpPr>
+            <a:spLocks noGrp="1"/>
+          </p:cNvSpPr>
+          <p:nvPr>
+            <p:ph idx="1"/>
+          </p:nvPr>
+        </p:nvSpPr>
+        <p:spPr/>
+        <p:txBody>
+          <a:bodyPr/>
+          <a:lstStyle/>
+          <a:p>
+            <a:r>
+              <a:rPr lang="en-GB" dirty="0"/>
+              <a:t>Last week we asked you to write your commands into a file</a:t>
+            </a:r>
+          </a:p>
+          <a:p>
+            <a:r>
+              <a:rPr lang="en-GB" dirty="0"/>
+              <a:t>That file ended in </a:t>
+            </a:r>
+            <a:r>
+              <a:rPr lang="en-GB" i="1" dirty="0"/>
+              <a:t>.</a:t>
+            </a:r>
+            <a:r>
+              <a:rPr lang="en-GB" i="1" dirty="0" err="1"/>
+              <a:t>py</a:t>
+            </a:r>
+            <a:endParaRPr lang="en-GB" i="1" dirty="0"/>
+          </a:p>
+          <a:p>
+            <a:r>
+              <a:rPr lang="en-GB" dirty="0"/>
+              <a:t>This is a python script</a:t>
+            </a:r>
+          </a:p>
+          <a:p>
+            <a:r>
+              <a:rPr lang="en-GB" dirty="0"/>
+              <a:t>It is a file containing an </a:t>
+            </a:r>
+            <a:r>
+              <a:rPr lang="en-GB" i="1" dirty="0"/>
+              <a:t>algorithm</a:t>
+            </a:r>
+          </a:p>
+          <a:p>
+            <a:pPr lvl="1"/>
+            <a:r>
+              <a:rPr lang="en-GB" dirty="0"/>
+              <a:t>Remember: </a:t>
+            </a:r>
+          </a:p>
+        </p:txBody>
+      </p:sp>
+      <p:sp>
+        <p:nvSpPr>
+          <p:cNvPr id="3" name="Slide Number Placeholder 2">
+            <a:extLst>
+              <a:ext uri="{FF2B5EF4-FFF2-40B4-BE49-F238E27FC236}">
+                <a16:creationId xmlns:a16="http://schemas.microsoft.com/office/drawing/2014/main" id="{E4052FE4-ACCF-4055-B4B2-F7DE0DC547F7}"/>
+              </a:ext>
+            </a:extLst>
+          </p:cNvPr>
+          <p:cNvSpPr>
+            <a:spLocks noGrp="1"/>
+          </p:cNvSpPr>
+          <p:nvPr>
+            <p:ph type="sldNum" sz="quarter" idx="12"/>
+          </p:nvPr>
+        </p:nvSpPr>
+        <p:spPr/>
+        <p:txBody>
+          <a:bodyPr/>
+          <a:lstStyle/>
+          <a:p>
+            <a:fld id="{89C4E583-6443-4199-AF95-A2ECCC288D48}" type="slidenum">
+              <a:rPr lang="en-GB" smtClean="0"/>
+              <a:t>4</a:t>
+            </a:fld>
+            <a:endParaRPr lang="en-GB"/>
+          </a:p>
+        </p:txBody>
+      </p:sp>
+    </p:spTree>
+    <p:extLst>
+      <p:ext uri="{BB962C8B-B14F-4D97-AF65-F5344CB8AC3E}">
+        <p14:creationId xmlns:p14="http://schemas.microsoft.com/office/powerpoint/2010/main" val="2250377317"/>
+      </p:ext>
+    </p:extLst>
+  </p:cSld>
+  <p:clrMapOvr>
+    <a:masterClrMapping/>
+  </p:clrMapOvr>
+</p:sld>
+</file>
+
+<file path=ppt/slides/slide5.xml><?xml version="1.0" encoding="utf-8"?>
 <p:sld xmlns:a="http://schemas.openxmlformats.org/drawingml/2006/main" xmlns:r="http://schemas.openxmlformats.org/officeDocument/2006/relationships" xmlns:p="http://schemas.openxmlformats.org/presentationml/2006/main">
   <p:cSld>
     <p:spTree>
@@ -14712,7 +15935,7 @@
           <a:p>
             <a:fld id="{89C4E583-6443-4199-AF95-A2ECCC288D48}" type="slidenum">
               <a:rPr lang="en-GB" smtClean="0"/>
-              <a:t>3</a:t>
+              <a:t>5</a:t>
             </a:fld>
             <a:endParaRPr lang="en-GB"/>
           </a:p>
@@ -14731,7 +15954,7 @@
 </p:sld>
 </file>
 
-<file path=ppt/slides/slide4.xml><?xml version="1.0" encoding="utf-8"?>
+<file path=ppt/slides/slide6.xml><?xml version="1.0" encoding="utf-8"?>
 <p:sld xmlns:a="http://schemas.openxmlformats.org/drawingml/2006/main" xmlns:r="http://schemas.openxmlformats.org/officeDocument/2006/relationships" xmlns:p="http://schemas.openxmlformats.org/presentationml/2006/main">
   <p:cSld>
     <p:spTree>
@@ -14870,7 +16093,7 @@
         </p:spPr>
         <p:txBody>
           <a:bodyPr vert="horz" lIns="0" tIns="45720" rIns="0" bIns="45720" rtlCol="0" anchor="t">
-            <a:normAutofit lnSpcReduction="10000"/>
+            <a:normAutofit fontScale="92500" lnSpcReduction="10000"/>
           </a:bodyPr>
           <a:lstStyle/>
           <a:p>
@@ -15006,6 +16229,15 @@
                 <a:cs typeface="Calibri"/>
               </a:rPr>
               <a:t>I am sorry.</a:t>
+            </a:r>
+          </a:p>
+          <a:p>
+            <a:pPr marL="383540" lvl="1"/>
+            <a:r>
+              <a:rPr lang="en-GB" sz="1900" dirty="0">
+                <a:cs typeface="Calibri"/>
+              </a:rPr>
+              <a:t>Variables do not remember their previous values</a:t>
             </a:r>
           </a:p>
           <a:p>
@@ -15048,7 +16280,7 @@
           <a:p>
             <a:fld id="{89C4E583-6443-4199-AF95-A2ECCC288D48}" type="slidenum">
               <a:rPr lang="en-GB" smtClean="0"/>
-              <a:t>4</a:t>
+              <a:t>6</a:t>
             </a:fld>
             <a:endParaRPr lang="en-GB"/>
           </a:p>
@@ -15633,6 +16865,37 @@
                                           </p:stCondLst>
                                         </p:cTn>
                                         <p:tgtEl>
+                                          <p:spTgt spid="5">
+                                            <p:txEl>
+                                              <p:pRg st="11" end="11"/>
+                                            </p:txEl>
+                                          </p:spTgt>
+                                        </p:tgtEl>
+                                        <p:attrNameLst>
+                                          <p:attrName>style.visibility</p:attrName>
+                                        </p:attrNameLst>
+                                      </p:cBhvr>
+                                      <p:to>
+                                        <p:strVal val="visible"/>
+                                      </p:to>
+                                    </p:set>
+                                  </p:childTnLst>
+                                </p:cTn>
+                              </p:par>
+                              <p:par>
+                                <p:cTn id="33" presetID="1" presetClass="entr" presetSubtype="0" fill="hold" nodeType="withEffect">
+                                  <p:stCondLst>
+                                    <p:cond delay="0"/>
+                                  </p:stCondLst>
+                                  <p:childTnLst>
+                                    <p:set>
+                                      <p:cBhvr>
+                                        <p:cTn id="34" dur="1" fill="hold">
+                                          <p:stCondLst>
+                                            <p:cond delay="0"/>
+                                          </p:stCondLst>
+                                        </p:cTn>
+                                        <p:tgtEl>
                                           <p:spTgt spid="9"/>
                                         </p:tgtEl>
                                         <p:attrNameLst>
@@ -15647,14 +16910,14 @@
                                 </p:cTn>
                               </p:par>
                               <p:par>
-                                <p:cTn id="33" presetID="1" presetClass="entr" presetSubtype="0" fill="hold" grpId="0" nodeType="withEffect">
+                                <p:cTn id="35" presetID="1" presetClass="entr" presetSubtype="0" fill="hold" grpId="0" nodeType="withEffect">
                                   <p:stCondLst>
                                     <p:cond delay="0"/>
                                   </p:stCondLst>
                                   <p:childTnLst>
                                     <p:set>
                                       <p:cBhvr>
-                                        <p:cTn id="34" dur="1" fill="hold">
+                                        <p:cTn id="36" dur="1" fill="hold">
                                           <p:stCondLst>
                                             <p:cond delay="0"/>
                                           </p:stCondLst>
@@ -15709,7 +16972,7 @@
 </p:sld>
 </file>
 
-<file path=ppt/slides/slide5.xml><?xml version="1.0" encoding="utf-8"?>
+<file path=ppt/slides/slide7.xml><?xml version="1.0" encoding="utf-8"?>
 <p:sld xmlns:a="http://schemas.openxmlformats.org/drawingml/2006/main" xmlns:r="http://schemas.openxmlformats.org/officeDocument/2006/relationships" xmlns:p="http://schemas.openxmlformats.org/presentationml/2006/main">
   <p:cSld>
     <p:spTree>
@@ -16335,7 +17598,7 @@
           <a:p>
             <a:fld id="{89C4E583-6443-4199-AF95-A2ECCC288D48}" type="slidenum">
               <a:rPr lang="en-GB" smtClean="0"/>
-              <a:t>5</a:t>
+              <a:t>7</a:t>
             </a:fld>
             <a:endParaRPr lang="en-GB"/>
           </a:p>
@@ -16354,7 +17617,7 @@
 </p:sld>
 </file>
 
-<file path=ppt/slides/slide6.xml><?xml version="1.0" encoding="utf-8"?>
+<file path=ppt/slides/slide8.xml><?xml version="1.0" encoding="utf-8"?>
 <p:sld xmlns:a="http://schemas.openxmlformats.org/drawingml/2006/main" xmlns:r="http://schemas.openxmlformats.org/officeDocument/2006/relationships" xmlns:p="http://schemas.openxmlformats.org/presentationml/2006/main">
   <p:cSld>
     <p:spTree>
@@ -16710,7 +17973,7 @@
           <a:p>
             <a:fld id="{89C4E583-6443-4199-AF95-A2ECCC288D48}" type="slidenum">
               <a:rPr lang="en-GB" smtClean="0"/>
-              <a:t>6</a:t>
+              <a:t>8</a:t>
             </a:fld>
             <a:endParaRPr lang="en-GB"/>
           </a:p>
@@ -16729,7 +17992,7 @@
 </p:sld>
 </file>
 
-<file path=ppt/slides/slide7.xml><?xml version="1.0" encoding="utf-8"?>
+<file path=ppt/slides/slide9.xml><?xml version="1.0" encoding="utf-8"?>
 <p:sld xmlns:a="http://schemas.openxmlformats.org/drawingml/2006/main" xmlns:r="http://schemas.openxmlformats.org/officeDocument/2006/relationships" xmlns:p="http://schemas.openxmlformats.org/presentationml/2006/main">
   <p:cSld>
     <p:spTree>
@@ -16806,7 +18069,7 @@
           <a:p>
             <a:fld id="{89C4E583-6443-4199-AF95-A2ECCC288D48}" type="slidenum">
               <a:rPr lang="en-GB" smtClean="0"/>
-              <a:t>7</a:t>
+              <a:t>9</a:t>
             </a:fld>
             <a:endParaRPr lang="en-GB"/>
           </a:p>
@@ -16816,1004 +18079,6 @@
     <p:extLst>
       <p:ext uri="{BB962C8B-B14F-4D97-AF65-F5344CB8AC3E}">
         <p14:creationId xmlns:p14="http://schemas.microsoft.com/office/powerpoint/2010/main" val="2196577574"/>
-      </p:ext>
-    </p:extLst>
-  </p:cSld>
-  <p:clrMapOvr>
-    <a:masterClrMapping/>
-  </p:clrMapOvr>
-</p:sld>
-</file>
-
-<file path=ppt/slides/slide8.xml><?xml version="1.0" encoding="utf-8"?>
-<p:sld xmlns:a="http://schemas.openxmlformats.org/drawingml/2006/main" xmlns:r="http://schemas.openxmlformats.org/officeDocument/2006/relationships" xmlns:p="http://schemas.openxmlformats.org/presentationml/2006/main">
-  <p:cSld>
-    <p:spTree>
-      <p:nvGrpSpPr>
-        <p:cNvPr id="1" name=""/>
-        <p:cNvGrpSpPr/>
-        <p:nvPr/>
-      </p:nvGrpSpPr>
-      <p:grpSpPr>
-        <a:xfrm>
-          <a:off x="0" y="0"/>
-          <a:ext cx="0" cy="0"/>
-          <a:chOff x="0" y="0"/>
-          <a:chExt cx="0" cy="0"/>
-        </a:xfrm>
-      </p:grpSpPr>
-      <p:sp>
-        <p:nvSpPr>
-          <p:cNvPr id="2" name="Titel 1">
-            <a:extLst>
-              <a:ext uri="{FF2B5EF4-FFF2-40B4-BE49-F238E27FC236}">
-                <a16:creationId xmlns:a16="http://schemas.microsoft.com/office/drawing/2014/main" id="{824CCC26-B5F4-445B-9894-044ABDE86E58}"/>
-              </a:ext>
-            </a:extLst>
-          </p:cNvPr>
-          <p:cNvSpPr>
-            <a:spLocks noGrp="1"/>
-          </p:cNvSpPr>
-          <p:nvPr>
-            <p:ph type="title"/>
-          </p:nvPr>
-        </p:nvSpPr>
-        <p:spPr/>
-        <p:txBody>
-          <a:bodyPr/>
-          <a:lstStyle/>
-          <a:p>
-            <a:r>
-              <a:rPr lang="de-DE" dirty="0" err="1">
-                <a:cs typeface="Calibri Light"/>
-              </a:rPr>
-              <a:t>Number</a:t>
-            </a:r>
-            <a:r>
-              <a:rPr lang="de-DE" dirty="0">
-                <a:cs typeface="Calibri Light"/>
-              </a:rPr>
-              <a:t> </a:t>
-            </a:r>
-            <a:r>
-              <a:rPr lang="de-DE" dirty="0" err="1">
-                <a:cs typeface="Calibri Light"/>
-              </a:rPr>
-              <a:t>types</a:t>
-            </a:r>
-            <a:endParaRPr lang="de-DE" dirty="0" err="1"/>
-          </a:p>
-        </p:txBody>
-      </p:sp>
-      <p:sp>
-        <p:nvSpPr>
-          <p:cNvPr id="3" name="Inhaltsplatzhalter 2">
-            <a:extLst>
-              <a:ext uri="{FF2B5EF4-FFF2-40B4-BE49-F238E27FC236}">
-                <a16:creationId xmlns:a16="http://schemas.microsoft.com/office/drawing/2014/main" id="{63E5014E-4309-491A-B29A-6289374FB3BD}"/>
-              </a:ext>
-            </a:extLst>
-          </p:cNvPr>
-          <p:cNvSpPr>
-            <a:spLocks noGrp="1"/>
-          </p:cNvSpPr>
-          <p:nvPr>
-            <p:ph idx="1"/>
-          </p:nvPr>
-        </p:nvSpPr>
-        <p:spPr/>
-        <p:txBody>
-          <a:bodyPr vert="horz" lIns="0" tIns="45720" rIns="0" bIns="45720" rtlCol="0" anchor="t">
-            <a:normAutofit/>
-          </a:bodyPr>
-          <a:lstStyle/>
-          <a:p>
-            <a:pPr marL="182245" indent="-182245"/>
-            <a:r>
-              <a:rPr lang="de-DE" dirty="0" err="1">
-                <a:cs typeface="Calibri"/>
-              </a:rPr>
-              <a:t>There</a:t>
-            </a:r>
-            <a:r>
-              <a:rPr lang="de-DE" dirty="0">
-                <a:cs typeface="Calibri"/>
-              </a:rPr>
-              <a:t> </a:t>
-            </a:r>
-            <a:r>
-              <a:rPr lang="de-DE" dirty="0" err="1">
-                <a:cs typeface="Calibri"/>
-              </a:rPr>
-              <a:t>are</a:t>
-            </a:r>
-            <a:r>
-              <a:rPr lang="de-DE" dirty="0">
-                <a:cs typeface="Calibri"/>
-              </a:rPr>
-              <a:t> </a:t>
-            </a:r>
-            <a:r>
-              <a:rPr lang="de-DE" dirty="0" err="1">
-                <a:cs typeface="Calibri"/>
-              </a:rPr>
-              <a:t>two</a:t>
-            </a:r>
-            <a:r>
-              <a:rPr lang="de-DE" dirty="0">
-                <a:cs typeface="Calibri"/>
-              </a:rPr>
-              <a:t> </a:t>
-            </a:r>
-            <a:r>
-              <a:rPr lang="de-DE" dirty="0" err="1">
-                <a:cs typeface="Calibri"/>
-              </a:rPr>
-              <a:t>number</a:t>
-            </a:r>
-            <a:r>
-              <a:rPr lang="de-DE" dirty="0">
-                <a:cs typeface="Calibri"/>
-              </a:rPr>
-              <a:t> </a:t>
-            </a:r>
-            <a:r>
-              <a:rPr lang="de-DE" dirty="0" err="1">
-                <a:cs typeface="Calibri"/>
-              </a:rPr>
-              <a:t>types</a:t>
-            </a:r>
-            <a:r>
-              <a:rPr lang="de-DE" dirty="0">
-                <a:cs typeface="Calibri"/>
-              </a:rPr>
-              <a:t> </a:t>
-            </a:r>
-            <a:r>
-              <a:rPr lang="de-DE" dirty="0" err="1">
-                <a:cs typeface="Calibri"/>
-              </a:rPr>
-              <a:t>you</a:t>
-            </a:r>
-            <a:r>
-              <a:rPr lang="de-DE" dirty="0">
-                <a:cs typeface="Calibri"/>
-              </a:rPr>
-              <a:t> </a:t>
-            </a:r>
-            <a:r>
-              <a:rPr lang="de-DE" dirty="0" err="1">
-                <a:cs typeface="Calibri"/>
-              </a:rPr>
-              <a:t>should</a:t>
-            </a:r>
-            <a:r>
-              <a:rPr lang="de-DE" dirty="0">
-                <a:cs typeface="Calibri"/>
-              </a:rPr>
-              <a:t> </a:t>
-            </a:r>
-            <a:r>
-              <a:rPr lang="de-DE" dirty="0" err="1">
-                <a:cs typeface="Calibri"/>
-              </a:rPr>
-              <a:t>know</a:t>
-            </a:r>
-            <a:r>
-              <a:rPr lang="de-DE" dirty="0">
-                <a:cs typeface="Calibri"/>
-              </a:rPr>
-              <a:t> </a:t>
-            </a:r>
-            <a:r>
-              <a:rPr lang="de-DE" dirty="0" err="1">
-                <a:cs typeface="Calibri"/>
-              </a:rPr>
-              <a:t>for</a:t>
-            </a:r>
-            <a:r>
-              <a:rPr lang="de-DE" dirty="0">
-                <a:cs typeface="Calibri"/>
-              </a:rPr>
-              <a:t> </a:t>
-            </a:r>
-            <a:r>
-              <a:rPr lang="de-DE" dirty="0" err="1">
-                <a:cs typeface="Calibri"/>
-              </a:rPr>
-              <a:t>now</a:t>
-            </a:r>
-            <a:r>
-              <a:rPr lang="de-DE" dirty="0">
-                <a:cs typeface="Calibri"/>
-              </a:rPr>
-              <a:t>: </a:t>
-            </a:r>
-            <a:r>
-              <a:rPr lang="de-DE" b="1" dirty="0" err="1">
-                <a:cs typeface="Calibri"/>
-              </a:rPr>
-              <a:t>integers</a:t>
-            </a:r>
-            <a:r>
-              <a:rPr lang="de-DE" b="1" dirty="0">
-                <a:cs typeface="Calibri"/>
-              </a:rPr>
-              <a:t> </a:t>
-            </a:r>
-            <a:r>
-              <a:rPr lang="de-DE" dirty="0">
-                <a:cs typeface="Calibri"/>
-              </a:rPr>
-              <a:t>(</a:t>
-            </a:r>
-            <a:r>
-              <a:rPr lang="de-DE" dirty="0" err="1">
-                <a:cs typeface="Calibri"/>
-              </a:rPr>
-              <a:t>int</a:t>
-            </a:r>
-            <a:r>
-              <a:rPr lang="de-DE" dirty="0">
-                <a:cs typeface="Calibri"/>
-              </a:rPr>
-              <a:t>) and </a:t>
-            </a:r>
-            <a:r>
-              <a:rPr lang="de-DE" b="1" dirty="0" err="1">
-                <a:cs typeface="Calibri"/>
-              </a:rPr>
-              <a:t>floats</a:t>
-            </a:r>
-            <a:endParaRPr lang="de-DE" b="1" dirty="0">
-              <a:cs typeface="Calibri"/>
-            </a:endParaRPr>
-          </a:p>
-          <a:p>
-            <a:pPr marL="182245" indent="-182245"/>
-            <a:r>
-              <a:rPr lang="de-DE" dirty="0" err="1">
-                <a:cs typeface="Calibri"/>
-              </a:rPr>
-              <a:t>Integers</a:t>
-            </a:r>
-          </a:p>
-          <a:p>
-            <a:pPr marL="383540" lvl="1"/>
-            <a:r>
-              <a:rPr lang="de-DE" dirty="0">
-                <a:cs typeface="Calibri"/>
-              </a:rPr>
-              <a:t>"Ganze Zahlen"</a:t>
-            </a:r>
-          </a:p>
-          <a:p>
-            <a:pPr marL="383540" lvl="1"/>
-            <a:r>
-              <a:rPr lang="de-DE" dirty="0" err="1">
-                <a:cs typeface="Calibri"/>
-              </a:rPr>
-              <a:t>Examples</a:t>
-            </a:r>
-            <a:r>
-              <a:rPr lang="de-DE" dirty="0">
-                <a:cs typeface="Calibri"/>
-              </a:rPr>
-              <a:t>: 0, 19, -42, 478349</a:t>
-            </a:r>
-          </a:p>
-          <a:p>
-            <a:pPr marL="182245" indent="-182245"/>
-            <a:r>
-              <a:rPr lang="de-DE" dirty="0" err="1">
-                <a:cs typeface="Calibri"/>
-              </a:rPr>
-              <a:t>Floats</a:t>
-            </a:r>
-            <a:r>
-              <a:rPr lang="de-DE" dirty="0">
-                <a:cs typeface="Calibri"/>
-              </a:rPr>
-              <a:t>:</a:t>
-            </a:r>
-          </a:p>
-          <a:p>
-            <a:pPr marL="383540" lvl="1"/>
-            <a:r>
-              <a:rPr lang="de-DE" dirty="0">
-                <a:cs typeface="Calibri"/>
-              </a:rPr>
-              <a:t>Floating </a:t>
-            </a:r>
-            <a:r>
-              <a:rPr lang="de-DE" dirty="0" err="1">
-                <a:cs typeface="Calibri"/>
-              </a:rPr>
-              <a:t>point</a:t>
-            </a:r>
-            <a:r>
-              <a:rPr lang="de-DE" dirty="0">
-                <a:cs typeface="Calibri"/>
-              </a:rPr>
-              <a:t> </a:t>
-            </a:r>
-            <a:r>
-              <a:rPr lang="de-DE" dirty="0" err="1">
-                <a:cs typeface="Calibri"/>
-              </a:rPr>
-              <a:t>numbers</a:t>
-            </a:r>
-          </a:p>
-          <a:p>
-            <a:pPr marL="383540" lvl="1"/>
-            <a:r>
-              <a:rPr lang="de-DE" dirty="0" err="1">
-                <a:cs typeface="Calibri"/>
-              </a:rPr>
-              <a:t>Examples</a:t>
-            </a:r>
-            <a:r>
-              <a:rPr lang="de-DE" dirty="0">
-                <a:cs typeface="Calibri"/>
-              </a:rPr>
-              <a:t>: 0.01, 23.8912, -10.5</a:t>
-            </a:r>
-          </a:p>
-        </p:txBody>
-      </p:sp>
-      <p:sp>
-        <p:nvSpPr>
-          <p:cNvPr id="4" name="Foliennummernplatzhalter 3">
-            <a:extLst>
-              <a:ext uri="{FF2B5EF4-FFF2-40B4-BE49-F238E27FC236}">
-                <a16:creationId xmlns:a16="http://schemas.microsoft.com/office/drawing/2014/main" id="{40AF29B7-F2AB-4A5E-A585-80CFDAAC8759}"/>
-              </a:ext>
-            </a:extLst>
-          </p:cNvPr>
-          <p:cNvSpPr>
-            <a:spLocks noGrp="1"/>
-          </p:cNvSpPr>
-          <p:nvPr>
-            <p:ph type="sldNum" sz="quarter" idx="12"/>
-          </p:nvPr>
-        </p:nvSpPr>
-        <p:spPr/>
-        <p:txBody>
-          <a:bodyPr/>
-          <a:lstStyle/>
-          <a:p>
-            <a:fld id="{89C4E583-6443-4199-AF95-A2ECCC288D48}" type="slidenum">
-              <a:rPr lang="en-GB" smtClean="0"/>
-              <a:t>8</a:t>
-            </a:fld>
-            <a:endParaRPr lang="en-GB"/>
-          </a:p>
-        </p:txBody>
-      </p:sp>
-    </p:spTree>
-    <p:extLst>
-      <p:ext uri="{BB962C8B-B14F-4D97-AF65-F5344CB8AC3E}">
-        <p14:creationId xmlns:p14="http://schemas.microsoft.com/office/powerpoint/2010/main" val="518916278"/>
-      </p:ext>
-    </p:extLst>
-  </p:cSld>
-  <p:clrMapOvr>
-    <a:masterClrMapping/>
-  </p:clrMapOvr>
-</p:sld>
-</file>
-
-<file path=ppt/slides/slide9.xml><?xml version="1.0" encoding="utf-8"?>
-<p:sld xmlns:a="http://schemas.openxmlformats.org/drawingml/2006/main" xmlns:r="http://schemas.openxmlformats.org/officeDocument/2006/relationships" xmlns:p="http://schemas.openxmlformats.org/presentationml/2006/main">
-  <p:cSld>
-    <p:spTree>
-      <p:nvGrpSpPr>
-        <p:cNvPr id="1" name=""/>
-        <p:cNvGrpSpPr/>
-        <p:nvPr/>
-      </p:nvGrpSpPr>
-      <p:grpSpPr>
-        <a:xfrm>
-          <a:off x="0" y="0"/>
-          <a:ext cx="0" cy="0"/>
-          <a:chOff x="0" y="0"/>
-          <a:chExt cx="0" cy="0"/>
-        </a:xfrm>
-      </p:grpSpPr>
-      <p:sp>
-        <p:nvSpPr>
-          <p:cNvPr id="2" name="Titel 1">
-            <a:extLst>
-              <a:ext uri="{FF2B5EF4-FFF2-40B4-BE49-F238E27FC236}">
-                <a16:creationId xmlns:a16="http://schemas.microsoft.com/office/drawing/2014/main" id="{824CCC26-B5F4-445B-9894-044ABDE86E58}"/>
-              </a:ext>
-            </a:extLst>
-          </p:cNvPr>
-          <p:cNvSpPr>
-            <a:spLocks noGrp="1"/>
-          </p:cNvSpPr>
-          <p:nvPr>
-            <p:ph type="title"/>
-          </p:nvPr>
-        </p:nvSpPr>
-        <p:spPr/>
-        <p:txBody>
-          <a:bodyPr/>
-          <a:lstStyle/>
-          <a:p>
-            <a:r>
-              <a:rPr lang="de-DE" dirty="0">
-                <a:cs typeface="Calibri Light"/>
-              </a:rPr>
-              <a:t>Text </a:t>
-            </a:r>
-            <a:r>
-              <a:rPr lang="de-DE" dirty="0" err="1">
-                <a:cs typeface="Calibri Light"/>
-              </a:rPr>
-              <a:t>types</a:t>
-            </a:r>
-            <a:endParaRPr lang="de-DE" dirty="0" err="1"/>
-          </a:p>
-        </p:txBody>
-      </p:sp>
-      <p:sp>
-        <p:nvSpPr>
-          <p:cNvPr id="3" name="Inhaltsplatzhalter 2">
-            <a:extLst>
-              <a:ext uri="{FF2B5EF4-FFF2-40B4-BE49-F238E27FC236}">
-                <a16:creationId xmlns:a16="http://schemas.microsoft.com/office/drawing/2014/main" id="{63E5014E-4309-491A-B29A-6289374FB3BD}"/>
-              </a:ext>
-            </a:extLst>
-          </p:cNvPr>
-          <p:cNvSpPr>
-            <a:spLocks noGrp="1"/>
-          </p:cNvSpPr>
-          <p:nvPr>
-            <p:ph idx="1"/>
-          </p:nvPr>
-        </p:nvSpPr>
-        <p:spPr/>
-        <p:txBody>
-          <a:bodyPr vert="horz" lIns="0" tIns="45720" rIns="0" bIns="45720" rtlCol="0" anchor="t">
-            <a:normAutofit/>
-          </a:bodyPr>
-          <a:lstStyle/>
-          <a:p>
-            <a:pPr marL="182245" indent="-182245"/>
-            <a:r>
-              <a:rPr lang="de-DE" dirty="0" err="1">
-                <a:cs typeface="Calibri"/>
-              </a:rPr>
-              <a:t>We</a:t>
-            </a:r>
-            <a:r>
-              <a:rPr lang="de-DE" dirty="0">
-                <a:cs typeface="Calibri"/>
-              </a:rPr>
-              <a:t> </a:t>
-            </a:r>
-            <a:r>
-              <a:rPr lang="de-DE" dirty="0" err="1">
-                <a:cs typeface="Calibri"/>
-              </a:rPr>
-              <a:t>are</a:t>
-            </a:r>
-            <a:r>
-              <a:rPr lang="de-DE" dirty="0">
-                <a:cs typeface="Calibri"/>
-              </a:rPr>
-              <a:t> also </a:t>
-            </a:r>
-            <a:r>
-              <a:rPr lang="de-DE" dirty="0" err="1">
-                <a:cs typeface="Calibri"/>
-              </a:rPr>
-              <a:t>introducing</a:t>
-            </a:r>
-            <a:r>
-              <a:rPr lang="de-DE" dirty="0">
-                <a:cs typeface="Calibri"/>
-              </a:rPr>
-              <a:t> </a:t>
-            </a:r>
-            <a:r>
-              <a:rPr lang="de-DE" dirty="0" err="1">
-                <a:cs typeface="Calibri"/>
-              </a:rPr>
-              <a:t>two</a:t>
-            </a:r>
-            <a:r>
-              <a:rPr lang="de-DE" dirty="0">
-                <a:cs typeface="Calibri"/>
-              </a:rPr>
-              <a:t> </a:t>
-            </a:r>
-            <a:r>
-              <a:rPr lang="de-DE" dirty="0" err="1">
-                <a:cs typeface="Calibri"/>
-              </a:rPr>
-              <a:t>text</a:t>
-            </a:r>
-            <a:r>
-              <a:rPr lang="de-DE" dirty="0">
-                <a:cs typeface="Calibri"/>
-              </a:rPr>
-              <a:t> </a:t>
-            </a:r>
-            <a:r>
-              <a:rPr lang="de-DE" dirty="0" err="1">
-                <a:cs typeface="Calibri"/>
-              </a:rPr>
-              <a:t>types</a:t>
-            </a:r>
-            <a:r>
-              <a:rPr lang="de-DE" dirty="0">
-                <a:cs typeface="Calibri"/>
-              </a:rPr>
-              <a:t>:</a:t>
-            </a:r>
-            <a:r>
-              <a:rPr lang="de-DE" b="1" dirty="0">
-                <a:cs typeface="Calibri"/>
-              </a:rPr>
-              <a:t> </a:t>
-            </a:r>
-            <a:r>
-              <a:rPr lang="de-DE" b="1" dirty="0" err="1">
-                <a:cs typeface="Calibri"/>
-              </a:rPr>
-              <a:t>chars</a:t>
-            </a:r>
-            <a:r>
-              <a:rPr lang="de-DE" dirty="0">
-                <a:cs typeface="Calibri"/>
-              </a:rPr>
-              <a:t> and </a:t>
-            </a:r>
-            <a:r>
-              <a:rPr lang="de-DE" b="1" dirty="0" err="1">
-                <a:cs typeface="Calibri"/>
-              </a:rPr>
-              <a:t>strings</a:t>
-            </a:r>
-            <a:endParaRPr lang="de-DE" b="1" dirty="0">
-              <a:cs typeface="Calibri"/>
-            </a:endParaRPr>
-          </a:p>
-          <a:p>
-            <a:pPr marL="182245" indent="-182245"/>
-            <a:r>
-              <a:rPr lang="de-DE" dirty="0">
-                <a:cs typeface="Calibri"/>
-              </a:rPr>
-              <a:t>Chars</a:t>
-            </a:r>
-          </a:p>
-          <a:p>
-            <a:pPr marL="383540" lvl="1"/>
-            <a:r>
-              <a:rPr lang="de-DE" dirty="0" err="1">
-                <a:cs typeface="Calibri"/>
-              </a:rPr>
-              <a:t>contain</a:t>
-            </a:r>
-            <a:r>
-              <a:rPr lang="de-DE" dirty="0">
-                <a:cs typeface="Calibri"/>
-              </a:rPr>
-              <a:t> </a:t>
-            </a:r>
-            <a:r>
-              <a:rPr lang="de-DE" dirty="0" err="1">
-                <a:cs typeface="Calibri"/>
-              </a:rPr>
-              <a:t>single</a:t>
-            </a:r>
-            <a:r>
-              <a:rPr lang="de-DE" dirty="0">
-                <a:cs typeface="Calibri"/>
-              </a:rPr>
-              <a:t> </a:t>
-            </a:r>
-            <a:r>
-              <a:rPr lang="de-DE" dirty="0" err="1">
-                <a:cs typeface="Calibri"/>
-              </a:rPr>
-              <a:t>characters</a:t>
-            </a:r>
-          </a:p>
-          <a:p>
-            <a:pPr marL="383540" lvl="1"/>
-            <a:r>
-              <a:rPr lang="de-DE" dirty="0" err="1">
-                <a:cs typeface="Calibri"/>
-              </a:rPr>
-              <a:t>Characters</a:t>
-            </a:r>
-            <a:r>
-              <a:rPr lang="de-DE" dirty="0">
-                <a:cs typeface="Calibri"/>
-              </a:rPr>
-              <a:t> </a:t>
-            </a:r>
-            <a:r>
-              <a:rPr lang="de-DE" dirty="0" err="1">
-                <a:cs typeface="Calibri"/>
-              </a:rPr>
-              <a:t>don't</a:t>
-            </a:r>
-            <a:r>
-              <a:rPr lang="de-DE" dirty="0">
-                <a:cs typeface="Calibri"/>
-              </a:rPr>
-              <a:t> </a:t>
-            </a:r>
-            <a:r>
-              <a:rPr lang="de-DE" dirty="0" err="1">
-                <a:cs typeface="Calibri"/>
-              </a:rPr>
-              <a:t>have</a:t>
-            </a:r>
-            <a:r>
-              <a:rPr lang="de-DE" dirty="0">
-                <a:cs typeface="Calibri"/>
-              </a:rPr>
-              <a:t> </a:t>
-            </a:r>
-            <a:r>
-              <a:rPr lang="de-DE" dirty="0" err="1">
-                <a:cs typeface="Calibri"/>
-              </a:rPr>
-              <a:t>to</a:t>
-            </a:r>
-            <a:r>
-              <a:rPr lang="de-DE" dirty="0">
-                <a:cs typeface="Calibri"/>
-              </a:rPr>
-              <a:t> </a:t>
-            </a:r>
-            <a:r>
-              <a:rPr lang="de-DE" dirty="0" err="1">
-                <a:cs typeface="Calibri"/>
-              </a:rPr>
-              <a:t>be</a:t>
-            </a:r>
-            <a:r>
-              <a:rPr lang="de-DE" dirty="0">
-                <a:cs typeface="Calibri"/>
-              </a:rPr>
-              <a:t> </a:t>
-            </a:r>
-            <a:r>
-              <a:rPr lang="de-DE" dirty="0" err="1">
-                <a:cs typeface="Calibri"/>
-              </a:rPr>
-              <a:t>letters</a:t>
-            </a:r>
-            <a:r>
-              <a:rPr lang="de-DE" dirty="0">
-                <a:cs typeface="Calibri"/>
-              </a:rPr>
-              <a:t> </a:t>
-            </a:r>
-            <a:r>
-              <a:rPr lang="de-DE" dirty="0" err="1">
-                <a:cs typeface="Calibri"/>
-              </a:rPr>
-              <a:t>from</a:t>
-            </a:r>
-            <a:r>
-              <a:rPr lang="de-DE" dirty="0">
-                <a:cs typeface="Calibri"/>
-              </a:rPr>
-              <a:t> </a:t>
-            </a:r>
-            <a:r>
-              <a:rPr lang="de-DE" dirty="0" err="1">
-                <a:cs typeface="Calibri"/>
-              </a:rPr>
-              <a:t>the</a:t>
-            </a:r>
-            <a:r>
-              <a:rPr lang="de-DE" dirty="0">
-                <a:cs typeface="Calibri"/>
-              </a:rPr>
-              <a:t> </a:t>
-            </a:r>
-            <a:r>
-              <a:rPr lang="de-DE" dirty="0" err="1">
-                <a:cs typeface="Calibri"/>
-              </a:rPr>
-              <a:t>alphabet</a:t>
-            </a:r>
-            <a:r>
-              <a:rPr lang="de-DE" dirty="0">
-                <a:cs typeface="Calibri"/>
-              </a:rPr>
-              <a:t> – </a:t>
-            </a:r>
-            <a:r>
-              <a:rPr lang="de-DE" dirty="0" err="1">
-                <a:cs typeface="Calibri"/>
-              </a:rPr>
-              <a:t>they</a:t>
-            </a:r>
-            <a:r>
-              <a:rPr lang="de-DE" dirty="0">
-                <a:cs typeface="Calibri"/>
-              </a:rPr>
-              <a:t> </a:t>
-            </a:r>
-            <a:r>
-              <a:rPr lang="de-DE" dirty="0" err="1">
-                <a:cs typeface="Calibri"/>
-              </a:rPr>
-              <a:t>can</a:t>
-            </a:r>
-            <a:r>
-              <a:rPr lang="de-DE" dirty="0">
-                <a:cs typeface="Calibri"/>
-              </a:rPr>
-              <a:t> also </a:t>
-            </a:r>
-            <a:r>
-              <a:rPr lang="de-DE" dirty="0" err="1">
-                <a:cs typeface="Calibri"/>
-              </a:rPr>
-              <a:t>be</a:t>
-            </a:r>
-            <a:r>
-              <a:rPr lang="de-DE" dirty="0">
-                <a:cs typeface="Calibri"/>
-              </a:rPr>
-              <a:t> </a:t>
-            </a:r>
-            <a:r>
-              <a:rPr lang="de-DE" dirty="0" err="1">
-                <a:cs typeface="Calibri"/>
-              </a:rPr>
-              <a:t>punctuation</a:t>
-            </a:r>
-            <a:r>
-              <a:rPr lang="de-DE" dirty="0">
-                <a:cs typeface="Calibri"/>
-              </a:rPr>
-              <a:t> </a:t>
-            </a:r>
-            <a:r>
-              <a:rPr lang="de-DE" dirty="0" err="1">
-                <a:cs typeface="Calibri"/>
-              </a:rPr>
-              <a:t>characters</a:t>
-            </a:r>
-            <a:r>
-              <a:rPr lang="de-DE" dirty="0">
-                <a:cs typeface="Calibri"/>
-              </a:rPr>
-              <a:t>, </a:t>
-            </a:r>
-            <a:r>
-              <a:rPr lang="de-DE" dirty="0" err="1">
-                <a:cs typeface="Calibri"/>
-              </a:rPr>
-              <a:t>numbers</a:t>
-            </a:r>
-            <a:r>
-              <a:rPr lang="de-DE" dirty="0">
-                <a:cs typeface="Calibri"/>
-              </a:rPr>
-              <a:t>, ...</a:t>
-            </a:r>
-          </a:p>
-          <a:p>
-            <a:pPr marL="383540" lvl="1"/>
-            <a:r>
-              <a:rPr lang="de-DE" dirty="0" err="1">
-                <a:cs typeface="Calibri"/>
-              </a:rPr>
-              <a:t>Examples</a:t>
-            </a:r>
-            <a:r>
-              <a:rPr lang="de-DE" dirty="0">
-                <a:cs typeface="Calibri"/>
-              </a:rPr>
-              <a:t>: 'a', 'Z', '!', '#', '5'</a:t>
-            </a:r>
-          </a:p>
-          <a:p>
-            <a:pPr marL="182245" indent="-182245"/>
-            <a:r>
-              <a:rPr lang="de-DE" dirty="0">
-                <a:cs typeface="Calibri"/>
-              </a:rPr>
-              <a:t>Strings:</a:t>
-            </a:r>
-          </a:p>
-          <a:p>
-            <a:pPr marL="383540" lvl="1"/>
-            <a:r>
-              <a:rPr lang="de-DE" dirty="0" err="1">
-                <a:cs typeface="Calibri"/>
-              </a:rPr>
-              <a:t>Contain</a:t>
-            </a:r>
-            <a:r>
-              <a:rPr lang="de-DE" dirty="0">
-                <a:cs typeface="Calibri"/>
-              </a:rPr>
-              <a:t> </a:t>
-            </a:r>
-            <a:r>
-              <a:rPr lang="de-DE" dirty="0" err="1">
-                <a:cs typeface="Calibri"/>
-              </a:rPr>
-              <a:t>concatenations</a:t>
-            </a:r>
-            <a:r>
-              <a:rPr lang="de-DE" dirty="0">
-                <a:cs typeface="Calibri"/>
-              </a:rPr>
-              <a:t> </a:t>
-            </a:r>
-            <a:r>
-              <a:rPr lang="de-DE" dirty="0" err="1">
-                <a:cs typeface="Calibri"/>
-              </a:rPr>
-              <a:t>of</a:t>
-            </a:r>
-            <a:r>
-              <a:rPr lang="de-DE" dirty="0">
-                <a:cs typeface="Calibri"/>
-              </a:rPr>
-              <a:t> </a:t>
-            </a:r>
-            <a:r>
-              <a:rPr lang="de-DE" dirty="0" err="1">
-                <a:cs typeface="Calibri"/>
-              </a:rPr>
-              <a:t>single</a:t>
-            </a:r>
-            <a:r>
-              <a:rPr lang="de-DE" dirty="0">
-                <a:cs typeface="Calibri"/>
-              </a:rPr>
-              <a:t> </a:t>
-            </a:r>
-            <a:r>
-              <a:rPr lang="de-DE" dirty="0" err="1">
-                <a:cs typeface="Calibri"/>
-              </a:rPr>
-              <a:t>characters</a:t>
-            </a:r>
-            <a:r>
-              <a:rPr lang="de-DE" dirty="0">
-                <a:cs typeface="Calibri"/>
-              </a:rPr>
-              <a:t> (</a:t>
-            </a:r>
-            <a:r>
-              <a:rPr lang="de-DE" dirty="0" err="1">
-                <a:cs typeface="Calibri"/>
-              </a:rPr>
-              <a:t>they</a:t>
-            </a:r>
-            <a:r>
-              <a:rPr lang="de-DE" dirty="0">
-                <a:cs typeface="Calibri"/>
-              </a:rPr>
-              <a:t> </a:t>
-            </a:r>
-            <a:r>
-              <a:rPr lang="de-DE" dirty="0" err="1">
-                <a:cs typeface="Calibri"/>
-              </a:rPr>
-              <a:t>can</a:t>
-            </a:r>
-            <a:r>
-              <a:rPr lang="de-DE" dirty="0">
-                <a:cs typeface="Calibri"/>
-              </a:rPr>
-              <a:t> also </a:t>
-            </a:r>
-            <a:r>
-              <a:rPr lang="de-DE" dirty="0" err="1">
-                <a:cs typeface="Calibri"/>
-              </a:rPr>
-              <a:t>be</a:t>
-            </a:r>
-            <a:r>
-              <a:rPr lang="de-DE" dirty="0">
-                <a:cs typeface="Calibri"/>
-              </a:rPr>
-              <a:t> </a:t>
-            </a:r>
-            <a:r>
-              <a:rPr lang="de-DE" dirty="0" err="1">
-                <a:cs typeface="Calibri"/>
-              </a:rPr>
-              <a:t>empty</a:t>
-            </a:r>
-            <a:r>
-              <a:rPr lang="de-DE" dirty="0">
-                <a:solidFill>
-                  <a:srgbClr val="404040"/>
-                </a:solidFill>
-                <a:cs typeface="Calibri"/>
-              </a:rPr>
-              <a:t>!)</a:t>
-            </a:r>
-          </a:p>
-          <a:p>
-            <a:pPr marL="383540" lvl="1"/>
-            <a:r>
-              <a:rPr lang="de-DE" dirty="0" err="1">
-                <a:cs typeface="Calibri"/>
-              </a:rPr>
-              <a:t>Examples</a:t>
-            </a:r>
-            <a:r>
-              <a:rPr lang="de-DE" dirty="0">
-                <a:cs typeface="Calibri"/>
-              </a:rPr>
-              <a:t>: "Hello World", "</a:t>
-            </a:r>
-            <a:r>
-              <a:rPr lang="de-DE" dirty="0" err="1">
-                <a:cs typeface="Calibri"/>
-              </a:rPr>
-              <a:t>arrr</a:t>
-            </a:r>
-            <a:r>
-              <a:rPr lang="de-DE" dirty="0">
-                <a:cs typeface="Calibri"/>
-              </a:rPr>
-              <a:t>!", "347893helloworld", "x", ""</a:t>
-            </a:r>
-          </a:p>
-          <a:p>
-            <a:pPr marL="0" indent="0">
-              <a:buNone/>
-            </a:pPr>
-            <a:endParaRPr lang="de-DE" dirty="0">
-              <a:cs typeface="Calibri"/>
-            </a:endParaRPr>
-          </a:p>
-        </p:txBody>
-      </p:sp>
-      <p:sp>
-        <p:nvSpPr>
-          <p:cNvPr id="4" name="Foliennummernplatzhalter 3">
-            <a:extLst>
-              <a:ext uri="{FF2B5EF4-FFF2-40B4-BE49-F238E27FC236}">
-                <a16:creationId xmlns:a16="http://schemas.microsoft.com/office/drawing/2014/main" id="{40AF29B7-F2AB-4A5E-A585-80CFDAAC8759}"/>
-              </a:ext>
-            </a:extLst>
-          </p:cNvPr>
-          <p:cNvSpPr>
-            <a:spLocks noGrp="1"/>
-          </p:cNvSpPr>
-          <p:nvPr>
-            <p:ph type="sldNum" sz="quarter" idx="12"/>
-          </p:nvPr>
-        </p:nvSpPr>
-        <p:spPr/>
-        <p:txBody>
-          <a:bodyPr/>
-          <a:lstStyle/>
-          <a:p>
-            <a:fld id="{89C4E583-6443-4199-AF95-A2ECCC288D48}" type="slidenum">
-              <a:rPr lang="en-GB" smtClean="0"/>
-              <a:t>9</a:t>
-            </a:fld>
-            <a:endParaRPr lang="en-GB"/>
-          </a:p>
-        </p:txBody>
-      </p:sp>
-    </p:spTree>
-    <p:extLst>
-      <p:ext uri="{BB962C8B-B14F-4D97-AF65-F5344CB8AC3E}">
-        <p14:creationId xmlns:p14="http://schemas.microsoft.com/office/powerpoint/2010/main" val="2874044789"/>
       </p:ext>
     </p:extLst>
   </p:cSld>

--- a/2018/02/Syntax_and_variables.pptx
+++ b/2018/02/Syntax_and_variables.pptx
@@ -2,10 +2,10 @@
 <file path=ppt/presentation.xml><?xml version="1.0" encoding="utf-8"?>
 <p:presentation xmlns:a="http://schemas.openxmlformats.org/drawingml/2006/main" xmlns:r="http://schemas.openxmlformats.org/officeDocument/2006/relationships" xmlns:p="http://schemas.openxmlformats.org/presentationml/2006/main" showSpecialPlsOnTitleSld="0" saveSubsetFonts="1">
   <p:sldMasterIdLst>
-    <p:sldMasterId id="2147483672" r:id="rId1"/>
+    <p:sldMasterId id="2147483684" r:id="rId1"/>
   </p:sldMasterIdLst>
   <p:notesMasterIdLst>
-    <p:notesMasterId r:id="rId42"/>
+    <p:notesMasterId r:id="rId41"/>
   </p:notesMasterIdLst>
   <p:sldIdLst>
     <p:sldId id="256" r:id="rId2"/>
@@ -28,26 +28,25 @@
     <p:sldId id="269" r:id="rId19"/>
     <p:sldId id="270" r:id="rId20"/>
     <p:sldId id="273" r:id="rId21"/>
-    <p:sldId id="294" r:id="rId22"/>
-    <p:sldId id="271" r:id="rId23"/>
-    <p:sldId id="274" r:id="rId24"/>
-    <p:sldId id="277" r:id="rId25"/>
-    <p:sldId id="275" r:id="rId26"/>
-    <p:sldId id="276" r:id="rId27"/>
-    <p:sldId id="278" r:id="rId28"/>
-    <p:sldId id="279" r:id="rId29"/>
-    <p:sldId id="280" r:id="rId30"/>
-    <p:sldId id="296" r:id="rId31"/>
-    <p:sldId id="295" r:id="rId32"/>
-    <p:sldId id="297" r:id="rId33"/>
-    <p:sldId id="298" r:id="rId34"/>
-    <p:sldId id="299" r:id="rId35"/>
-    <p:sldId id="300" r:id="rId36"/>
-    <p:sldId id="283" r:id="rId37"/>
-    <p:sldId id="284" r:id="rId38"/>
-    <p:sldId id="285" r:id="rId39"/>
-    <p:sldId id="286" r:id="rId40"/>
-    <p:sldId id="282" r:id="rId41"/>
+    <p:sldId id="301" r:id="rId22"/>
+    <p:sldId id="274" r:id="rId23"/>
+    <p:sldId id="277" r:id="rId24"/>
+    <p:sldId id="275" r:id="rId25"/>
+    <p:sldId id="276" r:id="rId26"/>
+    <p:sldId id="278" r:id="rId27"/>
+    <p:sldId id="279" r:id="rId28"/>
+    <p:sldId id="280" r:id="rId29"/>
+    <p:sldId id="296" r:id="rId30"/>
+    <p:sldId id="295" r:id="rId31"/>
+    <p:sldId id="297" r:id="rId32"/>
+    <p:sldId id="298" r:id="rId33"/>
+    <p:sldId id="299" r:id="rId34"/>
+    <p:sldId id="300" r:id="rId35"/>
+    <p:sldId id="283" r:id="rId36"/>
+    <p:sldId id="284" r:id="rId37"/>
+    <p:sldId id="285" r:id="rId38"/>
+    <p:sldId id="286" r:id="rId39"/>
+    <p:sldId id="282" r:id="rId40"/>
   </p:sldIdLst>
   <p:sldSz cx="12192000" cy="6858000"/>
   <p:notesSz cx="6858000" cy="9144000"/>
@@ -157,6 +156,724 @@
 </p:presentation>
 </file>
 
+<file path=ppt/commentAuthors.xml><?xml version="1.0" encoding="utf-8"?>
+<p:cmAuthorLst xmlns:a="http://schemas.openxmlformats.org/drawingml/2006/main" xmlns:r="http://schemas.openxmlformats.org/officeDocument/2006/relationships" xmlns:p="http://schemas.openxmlformats.org/presentationml/2006/main">
+  <p:cmAuthor id="1" name="Moritz Nipshagen" initials="" lastIdx="0" clrIdx="0"/>
+</p:cmAuthorLst>
+</file>
+
+<file path=ppt/changesInfos/changesInfo1.xml><?xml version="1.0" encoding="utf-8"?>
+<pc:chgInfo xmlns:a="http://schemas.openxmlformats.org/drawingml/2006/main" xmlns:r="http://schemas.openxmlformats.org/officeDocument/2006/relationships" xmlns:ac="http://schemas.microsoft.com/office/drawing/2013/main/command" xmlns:pc="http://schemas.microsoft.com/office/powerpoint/2013/main/command">
+  <pc:docChgLst>
+    <pc:chgData name="Moritz Nipshagen" userId="ee3b3bbc25b4cb6d" providerId="LiveId" clId="{99A59FDD-0DE9-48FE-821E-72713D0F0B9A}"/>
+    <pc:docChg chg="addSld delSld modSld sldOrd">
+      <pc:chgData name="Moritz Nipshagen" userId="ee3b3bbc25b4cb6d" providerId="LiveId" clId="{99A59FDD-0DE9-48FE-821E-72713D0F0B9A}" dt="2018-04-04T09:09:01.017" v="16"/>
+      <pc:docMkLst>
+        <pc:docMk/>
+      </pc:docMkLst>
+      <pc:sldChg chg="ord">
+        <pc:chgData name="Moritz Nipshagen" userId="ee3b3bbc25b4cb6d" providerId="LiveId" clId="{99A59FDD-0DE9-48FE-821E-72713D0F0B9A}" dt="2018-04-04T09:07:53.814" v="7"/>
+        <pc:sldMkLst>
+          <pc:docMk/>
+          <pc:sldMk cId="198626347" sldId="282"/>
+        </pc:sldMkLst>
+      </pc:sldChg>
+      <pc:sldChg chg="ord">
+        <pc:chgData name="Moritz Nipshagen" userId="ee3b3bbc25b4cb6d" providerId="LiveId" clId="{99A59FDD-0DE9-48FE-821E-72713D0F0B9A}" dt="2018-04-04T09:07:50.555" v="6"/>
+        <pc:sldMkLst>
+          <pc:docMk/>
+          <pc:sldMk cId="785293548" sldId="286"/>
+        </pc:sldMkLst>
+      </pc:sldChg>
+      <pc:sldChg chg="add">
+        <pc:chgData name="Moritz Nipshagen" userId="ee3b3bbc25b4cb6d" providerId="LiveId" clId="{99A59FDD-0DE9-48FE-821E-72713D0F0B9A}" dt="2018-04-04T09:07:07.253" v="0"/>
+        <pc:sldMkLst>
+          <pc:docMk/>
+          <pc:sldMk cId="3288798530" sldId="289"/>
+        </pc:sldMkLst>
+      </pc:sldChg>
+      <pc:sldChg chg="add">
+        <pc:chgData name="Moritz Nipshagen" userId="ee3b3bbc25b4cb6d" providerId="LiveId" clId="{99A59FDD-0DE9-48FE-821E-72713D0F0B9A}" dt="2018-04-04T09:07:07.253" v="0"/>
+        <pc:sldMkLst>
+          <pc:docMk/>
+          <pc:sldMk cId="4029556289" sldId="290"/>
+        </pc:sldMkLst>
+      </pc:sldChg>
+      <pc:sldChg chg="add">
+        <pc:chgData name="Moritz Nipshagen" userId="ee3b3bbc25b4cb6d" providerId="LiveId" clId="{99A59FDD-0DE9-48FE-821E-72713D0F0B9A}" dt="2018-04-04T09:07:07.253" v="0"/>
+        <pc:sldMkLst>
+          <pc:docMk/>
+          <pc:sldMk cId="1496622272" sldId="291"/>
+        </pc:sldMkLst>
+      </pc:sldChg>
+      <pc:sldChg chg="add">
+        <pc:chgData name="Moritz Nipshagen" userId="ee3b3bbc25b4cb6d" providerId="LiveId" clId="{99A59FDD-0DE9-48FE-821E-72713D0F0B9A}" dt="2018-04-04T09:07:07.253" v="0"/>
+        <pc:sldMkLst>
+          <pc:docMk/>
+          <pc:sldMk cId="159765170" sldId="292"/>
+        </pc:sldMkLst>
+      </pc:sldChg>
+      <pc:sldChg chg="add">
+        <pc:chgData name="Moritz Nipshagen" userId="ee3b3bbc25b4cb6d" providerId="LiveId" clId="{99A59FDD-0DE9-48FE-821E-72713D0F0B9A}" dt="2018-04-04T09:07:07.253" v="0"/>
+        <pc:sldMkLst>
+          <pc:docMk/>
+          <pc:sldMk cId="1214841034" sldId="293"/>
+        </pc:sldMkLst>
+      </pc:sldChg>
+      <pc:sldChg chg="add">
+        <pc:chgData name="Moritz Nipshagen" userId="ee3b3bbc25b4cb6d" providerId="LiveId" clId="{99A59FDD-0DE9-48FE-821E-72713D0F0B9A}" dt="2018-04-04T09:07:43.051" v="5"/>
+        <pc:sldMkLst>
+          <pc:docMk/>
+          <pc:sldMk cId="2135524713" sldId="295"/>
+        </pc:sldMkLst>
+      </pc:sldChg>
+      <pc:sldChg chg="add">
+        <pc:chgData name="Moritz Nipshagen" userId="ee3b3bbc25b4cb6d" providerId="LiveId" clId="{99A59FDD-0DE9-48FE-821E-72713D0F0B9A}" dt="2018-04-04T09:07:43.051" v="5"/>
+        <pc:sldMkLst>
+          <pc:docMk/>
+          <pc:sldMk cId="834229125" sldId="296"/>
+        </pc:sldMkLst>
+      </pc:sldChg>
+      <pc:sldChg chg="add">
+        <pc:chgData name="Moritz Nipshagen" userId="ee3b3bbc25b4cb6d" providerId="LiveId" clId="{99A59FDD-0DE9-48FE-821E-72713D0F0B9A}" dt="2018-04-04T09:07:43.051" v="5"/>
+        <pc:sldMkLst>
+          <pc:docMk/>
+          <pc:sldMk cId="447460072" sldId="297"/>
+        </pc:sldMkLst>
+      </pc:sldChg>
+      <pc:sldChg chg="add">
+        <pc:chgData name="Moritz Nipshagen" userId="ee3b3bbc25b4cb6d" providerId="LiveId" clId="{99A59FDD-0DE9-48FE-821E-72713D0F0B9A}" dt="2018-04-04T09:07:43.051" v="5"/>
+        <pc:sldMkLst>
+          <pc:docMk/>
+          <pc:sldMk cId="2750217906" sldId="298"/>
+        </pc:sldMkLst>
+      </pc:sldChg>
+      <pc:sldChg chg="add">
+        <pc:chgData name="Moritz Nipshagen" userId="ee3b3bbc25b4cb6d" providerId="LiveId" clId="{99A59FDD-0DE9-48FE-821E-72713D0F0B9A}" dt="2018-04-04T09:07:43.051" v="5"/>
+        <pc:sldMkLst>
+          <pc:docMk/>
+          <pc:sldMk cId="1896263324" sldId="299"/>
+        </pc:sldMkLst>
+      </pc:sldChg>
+      <pc:sldChg chg="add">
+        <pc:chgData name="Moritz Nipshagen" userId="ee3b3bbc25b4cb6d" providerId="LiveId" clId="{99A59FDD-0DE9-48FE-821E-72713D0F0B9A}" dt="2018-04-04T09:07:43.051" v="5"/>
+        <pc:sldMkLst>
+          <pc:docMk/>
+          <pc:sldMk cId="2715353484" sldId="300"/>
+        </pc:sldMkLst>
+      </pc:sldChg>
+    </pc:docChg>
+  </pc:docChgLst>
+  <pc:docChgLst>
+    <pc:chgData name="Antonia H." userId="da08060cd893cdf4" providerId="Windows Live" clId="Web-{10C933E6-EBA3-49D3-A6B6-4D41CAA5C41F}"/>
+    <pc:docChg chg="modSld">
+      <pc:chgData name="Antonia H." userId="da08060cd893cdf4" providerId="Windows Live" clId="Web-{10C933E6-EBA3-49D3-A6B6-4D41CAA5C41F}" dt="2018-04-05T10:12:02.753" v="18"/>
+      <pc:docMkLst>
+        <pc:docMk/>
+      </pc:docMkLst>
+      <pc:sldChg chg="modSp">
+        <pc:chgData name="Antonia H." userId="da08060cd893cdf4" providerId="Windows Live" clId="Web-{10C933E6-EBA3-49D3-A6B6-4D41CAA5C41F}" dt="2018-04-05T10:11:51.721" v="12"/>
+        <pc:sldMkLst>
+          <pc:docMk/>
+          <pc:sldMk cId="2250377317" sldId="288"/>
+        </pc:sldMkLst>
+        <pc:spChg chg="mod">
+          <ac:chgData name="Antonia H." userId="da08060cd893cdf4" providerId="Windows Live" clId="Web-{10C933E6-EBA3-49D3-A6B6-4D41CAA5C41F}" dt="2018-04-05T10:11:51.721" v="12"/>
+          <ac:spMkLst>
+            <pc:docMk/>
+            <pc:sldMk cId="2250377317" sldId="288"/>
+            <ac:spMk id="6" creationId="{71216121-2D61-438E-90D9-826C503ACE04}"/>
+          </ac:spMkLst>
+        </pc:spChg>
+        <pc:spChg chg="mod">
+          <ac:chgData name="Antonia H." userId="da08060cd893cdf4" providerId="Windows Live" clId="Web-{10C933E6-EBA3-49D3-A6B6-4D41CAA5C41F}" dt="2018-04-05T10:11:44.081" v="4"/>
+          <ac:spMkLst>
+            <pc:docMk/>
+            <pc:sldMk cId="2250377317" sldId="288"/>
+            <ac:spMk id="7" creationId="{2121BED5-8327-4FB0-8BEA-FCAB233B8F97}"/>
+          </ac:spMkLst>
+        </pc:spChg>
+      </pc:sldChg>
+      <pc:sldChg chg="modSp">
+        <pc:chgData name="Antonia H." userId="da08060cd893cdf4" providerId="Windows Live" clId="Web-{10C933E6-EBA3-49D3-A6B6-4D41CAA5C41F}" dt="2018-04-05T10:12:02.753" v="17"/>
+        <pc:sldMkLst>
+          <pc:docMk/>
+          <pc:sldMk cId="3288798530" sldId="289"/>
+        </pc:sldMkLst>
+        <pc:spChg chg="mod">
+          <ac:chgData name="Antonia H." userId="da08060cd893cdf4" providerId="Windows Live" clId="Web-{10C933E6-EBA3-49D3-A6B6-4D41CAA5C41F}" dt="2018-04-05T10:12:02.753" v="17"/>
+          <ac:spMkLst>
+            <pc:docMk/>
+            <pc:sldMk cId="3288798530" sldId="289"/>
+            <ac:spMk id="2" creationId="{564F9390-7102-4473-85D0-70203FC44102}"/>
+          </ac:spMkLst>
+        </pc:spChg>
+      </pc:sldChg>
+    </pc:docChg>
+  </pc:docChgLst>
+  <pc:docChgLst>
+    <pc:chgData name="Antonia H." userId="da08060cd893cdf4" providerId="Windows Live" clId="Web-{89F0C7C5-8995-46BF-AF73-6D70FE3E22EE}"/>
+    <pc:docChg chg="modSld">
+      <pc:chgData name="Antonia H." userId="da08060cd893cdf4" providerId="Windows Live" clId="Web-{89F0C7C5-8995-46BF-AF73-6D70FE3E22EE}" dt="2018-03-31T14:17:38.751" v="9"/>
+      <pc:docMkLst>
+        <pc:docMk/>
+      </pc:docMkLst>
+      <pc:sldChg chg="modSp">
+        <pc:chgData name="Antonia H." userId="da08060cd893cdf4" providerId="Windows Live" clId="Web-{89F0C7C5-8995-46BF-AF73-6D70FE3E22EE}" dt="2018-03-31T14:17:38.751" v="8"/>
+        <pc:sldMkLst>
+          <pc:docMk/>
+          <pc:sldMk cId="1309100374" sldId="256"/>
+        </pc:sldMkLst>
+        <pc:spChg chg="mod">
+          <ac:chgData name="Antonia H." userId="da08060cd893cdf4" providerId="Windows Live" clId="Web-{89F0C7C5-8995-46BF-AF73-6D70FE3E22EE}" dt="2018-03-31T14:17:38.751" v="8"/>
+          <ac:spMkLst>
+            <pc:docMk/>
+            <pc:sldMk cId="1309100374" sldId="256"/>
+            <ac:spMk id="2" creationId="{3CB5C473-D4E8-4488-9541-8AB9EE7E608C}"/>
+          </ac:spMkLst>
+        </pc:spChg>
+      </pc:sldChg>
+    </pc:docChg>
+  </pc:docChgLst>
+  <pc:docChgLst>
+    <pc:chgData name="Antonia H." userId="da08060cd893cdf4" providerId="Windows Live" clId="Web-{886C3CAD-4805-4EA5-A2AB-EF7E283CD750}"/>
+    <pc:docChg chg="modSld">
+      <pc:chgData name="Antonia H." userId="da08060cd893cdf4" providerId="Windows Live" clId="Web-{886C3CAD-4805-4EA5-A2AB-EF7E283CD750}" dt="2018-04-05T11:14:34.565" v="104"/>
+      <pc:docMkLst>
+        <pc:docMk/>
+      </pc:docMkLst>
+      <pc:sldChg chg="modSp">
+        <pc:chgData name="Antonia H." userId="da08060cd893cdf4" providerId="Windows Live" clId="Web-{886C3CAD-4805-4EA5-A2AB-EF7E283CD750}" dt="2018-04-05T11:11:47.391" v="39"/>
+        <pc:sldMkLst>
+          <pc:docMk/>
+          <pc:sldMk cId="3525982858" sldId="259"/>
+        </pc:sldMkLst>
+        <pc:spChg chg="mod">
+          <ac:chgData name="Antonia H." userId="da08060cd893cdf4" providerId="Windows Live" clId="Web-{886C3CAD-4805-4EA5-A2AB-EF7E283CD750}" dt="2018-04-05T11:11:47.391" v="39"/>
+          <ac:spMkLst>
+            <pc:docMk/>
+            <pc:sldMk cId="3525982858" sldId="259"/>
+            <ac:spMk id="2" creationId="{F2656028-3B28-44E6-8385-CE390AFDB093}"/>
+          </ac:spMkLst>
+        </pc:spChg>
+      </pc:sldChg>
+      <pc:sldChg chg="modSp">
+        <pc:chgData name="Antonia H." userId="da08060cd893cdf4" providerId="Windows Live" clId="Web-{886C3CAD-4805-4EA5-A2AB-EF7E283CD750}" dt="2018-04-05T11:11:56.594" v="45"/>
+        <pc:sldMkLst>
+          <pc:docMk/>
+          <pc:sldMk cId="1156042204" sldId="261"/>
+        </pc:sldMkLst>
+        <pc:spChg chg="mod">
+          <ac:chgData name="Antonia H." userId="da08060cd893cdf4" providerId="Windows Live" clId="Web-{886C3CAD-4805-4EA5-A2AB-EF7E283CD750}" dt="2018-04-05T11:11:56.594" v="45"/>
+          <ac:spMkLst>
+            <pc:docMk/>
+            <pc:sldMk cId="1156042204" sldId="261"/>
+            <ac:spMk id="2" creationId="{F2656028-3B28-44E6-8385-CE390AFDB093}"/>
+          </ac:spMkLst>
+        </pc:spChg>
+      </pc:sldChg>
+      <pc:sldChg chg="modSp">
+        <pc:chgData name="Antonia H." userId="da08060cd893cdf4" providerId="Windows Live" clId="Web-{886C3CAD-4805-4EA5-A2AB-EF7E283CD750}" dt="2018-04-05T11:12:11.219" v="60"/>
+        <pc:sldMkLst>
+          <pc:docMk/>
+          <pc:sldMk cId="2543240180" sldId="264"/>
+        </pc:sldMkLst>
+        <pc:spChg chg="mod">
+          <ac:chgData name="Antonia H." userId="da08060cd893cdf4" providerId="Windows Live" clId="Web-{886C3CAD-4805-4EA5-A2AB-EF7E283CD750}" dt="2018-04-05T11:12:11.219" v="60"/>
+          <ac:spMkLst>
+            <pc:docMk/>
+            <pc:sldMk cId="2543240180" sldId="264"/>
+            <ac:spMk id="2" creationId="{F2656028-3B28-44E6-8385-CE390AFDB093}"/>
+          </ac:spMkLst>
+        </pc:spChg>
+      </pc:sldChg>
+      <pc:sldChg chg="modSp">
+        <pc:chgData name="Antonia H." userId="da08060cd893cdf4" providerId="Windows Live" clId="Web-{886C3CAD-4805-4EA5-A2AB-EF7E283CD750}" dt="2018-04-05T11:12:17.642" v="62"/>
+        <pc:sldMkLst>
+          <pc:docMk/>
+          <pc:sldMk cId="518916278" sldId="266"/>
+        </pc:sldMkLst>
+        <pc:spChg chg="mod">
+          <ac:chgData name="Antonia H." userId="da08060cd893cdf4" providerId="Windows Live" clId="Web-{886C3CAD-4805-4EA5-A2AB-EF7E283CD750}" dt="2018-04-05T11:12:17.642" v="62"/>
+          <ac:spMkLst>
+            <pc:docMk/>
+            <pc:sldMk cId="518916278" sldId="266"/>
+            <ac:spMk id="2" creationId="{824CCC26-B5F4-445B-9894-044ABDE86E58}"/>
+          </ac:spMkLst>
+        </pc:spChg>
+      </pc:sldChg>
+      <pc:sldChg chg="modSp">
+        <pc:chgData name="Antonia H." userId="da08060cd893cdf4" providerId="Windows Live" clId="Web-{886C3CAD-4805-4EA5-A2AB-EF7E283CD750}" dt="2018-04-05T11:12:25.330" v="65"/>
+        <pc:sldMkLst>
+          <pc:docMk/>
+          <pc:sldMk cId="2874044789" sldId="267"/>
+        </pc:sldMkLst>
+        <pc:spChg chg="mod">
+          <ac:chgData name="Antonia H." userId="da08060cd893cdf4" providerId="Windows Live" clId="Web-{886C3CAD-4805-4EA5-A2AB-EF7E283CD750}" dt="2018-04-05T11:12:25.330" v="65"/>
+          <ac:spMkLst>
+            <pc:docMk/>
+            <pc:sldMk cId="2874044789" sldId="267"/>
+            <ac:spMk id="2" creationId="{824CCC26-B5F4-445B-9894-044ABDE86E58}"/>
+          </ac:spMkLst>
+        </pc:spChg>
+      </pc:sldChg>
+      <pc:sldChg chg="modSp">
+        <pc:chgData name="Antonia H." userId="da08060cd893cdf4" providerId="Windows Live" clId="Web-{886C3CAD-4805-4EA5-A2AB-EF7E283CD750}" dt="2018-04-05T11:12:30.892" v="70"/>
+        <pc:sldMkLst>
+          <pc:docMk/>
+          <pc:sldMk cId="3216760496" sldId="268"/>
+        </pc:sldMkLst>
+        <pc:spChg chg="mod">
+          <ac:chgData name="Antonia H." userId="da08060cd893cdf4" providerId="Windows Live" clId="Web-{886C3CAD-4805-4EA5-A2AB-EF7E283CD750}" dt="2018-04-05T11:12:30.892" v="70"/>
+          <ac:spMkLst>
+            <pc:docMk/>
+            <pc:sldMk cId="3216760496" sldId="268"/>
+            <ac:spMk id="2" creationId="{824CCC26-B5F4-445B-9894-044ABDE86E58}"/>
+          </ac:spMkLst>
+        </pc:spChg>
+      </pc:sldChg>
+      <pc:sldChg chg="modSp">
+        <pc:chgData name="Antonia H." userId="da08060cd893cdf4" providerId="Windows Live" clId="Web-{886C3CAD-4805-4EA5-A2AB-EF7E283CD750}" dt="2018-04-05T11:12:41.033" v="77"/>
+        <pc:sldMkLst>
+          <pc:docMk/>
+          <pc:sldMk cId="801107610" sldId="269"/>
+        </pc:sldMkLst>
+        <pc:spChg chg="mod">
+          <ac:chgData name="Antonia H." userId="da08060cd893cdf4" providerId="Windows Live" clId="Web-{886C3CAD-4805-4EA5-A2AB-EF7E283CD750}" dt="2018-04-05T11:12:41.033" v="77"/>
+          <ac:spMkLst>
+            <pc:docMk/>
+            <pc:sldMk cId="801107610" sldId="269"/>
+            <ac:spMk id="2" creationId="{824CCC26-B5F4-445B-9894-044ABDE86E58}"/>
+          </ac:spMkLst>
+        </pc:spChg>
+      </pc:sldChg>
+      <pc:sldChg chg="modSp">
+        <pc:chgData name="Antonia H." userId="da08060cd893cdf4" providerId="Windows Live" clId="Web-{886C3CAD-4805-4EA5-A2AB-EF7E283CD750}" dt="2018-04-05T11:12:56.768" v="81"/>
+        <pc:sldMkLst>
+          <pc:docMk/>
+          <pc:sldMk cId="961012304" sldId="273"/>
+        </pc:sldMkLst>
+        <pc:spChg chg="mod">
+          <ac:chgData name="Antonia H." userId="da08060cd893cdf4" providerId="Windows Live" clId="Web-{886C3CAD-4805-4EA5-A2AB-EF7E283CD750}" dt="2018-04-05T11:12:56.768" v="81"/>
+          <ac:spMkLst>
+            <pc:docMk/>
+            <pc:sldMk cId="961012304" sldId="273"/>
+            <ac:spMk id="2" creationId="{539BE8DF-2D08-4FD5-B662-42CBC1F970C6}"/>
+          </ac:spMkLst>
+        </pc:spChg>
+      </pc:sldChg>
+      <pc:sldChg chg="modSp">
+        <pc:chgData name="Antonia H." userId="da08060cd893cdf4" providerId="Windows Live" clId="Web-{886C3CAD-4805-4EA5-A2AB-EF7E283CD750}" dt="2018-04-05T11:13:32.721" v="90"/>
+        <pc:sldMkLst>
+          <pc:docMk/>
+          <pc:sldMk cId="2226446265" sldId="274"/>
+        </pc:sldMkLst>
+        <pc:spChg chg="mod">
+          <ac:chgData name="Antonia H." userId="da08060cd893cdf4" providerId="Windows Live" clId="Web-{886C3CAD-4805-4EA5-A2AB-EF7E283CD750}" dt="2018-04-05T11:13:32.721" v="90"/>
+          <ac:spMkLst>
+            <pc:docMk/>
+            <pc:sldMk cId="2226446265" sldId="274"/>
+            <ac:spMk id="2" creationId="{901A22B9-8C57-4D71-92B2-AF05D5556F61}"/>
+          </ac:spMkLst>
+        </pc:spChg>
+      </pc:sldChg>
+      <pc:sldChg chg="modSp">
+        <pc:chgData name="Antonia H." userId="da08060cd893cdf4" providerId="Windows Live" clId="Web-{886C3CAD-4805-4EA5-A2AB-EF7E283CD750}" dt="2018-04-05T11:13:43.205" v="97"/>
+        <pc:sldMkLst>
+          <pc:docMk/>
+          <pc:sldMk cId="2926010222" sldId="277"/>
+        </pc:sldMkLst>
+        <pc:spChg chg="mod">
+          <ac:chgData name="Antonia H." userId="da08060cd893cdf4" providerId="Windows Live" clId="Web-{886C3CAD-4805-4EA5-A2AB-EF7E283CD750}" dt="2018-04-05T11:13:43.205" v="97"/>
+          <ac:spMkLst>
+            <pc:docMk/>
+            <pc:sldMk cId="2926010222" sldId="277"/>
+            <ac:spMk id="2" creationId="{BB56604E-D781-4470-87F3-8AD0046022AA}"/>
+          </ac:spMkLst>
+        </pc:spChg>
+      </pc:sldChg>
+      <pc:sldChg chg="modSp">
+        <pc:chgData name="Antonia H." userId="da08060cd893cdf4" providerId="Windows Live" clId="Web-{886C3CAD-4805-4EA5-A2AB-EF7E283CD750}" dt="2018-04-05T11:09:50.906" v="17"/>
+        <pc:sldMkLst>
+          <pc:docMk/>
+          <pc:sldMk cId="3288798530" sldId="289"/>
+        </pc:sldMkLst>
+        <pc:spChg chg="mod">
+          <ac:chgData name="Antonia H." userId="da08060cd893cdf4" providerId="Windows Live" clId="Web-{886C3CAD-4805-4EA5-A2AB-EF7E283CD750}" dt="2018-04-05T11:09:50.906" v="17"/>
+          <ac:spMkLst>
+            <pc:docMk/>
+            <pc:sldMk cId="3288798530" sldId="289"/>
+            <ac:spMk id="2" creationId="{564F9390-7102-4473-85D0-70203FC44102}"/>
+          </ac:spMkLst>
+        </pc:spChg>
+      </pc:sldChg>
+      <pc:sldChg chg="modSp">
+        <pc:chgData name="Antonia H." userId="da08060cd893cdf4" providerId="Windows Live" clId="Web-{886C3CAD-4805-4EA5-A2AB-EF7E283CD750}" dt="2018-04-05T11:09:47.828" v="13"/>
+        <pc:sldMkLst>
+          <pc:docMk/>
+          <pc:sldMk cId="4029556289" sldId="290"/>
+        </pc:sldMkLst>
+        <pc:spChg chg="mod">
+          <ac:chgData name="Antonia H." userId="da08060cd893cdf4" providerId="Windows Live" clId="Web-{886C3CAD-4805-4EA5-A2AB-EF7E283CD750}" dt="2018-04-05T11:09:47.828" v="13"/>
+          <ac:spMkLst>
+            <pc:docMk/>
+            <pc:sldMk cId="4029556289" sldId="290"/>
+            <ac:spMk id="2" creationId="{A634D57E-87D5-4989-A646-D3455444A957}"/>
+          </ac:spMkLst>
+        </pc:spChg>
+      </pc:sldChg>
+      <pc:sldChg chg="modSp">
+        <pc:chgData name="Antonia H." userId="da08060cd893cdf4" providerId="Windows Live" clId="Web-{886C3CAD-4805-4EA5-A2AB-EF7E283CD750}" dt="2018-04-05T11:09:38.172" v="8"/>
+        <pc:sldMkLst>
+          <pc:docMk/>
+          <pc:sldMk cId="1496622272" sldId="291"/>
+        </pc:sldMkLst>
+        <pc:spChg chg="mod">
+          <ac:chgData name="Antonia H." userId="da08060cd893cdf4" providerId="Windows Live" clId="Web-{886C3CAD-4805-4EA5-A2AB-EF7E283CD750}" dt="2018-04-05T11:09:38.172" v="8"/>
+          <ac:spMkLst>
+            <pc:docMk/>
+            <pc:sldMk cId="1496622272" sldId="291"/>
+            <ac:spMk id="2" creationId="{9BDCB081-DD7B-43AF-9ACC-1838DFC473B8}"/>
+          </ac:spMkLst>
+        </pc:spChg>
+        <pc:spChg chg="mod">
+          <ac:chgData name="Antonia H." userId="da08060cd893cdf4" providerId="Windows Live" clId="Web-{886C3CAD-4805-4EA5-A2AB-EF7E283CD750}" dt="2018-04-05T11:09:34.594" v="4"/>
+          <ac:spMkLst>
+            <pc:docMk/>
+            <pc:sldMk cId="1496622272" sldId="291"/>
+            <ac:spMk id="3" creationId="{2BE64FCB-96E2-4EAF-8396-77959F34B205}"/>
+          </ac:spMkLst>
+        </pc:spChg>
+      </pc:sldChg>
+      <pc:sldChg chg="modSp">
+        <pc:chgData name="Antonia H." userId="da08060cd893cdf4" providerId="Windows Live" clId="Web-{886C3CAD-4805-4EA5-A2AB-EF7E283CD750}" dt="2018-04-05T11:10:03.625" v="26"/>
+        <pc:sldMkLst>
+          <pc:docMk/>
+          <pc:sldMk cId="1214841034" sldId="293"/>
+        </pc:sldMkLst>
+        <pc:spChg chg="mod">
+          <ac:chgData name="Antonia H." userId="da08060cd893cdf4" providerId="Windows Live" clId="Web-{886C3CAD-4805-4EA5-A2AB-EF7E283CD750}" dt="2018-04-05T11:10:03.625" v="26"/>
+          <ac:spMkLst>
+            <pc:docMk/>
+            <pc:sldMk cId="1214841034" sldId="293"/>
+            <ac:spMk id="4" creationId="{A17190DD-30EB-4706-A45A-965ED5A44E6B}"/>
+          </ac:spMkLst>
+        </pc:spChg>
+      </pc:sldChg>
+      <pc:sldChg chg="modSp">
+        <pc:chgData name="Antonia H." userId="da08060cd893cdf4" providerId="Windows Live" clId="Web-{886C3CAD-4805-4EA5-A2AB-EF7E283CD750}" dt="2018-04-05T11:14:33.096" v="102"/>
+        <pc:sldMkLst>
+          <pc:docMk/>
+          <pc:sldMk cId="1896263324" sldId="299"/>
+        </pc:sldMkLst>
+        <pc:spChg chg="mod">
+          <ac:chgData name="Antonia H." userId="da08060cd893cdf4" providerId="Windows Live" clId="Web-{886C3CAD-4805-4EA5-A2AB-EF7E283CD750}" dt="2018-04-05T11:14:33.096" v="102"/>
+          <ac:spMkLst>
+            <pc:docMk/>
+            <pc:sldMk cId="1896263324" sldId="299"/>
+            <ac:spMk id="2" creationId="{2978FB11-1F8B-46A4-9FCB-C03986744928}"/>
+          </ac:spMkLst>
+        </pc:spChg>
+      </pc:sldChg>
+      <pc:sldChg chg="modSp">
+        <pc:chgData name="Antonia H." userId="da08060cd893cdf4" providerId="Windows Live" clId="Web-{886C3CAD-4805-4EA5-A2AB-EF7E283CD750}" dt="2018-04-05T11:13:06.549" v="86"/>
+        <pc:sldMkLst>
+          <pc:docMk/>
+          <pc:sldMk cId="525158212" sldId="301"/>
+        </pc:sldMkLst>
+        <pc:spChg chg="mod">
+          <ac:chgData name="Antonia H." userId="da08060cd893cdf4" providerId="Windows Live" clId="Web-{886C3CAD-4805-4EA5-A2AB-EF7E283CD750}" dt="2018-04-05T11:13:06.549" v="86"/>
+          <ac:spMkLst>
+            <pc:docMk/>
+            <pc:sldMk cId="525158212" sldId="301"/>
+            <ac:spMk id="2" creationId="{539BE8DF-2D08-4FD5-B662-42CBC1F970C6}"/>
+          </ac:spMkLst>
+        </pc:spChg>
+      </pc:sldChg>
+    </pc:docChg>
+  </pc:docChgLst>
+  <pc:docChgLst>
+    <pc:chgData name="Moritz Nipshagen" userId="ee3b3bbc25b4cb6d" providerId="LiveId" clId="{41D7D312-2516-4D44-970F-81851DF981C8}"/>
+    <pc:docChg chg="addSld delSld modSld modMainMaster">
+      <pc:chgData name="Moritz Nipshagen" userId="ee3b3bbc25b4cb6d" providerId="LiveId" clId="{41D7D312-2516-4D44-970F-81851DF981C8}" dt="2018-04-04T19:24:05.756" v="7"/>
+      <pc:docMkLst>
+        <pc:docMk/>
+      </pc:docMkLst>
+      <pc:sldChg chg="del">
+        <pc:chgData name="Moritz Nipshagen" userId="ee3b3bbc25b4cb6d" providerId="LiveId" clId="{41D7D312-2516-4D44-970F-81851DF981C8}" dt="2018-04-04T15:31:37.246" v="3" actId="2696"/>
+        <pc:sldMkLst>
+          <pc:docMk/>
+          <pc:sldMk cId="1761527965" sldId="271"/>
+        </pc:sldMkLst>
+      </pc:sldChg>
+      <pc:sldChg chg="del">
+        <pc:chgData name="Moritz Nipshagen" userId="ee3b3bbc25b4cb6d" providerId="LiveId" clId="{41D7D312-2516-4D44-970F-81851DF981C8}" dt="2018-04-04T15:31:31.954" v="2" actId="2696"/>
+        <pc:sldMkLst>
+          <pc:docMk/>
+          <pc:sldMk cId="1562201280" sldId="272"/>
+        </pc:sldMkLst>
+      </pc:sldChg>
+      <pc:sldChg chg="modSp">
+        <pc:chgData name="Moritz Nipshagen" userId="ee3b3bbc25b4cb6d" providerId="LiveId" clId="{41D7D312-2516-4D44-970F-81851DF981C8}" dt="2018-04-04T15:32:45.305" v="6"/>
+        <pc:sldMkLst>
+          <pc:docMk/>
+          <pc:sldMk cId="198626347" sldId="282"/>
+        </pc:sldMkLst>
+        <pc:spChg chg="mod">
+          <ac:chgData name="Moritz Nipshagen" userId="ee3b3bbc25b4cb6d" providerId="LiveId" clId="{41D7D312-2516-4D44-970F-81851DF981C8}" dt="2018-04-04T15:32:45.305" v="6"/>
+          <ac:spMkLst>
+            <pc:docMk/>
+            <pc:sldMk cId="198626347" sldId="282"/>
+            <ac:spMk id="5" creationId="{86C1040D-5C35-45DE-B9C4-5B62421BFF2C}"/>
+          </ac:spMkLst>
+        </pc:spChg>
+        <pc:spChg chg="mod">
+          <ac:chgData name="Moritz Nipshagen" userId="ee3b3bbc25b4cb6d" providerId="LiveId" clId="{41D7D312-2516-4D44-970F-81851DF981C8}" dt="2018-04-04T15:32:41.145" v="5"/>
+          <ac:spMkLst>
+            <pc:docMk/>
+            <pc:sldMk cId="198626347" sldId="282"/>
+            <ac:spMk id="10" creationId="{9ECB72FA-DA72-4206-AFBF-7C14EDF12131}"/>
+          </ac:spMkLst>
+        </pc:spChg>
+      </pc:sldChg>
+      <pc:sldChg chg="modSp">
+        <pc:chgData name="Moritz Nipshagen" userId="ee3b3bbc25b4cb6d" providerId="LiveId" clId="{41D7D312-2516-4D44-970F-81851DF981C8}" dt="2018-04-04T15:32:13.832" v="4"/>
+        <pc:sldMkLst>
+          <pc:docMk/>
+          <pc:sldMk cId="361685619" sldId="283"/>
+        </pc:sldMkLst>
+        <pc:spChg chg="mod">
+          <ac:chgData name="Moritz Nipshagen" userId="ee3b3bbc25b4cb6d" providerId="LiveId" clId="{41D7D312-2516-4D44-970F-81851DF981C8}" dt="2018-04-04T15:32:13.832" v="4"/>
+          <ac:spMkLst>
+            <pc:docMk/>
+            <pc:sldMk cId="361685619" sldId="283"/>
+            <ac:spMk id="2" creationId="{4AF93B79-B0D7-4983-99B1-FCF86AA67EA7}"/>
+          </ac:spMkLst>
+        </pc:spChg>
+      </pc:sldChg>
+      <pc:sldChg chg="modSp">
+        <pc:chgData name="Moritz Nipshagen" userId="ee3b3bbc25b4cb6d" providerId="LiveId" clId="{41D7D312-2516-4D44-970F-81851DF981C8}" dt="2018-04-04T15:30:38.776" v="0"/>
+        <pc:sldMkLst>
+          <pc:docMk/>
+          <pc:sldMk cId="2250377317" sldId="288"/>
+        </pc:sldMkLst>
+        <pc:spChg chg="mod">
+          <ac:chgData name="Moritz Nipshagen" userId="ee3b3bbc25b4cb6d" providerId="LiveId" clId="{41D7D312-2516-4D44-970F-81851DF981C8}" dt="2018-04-04T15:30:38.776" v="0"/>
+          <ac:spMkLst>
+            <pc:docMk/>
+            <pc:sldMk cId="2250377317" sldId="288"/>
+            <ac:spMk id="7" creationId="{2121BED5-8327-4FB0-8BEA-FCAB233B8F97}"/>
+          </ac:spMkLst>
+        </pc:spChg>
+      </pc:sldChg>
+      <pc:sldChg chg="add">
+        <pc:chgData name="Moritz Nipshagen" userId="ee3b3bbc25b4cb6d" providerId="LiveId" clId="{41D7D312-2516-4D44-970F-81851DF981C8}" dt="2018-04-04T15:31:30.468" v="1"/>
+        <pc:sldMkLst>
+          <pc:docMk/>
+          <pc:sldMk cId="525158212" sldId="301"/>
+        </pc:sldMkLst>
+      </pc:sldChg>
+      <pc:sldMasterChg chg="addSp modSldLayout">
+        <pc:chgData name="Moritz Nipshagen" userId="ee3b3bbc25b4cb6d" providerId="LiveId" clId="{41D7D312-2516-4D44-970F-81851DF981C8}" dt="2018-04-04T19:24:05.756" v="7"/>
+        <pc:sldMasterMkLst>
+          <pc:docMk/>
+          <pc:sldMasterMk cId="283249128" sldId="2147483684"/>
+        </pc:sldMasterMkLst>
+        <pc:spChg chg="add">
+          <ac:chgData name="Moritz Nipshagen" userId="ee3b3bbc25b4cb6d" providerId="LiveId" clId="{41D7D312-2516-4D44-970F-81851DF981C8}" dt="2018-04-04T19:24:05.756" v="7"/>
+          <ac:spMkLst>
+            <pc:docMk/>
+            <pc:sldMasterMk cId="283249128" sldId="2147483684"/>
+            <ac:spMk id="15" creationId="{FCBBDA65-3F7C-4949-9994-6608FE083720}"/>
+          </ac:spMkLst>
+        </pc:spChg>
+        <pc:spChg chg="add">
+          <ac:chgData name="Moritz Nipshagen" userId="ee3b3bbc25b4cb6d" providerId="LiveId" clId="{41D7D312-2516-4D44-970F-81851DF981C8}" dt="2018-04-04T19:24:05.756" v="7"/>
+          <ac:spMkLst>
+            <pc:docMk/>
+            <pc:sldMasterMk cId="283249128" sldId="2147483684"/>
+            <ac:spMk id="16" creationId="{21CBE2C8-AF8D-4442-9F48-F3EA5B4303C8}"/>
+          </ac:spMkLst>
+        </pc:spChg>
+        <pc:grpChg chg="add">
+          <ac:chgData name="Moritz Nipshagen" userId="ee3b3bbc25b4cb6d" providerId="LiveId" clId="{41D7D312-2516-4D44-970F-81851DF981C8}" dt="2018-04-04T19:24:05.756" v="7"/>
+          <ac:grpSpMkLst>
+            <pc:docMk/>
+            <pc:sldMasterMk cId="283249128" sldId="2147483684"/>
+            <ac:grpSpMk id="17" creationId="{857DC2AB-96CD-4F94-9886-200D53105D83}"/>
+          </ac:grpSpMkLst>
+        </pc:grpChg>
+        <pc:sldLayoutChg chg="addSp">
+          <pc:chgData name="Moritz Nipshagen" userId="ee3b3bbc25b4cb6d" providerId="LiveId" clId="{41D7D312-2516-4D44-970F-81851DF981C8}" dt="2018-04-04T19:24:05.756" v="7"/>
+          <pc:sldLayoutMkLst>
+            <pc:docMk/>
+            <pc:sldMasterMk cId="283249128" sldId="2147483684"/>
+            <pc:sldLayoutMk cId="3835964449" sldId="2147483685"/>
+          </pc:sldLayoutMkLst>
+          <pc:spChg chg="add">
+            <ac:chgData name="Moritz Nipshagen" userId="ee3b3bbc25b4cb6d" providerId="LiveId" clId="{41D7D312-2516-4D44-970F-81851DF981C8}" dt="2018-04-04T19:24:05.756" v="7"/>
+            <ac:spMkLst>
+              <pc:docMk/>
+              <pc:sldMasterMk cId="283249128" sldId="2147483684"/>
+              <pc:sldLayoutMk cId="3835964449" sldId="2147483685"/>
+              <ac:spMk id="13" creationId="{A4DECDD4-937F-49AC-9F4F-AF82631FB63E}"/>
+            </ac:spMkLst>
+          </pc:spChg>
+          <pc:grpChg chg="add">
+            <ac:chgData name="Moritz Nipshagen" userId="ee3b3bbc25b4cb6d" providerId="LiveId" clId="{41D7D312-2516-4D44-970F-81851DF981C8}" dt="2018-04-04T19:24:05.756" v="7"/>
+            <ac:grpSpMkLst>
+              <pc:docMk/>
+              <pc:sldMasterMk cId="283249128" sldId="2147483684"/>
+              <pc:sldLayoutMk cId="3835964449" sldId="2147483685"/>
+              <ac:grpSpMk id="14" creationId="{43F0D776-BBD6-4FA1-BAA8-B8472854CC36}"/>
+            </ac:grpSpMkLst>
+          </pc:grpChg>
+        </pc:sldLayoutChg>
+        <pc:sldLayoutChg chg="addSp">
+          <pc:chgData name="Moritz Nipshagen" userId="ee3b3bbc25b4cb6d" providerId="LiveId" clId="{41D7D312-2516-4D44-970F-81851DF981C8}" dt="2018-04-04T19:24:05.756" v="7"/>
+          <pc:sldLayoutMkLst>
+            <pc:docMk/>
+            <pc:sldMasterMk cId="283249128" sldId="2147483684"/>
+            <pc:sldLayoutMk cId="228792200" sldId="2147483687"/>
+          </pc:sldLayoutMkLst>
+          <pc:spChg chg="add">
+            <ac:chgData name="Moritz Nipshagen" userId="ee3b3bbc25b4cb6d" providerId="LiveId" clId="{41D7D312-2516-4D44-970F-81851DF981C8}" dt="2018-04-04T19:24:05.756" v="7"/>
+            <ac:spMkLst>
+              <pc:docMk/>
+              <pc:sldMasterMk cId="283249128" sldId="2147483684"/>
+              <pc:sldLayoutMk cId="228792200" sldId="2147483687"/>
+              <ac:spMk id="15" creationId="{BCB25226-1806-48D3-93EF-9387B073BB1E}"/>
+            </ac:spMkLst>
+          </pc:spChg>
+          <pc:grpChg chg="add">
+            <ac:chgData name="Moritz Nipshagen" userId="ee3b3bbc25b4cb6d" providerId="LiveId" clId="{41D7D312-2516-4D44-970F-81851DF981C8}" dt="2018-04-04T19:24:05.756" v="7"/>
+            <ac:grpSpMkLst>
+              <pc:docMk/>
+              <pc:sldMasterMk cId="283249128" sldId="2147483684"/>
+              <pc:sldLayoutMk cId="228792200" sldId="2147483687"/>
+              <ac:grpSpMk id="17" creationId="{3731884C-F6DE-4A86-A324-EF225BEA4279}"/>
+            </ac:grpSpMkLst>
+          </pc:grpChg>
+          <pc:cxnChg chg="add">
+            <ac:chgData name="Moritz Nipshagen" userId="ee3b3bbc25b4cb6d" providerId="LiveId" clId="{41D7D312-2516-4D44-970F-81851DF981C8}" dt="2018-04-04T19:24:05.756" v="7"/>
+            <ac:cxnSpMkLst>
+              <pc:docMk/>
+              <pc:sldMasterMk cId="283249128" sldId="2147483684"/>
+              <pc:sldLayoutMk cId="228792200" sldId="2147483687"/>
+              <ac:cxnSpMk id="22" creationId="{D3BA940A-1C3A-4A60-A949-AD282C23510D}"/>
+            </ac:cxnSpMkLst>
+          </pc:cxnChg>
+        </pc:sldLayoutChg>
+        <pc:sldLayoutChg chg="addSp">
+          <pc:chgData name="Moritz Nipshagen" userId="ee3b3bbc25b4cb6d" providerId="LiveId" clId="{41D7D312-2516-4D44-970F-81851DF981C8}" dt="2018-04-04T19:24:05.756" v="7"/>
+          <pc:sldLayoutMkLst>
+            <pc:docMk/>
+            <pc:sldMasterMk cId="283249128" sldId="2147483684"/>
+            <pc:sldLayoutMk cId="1736165154" sldId="2147483691"/>
+          </pc:sldLayoutMkLst>
+          <pc:spChg chg="add">
+            <ac:chgData name="Moritz Nipshagen" userId="ee3b3bbc25b4cb6d" providerId="LiveId" clId="{41D7D312-2516-4D44-970F-81851DF981C8}" dt="2018-04-04T19:24:05.756" v="7"/>
+            <ac:spMkLst>
+              <pc:docMk/>
+              <pc:sldMasterMk cId="283249128" sldId="2147483684"/>
+              <pc:sldLayoutMk cId="1736165154" sldId="2147483691"/>
+              <ac:spMk id="15" creationId="{AD112BA8-D870-415C-8C26-8B9BE8AFA3C4}"/>
+            </ac:spMkLst>
+          </pc:spChg>
+          <pc:grpChg chg="add">
+            <ac:chgData name="Moritz Nipshagen" userId="ee3b3bbc25b4cb6d" providerId="LiveId" clId="{41D7D312-2516-4D44-970F-81851DF981C8}" dt="2018-04-04T19:24:05.756" v="7"/>
+            <ac:grpSpMkLst>
+              <pc:docMk/>
+              <pc:sldMasterMk cId="283249128" sldId="2147483684"/>
+              <pc:sldLayoutMk cId="1736165154" sldId="2147483691"/>
+              <ac:grpSpMk id="16" creationId="{DB38558F-ABB3-4F93-9C7D-2F1A47C55A28}"/>
+            </ac:grpSpMkLst>
+          </pc:grpChg>
+        </pc:sldLayoutChg>
+        <pc:sldLayoutChg chg="addSp">
+          <pc:chgData name="Moritz Nipshagen" userId="ee3b3bbc25b4cb6d" providerId="LiveId" clId="{41D7D312-2516-4D44-970F-81851DF981C8}" dt="2018-04-04T19:24:05.756" v="7"/>
+          <pc:sldLayoutMkLst>
+            <pc:docMk/>
+            <pc:sldMasterMk cId="283249128" sldId="2147483684"/>
+            <pc:sldLayoutMk cId="3650012668" sldId="2147483692"/>
+          </pc:sldLayoutMkLst>
+          <pc:spChg chg="add">
+            <ac:chgData name="Moritz Nipshagen" userId="ee3b3bbc25b4cb6d" providerId="LiveId" clId="{41D7D312-2516-4D44-970F-81851DF981C8}" dt="2018-04-04T19:24:05.756" v="7"/>
+            <ac:spMkLst>
+              <pc:docMk/>
+              <pc:sldMasterMk cId="283249128" sldId="2147483684"/>
+              <pc:sldLayoutMk cId="3650012668" sldId="2147483692"/>
+              <ac:spMk id="12" creationId="{3C92ECBB-F845-46AE-9942-09AE2E718DCB}"/>
+            </ac:spMkLst>
+          </pc:spChg>
+          <pc:grpChg chg="add">
+            <ac:chgData name="Moritz Nipshagen" userId="ee3b3bbc25b4cb6d" providerId="LiveId" clId="{41D7D312-2516-4D44-970F-81851DF981C8}" dt="2018-04-04T19:24:05.756" v="7"/>
+            <ac:grpSpMkLst>
+              <pc:docMk/>
+              <pc:sldMasterMk cId="283249128" sldId="2147483684"/>
+              <pc:sldLayoutMk cId="3650012668" sldId="2147483692"/>
+              <ac:grpSpMk id="15" creationId="{7A94A42B-83FD-488C-B674-26E790D86A8F}"/>
+            </ac:grpSpMkLst>
+          </pc:grpChg>
+        </pc:sldLayoutChg>
+        <pc:sldLayoutChg chg="addSp">
+          <pc:chgData name="Moritz Nipshagen" userId="ee3b3bbc25b4cb6d" providerId="LiveId" clId="{41D7D312-2516-4D44-970F-81851DF981C8}" dt="2018-04-04T19:24:05.756" v="7"/>
+          <pc:sldLayoutMkLst>
+            <pc:docMk/>
+            <pc:sldMasterMk cId="283249128" sldId="2147483684"/>
+            <pc:sldLayoutMk cId="2237981690" sldId="2147483693"/>
+          </pc:sldLayoutMkLst>
+          <pc:spChg chg="add">
+            <ac:chgData name="Moritz Nipshagen" userId="ee3b3bbc25b4cb6d" providerId="LiveId" clId="{41D7D312-2516-4D44-970F-81851DF981C8}" dt="2018-04-04T19:24:05.756" v="7"/>
+            <ac:spMkLst>
+              <pc:docMk/>
+              <pc:sldMasterMk cId="283249128" sldId="2147483684"/>
+              <pc:sldLayoutMk cId="2237981690" sldId="2147483693"/>
+              <ac:spMk id="15" creationId="{075B6DB2-7B4F-4918-BD1B-7420DCCC734F}"/>
+            </ac:spMkLst>
+          </pc:spChg>
+          <pc:grpChg chg="add">
+            <ac:chgData name="Moritz Nipshagen" userId="ee3b3bbc25b4cb6d" providerId="LiveId" clId="{41D7D312-2516-4D44-970F-81851DF981C8}" dt="2018-04-04T19:24:05.756" v="7"/>
+            <ac:grpSpMkLst>
+              <pc:docMk/>
+              <pc:sldMasterMk cId="283249128" sldId="2147483684"/>
+              <pc:sldLayoutMk cId="2237981690" sldId="2147483693"/>
+              <ac:grpSpMk id="16" creationId="{8E5A53CF-1787-4164-A6EB-12F59C4395FB}"/>
+            </ac:grpSpMkLst>
+          </pc:grpChg>
+        </pc:sldLayoutChg>
+        <pc:sldLayoutChg chg="addSp">
+          <pc:chgData name="Moritz Nipshagen" userId="ee3b3bbc25b4cb6d" providerId="LiveId" clId="{41D7D312-2516-4D44-970F-81851DF981C8}" dt="2018-04-04T19:24:05.756" v="7"/>
+          <pc:sldLayoutMkLst>
+            <pc:docMk/>
+            <pc:sldMasterMk cId="283249128" sldId="2147483684"/>
+            <pc:sldLayoutMk cId="3660823298" sldId="2147483695"/>
+          </pc:sldLayoutMkLst>
+          <pc:spChg chg="add">
+            <ac:chgData name="Moritz Nipshagen" userId="ee3b3bbc25b4cb6d" providerId="LiveId" clId="{41D7D312-2516-4D44-970F-81851DF981C8}" dt="2018-04-04T19:24:05.756" v="7"/>
+            <ac:spMkLst>
+              <pc:docMk/>
+              <pc:sldMasterMk cId="283249128" sldId="2147483684"/>
+              <pc:sldLayoutMk cId="3660823298" sldId="2147483695"/>
+              <ac:spMk id="12" creationId="{F2545DBC-94E1-4CC1-9C0D-140DFC96119A}"/>
+            </ac:spMkLst>
+          </pc:spChg>
+          <pc:grpChg chg="add">
+            <ac:chgData name="Moritz Nipshagen" userId="ee3b3bbc25b4cb6d" providerId="LiveId" clId="{41D7D312-2516-4D44-970F-81851DF981C8}" dt="2018-04-04T19:24:05.756" v="7"/>
+            <ac:grpSpMkLst>
+              <pc:docMk/>
+              <pc:sldMasterMk cId="283249128" sldId="2147483684"/>
+              <pc:sldLayoutMk cId="3660823298" sldId="2147483695"/>
+              <ac:grpSpMk id="13" creationId="{D7FB45A1-C629-4BBA-B4B2-882A7EEB0543}"/>
+            </ac:grpSpMkLst>
+          </pc:grpChg>
+        </pc:sldLayoutChg>
+      </pc:sldMasterChg>
+    </pc:docChg>
+  </pc:docChgLst>
+</pc:chgInfo>
+</file>
+
 <file path=ppt/notesMasters/notesMaster1.xml><?xml version="1.0" encoding="utf-8"?>
 <p:notesMaster xmlns:a="http://schemas.openxmlformats.org/drawingml/2006/main" xmlns:r="http://schemas.openxmlformats.org/officeDocument/2006/relationships" xmlns:p="http://schemas.openxmlformats.org/presentationml/2006/main">
   <p:cSld>
@@ -239,7 +956,7 @@
           <a:p>
             <a:fld id="{E74960FE-84BF-4F36-96F9-AC8A426EF4E1}" type="datetimeFigureOut">
               <a:rPr lang="en-GB" smtClean="0"/>
-              <a:t>03/04/2018</a:t>
+              <a:t>05/04/2018</a:t>
             </a:fld>
             <a:endParaRPr lang="en-GB"/>
           </a:p>
@@ -398,7 +1115,7 @@
           <a:p>
             <a:fld id="{42145966-3644-4EF3-8D3C-4E37A0E97571}" type="slidenum">
               <a:rPr lang="en-GB" smtClean="0"/>
-              <a:t>‹#›</a:t>
+              <a:t>‹Nr.›</a:t>
             </a:fld>
             <a:endParaRPr lang="en-GB"/>
           </a:p>
@@ -933,7 +1650,7 @@
           <a:p>
             <a:fld id="{42145966-3644-4EF3-8D3C-4E37A0E97571}" type="slidenum">
               <a:rPr lang="en-GB" smtClean="0"/>
-              <a:t>23</a:t>
+              <a:t>22</a:t>
             </a:fld>
             <a:endParaRPr lang="en-GB"/>
           </a:p>
@@ -1145,7 +1862,7 @@
           <a:p>
             <a:fld id="{59D2D3E5-8D07-442F-AD09-44D2D54E3827}" type="datetime1">
               <a:rPr lang="en-GB" smtClean="0"/>
-              <a:t>03/04/2018</a:t>
+              <a:t>05/04/2018</a:t>
             </a:fld>
             <a:endParaRPr lang="en-GB"/>
           </a:p>
@@ -1168,7 +1885,7 @@
           <a:p>
             <a:fld id="{89C4E583-6443-4199-AF95-A2ECCC288D48}" type="slidenum">
               <a:rPr lang="en-GB" smtClean="0"/>
-              <a:t>‹#›</a:t>
+              <a:t>‹Nr.›</a:t>
             </a:fld>
             <a:endParaRPr lang="en-GB"/>
           </a:p>
@@ -1218,6 +1935,519 @@
             <a:extLst>
               <a:ext uri="{FF2B5EF4-FFF2-40B4-BE49-F238E27FC236}">
                 <a16:creationId xmlns:a16="http://schemas.microsoft.com/office/drawing/2014/main" id="{A2F8DDAA-96A7-4A58-BF95-E7FB5E2AE443}"/>
+              </a:ext>
+            </a:extLst>
+          </p:cNvPr>
+          <p:cNvSpPr txBox="1">
+            <a:spLocks/>
+          </p:cNvSpPr>
+          <p:nvPr/>
+        </p:nvSpPr>
+        <p:spPr>
+          <a:xfrm>
+            <a:off x="3684598" y="6449030"/>
+            <a:ext cx="4822804" cy="365125"/>
+          </a:xfrm>
+          <a:prstGeom prst="rect">
+            <a:avLst/>
+          </a:prstGeom>
+        </p:spPr>
+        <p:txBody>
+          <a:bodyPr vert="horz" lIns="91440" tIns="45720" rIns="91440" bIns="45720" rtlCol="0" anchor="ctr"/>
+          <a:lstStyle>
+            <a:defPPr>
+              <a:defRPr lang="en-US"/>
+            </a:defPPr>
+            <a:lvl1pPr marL="0" algn="ctr" defTabSz="457200" rtl="0" eaLnBrk="1" latinLnBrk="0" hangingPunct="1">
+              <a:defRPr sz="900" kern="1200" cap="all" baseline="0">
+                <a:solidFill>
+                  <a:srgbClr val="FFFFFF"/>
+                </a:solidFill>
+                <a:latin typeface="+mn-lt"/>
+                <a:ea typeface="+mn-ea"/>
+                <a:cs typeface="+mn-cs"/>
+              </a:defRPr>
+            </a:lvl1pPr>
+            <a:lvl2pPr marL="457200" algn="l" defTabSz="457200" rtl="0" eaLnBrk="1" latinLnBrk="0" hangingPunct="1">
+              <a:defRPr sz="1800" kern="1200">
+                <a:solidFill>
+                  <a:schemeClr val="tx1"/>
+                </a:solidFill>
+                <a:latin typeface="+mn-lt"/>
+                <a:ea typeface="+mn-ea"/>
+                <a:cs typeface="+mn-cs"/>
+              </a:defRPr>
+            </a:lvl2pPr>
+            <a:lvl3pPr marL="914400" algn="l" defTabSz="457200" rtl="0" eaLnBrk="1" latinLnBrk="0" hangingPunct="1">
+              <a:defRPr sz="1800" kern="1200">
+                <a:solidFill>
+                  <a:schemeClr val="tx1"/>
+                </a:solidFill>
+                <a:latin typeface="+mn-lt"/>
+                <a:ea typeface="+mn-ea"/>
+                <a:cs typeface="+mn-cs"/>
+              </a:defRPr>
+            </a:lvl3pPr>
+            <a:lvl4pPr marL="1371600" algn="l" defTabSz="457200" rtl="0" eaLnBrk="1" latinLnBrk="0" hangingPunct="1">
+              <a:defRPr sz="1800" kern="1200">
+                <a:solidFill>
+                  <a:schemeClr val="tx1"/>
+                </a:solidFill>
+                <a:latin typeface="+mn-lt"/>
+                <a:ea typeface="+mn-ea"/>
+                <a:cs typeface="+mn-cs"/>
+              </a:defRPr>
+            </a:lvl4pPr>
+            <a:lvl5pPr marL="1828800" algn="l" defTabSz="457200" rtl="0" eaLnBrk="1" latinLnBrk="0" hangingPunct="1">
+              <a:defRPr sz="1800" kern="1200">
+                <a:solidFill>
+                  <a:schemeClr val="tx1"/>
+                </a:solidFill>
+                <a:latin typeface="+mn-lt"/>
+                <a:ea typeface="+mn-ea"/>
+                <a:cs typeface="+mn-cs"/>
+              </a:defRPr>
+            </a:lvl5pPr>
+            <a:lvl6pPr marL="2286000" algn="l" defTabSz="457200" rtl="0" eaLnBrk="1" latinLnBrk="0" hangingPunct="1">
+              <a:defRPr sz="1800" kern="1200">
+                <a:solidFill>
+                  <a:schemeClr val="tx1"/>
+                </a:solidFill>
+                <a:latin typeface="+mn-lt"/>
+                <a:ea typeface="+mn-ea"/>
+                <a:cs typeface="+mn-cs"/>
+              </a:defRPr>
+            </a:lvl6pPr>
+            <a:lvl7pPr marL="2743200" algn="l" defTabSz="457200" rtl="0" eaLnBrk="1" latinLnBrk="0" hangingPunct="1">
+              <a:defRPr sz="1800" kern="1200">
+                <a:solidFill>
+                  <a:schemeClr val="tx1"/>
+                </a:solidFill>
+                <a:latin typeface="+mn-lt"/>
+                <a:ea typeface="+mn-ea"/>
+                <a:cs typeface="+mn-cs"/>
+              </a:defRPr>
+            </a:lvl7pPr>
+            <a:lvl8pPr marL="3200400" algn="l" defTabSz="457200" rtl="0" eaLnBrk="1" latinLnBrk="0" hangingPunct="1">
+              <a:defRPr sz="1800" kern="1200">
+                <a:solidFill>
+                  <a:schemeClr val="tx1"/>
+                </a:solidFill>
+                <a:latin typeface="+mn-lt"/>
+                <a:ea typeface="+mn-ea"/>
+                <a:cs typeface="+mn-cs"/>
+              </a:defRPr>
+            </a:lvl8pPr>
+            <a:lvl9pPr marL="3657600" algn="l" defTabSz="457200" rtl="0" eaLnBrk="1" latinLnBrk="0" hangingPunct="1">
+              <a:defRPr sz="1800" kern="1200">
+                <a:solidFill>
+                  <a:schemeClr val="tx1"/>
+                </a:solidFill>
+                <a:latin typeface="+mn-lt"/>
+                <a:ea typeface="+mn-ea"/>
+                <a:cs typeface="+mn-cs"/>
+              </a:defRPr>
+            </a:lvl9pPr>
+          </a:lstStyle>
+          <a:p>
+            <a:pPr marL="0" lvl="0" indent="0" algn="ctr" defTabSz="536575">
+              <a:tabLst>
+                <a:tab pos="2511425" algn="r"/>
+              </a:tabLst>
+            </a:pPr>
+            <a:r>
+              <a:rPr lang="fi-FI" sz="1000" b="0" cap="none" baseline="0" dirty="0"/>
+              <a:t>Moritz Nipshagen	</a:t>
+            </a:r>
+            <a:r>
+              <a:rPr lang="fi-FI" sz="1000" b="0" cap="none" baseline="0" dirty="0">
+                <a:hlinkClick r:id="rId2"/>
+              </a:rPr>
+              <a:t>mnipshagen@uos.de</a:t>
+            </a:r>
+            <a:endParaRPr lang="fi-FI" sz="1000" b="0" cap="none" baseline="0" dirty="0"/>
+          </a:p>
+          <a:p>
+            <a:pPr marL="0" lvl="0" indent="0" algn="ctr" defTabSz="536575">
+              <a:tabLst>
+                <a:tab pos="2511425" algn="r"/>
+              </a:tabLst>
+            </a:pPr>
+            <a:r>
+              <a:rPr lang="fi-FI" sz="1000" b="0" cap="none" baseline="0" dirty="0"/>
+              <a:t>Antonia Hain	</a:t>
+            </a:r>
+            <a:r>
+              <a:rPr lang="fi-FI" sz="1000" b="0" cap="none" baseline="0" dirty="0">
+                <a:hlinkClick r:id="rId3"/>
+              </a:rPr>
+              <a:t>ahain@uos.de</a:t>
+            </a:r>
+            <a:r>
+              <a:rPr lang="fi-FI" sz="1000" b="0" cap="none" baseline="0" dirty="0"/>
+              <a:t> </a:t>
+            </a:r>
+            <a:endParaRPr lang="en-GB" sz="1000" b="0" cap="none" baseline="0" dirty="0"/>
+          </a:p>
+        </p:txBody>
+      </p:sp>
+      <p:grpSp>
+        <p:nvGrpSpPr>
+          <p:cNvPr id="23" name="Group 22">
+            <a:extLst>
+              <a:ext uri="{FF2B5EF4-FFF2-40B4-BE49-F238E27FC236}">
+                <a16:creationId xmlns:a16="http://schemas.microsoft.com/office/drawing/2014/main" id="{3951C0E8-C08C-4742-B043-4AD4BE0A3677}"/>
+              </a:ext>
+            </a:extLst>
+          </p:cNvPr>
+          <p:cNvGrpSpPr/>
+          <p:nvPr/>
+        </p:nvGrpSpPr>
+        <p:grpSpPr>
+          <a:xfrm>
+            <a:off x="0" y="-13903"/>
+            <a:ext cx="12192002" cy="457200"/>
+            <a:chOff x="0" y="-13903"/>
+            <a:chExt cx="12192002" cy="457200"/>
+          </a:xfrm>
+        </p:grpSpPr>
+        <p:sp>
+          <p:nvSpPr>
+            <p:cNvPr id="24" name="Rectangle 23">
+              <a:extLst>
+                <a:ext uri="{FF2B5EF4-FFF2-40B4-BE49-F238E27FC236}">
+                  <a16:creationId xmlns:a16="http://schemas.microsoft.com/office/drawing/2014/main" id="{0A611F47-1F04-4C53-B1C8-B35B68ABD923}"/>
+                </a:ext>
+              </a:extLst>
+            </p:cNvPr>
+            <p:cNvSpPr/>
+            <p:nvPr/>
+          </p:nvSpPr>
+          <p:spPr>
+            <a:xfrm>
+              <a:off x="0" y="-13903"/>
+              <a:ext cx="12192000" cy="457200"/>
+            </a:xfrm>
+            <a:prstGeom prst="rect">
+              <a:avLst/>
+            </a:prstGeom>
+            <a:solidFill>
+              <a:schemeClr val="accent2"/>
+            </a:solidFill>
+            <a:ln>
+              <a:noFill/>
+            </a:ln>
+          </p:spPr>
+          <p:style>
+            <a:lnRef idx="2">
+              <a:schemeClr val="accent1">
+                <a:shade val="50000"/>
+              </a:schemeClr>
+            </a:lnRef>
+            <a:fillRef idx="1">
+              <a:schemeClr val="accent1"/>
+            </a:fillRef>
+            <a:effectRef idx="0">
+              <a:schemeClr val="accent1"/>
+            </a:effectRef>
+            <a:fontRef idx="minor">
+              <a:schemeClr val="lt1"/>
+            </a:fontRef>
+          </p:style>
+        </p:sp>
+        <p:sp>
+          <p:nvSpPr>
+            <p:cNvPr id="25" name="Footer Placeholder 4">
+              <a:extLst>
+                <a:ext uri="{FF2B5EF4-FFF2-40B4-BE49-F238E27FC236}">
+                  <a16:creationId xmlns:a16="http://schemas.microsoft.com/office/drawing/2014/main" id="{6A1B6CE6-9CFA-4017-9C7A-43B942720233}"/>
+                </a:ext>
+              </a:extLst>
+            </p:cNvPr>
+            <p:cNvSpPr txBox="1">
+              <a:spLocks/>
+            </p:cNvSpPr>
+            <p:nvPr/>
+          </p:nvSpPr>
+          <p:spPr>
+            <a:xfrm>
+              <a:off x="0" y="43845"/>
+              <a:ext cx="4822804" cy="365125"/>
+            </a:xfrm>
+            <a:prstGeom prst="rect">
+              <a:avLst/>
+            </a:prstGeom>
+          </p:spPr>
+          <p:txBody>
+            <a:bodyPr vert="horz" lIns="91440" tIns="45720" rIns="91440" bIns="45720" rtlCol="0" anchor="ctr"/>
+            <a:lstStyle>
+              <a:defPPr>
+                <a:defRPr lang="en-US"/>
+              </a:defPPr>
+              <a:lvl1pPr marL="0" algn="ctr" defTabSz="457200" rtl="0" eaLnBrk="1" latinLnBrk="0" hangingPunct="1">
+                <a:defRPr sz="900" kern="1200" cap="all" baseline="0">
+                  <a:solidFill>
+                    <a:srgbClr val="FFFFFF"/>
+                  </a:solidFill>
+                  <a:latin typeface="+mn-lt"/>
+                  <a:ea typeface="+mn-ea"/>
+                  <a:cs typeface="+mn-cs"/>
+                </a:defRPr>
+              </a:lvl1pPr>
+              <a:lvl2pPr marL="457200" algn="l" defTabSz="457200" rtl="0" eaLnBrk="1" latinLnBrk="0" hangingPunct="1">
+                <a:defRPr sz="1800" kern="1200">
+                  <a:solidFill>
+                    <a:schemeClr val="tx1"/>
+                  </a:solidFill>
+                  <a:latin typeface="+mn-lt"/>
+                  <a:ea typeface="+mn-ea"/>
+                  <a:cs typeface="+mn-cs"/>
+                </a:defRPr>
+              </a:lvl2pPr>
+              <a:lvl3pPr marL="914400" algn="l" defTabSz="457200" rtl="0" eaLnBrk="1" latinLnBrk="0" hangingPunct="1">
+                <a:defRPr sz="1800" kern="1200">
+                  <a:solidFill>
+                    <a:schemeClr val="tx1"/>
+                  </a:solidFill>
+                  <a:latin typeface="+mn-lt"/>
+                  <a:ea typeface="+mn-ea"/>
+                  <a:cs typeface="+mn-cs"/>
+                </a:defRPr>
+              </a:lvl3pPr>
+              <a:lvl4pPr marL="1371600" algn="l" defTabSz="457200" rtl="0" eaLnBrk="1" latinLnBrk="0" hangingPunct="1">
+                <a:defRPr sz="1800" kern="1200">
+                  <a:solidFill>
+                    <a:schemeClr val="tx1"/>
+                  </a:solidFill>
+                  <a:latin typeface="+mn-lt"/>
+                  <a:ea typeface="+mn-ea"/>
+                  <a:cs typeface="+mn-cs"/>
+                </a:defRPr>
+              </a:lvl4pPr>
+              <a:lvl5pPr marL="1828800" algn="l" defTabSz="457200" rtl="0" eaLnBrk="1" latinLnBrk="0" hangingPunct="1">
+                <a:defRPr sz="1800" kern="1200">
+                  <a:solidFill>
+                    <a:schemeClr val="tx1"/>
+                  </a:solidFill>
+                  <a:latin typeface="+mn-lt"/>
+                  <a:ea typeface="+mn-ea"/>
+                  <a:cs typeface="+mn-cs"/>
+                </a:defRPr>
+              </a:lvl5pPr>
+              <a:lvl6pPr marL="2286000" algn="l" defTabSz="457200" rtl="0" eaLnBrk="1" latinLnBrk="0" hangingPunct="1">
+                <a:defRPr sz="1800" kern="1200">
+                  <a:solidFill>
+                    <a:schemeClr val="tx1"/>
+                  </a:solidFill>
+                  <a:latin typeface="+mn-lt"/>
+                  <a:ea typeface="+mn-ea"/>
+                  <a:cs typeface="+mn-cs"/>
+                </a:defRPr>
+              </a:lvl6pPr>
+              <a:lvl7pPr marL="2743200" algn="l" defTabSz="457200" rtl="0" eaLnBrk="1" latinLnBrk="0" hangingPunct="1">
+                <a:defRPr sz="1800" kern="1200">
+                  <a:solidFill>
+                    <a:schemeClr val="tx1"/>
+                  </a:solidFill>
+                  <a:latin typeface="+mn-lt"/>
+                  <a:ea typeface="+mn-ea"/>
+                  <a:cs typeface="+mn-cs"/>
+                </a:defRPr>
+              </a:lvl7pPr>
+              <a:lvl8pPr marL="3200400" algn="l" defTabSz="457200" rtl="0" eaLnBrk="1" latinLnBrk="0" hangingPunct="1">
+                <a:defRPr sz="1800" kern="1200">
+                  <a:solidFill>
+                    <a:schemeClr val="tx1"/>
+                  </a:solidFill>
+                  <a:latin typeface="+mn-lt"/>
+                  <a:ea typeface="+mn-ea"/>
+                  <a:cs typeface="+mn-cs"/>
+                </a:defRPr>
+              </a:lvl8pPr>
+              <a:lvl9pPr marL="3657600" algn="l" defTabSz="457200" rtl="0" eaLnBrk="1" latinLnBrk="0" hangingPunct="1">
+                <a:defRPr sz="1800" kern="1200">
+                  <a:solidFill>
+                    <a:schemeClr val="tx1"/>
+                  </a:solidFill>
+                  <a:latin typeface="+mn-lt"/>
+                  <a:ea typeface="+mn-ea"/>
+                  <a:cs typeface="+mn-cs"/>
+                </a:defRPr>
+              </a:lvl9pPr>
+            </a:lstStyle>
+            <a:p>
+              <a:pPr algn="l" defTabSz="536575">
+                <a:tabLst>
+                  <a:tab pos="893763" algn="l"/>
+                  <a:tab pos="1250950" algn="l"/>
+                </a:tabLst>
+              </a:pPr>
+              <a:r>
+                <a:rPr lang="fi-FI" sz="1800" b="0" cap="none" baseline="0" dirty="0"/>
+                <a:t>Basic Programming in Python</a:t>
+              </a:r>
+              <a:endParaRPr lang="en-GB" sz="1800" b="0" cap="none" baseline="0" dirty="0"/>
+            </a:p>
+          </p:txBody>
+        </p:sp>
+        <p:sp>
+          <p:nvSpPr>
+            <p:cNvPr id="26" name="Footer Placeholder 4">
+              <a:extLst>
+                <a:ext uri="{FF2B5EF4-FFF2-40B4-BE49-F238E27FC236}">
+                  <a16:creationId xmlns:a16="http://schemas.microsoft.com/office/drawing/2014/main" id="{211287FD-4478-48EC-9190-EEAA7481BF1D}"/>
+                </a:ext>
+              </a:extLst>
+            </p:cNvPr>
+            <p:cNvSpPr txBox="1">
+              <a:spLocks/>
+            </p:cNvSpPr>
+            <p:nvPr/>
+          </p:nvSpPr>
+          <p:spPr>
+            <a:xfrm>
+              <a:off x="7369198" y="32134"/>
+              <a:ext cx="4822804" cy="365125"/>
+            </a:xfrm>
+            <a:prstGeom prst="rect">
+              <a:avLst/>
+            </a:prstGeom>
+          </p:spPr>
+          <p:txBody>
+            <a:bodyPr vert="horz" lIns="91440" tIns="45720" rIns="91440" bIns="45720" rtlCol="0" anchor="ctr"/>
+            <a:lstStyle>
+              <a:defPPr>
+                <a:defRPr lang="en-US"/>
+              </a:defPPr>
+              <a:lvl1pPr marL="0" algn="ctr" defTabSz="457200" rtl="0" eaLnBrk="1" latinLnBrk="0" hangingPunct="1">
+                <a:defRPr sz="900" kern="1200" cap="all" baseline="0">
+                  <a:solidFill>
+                    <a:srgbClr val="FFFFFF"/>
+                  </a:solidFill>
+                  <a:latin typeface="+mn-lt"/>
+                  <a:ea typeface="+mn-ea"/>
+                  <a:cs typeface="+mn-cs"/>
+                </a:defRPr>
+              </a:lvl1pPr>
+              <a:lvl2pPr marL="457200" algn="l" defTabSz="457200" rtl="0" eaLnBrk="1" latinLnBrk="0" hangingPunct="1">
+                <a:defRPr sz="1800" kern="1200">
+                  <a:solidFill>
+                    <a:schemeClr val="tx1"/>
+                  </a:solidFill>
+                  <a:latin typeface="+mn-lt"/>
+                  <a:ea typeface="+mn-ea"/>
+                  <a:cs typeface="+mn-cs"/>
+                </a:defRPr>
+              </a:lvl2pPr>
+              <a:lvl3pPr marL="914400" algn="l" defTabSz="457200" rtl="0" eaLnBrk="1" latinLnBrk="0" hangingPunct="1">
+                <a:defRPr sz="1800" kern="1200">
+                  <a:solidFill>
+                    <a:schemeClr val="tx1"/>
+                  </a:solidFill>
+                  <a:latin typeface="+mn-lt"/>
+                  <a:ea typeface="+mn-ea"/>
+                  <a:cs typeface="+mn-cs"/>
+                </a:defRPr>
+              </a:lvl3pPr>
+              <a:lvl4pPr marL="1371600" algn="l" defTabSz="457200" rtl="0" eaLnBrk="1" latinLnBrk="0" hangingPunct="1">
+                <a:defRPr sz="1800" kern="1200">
+                  <a:solidFill>
+                    <a:schemeClr val="tx1"/>
+                  </a:solidFill>
+                  <a:latin typeface="+mn-lt"/>
+                  <a:ea typeface="+mn-ea"/>
+                  <a:cs typeface="+mn-cs"/>
+                </a:defRPr>
+              </a:lvl4pPr>
+              <a:lvl5pPr marL="1828800" algn="l" defTabSz="457200" rtl="0" eaLnBrk="1" latinLnBrk="0" hangingPunct="1">
+                <a:defRPr sz="1800" kern="1200">
+                  <a:solidFill>
+                    <a:schemeClr val="tx1"/>
+                  </a:solidFill>
+                  <a:latin typeface="+mn-lt"/>
+                  <a:ea typeface="+mn-ea"/>
+                  <a:cs typeface="+mn-cs"/>
+                </a:defRPr>
+              </a:lvl5pPr>
+              <a:lvl6pPr marL="2286000" algn="l" defTabSz="457200" rtl="0" eaLnBrk="1" latinLnBrk="0" hangingPunct="1">
+                <a:defRPr sz="1800" kern="1200">
+                  <a:solidFill>
+                    <a:schemeClr val="tx1"/>
+                  </a:solidFill>
+                  <a:latin typeface="+mn-lt"/>
+                  <a:ea typeface="+mn-ea"/>
+                  <a:cs typeface="+mn-cs"/>
+                </a:defRPr>
+              </a:lvl6pPr>
+              <a:lvl7pPr marL="2743200" algn="l" defTabSz="457200" rtl="0" eaLnBrk="1" latinLnBrk="0" hangingPunct="1">
+                <a:defRPr sz="1800" kern="1200">
+                  <a:solidFill>
+                    <a:schemeClr val="tx1"/>
+                  </a:solidFill>
+                  <a:latin typeface="+mn-lt"/>
+                  <a:ea typeface="+mn-ea"/>
+                  <a:cs typeface="+mn-cs"/>
+                </a:defRPr>
+              </a:lvl7pPr>
+              <a:lvl8pPr marL="3200400" algn="l" defTabSz="457200" rtl="0" eaLnBrk="1" latinLnBrk="0" hangingPunct="1">
+                <a:defRPr sz="1800" kern="1200">
+                  <a:solidFill>
+                    <a:schemeClr val="tx1"/>
+                  </a:solidFill>
+                  <a:latin typeface="+mn-lt"/>
+                  <a:ea typeface="+mn-ea"/>
+                  <a:cs typeface="+mn-cs"/>
+                </a:defRPr>
+              </a:lvl8pPr>
+              <a:lvl9pPr marL="3657600" algn="l" defTabSz="457200" rtl="0" eaLnBrk="1" latinLnBrk="0" hangingPunct="1">
+                <a:defRPr sz="1800" kern="1200">
+                  <a:solidFill>
+                    <a:schemeClr val="tx1"/>
+                  </a:solidFill>
+                  <a:latin typeface="+mn-lt"/>
+                  <a:ea typeface="+mn-ea"/>
+                  <a:cs typeface="+mn-cs"/>
+                </a:defRPr>
+              </a:lvl9pPr>
+            </a:lstStyle>
+            <a:p>
+              <a:pPr algn="r" defTabSz="536575">
+                <a:tabLst>
+                  <a:tab pos="893763" algn="l"/>
+                  <a:tab pos="1250950" algn="l"/>
+                </a:tabLst>
+              </a:pPr>
+              <a:r>
+                <a:rPr lang="fi-FI" sz="1800" b="0" cap="none" baseline="0" dirty="0"/>
+                <a:t>Osnabr</a:t>
+              </a:r>
+              <a:r>
+                <a:rPr lang="de-DE" sz="1800" b="0" cap="none" baseline="0" dirty="0"/>
+                <a:t>ü</a:t>
+              </a:r>
+              <a:r>
+                <a:rPr lang="en-GB" sz="1800" b="0" cap="none" baseline="0" dirty="0" err="1"/>
+                <a:t>ck</a:t>
+              </a:r>
+              <a:r>
+                <a:rPr lang="en-GB" sz="1800" b="0" cap="none" baseline="0" dirty="0"/>
+                <a:t> University – </a:t>
+              </a:r>
+              <a:r>
+                <a:rPr lang="fi-FI" sz="1800" b="0" cap="none" baseline="0" dirty="0"/>
+                <a:t>SS2018</a:t>
+              </a:r>
+              <a:endParaRPr lang="en-GB" sz="1800" b="0" cap="none" baseline="0" dirty="0"/>
+            </a:p>
+          </p:txBody>
+        </p:sp>
+      </p:grpSp>
+      <p:sp>
+        <p:nvSpPr>
+          <p:cNvPr id="13" name="Footer Placeholder 4">
+            <a:extLst>
+              <a:ext uri="{FF2B5EF4-FFF2-40B4-BE49-F238E27FC236}">
+                <a16:creationId xmlns:a16="http://schemas.microsoft.com/office/drawing/2014/main" id="{A4DECDD4-937F-49AC-9F4F-AF82631FB63E}"/>
               </a:ext>
             </a:extLst>
           </p:cNvPr>
@@ -1376,10 +2606,10 @@
       </p:sp>
       <p:grpSp>
         <p:nvGrpSpPr>
-          <p:cNvPr id="23" name="Group 22">
+          <p:cNvPr id="14" name="Group 13">
             <a:extLst>
               <a:ext uri="{FF2B5EF4-FFF2-40B4-BE49-F238E27FC236}">
-                <a16:creationId xmlns:a16="http://schemas.microsoft.com/office/drawing/2014/main" id="{3951C0E8-C08C-4742-B043-4AD4BE0A3677}"/>
+                <a16:creationId xmlns:a16="http://schemas.microsoft.com/office/drawing/2014/main" id="{43F0D776-BBD6-4FA1-BAA8-B8472854CC36}"/>
               </a:ext>
             </a:extLst>
           </p:cNvPr>
@@ -1396,10 +2626,10 @@
         </p:grpSpPr>
         <p:sp>
           <p:nvSpPr>
-            <p:cNvPr id="24" name="Rectangle 23">
+            <p:cNvPr id="15" name="Rectangle 14">
               <a:extLst>
                 <a:ext uri="{FF2B5EF4-FFF2-40B4-BE49-F238E27FC236}">
-                  <a16:creationId xmlns:a16="http://schemas.microsoft.com/office/drawing/2014/main" id="{0A611F47-1F04-4C53-B1C8-B35B68ABD923}"/>
+                  <a16:creationId xmlns:a16="http://schemas.microsoft.com/office/drawing/2014/main" id="{4B66DC5B-7DD7-439F-9F03-F55D22DD79F5}"/>
                 </a:ext>
               </a:extLst>
             </p:cNvPr>
@@ -1440,10 +2670,10 @@
         </p:sp>
         <p:sp>
           <p:nvSpPr>
-            <p:cNvPr id="25" name="Footer Placeholder 4">
+            <p:cNvPr id="16" name="Footer Placeholder 4">
               <a:extLst>
                 <a:ext uri="{FF2B5EF4-FFF2-40B4-BE49-F238E27FC236}">
-                  <a16:creationId xmlns:a16="http://schemas.microsoft.com/office/drawing/2014/main" id="{6A1B6CE6-9CFA-4017-9C7A-43B942720233}"/>
+                  <a16:creationId xmlns:a16="http://schemas.microsoft.com/office/drawing/2014/main" id="{381BD901-4EF8-40BB-8FB0-BAE60E53A896}"/>
                 </a:ext>
               </a:extLst>
             </p:cNvPr>
@@ -1575,10 +2805,10 @@
         </p:sp>
         <p:sp>
           <p:nvSpPr>
-            <p:cNvPr id="26" name="Footer Placeholder 4">
+            <p:cNvPr id="17" name="Footer Placeholder 4">
               <a:extLst>
                 <a:ext uri="{FF2B5EF4-FFF2-40B4-BE49-F238E27FC236}">
-                  <a16:creationId xmlns:a16="http://schemas.microsoft.com/office/drawing/2014/main" id="{211287FD-4478-48EC-9190-EEAA7481BF1D}"/>
+                  <a16:creationId xmlns:a16="http://schemas.microsoft.com/office/drawing/2014/main" id="{E451CDA9-37EE-4C2B-A451-1F3A2E30F996}"/>
                 </a:ext>
               </a:extLst>
             </p:cNvPr>
@@ -1728,7 +2958,7 @@
     </p:spTree>
     <p:extLst>
       <p:ext uri="{BB962C8B-B14F-4D97-AF65-F5344CB8AC3E}">
-        <p14:creationId xmlns:p14="http://schemas.microsoft.com/office/powerpoint/2010/main" val="2316649743"/>
+        <p14:creationId xmlns:p14="http://schemas.microsoft.com/office/powerpoint/2010/main" val="3835964449"/>
       </p:ext>
     </p:extLst>
   </p:cSld>
@@ -1847,7 +3077,7 @@
           <a:p>
             <a:fld id="{AC8401FF-837F-478C-A187-ED49428D1834}" type="datetime1">
               <a:rPr lang="en-GB" smtClean="0"/>
-              <a:t>03/04/2018</a:t>
+              <a:t>05/04/2018</a:t>
             </a:fld>
             <a:endParaRPr lang="en-GB"/>
           </a:p>
@@ -1870,7 +3100,7 @@
           <a:p>
             <a:fld id="{89C4E583-6443-4199-AF95-A2ECCC288D48}" type="slidenum">
               <a:rPr lang="en-GB" smtClean="0"/>
-              <a:t>‹#›</a:t>
+              <a:t>‹Nr.›</a:t>
             </a:fld>
             <a:endParaRPr lang="en-GB"/>
           </a:p>
@@ -1879,7 +3109,7 @@
     </p:spTree>
     <p:extLst>
       <p:ext uri="{BB962C8B-B14F-4D97-AF65-F5344CB8AC3E}">
-        <p14:creationId xmlns:p14="http://schemas.microsoft.com/office/powerpoint/2010/main" val="1395819767"/>
+        <p14:creationId xmlns:p14="http://schemas.microsoft.com/office/powerpoint/2010/main" val="1451351788"/>
       </p:ext>
     </p:extLst>
   </p:cSld>
@@ -2046,7 +3276,7 @@
           <a:p>
             <a:fld id="{A4BB1C3B-24F6-4AC1-B694-40E27DE719F2}" type="datetime1">
               <a:rPr lang="en-GB" smtClean="0"/>
-              <a:t>03/04/2018</a:t>
+              <a:t>05/04/2018</a:t>
             </a:fld>
             <a:endParaRPr lang="en-GB"/>
           </a:p>
@@ -2069,7 +3299,7 @@
           <a:p>
             <a:fld id="{89C4E583-6443-4199-AF95-A2ECCC288D48}" type="slidenum">
               <a:rPr lang="en-GB" smtClean="0"/>
-              <a:t>‹#›</a:t>
+              <a:t>‹Nr.›</a:t>
             </a:fld>
             <a:endParaRPr lang="en-GB"/>
           </a:p>
@@ -2081,6 +3311,519 @@
             <a:extLst>
               <a:ext uri="{FF2B5EF4-FFF2-40B4-BE49-F238E27FC236}">
                 <a16:creationId xmlns:a16="http://schemas.microsoft.com/office/drawing/2014/main" id="{72E0AB67-F1B0-4C90-A19F-73FDE8286FEC}"/>
+              </a:ext>
+            </a:extLst>
+          </p:cNvPr>
+          <p:cNvSpPr txBox="1">
+            <a:spLocks/>
+          </p:cNvSpPr>
+          <p:nvPr/>
+        </p:nvSpPr>
+        <p:spPr>
+          <a:xfrm>
+            <a:off x="3684598" y="6449030"/>
+            <a:ext cx="4822804" cy="365125"/>
+          </a:xfrm>
+          <a:prstGeom prst="rect">
+            <a:avLst/>
+          </a:prstGeom>
+        </p:spPr>
+        <p:txBody>
+          <a:bodyPr vert="horz" lIns="91440" tIns="45720" rIns="91440" bIns="45720" rtlCol="0" anchor="ctr"/>
+          <a:lstStyle>
+            <a:defPPr>
+              <a:defRPr lang="en-US"/>
+            </a:defPPr>
+            <a:lvl1pPr marL="0" algn="ctr" defTabSz="457200" rtl="0" eaLnBrk="1" latinLnBrk="0" hangingPunct="1">
+              <a:defRPr sz="900" kern="1200" cap="all" baseline="0">
+                <a:solidFill>
+                  <a:srgbClr val="FFFFFF"/>
+                </a:solidFill>
+                <a:latin typeface="+mn-lt"/>
+                <a:ea typeface="+mn-ea"/>
+                <a:cs typeface="+mn-cs"/>
+              </a:defRPr>
+            </a:lvl1pPr>
+            <a:lvl2pPr marL="457200" algn="l" defTabSz="457200" rtl="0" eaLnBrk="1" latinLnBrk="0" hangingPunct="1">
+              <a:defRPr sz="1800" kern="1200">
+                <a:solidFill>
+                  <a:schemeClr val="tx1"/>
+                </a:solidFill>
+                <a:latin typeface="+mn-lt"/>
+                <a:ea typeface="+mn-ea"/>
+                <a:cs typeface="+mn-cs"/>
+              </a:defRPr>
+            </a:lvl2pPr>
+            <a:lvl3pPr marL="914400" algn="l" defTabSz="457200" rtl="0" eaLnBrk="1" latinLnBrk="0" hangingPunct="1">
+              <a:defRPr sz="1800" kern="1200">
+                <a:solidFill>
+                  <a:schemeClr val="tx1"/>
+                </a:solidFill>
+                <a:latin typeface="+mn-lt"/>
+                <a:ea typeface="+mn-ea"/>
+                <a:cs typeface="+mn-cs"/>
+              </a:defRPr>
+            </a:lvl3pPr>
+            <a:lvl4pPr marL="1371600" algn="l" defTabSz="457200" rtl="0" eaLnBrk="1" latinLnBrk="0" hangingPunct="1">
+              <a:defRPr sz="1800" kern="1200">
+                <a:solidFill>
+                  <a:schemeClr val="tx1"/>
+                </a:solidFill>
+                <a:latin typeface="+mn-lt"/>
+                <a:ea typeface="+mn-ea"/>
+                <a:cs typeface="+mn-cs"/>
+              </a:defRPr>
+            </a:lvl4pPr>
+            <a:lvl5pPr marL="1828800" algn="l" defTabSz="457200" rtl="0" eaLnBrk="1" latinLnBrk="0" hangingPunct="1">
+              <a:defRPr sz="1800" kern="1200">
+                <a:solidFill>
+                  <a:schemeClr val="tx1"/>
+                </a:solidFill>
+                <a:latin typeface="+mn-lt"/>
+                <a:ea typeface="+mn-ea"/>
+                <a:cs typeface="+mn-cs"/>
+              </a:defRPr>
+            </a:lvl5pPr>
+            <a:lvl6pPr marL="2286000" algn="l" defTabSz="457200" rtl="0" eaLnBrk="1" latinLnBrk="0" hangingPunct="1">
+              <a:defRPr sz="1800" kern="1200">
+                <a:solidFill>
+                  <a:schemeClr val="tx1"/>
+                </a:solidFill>
+                <a:latin typeface="+mn-lt"/>
+                <a:ea typeface="+mn-ea"/>
+                <a:cs typeface="+mn-cs"/>
+              </a:defRPr>
+            </a:lvl6pPr>
+            <a:lvl7pPr marL="2743200" algn="l" defTabSz="457200" rtl="0" eaLnBrk="1" latinLnBrk="0" hangingPunct="1">
+              <a:defRPr sz="1800" kern="1200">
+                <a:solidFill>
+                  <a:schemeClr val="tx1"/>
+                </a:solidFill>
+                <a:latin typeface="+mn-lt"/>
+                <a:ea typeface="+mn-ea"/>
+                <a:cs typeface="+mn-cs"/>
+              </a:defRPr>
+            </a:lvl7pPr>
+            <a:lvl8pPr marL="3200400" algn="l" defTabSz="457200" rtl="0" eaLnBrk="1" latinLnBrk="0" hangingPunct="1">
+              <a:defRPr sz="1800" kern="1200">
+                <a:solidFill>
+                  <a:schemeClr val="tx1"/>
+                </a:solidFill>
+                <a:latin typeface="+mn-lt"/>
+                <a:ea typeface="+mn-ea"/>
+                <a:cs typeface="+mn-cs"/>
+              </a:defRPr>
+            </a:lvl8pPr>
+            <a:lvl9pPr marL="3657600" algn="l" defTabSz="457200" rtl="0" eaLnBrk="1" latinLnBrk="0" hangingPunct="1">
+              <a:defRPr sz="1800" kern="1200">
+                <a:solidFill>
+                  <a:schemeClr val="tx1"/>
+                </a:solidFill>
+                <a:latin typeface="+mn-lt"/>
+                <a:ea typeface="+mn-ea"/>
+                <a:cs typeface="+mn-cs"/>
+              </a:defRPr>
+            </a:lvl9pPr>
+          </a:lstStyle>
+          <a:p>
+            <a:pPr marL="0" lvl="0" indent="0" algn="ctr" defTabSz="536575">
+              <a:tabLst>
+                <a:tab pos="2511425" algn="r"/>
+              </a:tabLst>
+            </a:pPr>
+            <a:r>
+              <a:rPr lang="fi-FI" sz="1000" b="0" cap="none" baseline="0" dirty="0"/>
+              <a:t>Moritz Nipshagen	</a:t>
+            </a:r>
+            <a:r>
+              <a:rPr lang="fi-FI" sz="1000" b="0" cap="none" baseline="0" dirty="0">
+                <a:hlinkClick r:id="rId2"/>
+              </a:rPr>
+              <a:t>mnipshagen@uos.de</a:t>
+            </a:r>
+            <a:endParaRPr lang="fi-FI" sz="1000" b="0" cap="none" baseline="0" dirty="0"/>
+          </a:p>
+          <a:p>
+            <a:pPr marL="0" lvl="0" indent="0" algn="ctr" defTabSz="536575">
+              <a:tabLst>
+                <a:tab pos="2511425" algn="r"/>
+              </a:tabLst>
+            </a:pPr>
+            <a:r>
+              <a:rPr lang="fi-FI" sz="1000" b="0" cap="none" baseline="0" dirty="0"/>
+              <a:t>Antonia Hain	</a:t>
+            </a:r>
+            <a:r>
+              <a:rPr lang="fi-FI" sz="1000" b="0" cap="none" baseline="0" dirty="0">
+                <a:hlinkClick r:id="rId3"/>
+              </a:rPr>
+              <a:t>ahain@uos.de</a:t>
+            </a:r>
+            <a:r>
+              <a:rPr lang="fi-FI" sz="1000" b="0" cap="none" baseline="0" dirty="0"/>
+              <a:t> </a:t>
+            </a:r>
+            <a:endParaRPr lang="en-GB" sz="1000" b="0" cap="none" baseline="0" dirty="0"/>
+          </a:p>
+        </p:txBody>
+      </p:sp>
+      <p:grpSp>
+        <p:nvGrpSpPr>
+          <p:cNvPr id="15" name="Group 14">
+            <a:extLst>
+              <a:ext uri="{FF2B5EF4-FFF2-40B4-BE49-F238E27FC236}">
+                <a16:creationId xmlns:a16="http://schemas.microsoft.com/office/drawing/2014/main" id="{428C8027-9337-4E66-9E01-653A0653F69A}"/>
+              </a:ext>
+            </a:extLst>
+          </p:cNvPr>
+          <p:cNvGrpSpPr/>
+          <p:nvPr/>
+        </p:nvGrpSpPr>
+        <p:grpSpPr>
+          <a:xfrm>
+            <a:off x="0" y="-13903"/>
+            <a:ext cx="12192002" cy="457200"/>
+            <a:chOff x="0" y="-13903"/>
+            <a:chExt cx="12192002" cy="457200"/>
+          </a:xfrm>
+        </p:grpSpPr>
+        <p:sp>
+          <p:nvSpPr>
+            <p:cNvPr id="16" name="Rectangle 15">
+              <a:extLst>
+                <a:ext uri="{FF2B5EF4-FFF2-40B4-BE49-F238E27FC236}">
+                  <a16:creationId xmlns:a16="http://schemas.microsoft.com/office/drawing/2014/main" id="{9B96B695-F940-4F2C-A211-A8C3DDDB1D91}"/>
+                </a:ext>
+              </a:extLst>
+            </p:cNvPr>
+            <p:cNvSpPr/>
+            <p:nvPr/>
+          </p:nvSpPr>
+          <p:spPr>
+            <a:xfrm>
+              <a:off x="0" y="-13903"/>
+              <a:ext cx="12192000" cy="457200"/>
+            </a:xfrm>
+            <a:prstGeom prst="rect">
+              <a:avLst/>
+            </a:prstGeom>
+            <a:solidFill>
+              <a:schemeClr val="accent2"/>
+            </a:solidFill>
+            <a:ln>
+              <a:noFill/>
+            </a:ln>
+          </p:spPr>
+          <p:style>
+            <a:lnRef idx="2">
+              <a:schemeClr val="accent1">
+                <a:shade val="50000"/>
+              </a:schemeClr>
+            </a:lnRef>
+            <a:fillRef idx="1">
+              <a:schemeClr val="accent1"/>
+            </a:fillRef>
+            <a:effectRef idx="0">
+              <a:schemeClr val="accent1"/>
+            </a:effectRef>
+            <a:fontRef idx="minor">
+              <a:schemeClr val="lt1"/>
+            </a:fontRef>
+          </p:style>
+        </p:sp>
+        <p:sp>
+          <p:nvSpPr>
+            <p:cNvPr id="17" name="Footer Placeholder 4">
+              <a:extLst>
+                <a:ext uri="{FF2B5EF4-FFF2-40B4-BE49-F238E27FC236}">
+                  <a16:creationId xmlns:a16="http://schemas.microsoft.com/office/drawing/2014/main" id="{28C081C3-9690-4087-891D-D2C68ED02CDF}"/>
+                </a:ext>
+              </a:extLst>
+            </p:cNvPr>
+            <p:cNvSpPr txBox="1">
+              <a:spLocks/>
+            </p:cNvSpPr>
+            <p:nvPr/>
+          </p:nvSpPr>
+          <p:spPr>
+            <a:xfrm>
+              <a:off x="0" y="43845"/>
+              <a:ext cx="4822804" cy="365125"/>
+            </a:xfrm>
+            <a:prstGeom prst="rect">
+              <a:avLst/>
+            </a:prstGeom>
+          </p:spPr>
+          <p:txBody>
+            <a:bodyPr vert="horz" lIns="91440" tIns="45720" rIns="91440" bIns="45720" rtlCol="0" anchor="ctr"/>
+            <a:lstStyle>
+              <a:defPPr>
+                <a:defRPr lang="en-US"/>
+              </a:defPPr>
+              <a:lvl1pPr marL="0" algn="ctr" defTabSz="457200" rtl="0" eaLnBrk="1" latinLnBrk="0" hangingPunct="1">
+                <a:defRPr sz="900" kern="1200" cap="all" baseline="0">
+                  <a:solidFill>
+                    <a:srgbClr val="FFFFFF"/>
+                  </a:solidFill>
+                  <a:latin typeface="+mn-lt"/>
+                  <a:ea typeface="+mn-ea"/>
+                  <a:cs typeface="+mn-cs"/>
+                </a:defRPr>
+              </a:lvl1pPr>
+              <a:lvl2pPr marL="457200" algn="l" defTabSz="457200" rtl="0" eaLnBrk="1" latinLnBrk="0" hangingPunct="1">
+                <a:defRPr sz="1800" kern="1200">
+                  <a:solidFill>
+                    <a:schemeClr val="tx1"/>
+                  </a:solidFill>
+                  <a:latin typeface="+mn-lt"/>
+                  <a:ea typeface="+mn-ea"/>
+                  <a:cs typeface="+mn-cs"/>
+                </a:defRPr>
+              </a:lvl2pPr>
+              <a:lvl3pPr marL="914400" algn="l" defTabSz="457200" rtl="0" eaLnBrk="1" latinLnBrk="0" hangingPunct="1">
+                <a:defRPr sz="1800" kern="1200">
+                  <a:solidFill>
+                    <a:schemeClr val="tx1"/>
+                  </a:solidFill>
+                  <a:latin typeface="+mn-lt"/>
+                  <a:ea typeface="+mn-ea"/>
+                  <a:cs typeface="+mn-cs"/>
+                </a:defRPr>
+              </a:lvl3pPr>
+              <a:lvl4pPr marL="1371600" algn="l" defTabSz="457200" rtl="0" eaLnBrk="1" latinLnBrk="0" hangingPunct="1">
+                <a:defRPr sz="1800" kern="1200">
+                  <a:solidFill>
+                    <a:schemeClr val="tx1"/>
+                  </a:solidFill>
+                  <a:latin typeface="+mn-lt"/>
+                  <a:ea typeface="+mn-ea"/>
+                  <a:cs typeface="+mn-cs"/>
+                </a:defRPr>
+              </a:lvl4pPr>
+              <a:lvl5pPr marL="1828800" algn="l" defTabSz="457200" rtl="0" eaLnBrk="1" latinLnBrk="0" hangingPunct="1">
+                <a:defRPr sz="1800" kern="1200">
+                  <a:solidFill>
+                    <a:schemeClr val="tx1"/>
+                  </a:solidFill>
+                  <a:latin typeface="+mn-lt"/>
+                  <a:ea typeface="+mn-ea"/>
+                  <a:cs typeface="+mn-cs"/>
+                </a:defRPr>
+              </a:lvl5pPr>
+              <a:lvl6pPr marL="2286000" algn="l" defTabSz="457200" rtl="0" eaLnBrk="1" latinLnBrk="0" hangingPunct="1">
+                <a:defRPr sz="1800" kern="1200">
+                  <a:solidFill>
+                    <a:schemeClr val="tx1"/>
+                  </a:solidFill>
+                  <a:latin typeface="+mn-lt"/>
+                  <a:ea typeface="+mn-ea"/>
+                  <a:cs typeface="+mn-cs"/>
+                </a:defRPr>
+              </a:lvl6pPr>
+              <a:lvl7pPr marL="2743200" algn="l" defTabSz="457200" rtl="0" eaLnBrk="1" latinLnBrk="0" hangingPunct="1">
+                <a:defRPr sz="1800" kern="1200">
+                  <a:solidFill>
+                    <a:schemeClr val="tx1"/>
+                  </a:solidFill>
+                  <a:latin typeface="+mn-lt"/>
+                  <a:ea typeface="+mn-ea"/>
+                  <a:cs typeface="+mn-cs"/>
+                </a:defRPr>
+              </a:lvl7pPr>
+              <a:lvl8pPr marL="3200400" algn="l" defTabSz="457200" rtl="0" eaLnBrk="1" latinLnBrk="0" hangingPunct="1">
+                <a:defRPr sz="1800" kern="1200">
+                  <a:solidFill>
+                    <a:schemeClr val="tx1"/>
+                  </a:solidFill>
+                  <a:latin typeface="+mn-lt"/>
+                  <a:ea typeface="+mn-ea"/>
+                  <a:cs typeface="+mn-cs"/>
+                </a:defRPr>
+              </a:lvl8pPr>
+              <a:lvl9pPr marL="3657600" algn="l" defTabSz="457200" rtl="0" eaLnBrk="1" latinLnBrk="0" hangingPunct="1">
+                <a:defRPr sz="1800" kern="1200">
+                  <a:solidFill>
+                    <a:schemeClr val="tx1"/>
+                  </a:solidFill>
+                  <a:latin typeface="+mn-lt"/>
+                  <a:ea typeface="+mn-ea"/>
+                  <a:cs typeface="+mn-cs"/>
+                </a:defRPr>
+              </a:lvl9pPr>
+            </a:lstStyle>
+            <a:p>
+              <a:pPr algn="l" defTabSz="536575">
+                <a:tabLst>
+                  <a:tab pos="893763" algn="l"/>
+                  <a:tab pos="1250950" algn="l"/>
+                </a:tabLst>
+              </a:pPr>
+              <a:r>
+                <a:rPr lang="fi-FI" sz="1800" b="0" cap="none" baseline="0" dirty="0"/>
+                <a:t>Basic Programming in Python</a:t>
+              </a:r>
+              <a:endParaRPr lang="en-GB" sz="1800" b="0" cap="none" baseline="0" dirty="0"/>
+            </a:p>
+          </p:txBody>
+        </p:sp>
+        <p:sp>
+          <p:nvSpPr>
+            <p:cNvPr id="18" name="Footer Placeholder 4">
+              <a:extLst>
+                <a:ext uri="{FF2B5EF4-FFF2-40B4-BE49-F238E27FC236}">
+                  <a16:creationId xmlns:a16="http://schemas.microsoft.com/office/drawing/2014/main" id="{A8A7427E-D9D0-4261-92F1-94C87F01EFF8}"/>
+                </a:ext>
+              </a:extLst>
+            </p:cNvPr>
+            <p:cNvSpPr txBox="1">
+              <a:spLocks/>
+            </p:cNvSpPr>
+            <p:nvPr/>
+          </p:nvSpPr>
+          <p:spPr>
+            <a:xfrm>
+              <a:off x="7369198" y="32134"/>
+              <a:ext cx="4822804" cy="365125"/>
+            </a:xfrm>
+            <a:prstGeom prst="rect">
+              <a:avLst/>
+            </a:prstGeom>
+          </p:spPr>
+          <p:txBody>
+            <a:bodyPr vert="horz" lIns="91440" tIns="45720" rIns="91440" bIns="45720" rtlCol="0" anchor="ctr"/>
+            <a:lstStyle>
+              <a:defPPr>
+                <a:defRPr lang="en-US"/>
+              </a:defPPr>
+              <a:lvl1pPr marL="0" algn="ctr" defTabSz="457200" rtl="0" eaLnBrk="1" latinLnBrk="0" hangingPunct="1">
+                <a:defRPr sz="900" kern="1200" cap="all" baseline="0">
+                  <a:solidFill>
+                    <a:srgbClr val="FFFFFF"/>
+                  </a:solidFill>
+                  <a:latin typeface="+mn-lt"/>
+                  <a:ea typeface="+mn-ea"/>
+                  <a:cs typeface="+mn-cs"/>
+                </a:defRPr>
+              </a:lvl1pPr>
+              <a:lvl2pPr marL="457200" algn="l" defTabSz="457200" rtl="0" eaLnBrk="1" latinLnBrk="0" hangingPunct="1">
+                <a:defRPr sz="1800" kern="1200">
+                  <a:solidFill>
+                    <a:schemeClr val="tx1"/>
+                  </a:solidFill>
+                  <a:latin typeface="+mn-lt"/>
+                  <a:ea typeface="+mn-ea"/>
+                  <a:cs typeface="+mn-cs"/>
+                </a:defRPr>
+              </a:lvl2pPr>
+              <a:lvl3pPr marL="914400" algn="l" defTabSz="457200" rtl="0" eaLnBrk="1" latinLnBrk="0" hangingPunct="1">
+                <a:defRPr sz="1800" kern="1200">
+                  <a:solidFill>
+                    <a:schemeClr val="tx1"/>
+                  </a:solidFill>
+                  <a:latin typeface="+mn-lt"/>
+                  <a:ea typeface="+mn-ea"/>
+                  <a:cs typeface="+mn-cs"/>
+                </a:defRPr>
+              </a:lvl3pPr>
+              <a:lvl4pPr marL="1371600" algn="l" defTabSz="457200" rtl="0" eaLnBrk="1" latinLnBrk="0" hangingPunct="1">
+                <a:defRPr sz="1800" kern="1200">
+                  <a:solidFill>
+                    <a:schemeClr val="tx1"/>
+                  </a:solidFill>
+                  <a:latin typeface="+mn-lt"/>
+                  <a:ea typeface="+mn-ea"/>
+                  <a:cs typeface="+mn-cs"/>
+                </a:defRPr>
+              </a:lvl4pPr>
+              <a:lvl5pPr marL="1828800" algn="l" defTabSz="457200" rtl="0" eaLnBrk="1" latinLnBrk="0" hangingPunct="1">
+                <a:defRPr sz="1800" kern="1200">
+                  <a:solidFill>
+                    <a:schemeClr val="tx1"/>
+                  </a:solidFill>
+                  <a:latin typeface="+mn-lt"/>
+                  <a:ea typeface="+mn-ea"/>
+                  <a:cs typeface="+mn-cs"/>
+                </a:defRPr>
+              </a:lvl5pPr>
+              <a:lvl6pPr marL="2286000" algn="l" defTabSz="457200" rtl="0" eaLnBrk="1" latinLnBrk="0" hangingPunct="1">
+                <a:defRPr sz="1800" kern="1200">
+                  <a:solidFill>
+                    <a:schemeClr val="tx1"/>
+                  </a:solidFill>
+                  <a:latin typeface="+mn-lt"/>
+                  <a:ea typeface="+mn-ea"/>
+                  <a:cs typeface="+mn-cs"/>
+                </a:defRPr>
+              </a:lvl6pPr>
+              <a:lvl7pPr marL="2743200" algn="l" defTabSz="457200" rtl="0" eaLnBrk="1" latinLnBrk="0" hangingPunct="1">
+                <a:defRPr sz="1800" kern="1200">
+                  <a:solidFill>
+                    <a:schemeClr val="tx1"/>
+                  </a:solidFill>
+                  <a:latin typeface="+mn-lt"/>
+                  <a:ea typeface="+mn-ea"/>
+                  <a:cs typeface="+mn-cs"/>
+                </a:defRPr>
+              </a:lvl7pPr>
+              <a:lvl8pPr marL="3200400" algn="l" defTabSz="457200" rtl="0" eaLnBrk="1" latinLnBrk="0" hangingPunct="1">
+                <a:defRPr sz="1800" kern="1200">
+                  <a:solidFill>
+                    <a:schemeClr val="tx1"/>
+                  </a:solidFill>
+                  <a:latin typeface="+mn-lt"/>
+                  <a:ea typeface="+mn-ea"/>
+                  <a:cs typeface="+mn-cs"/>
+                </a:defRPr>
+              </a:lvl8pPr>
+              <a:lvl9pPr marL="3657600" algn="l" defTabSz="457200" rtl="0" eaLnBrk="1" latinLnBrk="0" hangingPunct="1">
+                <a:defRPr sz="1800" kern="1200">
+                  <a:solidFill>
+                    <a:schemeClr val="tx1"/>
+                  </a:solidFill>
+                  <a:latin typeface="+mn-lt"/>
+                  <a:ea typeface="+mn-ea"/>
+                  <a:cs typeface="+mn-cs"/>
+                </a:defRPr>
+              </a:lvl9pPr>
+            </a:lstStyle>
+            <a:p>
+              <a:pPr algn="r" defTabSz="536575">
+                <a:tabLst>
+                  <a:tab pos="893763" algn="l"/>
+                  <a:tab pos="1250950" algn="l"/>
+                </a:tabLst>
+              </a:pPr>
+              <a:r>
+                <a:rPr lang="fi-FI" sz="1800" b="0" cap="none" baseline="0" dirty="0"/>
+                <a:t>Osnabr</a:t>
+              </a:r>
+              <a:r>
+                <a:rPr lang="de-DE" sz="1800" b="0" cap="none" baseline="0" dirty="0"/>
+                <a:t>ü</a:t>
+              </a:r>
+              <a:r>
+                <a:rPr lang="en-GB" sz="1800" b="0" cap="none" baseline="0" dirty="0" err="1"/>
+                <a:t>ck</a:t>
+              </a:r>
+              <a:r>
+                <a:rPr lang="en-GB" sz="1800" b="0" cap="none" baseline="0" dirty="0"/>
+                <a:t> University – </a:t>
+              </a:r>
+              <a:r>
+                <a:rPr lang="fi-FI" sz="1800" b="0" cap="none" baseline="0" dirty="0"/>
+                <a:t>SS2018</a:t>
+              </a:r>
+              <a:endParaRPr lang="en-GB" sz="1800" b="0" cap="none" baseline="0" dirty="0"/>
+            </a:p>
+          </p:txBody>
+        </p:sp>
+      </p:grpSp>
+      <p:sp>
+        <p:nvSpPr>
+          <p:cNvPr id="12" name="Footer Placeholder 4">
+            <a:extLst>
+              <a:ext uri="{FF2B5EF4-FFF2-40B4-BE49-F238E27FC236}">
+                <a16:creationId xmlns:a16="http://schemas.microsoft.com/office/drawing/2014/main" id="{F2545DBC-94E1-4CC1-9C0D-140DFC96119A}"/>
               </a:ext>
             </a:extLst>
           </p:cNvPr>
@@ -2239,10 +3982,10 @@
       </p:sp>
       <p:grpSp>
         <p:nvGrpSpPr>
-          <p:cNvPr id="15" name="Group 14">
+          <p:cNvPr id="13" name="Group 12">
             <a:extLst>
               <a:ext uri="{FF2B5EF4-FFF2-40B4-BE49-F238E27FC236}">
-                <a16:creationId xmlns:a16="http://schemas.microsoft.com/office/drawing/2014/main" id="{428C8027-9337-4E66-9E01-653A0653F69A}"/>
+                <a16:creationId xmlns:a16="http://schemas.microsoft.com/office/drawing/2014/main" id="{D7FB45A1-C629-4BBA-B4B2-882A7EEB0543}"/>
               </a:ext>
             </a:extLst>
           </p:cNvPr>
@@ -2259,10 +4002,10 @@
         </p:grpSpPr>
         <p:sp>
           <p:nvSpPr>
-            <p:cNvPr id="16" name="Rectangle 15">
+            <p:cNvPr id="19" name="Rectangle 18">
               <a:extLst>
                 <a:ext uri="{FF2B5EF4-FFF2-40B4-BE49-F238E27FC236}">
-                  <a16:creationId xmlns:a16="http://schemas.microsoft.com/office/drawing/2014/main" id="{9B96B695-F940-4F2C-A211-A8C3DDDB1D91}"/>
+                  <a16:creationId xmlns:a16="http://schemas.microsoft.com/office/drawing/2014/main" id="{84AFA813-2392-48EF-97D2-4B10787F96EC}"/>
                 </a:ext>
               </a:extLst>
             </p:cNvPr>
@@ -2303,10 +4046,10 @@
         </p:sp>
         <p:sp>
           <p:nvSpPr>
-            <p:cNvPr id="17" name="Footer Placeholder 4">
+            <p:cNvPr id="20" name="Footer Placeholder 4">
               <a:extLst>
                 <a:ext uri="{FF2B5EF4-FFF2-40B4-BE49-F238E27FC236}">
-                  <a16:creationId xmlns:a16="http://schemas.microsoft.com/office/drawing/2014/main" id="{28C081C3-9690-4087-891D-D2C68ED02CDF}"/>
+                  <a16:creationId xmlns:a16="http://schemas.microsoft.com/office/drawing/2014/main" id="{06095CF4-4C7C-4474-9D00-CAFA21417800}"/>
                 </a:ext>
               </a:extLst>
             </p:cNvPr>
@@ -2438,10 +4181,10 @@
         </p:sp>
         <p:sp>
           <p:nvSpPr>
-            <p:cNvPr id="18" name="Footer Placeholder 4">
+            <p:cNvPr id="21" name="Footer Placeholder 4">
               <a:extLst>
                 <a:ext uri="{FF2B5EF4-FFF2-40B4-BE49-F238E27FC236}">
-                  <a16:creationId xmlns:a16="http://schemas.microsoft.com/office/drawing/2014/main" id="{A8A7427E-D9D0-4261-92F1-94C87F01EFF8}"/>
+                  <a16:creationId xmlns:a16="http://schemas.microsoft.com/office/drawing/2014/main" id="{D70D70C9-BC5E-485B-ACD5-D02BADAAF279}"/>
                 </a:ext>
               </a:extLst>
             </p:cNvPr>
@@ -2591,7 +4334,7 @@
     </p:spTree>
     <p:extLst>
       <p:ext uri="{BB962C8B-B14F-4D97-AF65-F5344CB8AC3E}">
-        <p14:creationId xmlns:p14="http://schemas.microsoft.com/office/powerpoint/2010/main" val="3329162241"/>
+        <p14:creationId xmlns:p14="http://schemas.microsoft.com/office/powerpoint/2010/main" val="3660823298"/>
       </p:ext>
     </p:extLst>
   </p:cSld>
@@ -2601,183 +4344,9 @@
 </p:sldLayout>
 </file>
 
-<file path=ppt/slideLayouts/slideLayout2.xml><?xml version="1.0" encoding="utf-8"?>
-<p:sldLayout xmlns:a="http://schemas.openxmlformats.org/drawingml/2006/main" xmlns:r="http://schemas.openxmlformats.org/officeDocument/2006/relationships" xmlns:p="http://schemas.openxmlformats.org/presentationml/2006/main" type="obj" preserve="1">
-  <p:cSld name="Title and Content">
-    <p:spTree>
-      <p:nvGrpSpPr>
-        <p:cNvPr id="1" name=""/>
-        <p:cNvGrpSpPr/>
-        <p:nvPr/>
-      </p:nvGrpSpPr>
-      <p:grpSpPr>
-        <a:xfrm>
-          <a:off x="0" y="0"/>
-          <a:ext cx="0" cy="0"/>
-          <a:chOff x="0" y="0"/>
-          <a:chExt cx="0" cy="0"/>
-        </a:xfrm>
-      </p:grpSpPr>
-      <p:sp>
-        <p:nvSpPr>
-          <p:cNvPr id="2" name="Title 1"/>
-          <p:cNvSpPr>
-            <a:spLocks noGrp="1"/>
-          </p:cNvSpPr>
-          <p:nvPr>
-            <p:ph type="title"/>
-          </p:nvPr>
-        </p:nvSpPr>
-        <p:spPr>
-          <a:xfrm>
-            <a:off x="1097280" y="988906"/>
-            <a:ext cx="10058400" cy="748453"/>
-          </a:xfrm>
-        </p:spPr>
-        <p:txBody>
-          <a:bodyPr/>
-          <a:lstStyle/>
-          <a:p>
-            <a:r>
-              <a:rPr lang="en-US"/>
-              <a:t>Click to edit Master title style</a:t>
-            </a:r>
-            <a:endParaRPr lang="en-US" dirty="0"/>
-          </a:p>
-        </p:txBody>
-      </p:sp>
-      <p:sp>
-        <p:nvSpPr>
-          <p:cNvPr id="3" name="Content Placeholder 2"/>
-          <p:cNvSpPr>
-            <a:spLocks noGrp="1"/>
-          </p:cNvSpPr>
-          <p:nvPr>
-            <p:ph idx="1"/>
-          </p:nvPr>
-        </p:nvSpPr>
-        <p:spPr/>
-        <p:txBody>
-          <a:bodyPr>
-            <a:normAutofit/>
-          </a:bodyPr>
-          <a:lstStyle>
-            <a:lvl1pPr marL="182563" indent="-182563">
-              <a:defRPr sz="2400"/>
-            </a:lvl1pPr>
-            <a:lvl2pPr>
-              <a:defRPr sz="2000"/>
-            </a:lvl2pPr>
-            <a:lvl3pPr>
-              <a:defRPr sz="1600"/>
-            </a:lvl3pPr>
-            <a:lvl4pPr>
-              <a:defRPr sz="1600"/>
-            </a:lvl4pPr>
-            <a:lvl5pPr>
-              <a:defRPr sz="1600"/>
-            </a:lvl5pPr>
-          </a:lstStyle>
-          <a:p>
-            <a:pPr lvl="0"/>
-            <a:r>
-              <a:rPr lang="en-US"/>
-              <a:t>Edit Master text styles</a:t>
-            </a:r>
-          </a:p>
-          <a:p>
-            <a:pPr lvl="1"/>
-            <a:r>
-              <a:rPr lang="en-US"/>
-              <a:t>Second level</a:t>
-            </a:r>
-          </a:p>
-          <a:p>
-            <a:pPr lvl="2"/>
-            <a:r>
-              <a:rPr lang="en-US"/>
-              <a:t>Third level</a:t>
-            </a:r>
-          </a:p>
-          <a:p>
-            <a:pPr lvl="3"/>
-            <a:r>
-              <a:rPr lang="en-US"/>
-              <a:t>Fourth level</a:t>
-            </a:r>
-          </a:p>
-          <a:p>
-            <a:pPr lvl="4"/>
-            <a:r>
-              <a:rPr lang="en-US"/>
-              <a:t>Fifth level</a:t>
-            </a:r>
-            <a:endParaRPr lang="en-US" dirty="0"/>
-          </a:p>
-        </p:txBody>
-      </p:sp>
-      <p:sp>
-        <p:nvSpPr>
-          <p:cNvPr id="4" name="Date Placeholder 3"/>
-          <p:cNvSpPr>
-            <a:spLocks noGrp="1"/>
-          </p:cNvSpPr>
-          <p:nvPr>
-            <p:ph type="dt" sz="half" idx="10"/>
-          </p:nvPr>
-        </p:nvSpPr>
-        <p:spPr/>
-        <p:txBody>
-          <a:bodyPr/>
-          <a:lstStyle/>
-          <a:p>
-            <a:fld id="{1BF7B5F6-71AF-4144-B18A-52D5DACADA0A}" type="datetime1">
-              <a:rPr lang="en-GB" smtClean="0"/>
-              <a:t>03/04/2018</a:t>
-            </a:fld>
-            <a:endParaRPr lang="en-GB"/>
-          </a:p>
-        </p:txBody>
-      </p:sp>
-      <p:sp>
-        <p:nvSpPr>
-          <p:cNvPr id="6" name="Slide Number Placeholder 5"/>
-          <p:cNvSpPr>
-            <a:spLocks noGrp="1"/>
-          </p:cNvSpPr>
-          <p:nvPr>
-            <p:ph type="sldNum" sz="quarter" idx="12"/>
-          </p:nvPr>
-        </p:nvSpPr>
-        <p:spPr/>
-        <p:txBody>
-          <a:bodyPr/>
-          <a:lstStyle/>
-          <a:p>
-            <a:fld id="{89C4E583-6443-4199-AF95-A2ECCC288D48}" type="slidenum">
-              <a:rPr lang="en-GB" smtClean="0"/>
-              <a:t>‹#›</a:t>
-            </a:fld>
-            <a:endParaRPr lang="en-GB"/>
-          </a:p>
-        </p:txBody>
-      </p:sp>
-    </p:spTree>
-    <p:extLst>
-      <p:ext uri="{BB962C8B-B14F-4D97-AF65-F5344CB8AC3E}">
-        <p14:creationId xmlns:p14="http://schemas.microsoft.com/office/powerpoint/2010/main" val="2879421219"/>
-      </p:ext>
-    </p:extLst>
-  </p:cSld>
-  <p:clrMapOvr>
-    <a:masterClrMapping/>
-  </p:clrMapOvr>
-</p:sldLayout>
-</file>
-
-<file path=ppt/slideLayouts/slideLayout3.xml><?xml version="1.0" encoding="utf-8"?>
+<file path=ppt/slideLayouts/slideLayout12.xml><?xml version="1.0" encoding="utf-8"?>
 <p:sldLayout xmlns:a="http://schemas.openxmlformats.org/drawingml/2006/main" xmlns:r="http://schemas.openxmlformats.org/officeDocument/2006/relationships" xmlns:p="http://schemas.openxmlformats.org/presentationml/2006/main" showMasterSp="0" preserve="1" userDrawn="1">
-  <p:cSld name="Section Header">
+  <p:cSld name="1_Section Header">
     <p:bg>
       <p:bgPr>
         <a:solidFill>
@@ -2898,7 +4467,7 @@
           <a:p>
             <a:fld id="{5255503A-C87E-470F-982F-B4799D338920}" type="datetime1">
               <a:rPr lang="en-GB" smtClean="0"/>
-              <a:t>03/04/2018</a:t>
+              <a:t>05/04/2018</a:t>
             </a:fld>
             <a:endParaRPr lang="en-GB"/>
           </a:p>
@@ -2921,7 +4490,7 @@
           <a:p>
             <a:fld id="{89C4E583-6443-4199-AF95-A2ECCC288D48}" type="slidenum">
               <a:rPr lang="en-GB" smtClean="0"/>
-              <a:t>‹#›</a:t>
+              <a:t>‹Nr.›</a:t>
             </a:fld>
             <a:endParaRPr lang="en-GB"/>
           </a:p>
@@ -3497,6 +5066,1459 @@
 </p:sldLayout>
 </file>
 
+<file path=ppt/slideLayouts/slideLayout2.xml><?xml version="1.0" encoding="utf-8"?>
+<p:sldLayout xmlns:a="http://schemas.openxmlformats.org/drawingml/2006/main" xmlns:r="http://schemas.openxmlformats.org/officeDocument/2006/relationships" xmlns:p="http://schemas.openxmlformats.org/presentationml/2006/main" type="obj" preserve="1">
+  <p:cSld name="Title and Content">
+    <p:spTree>
+      <p:nvGrpSpPr>
+        <p:cNvPr id="1" name=""/>
+        <p:cNvGrpSpPr/>
+        <p:nvPr/>
+      </p:nvGrpSpPr>
+      <p:grpSpPr>
+        <a:xfrm>
+          <a:off x="0" y="0"/>
+          <a:ext cx="0" cy="0"/>
+          <a:chOff x="0" y="0"/>
+          <a:chExt cx="0" cy="0"/>
+        </a:xfrm>
+      </p:grpSpPr>
+      <p:sp>
+        <p:nvSpPr>
+          <p:cNvPr id="2" name="Title 1"/>
+          <p:cNvSpPr>
+            <a:spLocks noGrp="1"/>
+          </p:cNvSpPr>
+          <p:nvPr>
+            <p:ph type="title"/>
+          </p:nvPr>
+        </p:nvSpPr>
+        <p:spPr>
+          <a:xfrm>
+            <a:off x="1097280" y="988906"/>
+            <a:ext cx="10058400" cy="748453"/>
+          </a:xfrm>
+        </p:spPr>
+        <p:txBody>
+          <a:bodyPr/>
+          <a:lstStyle/>
+          <a:p>
+            <a:r>
+              <a:rPr lang="en-US"/>
+              <a:t>Click to edit Master title style</a:t>
+            </a:r>
+            <a:endParaRPr lang="en-US" dirty="0"/>
+          </a:p>
+        </p:txBody>
+      </p:sp>
+      <p:sp>
+        <p:nvSpPr>
+          <p:cNvPr id="3" name="Content Placeholder 2"/>
+          <p:cNvSpPr>
+            <a:spLocks noGrp="1"/>
+          </p:cNvSpPr>
+          <p:nvPr>
+            <p:ph idx="1"/>
+          </p:nvPr>
+        </p:nvSpPr>
+        <p:spPr/>
+        <p:txBody>
+          <a:bodyPr>
+            <a:normAutofit/>
+          </a:bodyPr>
+          <a:lstStyle>
+            <a:lvl1pPr marL="182563" indent="-182563">
+              <a:defRPr sz="2400"/>
+            </a:lvl1pPr>
+            <a:lvl2pPr>
+              <a:defRPr sz="2000"/>
+            </a:lvl2pPr>
+            <a:lvl3pPr>
+              <a:defRPr sz="1600"/>
+            </a:lvl3pPr>
+            <a:lvl4pPr>
+              <a:defRPr sz="1600"/>
+            </a:lvl4pPr>
+            <a:lvl5pPr>
+              <a:defRPr sz="1600"/>
+            </a:lvl5pPr>
+          </a:lstStyle>
+          <a:p>
+            <a:pPr lvl="0"/>
+            <a:r>
+              <a:rPr lang="en-US"/>
+              <a:t>Edit Master text styles</a:t>
+            </a:r>
+          </a:p>
+          <a:p>
+            <a:pPr lvl="1"/>
+            <a:r>
+              <a:rPr lang="en-US"/>
+              <a:t>Second level</a:t>
+            </a:r>
+          </a:p>
+          <a:p>
+            <a:pPr lvl="2"/>
+            <a:r>
+              <a:rPr lang="en-US"/>
+              <a:t>Third level</a:t>
+            </a:r>
+          </a:p>
+          <a:p>
+            <a:pPr lvl="3"/>
+            <a:r>
+              <a:rPr lang="en-US"/>
+              <a:t>Fourth level</a:t>
+            </a:r>
+          </a:p>
+          <a:p>
+            <a:pPr lvl="4"/>
+            <a:r>
+              <a:rPr lang="en-US"/>
+              <a:t>Fifth level</a:t>
+            </a:r>
+            <a:endParaRPr lang="en-US" dirty="0"/>
+          </a:p>
+        </p:txBody>
+      </p:sp>
+      <p:sp>
+        <p:nvSpPr>
+          <p:cNvPr id="4" name="Date Placeholder 3"/>
+          <p:cNvSpPr>
+            <a:spLocks noGrp="1"/>
+          </p:cNvSpPr>
+          <p:nvPr>
+            <p:ph type="dt" sz="half" idx="10"/>
+          </p:nvPr>
+        </p:nvSpPr>
+        <p:spPr/>
+        <p:txBody>
+          <a:bodyPr/>
+          <a:lstStyle/>
+          <a:p>
+            <a:fld id="{1BF7B5F6-71AF-4144-B18A-52D5DACADA0A}" type="datetime1">
+              <a:rPr lang="en-GB" smtClean="0"/>
+              <a:t>05/04/2018</a:t>
+            </a:fld>
+            <a:endParaRPr lang="en-GB"/>
+          </a:p>
+        </p:txBody>
+      </p:sp>
+      <p:sp>
+        <p:nvSpPr>
+          <p:cNvPr id="6" name="Slide Number Placeholder 5"/>
+          <p:cNvSpPr>
+            <a:spLocks noGrp="1"/>
+          </p:cNvSpPr>
+          <p:nvPr>
+            <p:ph type="sldNum" sz="quarter" idx="12"/>
+          </p:nvPr>
+        </p:nvSpPr>
+        <p:spPr/>
+        <p:txBody>
+          <a:bodyPr/>
+          <a:lstStyle/>
+          <a:p>
+            <a:fld id="{89C4E583-6443-4199-AF95-A2ECCC288D48}" type="slidenum">
+              <a:rPr lang="en-GB" smtClean="0"/>
+              <a:t>‹Nr.›</a:t>
+            </a:fld>
+            <a:endParaRPr lang="en-GB"/>
+          </a:p>
+        </p:txBody>
+      </p:sp>
+    </p:spTree>
+    <p:extLst>
+      <p:ext uri="{BB962C8B-B14F-4D97-AF65-F5344CB8AC3E}">
+        <p14:creationId xmlns:p14="http://schemas.microsoft.com/office/powerpoint/2010/main" val="2584387899"/>
+      </p:ext>
+    </p:extLst>
+  </p:cSld>
+  <p:clrMapOvr>
+    <a:masterClrMapping/>
+  </p:clrMapOvr>
+</p:sldLayout>
+</file>
+
+<file path=ppt/slideLayouts/slideLayout3.xml><?xml version="1.0" encoding="utf-8"?>
+<p:sldLayout xmlns:a="http://schemas.openxmlformats.org/drawingml/2006/main" xmlns:r="http://schemas.openxmlformats.org/officeDocument/2006/relationships" xmlns:p="http://schemas.openxmlformats.org/presentationml/2006/main" showMasterSp="0" preserve="1">
+  <p:cSld name="Section Header">
+    <p:bg>
+      <p:bgPr>
+        <a:solidFill>
+          <a:schemeClr val="accent2">
+            <a:lumMod val="40000"/>
+            <a:lumOff val="60000"/>
+          </a:schemeClr>
+        </a:solidFill>
+        <a:effectLst/>
+      </p:bgPr>
+    </p:bg>
+    <p:spTree>
+      <p:nvGrpSpPr>
+        <p:cNvPr id="1" name=""/>
+        <p:cNvGrpSpPr/>
+        <p:nvPr/>
+      </p:nvGrpSpPr>
+      <p:grpSpPr>
+        <a:xfrm>
+          <a:off x="0" y="0"/>
+          <a:ext cx="0" cy="0"/>
+          <a:chOff x="0" y="0"/>
+          <a:chExt cx="0" cy="0"/>
+        </a:xfrm>
+      </p:grpSpPr>
+      <p:sp>
+        <p:nvSpPr>
+          <p:cNvPr id="20" name="Title 19">
+            <a:extLst>
+              <a:ext uri="{FF2B5EF4-FFF2-40B4-BE49-F238E27FC236}">
+                <a16:creationId xmlns:a16="http://schemas.microsoft.com/office/drawing/2014/main" id="{EDB25382-4158-488F-B62E-79DCBA1F2F67}"/>
+              </a:ext>
+            </a:extLst>
+          </p:cNvPr>
+          <p:cNvSpPr>
+            <a:spLocks noGrp="1"/>
+          </p:cNvSpPr>
+          <p:nvPr>
+            <p:ph type="title"/>
+          </p:nvPr>
+        </p:nvSpPr>
+        <p:spPr>
+          <a:xfrm>
+            <a:off x="1108822" y="1259378"/>
+            <a:ext cx="10046858" cy="3084021"/>
+          </a:xfrm>
+        </p:spPr>
+        <p:txBody>
+          <a:bodyPr>
+            <a:normAutofit/>
+          </a:bodyPr>
+          <a:lstStyle>
+            <a:lvl1pPr>
+              <a:defRPr sz="8000"/>
+            </a:lvl1pPr>
+          </a:lstStyle>
+          <a:p>
+            <a:r>
+              <a:rPr lang="en-US"/>
+              <a:t>Click to edit Master title style</a:t>
+            </a:r>
+            <a:endParaRPr lang="en-GB" dirty="0"/>
+          </a:p>
+        </p:txBody>
+      </p:sp>
+      <p:sp>
+        <p:nvSpPr>
+          <p:cNvPr id="7" name="Rectangle 6"/>
+          <p:cNvSpPr/>
+          <p:nvPr/>
+        </p:nvSpPr>
+        <p:spPr>
+          <a:xfrm>
+            <a:off x="3175" y="6400800"/>
+            <a:ext cx="12188825" cy="457200"/>
+          </a:xfrm>
+          <a:prstGeom prst="rect">
+            <a:avLst/>
+          </a:prstGeom>
+          <a:solidFill>
+            <a:schemeClr val="accent2"/>
+          </a:solidFill>
+          <a:ln>
+            <a:noFill/>
+          </a:ln>
+        </p:spPr>
+        <p:style>
+          <a:lnRef idx="2">
+            <a:schemeClr val="accent1">
+              <a:shade val="50000"/>
+            </a:schemeClr>
+          </a:lnRef>
+          <a:fillRef idx="1">
+            <a:schemeClr val="accent1"/>
+          </a:fillRef>
+          <a:effectRef idx="0">
+            <a:schemeClr val="accent1"/>
+          </a:effectRef>
+          <a:fontRef idx="minor">
+            <a:schemeClr val="lt1"/>
+          </a:fontRef>
+        </p:style>
+      </p:sp>
+      <p:sp>
+        <p:nvSpPr>
+          <p:cNvPr id="4" name="Date Placeholder 3"/>
+          <p:cNvSpPr>
+            <a:spLocks noGrp="1"/>
+          </p:cNvSpPr>
+          <p:nvPr>
+            <p:ph type="dt" sz="half" idx="10"/>
+          </p:nvPr>
+        </p:nvSpPr>
+        <p:spPr/>
+        <p:txBody>
+          <a:bodyPr/>
+          <a:lstStyle/>
+          <a:p>
+            <a:fld id="{5255503A-C87E-470F-982F-B4799D338920}" type="datetime1">
+              <a:rPr lang="en-GB" smtClean="0"/>
+              <a:t>05/04/2018</a:t>
+            </a:fld>
+            <a:endParaRPr lang="en-GB"/>
+          </a:p>
+        </p:txBody>
+      </p:sp>
+      <p:sp>
+        <p:nvSpPr>
+          <p:cNvPr id="6" name="Slide Number Placeholder 5"/>
+          <p:cNvSpPr>
+            <a:spLocks noGrp="1"/>
+          </p:cNvSpPr>
+          <p:nvPr>
+            <p:ph type="sldNum" sz="quarter" idx="12"/>
+          </p:nvPr>
+        </p:nvSpPr>
+        <p:spPr/>
+        <p:txBody>
+          <a:bodyPr/>
+          <a:lstStyle/>
+          <a:p>
+            <a:fld id="{89C4E583-6443-4199-AF95-A2ECCC288D48}" type="slidenum">
+              <a:rPr lang="en-GB" smtClean="0"/>
+              <a:t>‹Nr.›</a:t>
+            </a:fld>
+            <a:endParaRPr lang="en-GB"/>
+          </a:p>
+        </p:txBody>
+      </p:sp>
+      <p:sp>
+        <p:nvSpPr>
+          <p:cNvPr id="10" name="Footer Placeholder 4">
+            <a:extLst>
+              <a:ext uri="{FF2B5EF4-FFF2-40B4-BE49-F238E27FC236}">
+                <a16:creationId xmlns:a16="http://schemas.microsoft.com/office/drawing/2014/main" id="{CD4AE079-9C20-4D43-BCE4-95501276B792}"/>
+              </a:ext>
+            </a:extLst>
+          </p:cNvPr>
+          <p:cNvSpPr txBox="1">
+            <a:spLocks/>
+          </p:cNvSpPr>
+          <p:nvPr/>
+        </p:nvSpPr>
+        <p:spPr>
+          <a:xfrm>
+            <a:off x="3684598" y="6449030"/>
+            <a:ext cx="4822804" cy="365125"/>
+          </a:xfrm>
+          <a:prstGeom prst="rect">
+            <a:avLst/>
+          </a:prstGeom>
+        </p:spPr>
+        <p:txBody>
+          <a:bodyPr vert="horz" lIns="91440" tIns="45720" rIns="91440" bIns="45720" rtlCol="0" anchor="ctr"/>
+          <a:lstStyle>
+            <a:defPPr>
+              <a:defRPr lang="en-US"/>
+            </a:defPPr>
+            <a:lvl1pPr marL="0" algn="ctr" defTabSz="457200" rtl="0" eaLnBrk="1" latinLnBrk="0" hangingPunct="1">
+              <a:defRPr sz="900" kern="1200" cap="all" baseline="0">
+                <a:solidFill>
+                  <a:srgbClr val="FFFFFF"/>
+                </a:solidFill>
+                <a:latin typeface="+mn-lt"/>
+                <a:ea typeface="+mn-ea"/>
+                <a:cs typeface="+mn-cs"/>
+              </a:defRPr>
+            </a:lvl1pPr>
+            <a:lvl2pPr marL="457200" algn="l" defTabSz="457200" rtl="0" eaLnBrk="1" latinLnBrk="0" hangingPunct="1">
+              <a:defRPr sz="1800" kern="1200">
+                <a:solidFill>
+                  <a:schemeClr val="tx1"/>
+                </a:solidFill>
+                <a:latin typeface="+mn-lt"/>
+                <a:ea typeface="+mn-ea"/>
+                <a:cs typeface="+mn-cs"/>
+              </a:defRPr>
+            </a:lvl2pPr>
+            <a:lvl3pPr marL="914400" algn="l" defTabSz="457200" rtl="0" eaLnBrk="1" latinLnBrk="0" hangingPunct="1">
+              <a:defRPr sz="1800" kern="1200">
+                <a:solidFill>
+                  <a:schemeClr val="tx1"/>
+                </a:solidFill>
+                <a:latin typeface="+mn-lt"/>
+                <a:ea typeface="+mn-ea"/>
+                <a:cs typeface="+mn-cs"/>
+              </a:defRPr>
+            </a:lvl3pPr>
+            <a:lvl4pPr marL="1371600" algn="l" defTabSz="457200" rtl="0" eaLnBrk="1" latinLnBrk="0" hangingPunct="1">
+              <a:defRPr sz="1800" kern="1200">
+                <a:solidFill>
+                  <a:schemeClr val="tx1"/>
+                </a:solidFill>
+                <a:latin typeface="+mn-lt"/>
+                <a:ea typeface="+mn-ea"/>
+                <a:cs typeface="+mn-cs"/>
+              </a:defRPr>
+            </a:lvl4pPr>
+            <a:lvl5pPr marL="1828800" algn="l" defTabSz="457200" rtl="0" eaLnBrk="1" latinLnBrk="0" hangingPunct="1">
+              <a:defRPr sz="1800" kern="1200">
+                <a:solidFill>
+                  <a:schemeClr val="tx1"/>
+                </a:solidFill>
+                <a:latin typeface="+mn-lt"/>
+                <a:ea typeface="+mn-ea"/>
+                <a:cs typeface="+mn-cs"/>
+              </a:defRPr>
+            </a:lvl5pPr>
+            <a:lvl6pPr marL="2286000" algn="l" defTabSz="457200" rtl="0" eaLnBrk="1" latinLnBrk="0" hangingPunct="1">
+              <a:defRPr sz="1800" kern="1200">
+                <a:solidFill>
+                  <a:schemeClr val="tx1"/>
+                </a:solidFill>
+                <a:latin typeface="+mn-lt"/>
+                <a:ea typeface="+mn-ea"/>
+                <a:cs typeface="+mn-cs"/>
+              </a:defRPr>
+            </a:lvl6pPr>
+            <a:lvl7pPr marL="2743200" algn="l" defTabSz="457200" rtl="0" eaLnBrk="1" latinLnBrk="0" hangingPunct="1">
+              <a:defRPr sz="1800" kern="1200">
+                <a:solidFill>
+                  <a:schemeClr val="tx1"/>
+                </a:solidFill>
+                <a:latin typeface="+mn-lt"/>
+                <a:ea typeface="+mn-ea"/>
+                <a:cs typeface="+mn-cs"/>
+              </a:defRPr>
+            </a:lvl7pPr>
+            <a:lvl8pPr marL="3200400" algn="l" defTabSz="457200" rtl="0" eaLnBrk="1" latinLnBrk="0" hangingPunct="1">
+              <a:defRPr sz="1800" kern="1200">
+                <a:solidFill>
+                  <a:schemeClr val="tx1"/>
+                </a:solidFill>
+                <a:latin typeface="+mn-lt"/>
+                <a:ea typeface="+mn-ea"/>
+                <a:cs typeface="+mn-cs"/>
+              </a:defRPr>
+            </a:lvl8pPr>
+            <a:lvl9pPr marL="3657600" algn="l" defTabSz="457200" rtl="0" eaLnBrk="1" latinLnBrk="0" hangingPunct="1">
+              <a:defRPr sz="1800" kern="1200">
+                <a:solidFill>
+                  <a:schemeClr val="tx1"/>
+                </a:solidFill>
+                <a:latin typeface="+mn-lt"/>
+                <a:ea typeface="+mn-ea"/>
+                <a:cs typeface="+mn-cs"/>
+              </a:defRPr>
+            </a:lvl9pPr>
+          </a:lstStyle>
+          <a:p>
+            <a:pPr marL="0" lvl="0" indent="0" algn="ctr" defTabSz="536575">
+              <a:tabLst>
+                <a:tab pos="2511425" algn="r"/>
+              </a:tabLst>
+            </a:pPr>
+            <a:r>
+              <a:rPr lang="fi-FI" sz="1000" b="0" cap="none" baseline="0" dirty="0"/>
+              <a:t>Moritz Nipshagen	</a:t>
+            </a:r>
+            <a:r>
+              <a:rPr lang="fi-FI" sz="1000" b="0" cap="none" baseline="0" dirty="0">
+                <a:hlinkClick r:id="rId2"/>
+              </a:rPr>
+              <a:t>mnipshagen@uos.de</a:t>
+            </a:r>
+            <a:endParaRPr lang="fi-FI" sz="1000" b="0" cap="none" baseline="0" dirty="0"/>
+          </a:p>
+          <a:p>
+            <a:pPr marL="0" lvl="0" indent="0" algn="ctr" defTabSz="536575">
+              <a:tabLst>
+                <a:tab pos="2511425" algn="r"/>
+              </a:tabLst>
+            </a:pPr>
+            <a:r>
+              <a:rPr lang="fi-FI" sz="1000" b="0" cap="none" baseline="0" dirty="0"/>
+              <a:t>Antonia Hain	</a:t>
+            </a:r>
+            <a:r>
+              <a:rPr lang="fi-FI" sz="1000" b="0" cap="none" baseline="0" dirty="0">
+                <a:hlinkClick r:id="rId3"/>
+              </a:rPr>
+              <a:t>ahain@uos.de</a:t>
+            </a:r>
+            <a:r>
+              <a:rPr lang="fi-FI" sz="1000" b="0" cap="none" baseline="0" dirty="0"/>
+              <a:t> </a:t>
+            </a:r>
+            <a:endParaRPr lang="en-GB" sz="1000" b="0" cap="none" baseline="0" dirty="0"/>
+          </a:p>
+        </p:txBody>
+      </p:sp>
+      <p:grpSp>
+        <p:nvGrpSpPr>
+          <p:cNvPr id="11" name="Group 10">
+            <a:extLst>
+              <a:ext uri="{FF2B5EF4-FFF2-40B4-BE49-F238E27FC236}">
+                <a16:creationId xmlns:a16="http://schemas.microsoft.com/office/drawing/2014/main" id="{3C152C66-54AC-40E9-A917-371D075595D1}"/>
+              </a:ext>
+            </a:extLst>
+          </p:cNvPr>
+          <p:cNvGrpSpPr/>
+          <p:nvPr/>
+        </p:nvGrpSpPr>
+        <p:grpSpPr>
+          <a:xfrm>
+            <a:off x="0" y="-13903"/>
+            <a:ext cx="12192002" cy="457200"/>
+            <a:chOff x="0" y="-13903"/>
+            <a:chExt cx="12192002" cy="457200"/>
+          </a:xfrm>
+        </p:grpSpPr>
+        <p:sp>
+          <p:nvSpPr>
+            <p:cNvPr id="12" name="Rectangle 11">
+              <a:extLst>
+                <a:ext uri="{FF2B5EF4-FFF2-40B4-BE49-F238E27FC236}">
+                  <a16:creationId xmlns:a16="http://schemas.microsoft.com/office/drawing/2014/main" id="{61357B8C-9DD0-44B6-B861-8303E9F8FA1F}"/>
+                </a:ext>
+              </a:extLst>
+            </p:cNvPr>
+            <p:cNvSpPr/>
+            <p:nvPr/>
+          </p:nvSpPr>
+          <p:spPr>
+            <a:xfrm>
+              <a:off x="0" y="-13903"/>
+              <a:ext cx="12192000" cy="457200"/>
+            </a:xfrm>
+            <a:prstGeom prst="rect">
+              <a:avLst/>
+            </a:prstGeom>
+            <a:solidFill>
+              <a:schemeClr val="accent2"/>
+            </a:solidFill>
+            <a:ln>
+              <a:noFill/>
+            </a:ln>
+          </p:spPr>
+          <p:style>
+            <a:lnRef idx="2">
+              <a:schemeClr val="accent1">
+                <a:shade val="50000"/>
+              </a:schemeClr>
+            </a:lnRef>
+            <a:fillRef idx="1">
+              <a:schemeClr val="accent1"/>
+            </a:fillRef>
+            <a:effectRef idx="0">
+              <a:schemeClr val="accent1"/>
+            </a:effectRef>
+            <a:fontRef idx="minor">
+              <a:schemeClr val="lt1"/>
+            </a:fontRef>
+          </p:style>
+        </p:sp>
+        <p:sp>
+          <p:nvSpPr>
+            <p:cNvPr id="13" name="Footer Placeholder 4">
+              <a:extLst>
+                <a:ext uri="{FF2B5EF4-FFF2-40B4-BE49-F238E27FC236}">
+                  <a16:creationId xmlns:a16="http://schemas.microsoft.com/office/drawing/2014/main" id="{A36CCDB1-6438-4199-BD60-4B16D8BD5363}"/>
+                </a:ext>
+              </a:extLst>
+            </p:cNvPr>
+            <p:cNvSpPr txBox="1">
+              <a:spLocks/>
+            </p:cNvSpPr>
+            <p:nvPr/>
+          </p:nvSpPr>
+          <p:spPr>
+            <a:xfrm>
+              <a:off x="0" y="43845"/>
+              <a:ext cx="4822804" cy="365125"/>
+            </a:xfrm>
+            <a:prstGeom prst="rect">
+              <a:avLst/>
+            </a:prstGeom>
+          </p:spPr>
+          <p:txBody>
+            <a:bodyPr vert="horz" lIns="91440" tIns="45720" rIns="91440" bIns="45720" rtlCol="0" anchor="ctr"/>
+            <a:lstStyle>
+              <a:defPPr>
+                <a:defRPr lang="en-US"/>
+              </a:defPPr>
+              <a:lvl1pPr marL="0" algn="ctr" defTabSz="457200" rtl="0" eaLnBrk="1" latinLnBrk="0" hangingPunct="1">
+                <a:defRPr sz="900" kern="1200" cap="all" baseline="0">
+                  <a:solidFill>
+                    <a:srgbClr val="FFFFFF"/>
+                  </a:solidFill>
+                  <a:latin typeface="+mn-lt"/>
+                  <a:ea typeface="+mn-ea"/>
+                  <a:cs typeface="+mn-cs"/>
+                </a:defRPr>
+              </a:lvl1pPr>
+              <a:lvl2pPr marL="457200" algn="l" defTabSz="457200" rtl="0" eaLnBrk="1" latinLnBrk="0" hangingPunct="1">
+                <a:defRPr sz="1800" kern="1200">
+                  <a:solidFill>
+                    <a:schemeClr val="tx1"/>
+                  </a:solidFill>
+                  <a:latin typeface="+mn-lt"/>
+                  <a:ea typeface="+mn-ea"/>
+                  <a:cs typeface="+mn-cs"/>
+                </a:defRPr>
+              </a:lvl2pPr>
+              <a:lvl3pPr marL="914400" algn="l" defTabSz="457200" rtl="0" eaLnBrk="1" latinLnBrk="0" hangingPunct="1">
+                <a:defRPr sz="1800" kern="1200">
+                  <a:solidFill>
+                    <a:schemeClr val="tx1"/>
+                  </a:solidFill>
+                  <a:latin typeface="+mn-lt"/>
+                  <a:ea typeface="+mn-ea"/>
+                  <a:cs typeface="+mn-cs"/>
+                </a:defRPr>
+              </a:lvl3pPr>
+              <a:lvl4pPr marL="1371600" algn="l" defTabSz="457200" rtl="0" eaLnBrk="1" latinLnBrk="0" hangingPunct="1">
+                <a:defRPr sz="1800" kern="1200">
+                  <a:solidFill>
+                    <a:schemeClr val="tx1"/>
+                  </a:solidFill>
+                  <a:latin typeface="+mn-lt"/>
+                  <a:ea typeface="+mn-ea"/>
+                  <a:cs typeface="+mn-cs"/>
+                </a:defRPr>
+              </a:lvl4pPr>
+              <a:lvl5pPr marL="1828800" algn="l" defTabSz="457200" rtl="0" eaLnBrk="1" latinLnBrk="0" hangingPunct="1">
+                <a:defRPr sz="1800" kern="1200">
+                  <a:solidFill>
+                    <a:schemeClr val="tx1"/>
+                  </a:solidFill>
+                  <a:latin typeface="+mn-lt"/>
+                  <a:ea typeface="+mn-ea"/>
+                  <a:cs typeface="+mn-cs"/>
+                </a:defRPr>
+              </a:lvl5pPr>
+              <a:lvl6pPr marL="2286000" algn="l" defTabSz="457200" rtl="0" eaLnBrk="1" latinLnBrk="0" hangingPunct="1">
+                <a:defRPr sz="1800" kern="1200">
+                  <a:solidFill>
+                    <a:schemeClr val="tx1"/>
+                  </a:solidFill>
+                  <a:latin typeface="+mn-lt"/>
+                  <a:ea typeface="+mn-ea"/>
+                  <a:cs typeface="+mn-cs"/>
+                </a:defRPr>
+              </a:lvl6pPr>
+              <a:lvl7pPr marL="2743200" algn="l" defTabSz="457200" rtl="0" eaLnBrk="1" latinLnBrk="0" hangingPunct="1">
+                <a:defRPr sz="1800" kern="1200">
+                  <a:solidFill>
+                    <a:schemeClr val="tx1"/>
+                  </a:solidFill>
+                  <a:latin typeface="+mn-lt"/>
+                  <a:ea typeface="+mn-ea"/>
+                  <a:cs typeface="+mn-cs"/>
+                </a:defRPr>
+              </a:lvl7pPr>
+              <a:lvl8pPr marL="3200400" algn="l" defTabSz="457200" rtl="0" eaLnBrk="1" latinLnBrk="0" hangingPunct="1">
+                <a:defRPr sz="1800" kern="1200">
+                  <a:solidFill>
+                    <a:schemeClr val="tx1"/>
+                  </a:solidFill>
+                  <a:latin typeface="+mn-lt"/>
+                  <a:ea typeface="+mn-ea"/>
+                  <a:cs typeface="+mn-cs"/>
+                </a:defRPr>
+              </a:lvl8pPr>
+              <a:lvl9pPr marL="3657600" algn="l" defTabSz="457200" rtl="0" eaLnBrk="1" latinLnBrk="0" hangingPunct="1">
+                <a:defRPr sz="1800" kern="1200">
+                  <a:solidFill>
+                    <a:schemeClr val="tx1"/>
+                  </a:solidFill>
+                  <a:latin typeface="+mn-lt"/>
+                  <a:ea typeface="+mn-ea"/>
+                  <a:cs typeface="+mn-cs"/>
+                </a:defRPr>
+              </a:lvl9pPr>
+            </a:lstStyle>
+            <a:p>
+              <a:pPr algn="l" defTabSz="536575">
+                <a:tabLst>
+                  <a:tab pos="893763" algn="l"/>
+                  <a:tab pos="1250950" algn="l"/>
+                </a:tabLst>
+              </a:pPr>
+              <a:r>
+                <a:rPr lang="fi-FI" sz="1800" b="0" cap="none" baseline="0" dirty="0"/>
+                <a:t>Basic Programming in Python</a:t>
+              </a:r>
+              <a:endParaRPr lang="en-GB" sz="1800" b="0" cap="none" baseline="0" dirty="0"/>
+            </a:p>
+          </p:txBody>
+        </p:sp>
+        <p:sp>
+          <p:nvSpPr>
+            <p:cNvPr id="14" name="Footer Placeholder 4">
+              <a:extLst>
+                <a:ext uri="{FF2B5EF4-FFF2-40B4-BE49-F238E27FC236}">
+                  <a16:creationId xmlns:a16="http://schemas.microsoft.com/office/drawing/2014/main" id="{B71AF337-ED81-407D-9FC3-0F1711008D24}"/>
+                </a:ext>
+              </a:extLst>
+            </p:cNvPr>
+            <p:cNvSpPr txBox="1">
+              <a:spLocks/>
+            </p:cNvSpPr>
+            <p:nvPr/>
+          </p:nvSpPr>
+          <p:spPr>
+            <a:xfrm>
+              <a:off x="7369198" y="32134"/>
+              <a:ext cx="4822804" cy="365125"/>
+            </a:xfrm>
+            <a:prstGeom prst="rect">
+              <a:avLst/>
+            </a:prstGeom>
+          </p:spPr>
+          <p:txBody>
+            <a:bodyPr vert="horz" lIns="91440" tIns="45720" rIns="91440" bIns="45720" rtlCol="0" anchor="ctr"/>
+            <a:lstStyle>
+              <a:defPPr>
+                <a:defRPr lang="en-US"/>
+              </a:defPPr>
+              <a:lvl1pPr marL="0" algn="ctr" defTabSz="457200" rtl="0" eaLnBrk="1" latinLnBrk="0" hangingPunct="1">
+                <a:defRPr sz="900" kern="1200" cap="all" baseline="0">
+                  <a:solidFill>
+                    <a:srgbClr val="FFFFFF"/>
+                  </a:solidFill>
+                  <a:latin typeface="+mn-lt"/>
+                  <a:ea typeface="+mn-ea"/>
+                  <a:cs typeface="+mn-cs"/>
+                </a:defRPr>
+              </a:lvl1pPr>
+              <a:lvl2pPr marL="457200" algn="l" defTabSz="457200" rtl="0" eaLnBrk="1" latinLnBrk="0" hangingPunct="1">
+                <a:defRPr sz="1800" kern="1200">
+                  <a:solidFill>
+                    <a:schemeClr val="tx1"/>
+                  </a:solidFill>
+                  <a:latin typeface="+mn-lt"/>
+                  <a:ea typeface="+mn-ea"/>
+                  <a:cs typeface="+mn-cs"/>
+                </a:defRPr>
+              </a:lvl2pPr>
+              <a:lvl3pPr marL="914400" algn="l" defTabSz="457200" rtl="0" eaLnBrk="1" latinLnBrk="0" hangingPunct="1">
+                <a:defRPr sz="1800" kern="1200">
+                  <a:solidFill>
+                    <a:schemeClr val="tx1"/>
+                  </a:solidFill>
+                  <a:latin typeface="+mn-lt"/>
+                  <a:ea typeface="+mn-ea"/>
+                  <a:cs typeface="+mn-cs"/>
+                </a:defRPr>
+              </a:lvl3pPr>
+              <a:lvl4pPr marL="1371600" algn="l" defTabSz="457200" rtl="0" eaLnBrk="1" latinLnBrk="0" hangingPunct="1">
+                <a:defRPr sz="1800" kern="1200">
+                  <a:solidFill>
+                    <a:schemeClr val="tx1"/>
+                  </a:solidFill>
+                  <a:latin typeface="+mn-lt"/>
+                  <a:ea typeface="+mn-ea"/>
+                  <a:cs typeface="+mn-cs"/>
+                </a:defRPr>
+              </a:lvl4pPr>
+              <a:lvl5pPr marL="1828800" algn="l" defTabSz="457200" rtl="0" eaLnBrk="1" latinLnBrk="0" hangingPunct="1">
+                <a:defRPr sz="1800" kern="1200">
+                  <a:solidFill>
+                    <a:schemeClr val="tx1"/>
+                  </a:solidFill>
+                  <a:latin typeface="+mn-lt"/>
+                  <a:ea typeface="+mn-ea"/>
+                  <a:cs typeface="+mn-cs"/>
+                </a:defRPr>
+              </a:lvl5pPr>
+              <a:lvl6pPr marL="2286000" algn="l" defTabSz="457200" rtl="0" eaLnBrk="1" latinLnBrk="0" hangingPunct="1">
+                <a:defRPr sz="1800" kern="1200">
+                  <a:solidFill>
+                    <a:schemeClr val="tx1"/>
+                  </a:solidFill>
+                  <a:latin typeface="+mn-lt"/>
+                  <a:ea typeface="+mn-ea"/>
+                  <a:cs typeface="+mn-cs"/>
+                </a:defRPr>
+              </a:lvl6pPr>
+              <a:lvl7pPr marL="2743200" algn="l" defTabSz="457200" rtl="0" eaLnBrk="1" latinLnBrk="0" hangingPunct="1">
+                <a:defRPr sz="1800" kern="1200">
+                  <a:solidFill>
+                    <a:schemeClr val="tx1"/>
+                  </a:solidFill>
+                  <a:latin typeface="+mn-lt"/>
+                  <a:ea typeface="+mn-ea"/>
+                  <a:cs typeface="+mn-cs"/>
+                </a:defRPr>
+              </a:lvl7pPr>
+              <a:lvl8pPr marL="3200400" algn="l" defTabSz="457200" rtl="0" eaLnBrk="1" latinLnBrk="0" hangingPunct="1">
+                <a:defRPr sz="1800" kern="1200">
+                  <a:solidFill>
+                    <a:schemeClr val="tx1"/>
+                  </a:solidFill>
+                  <a:latin typeface="+mn-lt"/>
+                  <a:ea typeface="+mn-ea"/>
+                  <a:cs typeface="+mn-cs"/>
+                </a:defRPr>
+              </a:lvl8pPr>
+              <a:lvl9pPr marL="3657600" algn="l" defTabSz="457200" rtl="0" eaLnBrk="1" latinLnBrk="0" hangingPunct="1">
+                <a:defRPr sz="1800" kern="1200">
+                  <a:solidFill>
+                    <a:schemeClr val="tx1"/>
+                  </a:solidFill>
+                  <a:latin typeface="+mn-lt"/>
+                  <a:ea typeface="+mn-ea"/>
+                  <a:cs typeface="+mn-cs"/>
+                </a:defRPr>
+              </a:lvl9pPr>
+            </a:lstStyle>
+            <a:p>
+              <a:pPr algn="r" defTabSz="536575">
+                <a:tabLst>
+                  <a:tab pos="893763" algn="l"/>
+                  <a:tab pos="1250950" algn="l"/>
+                </a:tabLst>
+              </a:pPr>
+              <a:r>
+                <a:rPr lang="fi-FI" sz="1800" b="0" cap="none" baseline="0" dirty="0"/>
+                <a:t>Osnabr</a:t>
+              </a:r>
+              <a:r>
+                <a:rPr lang="de-DE" sz="1800" b="0" cap="none" baseline="0" dirty="0"/>
+                <a:t>ü</a:t>
+              </a:r>
+              <a:r>
+                <a:rPr lang="en-GB" sz="1800" b="0" cap="none" baseline="0" dirty="0" err="1"/>
+                <a:t>ck</a:t>
+              </a:r>
+              <a:r>
+                <a:rPr lang="en-GB" sz="1800" b="0" cap="none" baseline="0" dirty="0"/>
+                <a:t> University – </a:t>
+              </a:r>
+              <a:r>
+                <a:rPr lang="fi-FI" sz="1800" b="0" cap="none" baseline="0" dirty="0"/>
+                <a:t>SS2018</a:t>
+              </a:r>
+              <a:endParaRPr lang="en-GB" sz="1800" b="0" cap="none" baseline="0" dirty="0"/>
+            </a:p>
+          </p:txBody>
+        </p:sp>
+      </p:grpSp>
+      <p:cxnSp>
+        <p:nvCxnSpPr>
+          <p:cNvPr id="16" name="Straight Connector 15">
+            <a:extLst>
+              <a:ext uri="{FF2B5EF4-FFF2-40B4-BE49-F238E27FC236}">
+                <a16:creationId xmlns:a16="http://schemas.microsoft.com/office/drawing/2014/main" id="{DA61B955-9CCC-4B7F-BDD7-17CC7DBA64E3}"/>
+              </a:ext>
+            </a:extLst>
+          </p:cNvPr>
+          <p:cNvCxnSpPr/>
+          <p:nvPr/>
+        </p:nvCxnSpPr>
+        <p:spPr>
+          <a:xfrm>
+            <a:off x="1207658" y="4343400"/>
+            <a:ext cx="9875520" cy="0"/>
+          </a:xfrm>
+          <a:prstGeom prst="line">
+            <a:avLst/>
+          </a:prstGeom>
+          <a:ln w="6350">
+            <a:solidFill>
+              <a:schemeClr val="tx1">
+                <a:lumMod val="50000"/>
+                <a:lumOff val="50000"/>
+              </a:schemeClr>
+            </a:solidFill>
+          </a:ln>
+        </p:spPr>
+        <p:style>
+          <a:lnRef idx="1">
+            <a:schemeClr val="accent1"/>
+          </a:lnRef>
+          <a:fillRef idx="0">
+            <a:schemeClr val="accent1"/>
+          </a:fillRef>
+          <a:effectRef idx="0">
+            <a:schemeClr val="accent1"/>
+          </a:effectRef>
+          <a:fontRef idx="minor">
+            <a:schemeClr val="tx1"/>
+          </a:fontRef>
+        </p:style>
+      </p:cxnSp>
+      <p:sp>
+        <p:nvSpPr>
+          <p:cNvPr id="15" name="Footer Placeholder 4">
+            <a:extLst>
+              <a:ext uri="{FF2B5EF4-FFF2-40B4-BE49-F238E27FC236}">
+                <a16:creationId xmlns:a16="http://schemas.microsoft.com/office/drawing/2014/main" id="{BCB25226-1806-48D3-93EF-9387B073BB1E}"/>
+              </a:ext>
+            </a:extLst>
+          </p:cNvPr>
+          <p:cNvSpPr txBox="1">
+            <a:spLocks/>
+          </p:cNvSpPr>
+          <p:nvPr userDrawn="1"/>
+        </p:nvSpPr>
+        <p:spPr>
+          <a:xfrm>
+            <a:off x="3684598" y="6449030"/>
+            <a:ext cx="4822804" cy="365125"/>
+          </a:xfrm>
+          <a:prstGeom prst="rect">
+            <a:avLst/>
+          </a:prstGeom>
+        </p:spPr>
+        <p:txBody>
+          <a:bodyPr vert="horz" lIns="91440" tIns="45720" rIns="91440" bIns="45720" rtlCol="0" anchor="ctr"/>
+          <a:lstStyle>
+            <a:defPPr>
+              <a:defRPr lang="en-US"/>
+            </a:defPPr>
+            <a:lvl1pPr marL="0" algn="ctr" defTabSz="457200" rtl="0" eaLnBrk="1" latinLnBrk="0" hangingPunct="1">
+              <a:defRPr sz="900" kern="1200" cap="all" baseline="0">
+                <a:solidFill>
+                  <a:srgbClr val="FFFFFF"/>
+                </a:solidFill>
+                <a:latin typeface="+mn-lt"/>
+                <a:ea typeface="+mn-ea"/>
+                <a:cs typeface="+mn-cs"/>
+              </a:defRPr>
+            </a:lvl1pPr>
+            <a:lvl2pPr marL="457200" algn="l" defTabSz="457200" rtl="0" eaLnBrk="1" latinLnBrk="0" hangingPunct="1">
+              <a:defRPr sz="1800" kern="1200">
+                <a:solidFill>
+                  <a:schemeClr val="tx1"/>
+                </a:solidFill>
+                <a:latin typeface="+mn-lt"/>
+                <a:ea typeface="+mn-ea"/>
+                <a:cs typeface="+mn-cs"/>
+              </a:defRPr>
+            </a:lvl2pPr>
+            <a:lvl3pPr marL="914400" algn="l" defTabSz="457200" rtl="0" eaLnBrk="1" latinLnBrk="0" hangingPunct="1">
+              <a:defRPr sz="1800" kern="1200">
+                <a:solidFill>
+                  <a:schemeClr val="tx1"/>
+                </a:solidFill>
+                <a:latin typeface="+mn-lt"/>
+                <a:ea typeface="+mn-ea"/>
+                <a:cs typeface="+mn-cs"/>
+              </a:defRPr>
+            </a:lvl3pPr>
+            <a:lvl4pPr marL="1371600" algn="l" defTabSz="457200" rtl="0" eaLnBrk="1" latinLnBrk="0" hangingPunct="1">
+              <a:defRPr sz="1800" kern="1200">
+                <a:solidFill>
+                  <a:schemeClr val="tx1"/>
+                </a:solidFill>
+                <a:latin typeface="+mn-lt"/>
+                <a:ea typeface="+mn-ea"/>
+                <a:cs typeface="+mn-cs"/>
+              </a:defRPr>
+            </a:lvl4pPr>
+            <a:lvl5pPr marL="1828800" algn="l" defTabSz="457200" rtl="0" eaLnBrk="1" latinLnBrk="0" hangingPunct="1">
+              <a:defRPr sz="1800" kern="1200">
+                <a:solidFill>
+                  <a:schemeClr val="tx1"/>
+                </a:solidFill>
+                <a:latin typeface="+mn-lt"/>
+                <a:ea typeface="+mn-ea"/>
+                <a:cs typeface="+mn-cs"/>
+              </a:defRPr>
+            </a:lvl5pPr>
+            <a:lvl6pPr marL="2286000" algn="l" defTabSz="457200" rtl="0" eaLnBrk="1" latinLnBrk="0" hangingPunct="1">
+              <a:defRPr sz="1800" kern="1200">
+                <a:solidFill>
+                  <a:schemeClr val="tx1"/>
+                </a:solidFill>
+                <a:latin typeface="+mn-lt"/>
+                <a:ea typeface="+mn-ea"/>
+                <a:cs typeface="+mn-cs"/>
+              </a:defRPr>
+            </a:lvl6pPr>
+            <a:lvl7pPr marL="2743200" algn="l" defTabSz="457200" rtl="0" eaLnBrk="1" latinLnBrk="0" hangingPunct="1">
+              <a:defRPr sz="1800" kern="1200">
+                <a:solidFill>
+                  <a:schemeClr val="tx1"/>
+                </a:solidFill>
+                <a:latin typeface="+mn-lt"/>
+                <a:ea typeface="+mn-ea"/>
+                <a:cs typeface="+mn-cs"/>
+              </a:defRPr>
+            </a:lvl7pPr>
+            <a:lvl8pPr marL="3200400" algn="l" defTabSz="457200" rtl="0" eaLnBrk="1" latinLnBrk="0" hangingPunct="1">
+              <a:defRPr sz="1800" kern="1200">
+                <a:solidFill>
+                  <a:schemeClr val="tx1"/>
+                </a:solidFill>
+                <a:latin typeface="+mn-lt"/>
+                <a:ea typeface="+mn-ea"/>
+                <a:cs typeface="+mn-cs"/>
+              </a:defRPr>
+            </a:lvl8pPr>
+            <a:lvl9pPr marL="3657600" algn="l" defTabSz="457200" rtl="0" eaLnBrk="1" latinLnBrk="0" hangingPunct="1">
+              <a:defRPr sz="1800" kern="1200">
+                <a:solidFill>
+                  <a:schemeClr val="tx1"/>
+                </a:solidFill>
+                <a:latin typeface="+mn-lt"/>
+                <a:ea typeface="+mn-ea"/>
+                <a:cs typeface="+mn-cs"/>
+              </a:defRPr>
+            </a:lvl9pPr>
+          </a:lstStyle>
+          <a:p>
+            <a:pPr marL="0" lvl="0" indent="0" algn="ctr" defTabSz="536575">
+              <a:tabLst>
+                <a:tab pos="2511425" algn="r"/>
+              </a:tabLst>
+            </a:pPr>
+            <a:r>
+              <a:rPr lang="fi-FI" sz="1000" b="0" cap="none" baseline="0" dirty="0"/>
+              <a:t>Moritz Nipshagen	</a:t>
+            </a:r>
+            <a:r>
+              <a:rPr lang="fi-FI" sz="1000" b="0" cap="none" baseline="0" dirty="0">
+                <a:hlinkClick r:id="rId2"/>
+              </a:rPr>
+              <a:t>mnipshagen@uos.de</a:t>
+            </a:r>
+            <a:endParaRPr lang="fi-FI" sz="1000" b="0" cap="none" baseline="0" dirty="0"/>
+          </a:p>
+          <a:p>
+            <a:pPr marL="0" lvl="0" indent="0" algn="ctr" defTabSz="536575">
+              <a:tabLst>
+                <a:tab pos="2511425" algn="r"/>
+              </a:tabLst>
+            </a:pPr>
+            <a:r>
+              <a:rPr lang="fi-FI" sz="1000" b="0" cap="none" baseline="0" dirty="0"/>
+              <a:t>Antonia Hain	</a:t>
+            </a:r>
+            <a:r>
+              <a:rPr lang="fi-FI" sz="1000" b="0" cap="none" baseline="0" dirty="0">
+                <a:hlinkClick r:id="rId3"/>
+              </a:rPr>
+              <a:t>ahain@uos.de</a:t>
+            </a:r>
+            <a:r>
+              <a:rPr lang="fi-FI" sz="1000" b="0" cap="none" baseline="0" dirty="0"/>
+              <a:t> </a:t>
+            </a:r>
+            <a:endParaRPr lang="en-GB" sz="1000" b="0" cap="none" baseline="0" dirty="0"/>
+          </a:p>
+        </p:txBody>
+      </p:sp>
+      <p:grpSp>
+        <p:nvGrpSpPr>
+          <p:cNvPr id="17" name="Group 16">
+            <a:extLst>
+              <a:ext uri="{FF2B5EF4-FFF2-40B4-BE49-F238E27FC236}">
+                <a16:creationId xmlns:a16="http://schemas.microsoft.com/office/drawing/2014/main" id="{3731884C-F6DE-4A86-A324-EF225BEA4279}"/>
+              </a:ext>
+            </a:extLst>
+          </p:cNvPr>
+          <p:cNvGrpSpPr/>
+          <p:nvPr userDrawn="1"/>
+        </p:nvGrpSpPr>
+        <p:grpSpPr>
+          <a:xfrm>
+            <a:off x="0" y="-13903"/>
+            <a:ext cx="12192002" cy="457200"/>
+            <a:chOff x="0" y="-13903"/>
+            <a:chExt cx="12192002" cy="457200"/>
+          </a:xfrm>
+        </p:grpSpPr>
+        <p:sp>
+          <p:nvSpPr>
+            <p:cNvPr id="18" name="Rectangle 17">
+              <a:extLst>
+                <a:ext uri="{FF2B5EF4-FFF2-40B4-BE49-F238E27FC236}">
+                  <a16:creationId xmlns:a16="http://schemas.microsoft.com/office/drawing/2014/main" id="{4B100B4C-D36B-4760-9516-FD8FC9D0ADFE}"/>
+                </a:ext>
+              </a:extLst>
+            </p:cNvPr>
+            <p:cNvSpPr/>
+            <p:nvPr userDrawn="1"/>
+          </p:nvSpPr>
+          <p:spPr>
+            <a:xfrm>
+              <a:off x="0" y="-13903"/>
+              <a:ext cx="12192000" cy="457200"/>
+            </a:xfrm>
+            <a:prstGeom prst="rect">
+              <a:avLst/>
+            </a:prstGeom>
+            <a:solidFill>
+              <a:schemeClr val="accent2"/>
+            </a:solidFill>
+            <a:ln>
+              <a:noFill/>
+            </a:ln>
+          </p:spPr>
+          <p:style>
+            <a:lnRef idx="2">
+              <a:schemeClr val="accent1">
+                <a:shade val="50000"/>
+              </a:schemeClr>
+            </a:lnRef>
+            <a:fillRef idx="1">
+              <a:schemeClr val="accent1"/>
+            </a:fillRef>
+            <a:effectRef idx="0">
+              <a:schemeClr val="accent1"/>
+            </a:effectRef>
+            <a:fontRef idx="minor">
+              <a:schemeClr val="lt1"/>
+            </a:fontRef>
+          </p:style>
+        </p:sp>
+        <p:sp>
+          <p:nvSpPr>
+            <p:cNvPr id="19" name="Footer Placeholder 4">
+              <a:extLst>
+                <a:ext uri="{FF2B5EF4-FFF2-40B4-BE49-F238E27FC236}">
+                  <a16:creationId xmlns:a16="http://schemas.microsoft.com/office/drawing/2014/main" id="{665AA8B5-26E0-48DA-B2FD-ACC0A48CF58E}"/>
+                </a:ext>
+              </a:extLst>
+            </p:cNvPr>
+            <p:cNvSpPr txBox="1">
+              <a:spLocks/>
+            </p:cNvSpPr>
+            <p:nvPr userDrawn="1"/>
+          </p:nvSpPr>
+          <p:spPr>
+            <a:xfrm>
+              <a:off x="0" y="43845"/>
+              <a:ext cx="4822804" cy="365125"/>
+            </a:xfrm>
+            <a:prstGeom prst="rect">
+              <a:avLst/>
+            </a:prstGeom>
+          </p:spPr>
+          <p:txBody>
+            <a:bodyPr vert="horz" lIns="91440" tIns="45720" rIns="91440" bIns="45720" rtlCol="0" anchor="ctr"/>
+            <a:lstStyle>
+              <a:defPPr>
+                <a:defRPr lang="en-US"/>
+              </a:defPPr>
+              <a:lvl1pPr marL="0" algn="ctr" defTabSz="457200" rtl="0" eaLnBrk="1" latinLnBrk="0" hangingPunct="1">
+                <a:defRPr sz="900" kern="1200" cap="all" baseline="0">
+                  <a:solidFill>
+                    <a:srgbClr val="FFFFFF"/>
+                  </a:solidFill>
+                  <a:latin typeface="+mn-lt"/>
+                  <a:ea typeface="+mn-ea"/>
+                  <a:cs typeface="+mn-cs"/>
+                </a:defRPr>
+              </a:lvl1pPr>
+              <a:lvl2pPr marL="457200" algn="l" defTabSz="457200" rtl="0" eaLnBrk="1" latinLnBrk="0" hangingPunct="1">
+                <a:defRPr sz="1800" kern="1200">
+                  <a:solidFill>
+                    <a:schemeClr val="tx1"/>
+                  </a:solidFill>
+                  <a:latin typeface="+mn-lt"/>
+                  <a:ea typeface="+mn-ea"/>
+                  <a:cs typeface="+mn-cs"/>
+                </a:defRPr>
+              </a:lvl2pPr>
+              <a:lvl3pPr marL="914400" algn="l" defTabSz="457200" rtl="0" eaLnBrk="1" latinLnBrk="0" hangingPunct="1">
+                <a:defRPr sz="1800" kern="1200">
+                  <a:solidFill>
+                    <a:schemeClr val="tx1"/>
+                  </a:solidFill>
+                  <a:latin typeface="+mn-lt"/>
+                  <a:ea typeface="+mn-ea"/>
+                  <a:cs typeface="+mn-cs"/>
+                </a:defRPr>
+              </a:lvl3pPr>
+              <a:lvl4pPr marL="1371600" algn="l" defTabSz="457200" rtl="0" eaLnBrk="1" latinLnBrk="0" hangingPunct="1">
+                <a:defRPr sz="1800" kern="1200">
+                  <a:solidFill>
+                    <a:schemeClr val="tx1"/>
+                  </a:solidFill>
+                  <a:latin typeface="+mn-lt"/>
+                  <a:ea typeface="+mn-ea"/>
+                  <a:cs typeface="+mn-cs"/>
+                </a:defRPr>
+              </a:lvl4pPr>
+              <a:lvl5pPr marL="1828800" algn="l" defTabSz="457200" rtl="0" eaLnBrk="1" latinLnBrk="0" hangingPunct="1">
+                <a:defRPr sz="1800" kern="1200">
+                  <a:solidFill>
+                    <a:schemeClr val="tx1"/>
+                  </a:solidFill>
+                  <a:latin typeface="+mn-lt"/>
+                  <a:ea typeface="+mn-ea"/>
+                  <a:cs typeface="+mn-cs"/>
+                </a:defRPr>
+              </a:lvl5pPr>
+              <a:lvl6pPr marL="2286000" algn="l" defTabSz="457200" rtl="0" eaLnBrk="1" latinLnBrk="0" hangingPunct="1">
+                <a:defRPr sz="1800" kern="1200">
+                  <a:solidFill>
+                    <a:schemeClr val="tx1"/>
+                  </a:solidFill>
+                  <a:latin typeface="+mn-lt"/>
+                  <a:ea typeface="+mn-ea"/>
+                  <a:cs typeface="+mn-cs"/>
+                </a:defRPr>
+              </a:lvl6pPr>
+              <a:lvl7pPr marL="2743200" algn="l" defTabSz="457200" rtl="0" eaLnBrk="1" latinLnBrk="0" hangingPunct="1">
+                <a:defRPr sz="1800" kern="1200">
+                  <a:solidFill>
+                    <a:schemeClr val="tx1"/>
+                  </a:solidFill>
+                  <a:latin typeface="+mn-lt"/>
+                  <a:ea typeface="+mn-ea"/>
+                  <a:cs typeface="+mn-cs"/>
+                </a:defRPr>
+              </a:lvl7pPr>
+              <a:lvl8pPr marL="3200400" algn="l" defTabSz="457200" rtl="0" eaLnBrk="1" latinLnBrk="0" hangingPunct="1">
+                <a:defRPr sz="1800" kern="1200">
+                  <a:solidFill>
+                    <a:schemeClr val="tx1"/>
+                  </a:solidFill>
+                  <a:latin typeface="+mn-lt"/>
+                  <a:ea typeface="+mn-ea"/>
+                  <a:cs typeface="+mn-cs"/>
+                </a:defRPr>
+              </a:lvl8pPr>
+              <a:lvl9pPr marL="3657600" algn="l" defTabSz="457200" rtl="0" eaLnBrk="1" latinLnBrk="0" hangingPunct="1">
+                <a:defRPr sz="1800" kern="1200">
+                  <a:solidFill>
+                    <a:schemeClr val="tx1"/>
+                  </a:solidFill>
+                  <a:latin typeface="+mn-lt"/>
+                  <a:ea typeface="+mn-ea"/>
+                  <a:cs typeface="+mn-cs"/>
+                </a:defRPr>
+              </a:lvl9pPr>
+            </a:lstStyle>
+            <a:p>
+              <a:pPr algn="l" defTabSz="536575">
+                <a:tabLst>
+                  <a:tab pos="893763" algn="l"/>
+                  <a:tab pos="1250950" algn="l"/>
+                </a:tabLst>
+              </a:pPr>
+              <a:r>
+                <a:rPr lang="fi-FI" sz="1800" b="0" cap="none" baseline="0" dirty="0"/>
+                <a:t>Basic Programming in Python</a:t>
+              </a:r>
+              <a:endParaRPr lang="en-GB" sz="1800" b="0" cap="none" baseline="0" dirty="0"/>
+            </a:p>
+          </p:txBody>
+        </p:sp>
+        <p:sp>
+          <p:nvSpPr>
+            <p:cNvPr id="21" name="Footer Placeholder 4">
+              <a:extLst>
+                <a:ext uri="{FF2B5EF4-FFF2-40B4-BE49-F238E27FC236}">
+                  <a16:creationId xmlns:a16="http://schemas.microsoft.com/office/drawing/2014/main" id="{21B430A0-6CD9-4D10-BC6F-E8D34DA53750}"/>
+                </a:ext>
+              </a:extLst>
+            </p:cNvPr>
+            <p:cNvSpPr txBox="1">
+              <a:spLocks/>
+            </p:cNvSpPr>
+            <p:nvPr userDrawn="1"/>
+          </p:nvSpPr>
+          <p:spPr>
+            <a:xfrm>
+              <a:off x="7369198" y="32134"/>
+              <a:ext cx="4822804" cy="365125"/>
+            </a:xfrm>
+            <a:prstGeom prst="rect">
+              <a:avLst/>
+            </a:prstGeom>
+          </p:spPr>
+          <p:txBody>
+            <a:bodyPr vert="horz" lIns="91440" tIns="45720" rIns="91440" bIns="45720" rtlCol="0" anchor="ctr"/>
+            <a:lstStyle>
+              <a:defPPr>
+                <a:defRPr lang="en-US"/>
+              </a:defPPr>
+              <a:lvl1pPr marL="0" algn="ctr" defTabSz="457200" rtl="0" eaLnBrk="1" latinLnBrk="0" hangingPunct="1">
+                <a:defRPr sz="900" kern="1200" cap="all" baseline="0">
+                  <a:solidFill>
+                    <a:srgbClr val="FFFFFF"/>
+                  </a:solidFill>
+                  <a:latin typeface="+mn-lt"/>
+                  <a:ea typeface="+mn-ea"/>
+                  <a:cs typeface="+mn-cs"/>
+                </a:defRPr>
+              </a:lvl1pPr>
+              <a:lvl2pPr marL="457200" algn="l" defTabSz="457200" rtl="0" eaLnBrk="1" latinLnBrk="0" hangingPunct="1">
+                <a:defRPr sz="1800" kern="1200">
+                  <a:solidFill>
+                    <a:schemeClr val="tx1"/>
+                  </a:solidFill>
+                  <a:latin typeface="+mn-lt"/>
+                  <a:ea typeface="+mn-ea"/>
+                  <a:cs typeface="+mn-cs"/>
+                </a:defRPr>
+              </a:lvl2pPr>
+              <a:lvl3pPr marL="914400" algn="l" defTabSz="457200" rtl="0" eaLnBrk="1" latinLnBrk="0" hangingPunct="1">
+                <a:defRPr sz="1800" kern="1200">
+                  <a:solidFill>
+                    <a:schemeClr val="tx1"/>
+                  </a:solidFill>
+                  <a:latin typeface="+mn-lt"/>
+                  <a:ea typeface="+mn-ea"/>
+                  <a:cs typeface="+mn-cs"/>
+                </a:defRPr>
+              </a:lvl3pPr>
+              <a:lvl4pPr marL="1371600" algn="l" defTabSz="457200" rtl="0" eaLnBrk="1" latinLnBrk="0" hangingPunct="1">
+                <a:defRPr sz="1800" kern="1200">
+                  <a:solidFill>
+                    <a:schemeClr val="tx1"/>
+                  </a:solidFill>
+                  <a:latin typeface="+mn-lt"/>
+                  <a:ea typeface="+mn-ea"/>
+                  <a:cs typeface="+mn-cs"/>
+                </a:defRPr>
+              </a:lvl4pPr>
+              <a:lvl5pPr marL="1828800" algn="l" defTabSz="457200" rtl="0" eaLnBrk="1" latinLnBrk="0" hangingPunct="1">
+                <a:defRPr sz="1800" kern="1200">
+                  <a:solidFill>
+                    <a:schemeClr val="tx1"/>
+                  </a:solidFill>
+                  <a:latin typeface="+mn-lt"/>
+                  <a:ea typeface="+mn-ea"/>
+                  <a:cs typeface="+mn-cs"/>
+                </a:defRPr>
+              </a:lvl5pPr>
+              <a:lvl6pPr marL="2286000" algn="l" defTabSz="457200" rtl="0" eaLnBrk="1" latinLnBrk="0" hangingPunct="1">
+                <a:defRPr sz="1800" kern="1200">
+                  <a:solidFill>
+                    <a:schemeClr val="tx1"/>
+                  </a:solidFill>
+                  <a:latin typeface="+mn-lt"/>
+                  <a:ea typeface="+mn-ea"/>
+                  <a:cs typeface="+mn-cs"/>
+                </a:defRPr>
+              </a:lvl6pPr>
+              <a:lvl7pPr marL="2743200" algn="l" defTabSz="457200" rtl="0" eaLnBrk="1" latinLnBrk="0" hangingPunct="1">
+                <a:defRPr sz="1800" kern="1200">
+                  <a:solidFill>
+                    <a:schemeClr val="tx1"/>
+                  </a:solidFill>
+                  <a:latin typeface="+mn-lt"/>
+                  <a:ea typeface="+mn-ea"/>
+                  <a:cs typeface="+mn-cs"/>
+                </a:defRPr>
+              </a:lvl7pPr>
+              <a:lvl8pPr marL="3200400" algn="l" defTabSz="457200" rtl="0" eaLnBrk="1" latinLnBrk="0" hangingPunct="1">
+                <a:defRPr sz="1800" kern="1200">
+                  <a:solidFill>
+                    <a:schemeClr val="tx1"/>
+                  </a:solidFill>
+                  <a:latin typeface="+mn-lt"/>
+                  <a:ea typeface="+mn-ea"/>
+                  <a:cs typeface="+mn-cs"/>
+                </a:defRPr>
+              </a:lvl8pPr>
+              <a:lvl9pPr marL="3657600" algn="l" defTabSz="457200" rtl="0" eaLnBrk="1" latinLnBrk="0" hangingPunct="1">
+                <a:defRPr sz="1800" kern="1200">
+                  <a:solidFill>
+                    <a:schemeClr val="tx1"/>
+                  </a:solidFill>
+                  <a:latin typeface="+mn-lt"/>
+                  <a:ea typeface="+mn-ea"/>
+                  <a:cs typeface="+mn-cs"/>
+                </a:defRPr>
+              </a:lvl9pPr>
+            </a:lstStyle>
+            <a:p>
+              <a:pPr algn="r" defTabSz="536575">
+                <a:tabLst>
+                  <a:tab pos="893763" algn="l"/>
+                  <a:tab pos="1250950" algn="l"/>
+                </a:tabLst>
+              </a:pPr>
+              <a:r>
+                <a:rPr lang="fi-FI" sz="1800" b="0" cap="none" baseline="0" dirty="0"/>
+                <a:t>Osnabr</a:t>
+              </a:r>
+              <a:r>
+                <a:rPr lang="de-DE" sz="1800" b="0" cap="none" baseline="0" dirty="0"/>
+                <a:t>ü</a:t>
+              </a:r>
+              <a:r>
+                <a:rPr lang="en-GB" sz="1800" b="0" cap="none" baseline="0" dirty="0" err="1"/>
+                <a:t>ck</a:t>
+              </a:r>
+              <a:r>
+                <a:rPr lang="en-GB" sz="1800" b="0" cap="none" baseline="0" dirty="0"/>
+                <a:t> University – </a:t>
+              </a:r>
+              <a:r>
+                <a:rPr lang="fi-FI" sz="1800" b="0" cap="none" baseline="0" dirty="0"/>
+                <a:t>SS2018</a:t>
+              </a:r>
+              <a:endParaRPr lang="en-GB" sz="1800" b="0" cap="none" baseline="0" dirty="0"/>
+            </a:p>
+          </p:txBody>
+        </p:sp>
+      </p:grpSp>
+      <p:cxnSp>
+        <p:nvCxnSpPr>
+          <p:cNvPr id="22" name="Straight Connector 21">
+            <a:extLst>
+              <a:ext uri="{FF2B5EF4-FFF2-40B4-BE49-F238E27FC236}">
+                <a16:creationId xmlns:a16="http://schemas.microsoft.com/office/drawing/2014/main" id="{D3BA940A-1C3A-4A60-A949-AD282C23510D}"/>
+              </a:ext>
+            </a:extLst>
+          </p:cNvPr>
+          <p:cNvCxnSpPr/>
+          <p:nvPr userDrawn="1"/>
+        </p:nvCxnSpPr>
+        <p:spPr>
+          <a:xfrm>
+            <a:off x="1207658" y="4343400"/>
+            <a:ext cx="9875520" cy="0"/>
+          </a:xfrm>
+          <a:prstGeom prst="line">
+            <a:avLst/>
+          </a:prstGeom>
+          <a:ln w="6350">
+            <a:solidFill>
+              <a:schemeClr val="tx1">
+                <a:lumMod val="50000"/>
+                <a:lumOff val="50000"/>
+              </a:schemeClr>
+            </a:solidFill>
+          </a:ln>
+        </p:spPr>
+        <p:style>
+          <a:lnRef idx="1">
+            <a:schemeClr val="accent1"/>
+          </a:lnRef>
+          <a:fillRef idx="0">
+            <a:schemeClr val="accent1"/>
+          </a:fillRef>
+          <a:effectRef idx="0">
+            <a:schemeClr val="accent1"/>
+          </a:effectRef>
+          <a:fontRef idx="minor">
+            <a:schemeClr val="tx1"/>
+          </a:fontRef>
+        </p:style>
+      </p:cxnSp>
+    </p:spTree>
+    <p:extLst>
+      <p:ext uri="{BB962C8B-B14F-4D97-AF65-F5344CB8AC3E}">
+        <p14:creationId xmlns:p14="http://schemas.microsoft.com/office/powerpoint/2010/main" val="228792200"/>
+      </p:ext>
+    </p:extLst>
+  </p:cSld>
+  <p:clrMapOvr>
+    <a:masterClrMapping/>
+  </p:clrMapOvr>
+</p:sldLayout>
+</file>
+
 <file path=ppt/slideLayouts/slideLayout4.xml><?xml version="1.0" encoding="utf-8"?>
 <p:sldLayout xmlns:a="http://schemas.openxmlformats.org/drawingml/2006/main" xmlns:r="http://schemas.openxmlformats.org/officeDocument/2006/relationships" xmlns:p="http://schemas.openxmlformats.org/presentationml/2006/main" type="twoObj" preserve="1">
   <p:cSld name="Two Content">
@@ -3673,7 +6695,7 @@
           <a:p>
             <a:fld id="{75144A6B-3049-457F-A987-8390460069EE}" type="datetime1">
               <a:rPr lang="en-GB" smtClean="0"/>
-              <a:t>03/04/2018</a:t>
+              <a:t>05/04/2018</a:t>
             </a:fld>
             <a:endParaRPr lang="en-GB"/>
           </a:p>
@@ -3696,7 +6718,7 @@
           <a:p>
             <a:fld id="{89C4E583-6443-4199-AF95-A2ECCC288D48}" type="slidenum">
               <a:rPr lang="en-GB" smtClean="0"/>
-              <a:t>‹#›</a:t>
+              <a:t>‹Nr.›</a:t>
             </a:fld>
             <a:endParaRPr lang="en-GB"/>
           </a:p>
@@ -3705,7 +6727,7 @@
     </p:spTree>
     <p:extLst>
       <p:ext uri="{BB962C8B-B14F-4D97-AF65-F5344CB8AC3E}">
-        <p14:creationId xmlns:p14="http://schemas.microsoft.com/office/powerpoint/2010/main" val="1786009637"/>
+        <p14:creationId xmlns:p14="http://schemas.microsoft.com/office/powerpoint/2010/main" val="3738876200"/>
       </p:ext>
     </p:extLst>
   </p:cSld>
@@ -4033,7 +7055,7 @@
           <a:p>
             <a:fld id="{FBD4005F-9225-497A-885F-BA883E74DE5D}" type="datetime1">
               <a:rPr lang="en-GB" smtClean="0"/>
-              <a:t>03/04/2018</a:t>
+              <a:t>05/04/2018</a:t>
             </a:fld>
             <a:endParaRPr lang="en-GB"/>
           </a:p>
@@ -4056,7 +7078,7 @@
           <a:p>
             <a:fld id="{89C4E583-6443-4199-AF95-A2ECCC288D48}" type="slidenum">
               <a:rPr lang="en-GB" smtClean="0"/>
-              <a:t>‹#›</a:t>
+              <a:t>‹Nr.›</a:t>
             </a:fld>
             <a:endParaRPr lang="en-GB"/>
           </a:p>
@@ -4065,7 +7087,7 @@
     </p:spTree>
     <p:extLst>
       <p:ext uri="{BB962C8B-B14F-4D97-AF65-F5344CB8AC3E}">
-        <p14:creationId xmlns:p14="http://schemas.microsoft.com/office/powerpoint/2010/main" val="2668685527"/>
+        <p14:creationId xmlns:p14="http://schemas.microsoft.com/office/powerpoint/2010/main" val="3319048397"/>
       </p:ext>
     </p:extLst>
   </p:cSld>
@@ -4132,7 +7154,7 @@
           <a:p>
             <a:fld id="{AE523FC3-765C-4CC7-9E4B-E3B68A3EDBFE}" type="datetime1">
               <a:rPr lang="en-GB" smtClean="0"/>
-              <a:t>03/04/2018</a:t>
+              <a:t>05/04/2018</a:t>
             </a:fld>
             <a:endParaRPr lang="en-GB"/>
           </a:p>
@@ -4155,7 +7177,7 @@
           <a:p>
             <a:fld id="{89C4E583-6443-4199-AF95-A2ECCC288D48}" type="slidenum">
               <a:rPr lang="en-GB" smtClean="0"/>
-              <a:t>‹#›</a:t>
+              <a:t>‹Nr.›</a:t>
             </a:fld>
             <a:endParaRPr lang="en-GB"/>
           </a:p>
@@ -4164,7 +7186,7 @@
     </p:spTree>
     <p:extLst>
       <p:ext uri="{BB962C8B-B14F-4D97-AF65-F5344CB8AC3E}">
-        <p14:creationId xmlns:p14="http://schemas.microsoft.com/office/powerpoint/2010/main" val="1988913113"/>
+        <p14:creationId xmlns:p14="http://schemas.microsoft.com/office/powerpoint/2010/main" val="2871916940"/>
       </p:ext>
     </p:extLst>
   </p:cSld>
@@ -4246,7 +7268,7 @@
           <a:p>
             <a:fld id="{9AA3DD7D-9416-45E8-AF3B-D7B360CC564A}" type="datetime1">
               <a:rPr lang="en-GB" smtClean="0"/>
-              <a:t>03/04/2018</a:t>
+              <a:t>05/04/2018</a:t>
             </a:fld>
             <a:endParaRPr lang="en-GB"/>
           </a:p>
@@ -4269,7 +7291,7 @@
           <a:p>
             <a:fld id="{89C4E583-6443-4199-AF95-A2ECCC288D48}" type="slidenum">
               <a:rPr lang="en-GB" smtClean="0"/>
-              <a:t>‹#›</a:t>
+              <a:t>‹Nr.›</a:t>
             </a:fld>
             <a:endParaRPr lang="en-GB"/>
           </a:p>
@@ -4281,6 +7303,519 @@
             <a:extLst>
               <a:ext uri="{FF2B5EF4-FFF2-40B4-BE49-F238E27FC236}">
                 <a16:creationId xmlns:a16="http://schemas.microsoft.com/office/drawing/2014/main" id="{4C1906CC-0007-421F-A189-FF05F3AADC9A}"/>
+              </a:ext>
+            </a:extLst>
+          </p:cNvPr>
+          <p:cNvSpPr txBox="1">
+            <a:spLocks/>
+          </p:cNvSpPr>
+          <p:nvPr/>
+        </p:nvSpPr>
+        <p:spPr>
+          <a:xfrm>
+            <a:off x="3684598" y="6459540"/>
+            <a:ext cx="4822804" cy="365125"/>
+          </a:xfrm>
+          <a:prstGeom prst="rect">
+            <a:avLst/>
+          </a:prstGeom>
+        </p:spPr>
+        <p:txBody>
+          <a:bodyPr vert="horz" lIns="91440" tIns="45720" rIns="91440" bIns="45720" rtlCol="0" anchor="ctr"/>
+          <a:lstStyle>
+            <a:defPPr>
+              <a:defRPr lang="en-US"/>
+            </a:defPPr>
+            <a:lvl1pPr marL="0" algn="ctr" defTabSz="457200" rtl="0" eaLnBrk="1" latinLnBrk="0" hangingPunct="1">
+              <a:defRPr sz="900" kern="1200" cap="all" baseline="0">
+                <a:solidFill>
+                  <a:srgbClr val="FFFFFF"/>
+                </a:solidFill>
+                <a:latin typeface="+mn-lt"/>
+                <a:ea typeface="+mn-ea"/>
+                <a:cs typeface="+mn-cs"/>
+              </a:defRPr>
+            </a:lvl1pPr>
+            <a:lvl2pPr marL="457200" algn="l" defTabSz="457200" rtl="0" eaLnBrk="1" latinLnBrk="0" hangingPunct="1">
+              <a:defRPr sz="1800" kern="1200">
+                <a:solidFill>
+                  <a:schemeClr val="tx1"/>
+                </a:solidFill>
+                <a:latin typeface="+mn-lt"/>
+                <a:ea typeface="+mn-ea"/>
+                <a:cs typeface="+mn-cs"/>
+              </a:defRPr>
+            </a:lvl2pPr>
+            <a:lvl3pPr marL="914400" algn="l" defTabSz="457200" rtl="0" eaLnBrk="1" latinLnBrk="0" hangingPunct="1">
+              <a:defRPr sz="1800" kern="1200">
+                <a:solidFill>
+                  <a:schemeClr val="tx1"/>
+                </a:solidFill>
+                <a:latin typeface="+mn-lt"/>
+                <a:ea typeface="+mn-ea"/>
+                <a:cs typeface="+mn-cs"/>
+              </a:defRPr>
+            </a:lvl3pPr>
+            <a:lvl4pPr marL="1371600" algn="l" defTabSz="457200" rtl="0" eaLnBrk="1" latinLnBrk="0" hangingPunct="1">
+              <a:defRPr sz="1800" kern="1200">
+                <a:solidFill>
+                  <a:schemeClr val="tx1"/>
+                </a:solidFill>
+                <a:latin typeface="+mn-lt"/>
+                <a:ea typeface="+mn-ea"/>
+                <a:cs typeface="+mn-cs"/>
+              </a:defRPr>
+            </a:lvl4pPr>
+            <a:lvl5pPr marL="1828800" algn="l" defTabSz="457200" rtl="0" eaLnBrk="1" latinLnBrk="0" hangingPunct="1">
+              <a:defRPr sz="1800" kern="1200">
+                <a:solidFill>
+                  <a:schemeClr val="tx1"/>
+                </a:solidFill>
+                <a:latin typeface="+mn-lt"/>
+                <a:ea typeface="+mn-ea"/>
+                <a:cs typeface="+mn-cs"/>
+              </a:defRPr>
+            </a:lvl5pPr>
+            <a:lvl6pPr marL="2286000" algn="l" defTabSz="457200" rtl="0" eaLnBrk="1" latinLnBrk="0" hangingPunct="1">
+              <a:defRPr sz="1800" kern="1200">
+                <a:solidFill>
+                  <a:schemeClr val="tx1"/>
+                </a:solidFill>
+                <a:latin typeface="+mn-lt"/>
+                <a:ea typeface="+mn-ea"/>
+                <a:cs typeface="+mn-cs"/>
+              </a:defRPr>
+            </a:lvl6pPr>
+            <a:lvl7pPr marL="2743200" algn="l" defTabSz="457200" rtl="0" eaLnBrk="1" latinLnBrk="0" hangingPunct="1">
+              <a:defRPr sz="1800" kern="1200">
+                <a:solidFill>
+                  <a:schemeClr val="tx1"/>
+                </a:solidFill>
+                <a:latin typeface="+mn-lt"/>
+                <a:ea typeface="+mn-ea"/>
+                <a:cs typeface="+mn-cs"/>
+              </a:defRPr>
+            </a:lvl7pPr>
+            <a:lvl8pPr marL="3200400" algn="l" defTabSz="457200" rtl="0" eaLnBrk="1" latinLnBrk="0" hangingPunct="1">
+              <a:defRPr sz="1800" kern="1200">
+                <a:solidFill>
+                  <a:schemeClr val="tx1"/>
+                </a:solidFill>
+                <a:latin typeface="+mn-lt"/>
+                <a:ea typeface="+mn-ea"/>
+                <a:cs typeface="+mn-cs"/>
+              </a:defRPr>
+            </a:lvl8pPr>
+            <a:lvl9pPr marL="3657600" algn="l" defTabSz="457200" rtl="0" eaLnBrk="1" latinLnBrk="0" hangingPunct="1">
+              <a:defRPr sz="1800" kern="1200">
+                <a:solidFill>
+                  <a:schemeClr val="tx1"/>
+                </a:solidFill>
+                <a:latin typeface="+mn-lt"/>
+                <a:ea typeface="+mn-ea"/>
+                <a:cs typeface="+mn-cs"/>
+              </a:defRPr>
+            </a:lvl9pPr>
+          </a:lstStyle>
+          <a:p>
+            <a:pPr marL="0" lvl="0" indent="0" algn="ctr" defTabSz="536575">
+              <a:tabLst>
+                <a:tab pos="2511425" algn="r"/>
+              </a:tabLst>
+            </a:pPr>
+            <a:r>
+              <a:rPr lang="fi-FI" sz="1000" b="0" cap="none" baseline="0" dirty="0"/>
+              <a:t>Moritz Nipshagen	</a:t>
+            </a:r>
+            <a:r>
+              <a:rPr lang="fi-FI" sz="1000" b="0" cap="none" baseline="0" dirty="0">
+                <a:hlinkClick r:id="rId2"/>
+              </a:rPr>
+              <a:t>mnipshagen@uos.de</a:t>
+            </a:r>
+            <a:endParaRPr lang="fi-FI" sz="1000" b="0" cap="none" baseline="0" dirty="0"/>
+          </a:p>
+          <a:p>
+            <a:pPr marL="0" lvl="0" indent="0" algn="ctr" defTabSz="536575">
+              <a:tabLst>
+                <a:tab pos="2511425" algn="r"/>
+              </a:tabLst>
+            </a:pPr>
+            <a:r>
+              <a:rPr lang="fi-FI" sz="1000" b="0" cap="none" baseline="0" dirty="0"/>
+              <a:t>Antonia Hain	</a:t>
+            </a:r>
+            <a:r>
+              <a:rPr lang="fi-FI" sz="1000" b="0" cap="none" baseline="0" dirty="0">
+                <a:hlinkClick r:id="rId3"/>
+              </a:rPr>
+              <a:t>ahain@uos.de</a:t>
+            </a:r>
+            <a:r>
+              <a:rPr lang="fi-FI" sz="1000" b="0" cap="none" baseline="0" dirty="0"/>
+              <a:t> </a:t>
+            </a:r>
+            <a:endParaRPr lang="en-GB" sz="1000" b="0" cap="none" baseline="0" dirty="0"/>
+          </a:p>
+        </p:txBody>
+      </p:sp>
+      <p:grpSp>
+        <p:nvGrpSpPr>
+          <p:cNvPr id="11" name="Group 10">
+            <a:extLst>
+              <a:ext uri="{FF2B5EF4-FFF2-40B4-BE49-F238E27FC236}">
+                <a16:creationId xmlns:a16="http://schemas.microsoft.com/office/drawing/2014/main" id="{F0753368-43EB-48DE-AF80-8822CE9C79DB}"/>
+              </a:ext>
+            </a:extLst>
+          </p:cNvPr>
+          <p:cNvGrpSpPr/>
+          <p:nvPr/>
+        </p:nvGrpSpPr>
+        <p:grpSpPr>
+          <a:xfrm>
+            <a:off x="0" y="-3393"/>
+            <a:ext cx="12192002" cy="457200"/>
+            <a:chOff x="0" y="-13903"/>
+            <a:chExt cx="12192002" cy="457200"/>
+          </a:xfrm>
+        </p:grpSpPr>
+        <p:sp>
+          <p:nvSpPr>
+            <p:cNvPr id="12" name="Rectangle 11">
+              <a:extLst>
+                <a:ext uri="{FF2B5EF4-FFF2-40B4-BE49-F238E27FC236}">
+                  <a16:creationId xmlns:a16="http://schemas.microsoft.com/office/drawing/2014/main" id="{CBBA5965-1D45-4584-B359-296E3283C784}"/>
+                </a:ext>
+              </a:extLst>
+            </p:cNvPr>
+            <p:cNvSpPr/>
+            <p:nvPr/>
+          </p:nvSpPr>
+          <p:spPr>
+            <a:xfrm>
+              <a:off x="0" y="-13903"/>
+              <a:ext cx="12192000" cy="457200"/>
+            </a:xfrm>
+            <a:prstGeom prst="rect">
+              <a:avLst/>
+            </a:prstGeom>
+            <a:solidFill>
+              <a:schemeClr val="accent2"/>
+            </a:solidFill>
+            <a:ln>
+              <a:noFill/>
+            </a:ln>
+          </p:spPr>
+          <p:style>
+            <a:lnRef idx="2">
+              <a:schemeClr val="accent1">
+                <a:shade val="50000"/>
+              </a:schemeClr>
+            </a:lnRef>
+            <a:fillRef idx="1">
+              <a:schemeClr val="accent1"/>
+            </a:fillRef>
+            <a:effectRef idx="0">
+              <a:schemeClr val="accent1"/>
+            </a:effectRef>
+            <a:fontRef idx="minor">
+              <a:schemeClr val="lt1"/>
+            </a:fontRef>
+          </p:style>
+        </p:sp>
+        <p:sp>
+          <p:nvSpPr>
+            <p:cNvPr id="13" name="Footer Placeholder 4">
+              <a:extLst>
+                <a:ext uri="{FF2B5EF4-FFF2-40B4-BE49-F238E27FC236}">
+                  <a16:creationId xmlns:a16="http://schemas.microsoft.com/office/drawing/2014/main" id="{018C1B56-97E9-497E-B4BA-C43CA4A6E27C}"/>
+                </a:ext>
+              </a:extLst>
+            </p:cNvPr>
+            <p:cNvSpPr txBox="1">
+              <a:spLocks/>
+            </p:cNvSpPr>
+            <p:nvPr/>
+          </p:nvSpPr>
+          <p:spPr>
+            <a:xfrm>
+              <a:off x="0" y="43845"/>
+              <a:ext cx="4822804" cy="365125"/>
+            </a:xfrm>
+            <a:prstGeom prst="rect">
+              <a:avLst/>
+            </a:prstGeom>
+          </p:spPr>
+          <p:txBody>
+            <a:bodyPr vert="horz" lIns="91440" tIns="45720" rIns="91440" bIns="45720" rtlCol="0" anchor="ctr"/>
+            <a:lstStyle>
+              <a:defPPr>
+                <a:defRPr lang="en-US"/>
+              </a:defPPr>
+              <a:lvl1pPr marL="0" algn="ctr" defTabSz="457200" rtl="0" eaLnBrk="1" latinLnBrk="0" hangingPunct="1">
+                <a:defRPr sz="900" kern="1200" cap="all" baseline="0">
+                  <a:solidFill>
+                    <a:srgbClr val="FFFFFF"/>
+                  </a:solidFill>
+                  <a:latin typeface="+mn-lt"/>
+                  <a:ea typeface="+mn-ea"/>
+                  <a:cs typeface="+mn-cs"/>
+                </a:defRPr>
+              </a:lvl1pPr>
+              <a:lvl2pPr marL="457200" algn="l" defTabSz="457200" rtl="0" eaLnBrk="1" latinLnBrk="0" hangingPunct="1">
+                <a:defRPr sz="1800" kern="1200">
+                  <a:solidFill>
+                    <a:schemeClr val="tx1"/>
+                  </a:solidFill>
+                  <a:latin typeface="+mn-lt"/>
+                  <a:ea typeface="+mn-ea"/>
+                  <a:cs typeface="+mn-cs"/>
+                </a:defRPr>
+              </a:lvl2pPr>
+              <a:lvl3pPr marL="914400" algn="l" defTabSz="457200" rtl="0" eaLnBrk="1" latinLnBrk="0" hangingPunct="1">
+                <a:defRPr sz="1800" kern="1200">
+                  <a:solidFill>
+                    <a:schemeClr val="tx1"/>
+                  </a:solidFill>
+                  <a:latin typeface="+mn-lt"/>
+                  <a:ea typeface="+mn-ea"/>
+                  <a:cs typeface="+mn-cs"/>
+                </a:defRPr>
+              </a:lvl3pPr>
+              <a:lvl4pPr marL="1371600" algn="l" defTabSz="457200" rtl="0" eaLnBrk="1" latinLnBrk="0" hangingPunct="1">
+                <a:defRPr sz="1800" kern="1200">
+                  <a:solidFill>
+                    <a:schemeClr val="tx1"/>
+                  </a:solidFill>
+                  <a:latin typeface="+mn-lt"/>
+                  <a:ea typeface="+mn-ea"/>
+                  <a:cs typeface="+mn-cs"/>
+                </a:defRPr>
+              </a:lvl4pPr>
+              <a:lvl5pPr marL="1828800" algn="l" defTabSz="457200" rtl="0" eaLnBrk="1" latinLnBrk="0" hangingPunct="1">
+                <a:defRPr sz="1800" kern="1200">
+                  <a:solidFill>
+                    <a:schemeClr val="tx1"/>
+                  </a:solidFill>
+                  <a:latin typeface="+mn-lt"/>
+                  <a:ea typeface="+mn-ea"/>
+                  <a:cs typeface="+mn-cs"/>
+                </a:defRPr>
+              </a:lvl5pPr>
+              <a:lvl6pPr marL="2286000" algn="l" defTabSz="457200" rtl="0" eaLnBrk="1" latinLnBrk="0" hangingPunct="1">
+                <a:defRPr sz="1800" kern="1200">
+                  <a:solidFill>
+                    <a:schemeClr val="tx1"/>
+                  </a:solidFill>
+                  <a:latin typeface="+mn-lt"/>
+                  <a:ea typeface="+mn-ea"/>
+                  <a:cs typeface="+mn-cs"/>
+                </a:defRPr>
+              </a:lvl6pPr>
+              <a:lvl7pPr marL="2743200" algn="l" defTabSz="457200" rtl="0" eaLnBrk="1" latinLnBrk="0" hangingPunct="1">
+                <a:defRPr sz="1800" kern="1200">
+                  <a:solidFill>
+                    <a:schemeClr val="tx1"/>
+                  </a:solidFill>
+                  <a:latin typeface="+mn-lt"/>
+                  <a:ea typeface="+mn-ea"/>
+                  <a:cs typeface="+mn-cs"/>
+                </a:defRPr>
+              </a:lvl7pPr>
+              <a:lvl8pPr marL="3200400" algn="l" defTabSz="457200" rtl="0" eaLnBrk="1" latinLnBrk="0" hangingPunct="1">
+                <a:defRPr sz="1800" kern="1200">
+                  <a:solidFill>
+                    <a:schemeClr val="tx1"/>
+                  </a:solidFill>
+                  <a:latin typeface="+mn-lt"/>
+                  <a:ea typeface="+mn-ea"/>
+                  <a:cs typeface="+mn-cs"/>
+                </a:defRPr>
+              </a:lvl8pPr>
+              <a:lvl9pPr marL="3657600" algn="l" defTabSz="457200" rtl="0" eaLnBrk="1" latinLnBrk="0" hangingPunct="1">
+                <a:defRPr sz="1800" kern="1200">
+                  <a:solidFill>
+                    <a:schemeClr val="tx1"/>
+                  </a:solidFill>
+                  <a:latin typeface="+mn-lt"/>
+                  <a:ea typeface="+mn-ea"/>
+                  <a:cs typeface="+mn-cs"/>
+                </a:defRPr>
+              </a:lvl9pPr>
+            </a:lstStyle>
+            <a:p>
+              <a:pPr algn="l" defTabSz="536575">
+                <a:tabLst>
+                  <a:tab pos="893763" algn="l"/>
+                  <a:tab pos="1250950" algn="l"/>
+                </a:tabLst>
+              </a:pPr>
+              <a:r>
+                <a:rPr lang="fi-FI" sz="1800" b="0" cap="none" baseline="0" dirty="0"/>
+                <a:t>Basic Programming in Python</a:t>
+              </a:r>
+              <a:endParaRPr lang="en-GB" sz="1800" b="0" cap="none" baseline="0" dirty="0"/>
+            </a:p>
+          </p:txBody>
+        </p:sp>
+        <p:sp>
+          <p:nvSpPr>
+            <p:cNvPr id="14" name="Footer Placeholder 4">
+              <a:extLst>
+                <a:ext uri="{FF2B5EF4-FFF2-40B4-BE49-F238E27FC236}">
+                  <a16:creationId xmlns:a16="http://schemas.microsoft.com/office/drawing/2014/main" id="{C0F31DD2-4414-4E49-84E8-696DBBC5DB3F}"/>
+                </a:ext>
+              </a:extLst>
+            </p:cNvPr>
+            <p:cNvSpPr txBox="1">
+              <a:spLocks/>
+            </p:cNvSpPr>
+            <p:nvPr/>
+          </p:nvSpPr>
+          <p:spPr>
+            <a:xfrm>
+              <a:off x="7369198" y="32134"/>
+              <a:ext cx="4822804" cy="365125"/>
+            </a:xfrm>
+            <a:prstGeom prst="rect">
+              <a:avLst/>
+            </a:prstGeom>
+          </p:spPr>
+          <p:txBody>
+            <a:bodyPr vert="horz" lIns="91440" tIns="45720" rIns="91440" bIns="45720" rtlCol="0" anchor="ctr"/>
+            <a:lstStyle>
+              <a:defPPr>
+                <a:defRPr lang="en-US"/>
+              </a:defPPr>
+              <a:lvl1pPr marL="0" algn="ctr" defTabSz="457200" rtl="0" eaLnBrk="1" latinLnBrk="0" hangingPunct="1">
+                <a:defRPr sz="900" kern="1200" cap="all" baseline="0">
+                  <a:solidFill>
+                    <a:srgbClr val="FFFFFF"/>
+                  </a:solidFill>
+                  <a:latin typeface="+mn-lt"/>
+                  <a:ea typeface="+mn-ea"/>
+                  <a:cs typeface="+mn-cs"/>
+                </a:defRPr>
+              </a:lvl1pPr>
+              <a:lvl2pPr marL="457200" algn="l" defTabSz="457200" rtl="0" eaLnBrk="1" latinLnBrk="0" hangingPunct="1">
+                <a:defRPr sz="1800" kern="1200">
+                  <a:solidFill>
+                    <a:schemeClr val="tx1"/>
+                  </a:solidFill>
+                  <a:latin typeface="+mn-lt"/>
+                  <a:ea typeface="+mn-ea"/>
+                  <a:cs typeface="+mn-cs"/>
+                </a:defRPr>
+              </a:lvl2pPr>
+              <a:lvl3pPr marL="914400" algn="l" defTabSz="457200" rtl="0" eaLnBrk="1" latinLnBrk="0" hangingPunct="1">
+                <a:defRPr sz="1800" kern="1200">
+                  <a:solidFill>
+                    <a:schemeClr val="tx1"/>
+                  </a:solidFill>
+                  <a:latin typeface="+mn-lt"/>
+                  <a:ea typeface="+mn-ea"/>
+                  <a:cs typeface="+mn-cs"/>
+                </a:defRPr>
+              </a:lvl3pPr>
+              <a:lvl4pPr marL="1371600" algn="l" defTabSz="457200" rtl="0" eaLnBrk="1" latinLnBrk="0" hangingPunct="1">
+                <a:defRPr sz="1800" kern="1200">
+                  <a:solidFill>
+                    <a:schemeClr val="tx1"/>
+                  </a:solidFill>
+                  <a:latin typeface="+mn-lt"/>
+                  <a:ea typeface="+mn-ea"/>
+                  <a:cs typeface="+mn-cs"/>
+                </a:defRPr>
+              </a:lvl4pPr>
+              <a:lvl5pPr marL="1828800" algn="l" defTabSz="457200" rtl="0" eaLnBrk="1" latinLnBrk="0" hangingPunct="1">
+                <a:defRPr sz="1800" kern="1200">
+                  <a:solidFill>
+                    <a:schemeClr val="tx1"/>
+                  </a:solidFill>
+                  <a:latin typeface="+mn-lt"/>
+                  <a:ea typeface="+mn-ea"/>
+                  <a:cs typeface="+mn-cs"/>
+                </a:defRPr>
+              </a:lvl5pPr>
+              <a:lvl6pPr marL="2286000" algn="l" defTabSz="457200" rtl="0" eaLnBrk="1" latinLnBrk="0" hangingPunct="1">
+                <a:defRPr sz="1800" kern="1200">
+                  <a:solidFill>
+                    <a:schemeClr val="tx1"/>
+                  </a:solidFill>
+                  <a:latin typeface="+mn-lt"/>
+                  <a:ea typeface="+mn-ea"/>
+                  <a:cs typeface="+mn-cs"/>
+                </a:defRPr>
+              </a:lvl6pPr>
+              <a:lvl7pPr marL="2743200" algn="l" defTabSz="457200" rtl="0" eaLnBrk="1" latinLnBrk="0" hangingPunct="1">
+                <a:defRPr sz="1800" kern="1200">
+                  <a:solidFill>
+                    <a:schemeClr val="tx1"/>
+                  </a:solidFill>
+                  <a:latin typeface="+mn-lt"/>
+                  <a:ea typeface="+mn-ea"/>
+                  <a:cs typeface="+mn-cs"/>
+                </a:defRPr>
+              </a:lvl7pPr>
+              <a:lvl8pPr marL="3200400" algn="l" defTabSz="457200" rtl="0" eaLnBrk="1" latinLnBrk="0" hangingPunct="1">
+                <a:defRPr sz="1800" kern="1200">
+                  <a:solidFill>
+                    <a:schemeClr val="tx1"/>
+                  </a:solidFill>
+                  <a:latin typeface="+mn-lt"/>
+                  <a:ea typeface="+mn-ea"/>
+                  <a:cs typeface="+mn-cs"/>
+                </a:defRPr>
+              </a:lvl8pPr>
+              <a:lvl9pPr marL="3657600" algn="l" defTabSz="457200" rtl="0" eaLnBrk="1" latinLnBrk="0" hangingPunct="1">
+                <a:defRPr sz="1800" kern="1200">
+                  <a:solidFill>
+                    <a:schemeClr val="tx1"/>
+                  </a:solidFill>
+                  <a:latin typeface="+mn-lt"/>
+                  <a:ea typeface="+mn-ea"/>
+                  <a:cs typeface="+mn-cs"/>
+                </a:defRPr>
+              </a:lvl9pPr>
+            </a:lstStyle>
+            <a:p>
+              <a:pPr algn="r" defTabSz="536575">
+                <a:tabLst>
+                  <a:tab pos="893763" algn="l"/>
+                  <a:tab pos="1250950" algn="l"/>
+                </a:tabLst>
+              </a:pPr>
+              <a:r>
+                <a:rPr lang="fi-FI" sz="1800" b="0" cap="none" baseline="0" dirty="0"/>
+                <a:t>Osnabr</a:t>
+              </a:r>
+              <a:r>
+                <a:rPr lang="de-DE" sz="1800" b="0" cap="none" baseline="0" dirty="0"/>
+                <a:t>ü</a:t>
+              </a:r>
+              <a:r>
+                <a:rPr lang="en-GB" sz="1800" b="0" cap="none" baseline="0" dirty="0" err="1"/>
+                <a:t>ck</a:t>
+              </a:r>
+              <a:r>
+                <a:rPr lang="en-GB" sz="1800" b="0" cap="none" baseline="0" dirty="0"/>
+                <a:t> University – </a:t>
+              </a:r>
+              <a:r>
+                <a:rPr lang="fi-FI" sz="1800" b="0" cap="none" baseline="0" dirty="0"/>
+                <a:t>SS2018</a:t>
+              </a:r>
+              <a:endParaRPr lang="en-GB" sz="1800" b="0" cap="none" baseline="0" dirty="0"/>
+            </a:p>
+          </p:txBody>
+        </p:sp>
+      </p:grpSp>
+      <p:sp>
+        <p:nvSpPr>
+          <p:cNvPr id="15" name="Footer Placeholder 4">
+            <a:extLst>
+              <a:ext uri="{FF2B5EF4-FFF2-40B4-BE49-F238E27FC236}">
+                <a16:creationId xmlns:a16="http://schemas.microsoft.com/office/drawing/2014/main" id="{AD112BA8-D870-415C-8C26-8B9BE8AFA3C4}"/>
               </a:ext>
             </a:extLst>
           </p:cNvPr>
@@ -4439,10 +7974,10 @@
       </p:sp>
       <p:grpSp>
         <p:nvGrpSpPr>
-          <p:cNvPr id="11" name="Group 10">
+          <p:cNvPr id="16" name="Group 15">
             <a:extLst>
               <a:ext uri="{FF2B5EF4-FFF2-40B4-BE49-F238E27FC236}">
-                <a16:creationId xmlns:a16="http://schemas.microsoft.com/office/drawing/2014/main" id="{F0753368-43EB-48DE-AF80-8822CE9C79DB}"/>
+                <a16:creationId xmlns:a16="http://schemas.microsoft.com/office/drawing/2014/main" id="{DB38558F-ABB3-4F93-9C7D-2F1A47C55A28}"/>
               </a:ext>
             </a:extLst>
           </p:cNvPr>
@@ -4459,10 +7994,10 @@
         </p:grpSpPr>
         <p:sp>
           <p:nvSpPr>
-            <p:cNvPr id="12" name="Rectangle 11">
+            <p:cNvPr id="17" name="Rectangle 16">
               <a:extLst>
                 <a:ext uri="{FF2B5EF4-FFF2-40B4-BE49-F238E27FC236}">
-                  <a16:creationId xmlns:a16="http://schemas.microsoft.com/office/drawing/2014/main" id="{CBBA5965-1D45-4584-B359-296E3283C784}"/>
+                  <a16:creationId xmlns:a16="http://schemas.microsoft.com/office/drawing/2014/main" id="{252987B5-8C85-4A29-BB50-62F81C12A0F7}"/>
                 </a:ext>
               </a:extLst>
             </p:cNvPr>
@@ -4503,10 +8038,10 @@
         </p:sp>
         <p:sp>
           <p:nvSpPr>
-            <p:cNvPr id="13" name="Footer Placeholder 4">
+            <p:cNvPr id="18" name="Footer Placeholder 4">
               <a:extLst>
                 <a:ext uri="{FF2B5EF4-FFF2-40B4-BE49-F238E27FC236}">
-                  <a16:creationId xmlns:a16="http://schemas.microsoft.com/office/drawing/2014/main" id="{018C1B56-97E9-497E-B4BA-C43CA4A6E27C}"/>
+                  <a16:creationId xmlns:a16="http://schemas.microsoft.com/office/drawing/2014/main" id="{AF539F7C-624E-42AC-BB39-4D4911DD25CB}"/>
                 </a:ext>
               </a:extLst>
             </p:cNvPr>
@@ -4638,10 +8173,10 @@
         </p:sp>
         <p:sp>
           <p:nvSpPr>
-            <p:cNvPr id="14" name="Footer Placeholder 4">
+            <p:cNvPr id="19" name="Footer Placeholder 4">
               <a:extLst>
                 <a:ext uri="{FF2B5EF4-FFF2-40B4-BE49-F238E27FC236}">
-                  <a16:creationId xmlns:a16="http://schemas.microsoft.com/office/drawing/2014/main" id="{C0F31DD2-4414-4E49-84E8-696DBBC5DB3F}"/>
+                  <a16:creationId xmlns:a16="http://schemas.microsoft.com/office/drawing/2014/main" id="{7A7732F3-F57C-4C4A-8017-AB07AA566975}"/>
                 </a:ext>
               </a:extLst>
             </p:cNvPr>
@@ -4791,7 +8326,7 @@
     </p:spTree>
     <p:extLst>
       <p:ext uri="{BB962C8B-B14F-4D97-AF65-F5344CB8AC3E}">
-        <p14:creationId xmlns:p14="http://schemas.microsoft.com/office/powerpoint/2010/main" val="2972078424"/>
+        <p14:creationId xmlns:p14="http://schemas.microsoft.com/office/powerpoint/2010/main" val="1736165154"/>
       </p:ext>
     </p:extLst>
   </p:cSld>
@@ -5048,7 +8583,7 @@
           <a:p>
             <a:fld id="{F613CE8B-DAD8-4C75-ABDD-E74B55B147EF}" type="datetime1">
               <a:rPr lang="en-GB" smtClean="0"/>
-              <a:t>03/04/2018</a:t>
+              <a:t>05/04/2018</a:t>
             </a:fld>
             <a:endParaRPr lang="en-GB"/>
           </a:p>
@@ -5079,7 +8614,7 @@
           <a:p>
             <a:fld id="{89C4E583-6443-4199-AF95-A2ECCC288D48}" type="slidenum">
               <a:rPr lang="en-GB" smtClean="0"/>
-              <a:t>‹#›</a:t>
+              <a:t>‹Nr.›</a:t>
             </a:fld>
             <a:endParaRPr lang="en-GB"/>
           </a:p>
@@ -5091,6 +8626,491 @@
             <a:extLst>
               <a:ext uri="{FF2B5EF4-FFF2-40B4-BE49-F238E27FC236}">
                 <a16:creationId xmlns:a16="http://schemas.microsoft.com/office/drawing/2014/main" id="{7D5A7D1F-D6B4-49F8-BFA5-36DA444D93E2}"/>
+              </a:ext>
+            </a:extLst>
+          </p:cNvPr>
+          <p:cNvSpPr txBox="1">
+            <a:spLocks/>
+          </p:cNvSpPr>
+          <p:nvPr/>
+        </p:nvSpPr>
+        <p:spPr>
+          <a:xfrm>
+            <a:off x="3684598" y="6449030"/>
+            <a:ext cx="4822804" cy="365125"/>
+          </a:xfrm>
+          <a:prstGeom prst="rect">
+            <a:avLst/>
+          </a:prstGeom>
+        </p:spPr>
+        <p:txBody>
+          <a:bodyPr vert="horz" lIns="91440" tIns="45720" rIns="91440" bIns="45720" rtlCol="0" anchor="ctr"/>
+          <a:lstStyle>
+            <a:defPPr>
+              <a:defRPr lang="en-US"/>
+            </a:defPPr>
+            <a:lvl1pPr marL="0" algn="ctr" defTabSz="457200" rtl="0" eaLnBrk="1" latinLnBrk="0" hangingPunct="1">
+              <a:defRPr sz="900" kern="1200" cap="all" baseline="0">
+                <a:solidFill>
+                  <a:srgbClr val="FFFFFF"/>
+                </a:solidFill>
+                <a:latin typeface="+mn-lt"/>
+                <a:ea typeface="+mn-ea"/>
+                <a:cs typeface="+mn-cs"/>
+              </a:defRPr>
+            </a:lvl1pPr>
+            <a:lvl2pPr marL="457200" algn="l" defTabSz="457200" rtl="0" eaLnBrk="1" latinLnBrk="0" hangingPunct="1">
+              <a:defRPr sz="1800" kern="1200">
+                <a:solidFill>
+                  <a:schemeClr val="tx1"/>
+                </a:solidFill>
+                <a:latin typeface="+mn-lt"/>
+                <a:ea typeface="+mn-ea"/>
+                <a:cs typeface="+mn-cs"/>
+              </a:defRPr>
+            </a:lvl2pPr>
+            <a:lvl3pPr marL="914400" algn="l" defTabSz="457200" rtl="0" eaLnBrk="1" latinLnBrk="0" hangingPunct="1">
+              <a:defRPr sz="1800" kern="1200">
+                <a:solidFill>
+                  <a:schemeClr val="tx1"/>
+                </a:solidFill>
+                <a:latin typeface="+mn-lt"/>
+                <a:ea typeface="+mn-ea"/>
+                <a:cs typeface="+mn-cs"/>
+              </a:defRPr>
+            </a:lvl3pPr>
+            <a:lvl4pPr marL="1371600" algn="l" defTabSz="457200" rtl="0" eaLnBrk="1" latinLnBrk="0" hangingPunct="1">
+              <a:defRPr sz="1800" kern="1200">
+                <a:solidFill>
+                  <a:schemeClr val="tx1"/>
+                </a:solidFill>
+                <a:latin typeface="+mn-lt"/>
+                <a:ea typeface="+mn-ea"/>
+                <a:cs typeface="+mn-cs"/>
+              </a:defRPr>
+            </a:lvl4pPr>
+            <a:lvl5pPr marL="1828800" algn="l" defTabSz="457200" rtl="0" eaLnBrk="1" latinLnBrk="0" hangingPunct="1">
+              <a:defRPr sz="1800" kern="1200">
+                <a:solidFill>
+                  <a:schemeClr val="tx1"/>
+                </a:solidFill>
+                <a:latin typeface="+mn-lt"/>
+                <a:ea typeface="+mn-ea"/>
+                <a:cs typeface="+mn-cs"/>
+              </a:defRPr>
+            </a:lvl5pPr>
+            <a:lvl6pPr marL="2286000" algn="l" defTabSz="457200" rtl="0" eaLnBrk="1" latinLnBrk="0" hangingPunct="1">
+              <a:defRPr sz="1800" kern="1200">
+                <a:solidFill>
+                  <a:schemeClr val="tx1"/>
+                </a:solidFill>
+                <a:latin typeface="+mn-lt"/>
+                <a:ea typeface="+mn-ea"/>
+                <a:cs typeface="+mn-cs"/>
+              </a:defRPr>
+            </a:lvl6pPr>
+            <a:lvl7pPr marL="2743200" algn="l" defTabSz="457200" rtl="0" eaLnBrk="1" latinLnBrk="0" hangingPunct="1">
+              <a:defRPr sz="1800" kern="1200">
+                <a:solidFill>
+                  <a:schemeClr val="tx1"/>
+                </a:solidFill>
+                <a:latin typeface="+mn-lt"/>
+                <a:ea typeface="+mn-ea"/>
+                <a:cs typeface="+mn-cs"/>
+              </a:defRPr>
+            </a:lvl7pPr>
+            <a:lvl8pPr marL="3200400" algn="l" defTabSz="457200" rtl="0" eaLnBrk="1" latinLnBrk="0" hangingPunct="1">
+              <a:defRPr sz="1800" kern="1200">
+                <a:solidFill>
+                  <a:schemeClr val="tx1"/>
+                </a:solidFill>
+                <a:latin typeface="+mn-lt"/>
+                <a:ea typeface="+mn-ea"/>
+                <a:cs typeface="+mn-cs"/>
+              </a:defRPr>
+            </a:lvl8pPr>
+            <a:lvl9pPr marL="3657600" algn="l" defTabSz="457200" rtl="0" eaLnBrk="1" latinLnBrk="0" hangingPunct="1">
+              <a:defRPr sz="1800" kern="1200">
+                <a:solidFill>
+                  <a:schemeClr val="tx1"/>
+                </a:solidFill>
+                <a:latin typeface="+mn-lt"/>
+                <a:ea typeface="+mn-ea"/>
+                <a:cs typeface="+mn-cs"/>
+              </a:defRPr>
+            </a:lvl9pPr>
+          </a:lstStyle>
+          <a:p>
+            <a:pPr marL="0" lvl="0" indent="0" algn="ctr" defTabSz="536575">
+              <a:tabLst>
+                <a:tab pos="2511425" algn="r"/>
+              </a:tabLst>
+            </a:pPr>
+            <a:r>
+              <a:rPr lang="fi-FI" sz="1000" b="0" cap="none" baseline="0" dirty="0">
+                <a:solidFill>
+                  <a:schemeClr val="tx1"/>
+                </a:solidFill>
+              </a:rPr>
+              <a:t>Moritz Nipshagen</a:t>
+            </a:r>
+            <a:r>
+              <a:rPr lang="fi-FI" sz="1000" b="0" cap="none" baseline="0" dirty="0"/>
+              <a:t>	</a:t>
+            </a:r>
+            <a:r>
+              <a:rPr lang="fi-FI" sz="1000" b="0" cap="none" baseline="0" dirty="0">
+                <a:hlinkClick r:id="rId2"/>
+              </a:rPr>
+              <a:t>mnipshagen@uos.de</a:t>
+            </a:r>
+            <a:endParaRPr lang="fi-FI" sz="1000" b="0" cap="none" baseline="0" dirty="0"/>
+          </a:p>
+          <a:p>
+            <a:pPr marL="0" lvl="0" indent="0" algn="ctr" defTabSz="536575">
+              <a:tabLst>
+                <a:tab pos="2511425" algn="r"/>
+              </a:tabLst>
+            </a:pPr>
+            <a:r>
+              <a:rPr lang="fi-FI" sz="1000" b="0" cap="none" baseline="0" dirty="0">
+                <a:solidFill>
+                  <a:schemeClr val="tx1"/>
+                </a:solidFill>
+              </a:rPr>
+              <a:t>Antonia Hain</a:t>
+            </a:r>
+            <a:r>
+              <a:rPr lang="fi-FI" sz="1000" b="0" cap="none" baseline="0" dirty="0"/>
+              <a:t>	</a:t>
+            </a:r>
+            <a:r>
+              <a:rPr lang="fi-FI" sz="1000" b="0" cap="none" baseline="0" dirty="0">
+                <a:hlinkClick r:id="rId3"/>
+              </a:rPr>
+              <a:t>ahain@uos.de</a:t>
+            </a:r>
+            <a:r>
+              <a:rPr lang="fi-FI" sz="1000" b="0" cap="none" baseline="0" dirty="0"/>
+              <a:t> </a:t>
+            </a:r>
+            <a:endParaRPr lang="en-GB" sz="1000" b="0" cap="none" baseline="0" dirty="0"/>
+          </a:p>
+        </p:txBody>
+      </p:sp>
+      <p:grpSp>
+        <p:nvGrpSpPr>
+          <p:cNvPr id="11" name="Group 10">
+            <a:extLst>
+              <a:ext uri="{FF2B5EF4-FFF2-40B4-BE49-F238E27FC236}">
+                <a16:creationId xmlns:a16="http://schemas.microsoft.com/office/drawing/2014/main" id="{C2B5356F-D6E0-48D5-A64F-970C40D0C516}"/>
+              </a:ext>
+            </a:extLst>
+          </p:cNvPr>
+          <p:cNvGrpSpPr/>
+          <p:nvPr/>
+        </p:nvGrpSpPr>
+        <p:grpSpPr>
+          <a:xfrm>
+            <a:off x="-782259" y="43845"/>
+            <a:ext cx="5605063" cy="774095"/>
+            <a:chOff x="-782259" y="43845"/>
+            <a:chExt cx="5605063" cy="774095"/>
+          </a:xfrm>
+        </p:grpSpPr>
+        <p:sp>
+          <p:nvSpPr>
+            <p:cNvPr id="13" name="Footer Placeholder 4">
+              <a:extLst>
+                <a:ext uri="{FF2B5EF4-FFF2-40B4-BE49-F238E27FC236}">
+                  <a16:creationId xmlns:a16="http://schemas.microsoft.com/office/drawing/2014/main" id="{2BE6C0BC-5BA1-48A0-B5B8-4ED55CE0C94E}"/>
+                </a:ext>
+              </a:extLst>
+            </p:cNvPr>
+            <p:cNvSpPr txBox="1">
+              <a:spLocks/>
+            </p:cNvSpPr>
+            <p:nvPr/>
+          </p:nvSpPr>
+          <p:spPr>
+            <a:xfrm>
+              <a:off x="0" y="43845"/>
+              <a:ext cx="4822804" cy="365125"/>
+            </a:xfrm>
+            <a:prstGeom prst="rect">
+              <a:avLst/>
+            </a:prstGeom>
+          </p:spPr>
+          <p:txBody>
+            <a:bodyPr vert="horz" lIns="91440" tIns="45720" rIns="91440" bIns="45720" rtlCol="0" anchor="ctr"/>
+            <a:lstStyle>
+              <a:defPPr>
+                <a:defRPr lang="en-US"/>
+              </a:defPPr>
+              <a:lvl1pPr marL="0" algn="ctr" defTabSz="457200" rtl="0" eaLnBrk="1" latinLnBrk="0" hangingPunct="1">
+                <a:defRPr sz="900" kern="1200" cap="all" baseline="0">
+                  <a:solidFill>
+                    <a:srgbClr val="FFFFFF"/>
+                  </a:solidFill>
+                  <a:latin typeface="+mn-lt"/>
+                  <a:ea typeface="+mn-ea"/>
+                  <a:cs typeface="+mn-cs"/>
+                </a:defRPr>
+              </a:lvl1pPr>
+              <a:lvl2pPr marL="457200" algn="l" defTabSz="457200" rtl="0" eaLnBrk="1" latinLnBrk="0" hangingPunct="1">
+                <a:defRPr sz="1800" kern="1200">
+                  <a:solidFill>
+                    <a:schemeClr val="tx1"/>
+                  </a:solidFill>
+                  <a:latin typeface="+mn-lt"/>
+                  <a:ea typeface="+mn-ea"/>
+                  <a:cs typeface="+mn-cs"/>
+                </a:defRPr>
+              </a:lvl2pPr>
+              <a:lvl3pPr marL="914400" algn="l" defTabSz="457200" rtl="0" eaLnBrk="1" latinLnBrk="0" hangingPunct="1">
+                <a:defRPr sz="1800" kern="1200">
+                  <a:solidFill>
+                    <a:schemeClr val="tx1"/>
+                  </a:solidFill>
+                  <a:latin typeface="+mn-lt"/>
+                  <a:ea typeface="+mn-ea"/>
+                  <a:cs typeface="+mn-cs"/>
+                </a:defRPr>
+              </a:lvl3pPr>
+              <a:lvl4pPr marL="1371600" algn="l" defTabSz="457200" rtl="0" eaLnBrk="1" latinLnBrk="0" hangingPunct="1">
+                <a:defRPr sz="1800" kern="1200">
+                  <a:solidFill>
+                    <a:schemeClr val="tx1"/>
+                  </a:solidFill>
+                  <a:latin typeface="+mn-lt"/>
+                  <a:ea typeface="+mn-ea"/>
+                  <a:cs typeface="+mn-cs"/>
+                </a:defRPr>
+              </a:lvl4pPr>
+              <a:lvl5pPr marL="1828800" algn="l" defTabSz="457200" rtl="0" eaLnBrk="1" latinLnBrk="0" hangingPunct="1">
+                <a:defRPr sz="1800" kern="1200">
+                  <a:solidFill>
+                    <a:schemeClr val="tx1"/>
+                  </a:solidFill>
+                  <a:latin typeface="+mn-lt"/>
+                  <a:ea typeface="+mn-ea"/>
+                  <a:cs typeface="+mn-cs"/>
+                </a:defRPr>
+              </a:lvl5pPr>
+              <a:lvl6pPr marL="2286000" algn="l" defTabSz="457200" rtl="0" eaLnBrk="1" latinLnBrk="0" hangingPunct="1">
+                <a:defRPr sz="1800" kern="1200">
+                  <a:solidFill>
+                    <a:schemeClr val="tx1"/>
+                  </a:solidFill>
+                  <a:latin typeface="+mn-lt"/>
+                  <a:ea typeface="+mn-ea"/>
+                  <a:cs typeface="+mn-cs"/>
+                </a:defRPr>
+              </a:lvl6pPr>
+              <a:lvl7pPr marL="2743200" algn="l" defTabSz="457200" rtl="0" eaLnBrk="1" latinLnBrk="0" hangingPunct="1">
+                <a:defRPr sz="1800" kern="1200">
+                  <a:solidFill>
+                    <a:schemeClr val="tx1"/>
+                  </a:solidFill>
+                  <a:latin typeface="+mn-lt"/>
+                  <a:ea typeface="+mn-ea"/>
+                  <a:cs typeface="+mn-cs"/>
+                </a:defRPr>
+              </a:lvl7pPr>
+              <a:lvl8pPr marL="3200400" algn="l" defTabSz="457200" rtl="0" eaLnBrk="1" latinLnBrk="0" hangingPunct="1">
+                <a:defRPr sz="1800" kern="1200">
+                  <a:solidFill>
+                    <a:schemeClr val="tx1"/>
+                  </a:solidFill>
+                  <a:latin typeface="+mn-lt"/>
+                  <a:ea typeface="+mn-ea"/>
+                  <a:cs typeface="+mn-cs"/>
+                </a:defRPr>
+              </a:lvl8pPr>
+              <a:lvl9pPr marL="3657600" algn="l" defTabSz="457200" rtl="0" eaLnBrk="1" latinLnBrk="0" hangingPunct="1">
+                <a:defRPr sz="1800" kern="1200">
+                  <a:solidFill>
+                    <a:schemeClr val="tx1"/>
+                  </a:solidFill>
+                  <a:latin typeface="+mn-lt"/>
+                  <a:ea typeface="+mn-ea"/>
+                  <a:cs typeface="+mn-cs"/>
+                </a:defRPr>
+              </a:lvl9pPr>
+            </a:lstStyle>
+            <a:p>
+              <a:pPr algn="l" defTabSz="536575">
+                <a:tabLst>
+                  <a:tab pos="893763" algn="l"/>
+                  <a:tab pos="1250950" algn="l"/>
+                </a:tabLst>
+              </a:pPr>
+              <a:r>
+                <a:rPr lang="fi-FI" sz="1800" b="0" cap="none" baseline="0" dirty="0"/>
+                <a:t>Basic Programming in Python</a:t>
+              </a:r>
+              <a:endParaRPr lang="en-GB" sz="1800" b="0" cap="none" baseline="0" dirty="0"/>
+            </a:p>
+          </p:txBody>
+        </p:sp>
+        <p:sp>
+          <p:nvSpPr>
+            <p:cNvPr id="14" name="Footer Placeholder 4">
+              <a:extLst>
+                <a:ext uri="{FF2B5EF4-FFF2-40B4-BE49-F238E27FC236}">
+                  <a16:creationId xmlns:a16="http://schemas.microsoft.com/office/drawing/2014/main" id="{5D19D18F-D912-4759-85FC-E852CC76A956}"/>
+                </a:ext>
+              </a:extLst>
+            </p:cNvPr>
+            <p:cNvSpPr txBox="1">
+              <a:spLocks/>
+            </p:cNvSpPr>
+            <p:nvPr/>
+          </p:nvSpPr>
+          <p:spPr>
+            <a:xfrm>
+              <a:off x="-782259" y="452815"/>
+              <a:ext cx="4822804" cy="365125"/>
+            </a:xfrm>
+            <a:prstGeom prst="rect">
+              <a:avLst/>
+            </a:prstGeom>
+          </p:spPr>
+          <p:txBody>
+            <a:bodyPr vert="horz" lIns="91440" tIns="45720" rIns="91440" bIns="45720" rtlCol="0" anchor="ctr"/>
+            <a:lstStyle>
+              <a:defPPr>
+                <a:defRPr lang="en-US"/>
+              </a:defPPr>
+              <a:lvl1pPr marL="0" algn="ctr" defTabSz="457200" rtl="0" eaLnBrk="1" latinLnBrk="0" hangingPunct="1">
+                <a:defRPr sz="900" kern="1200" cap="all" baseline="0">
+                  <a:solidFill>
+                    <a:srgbClr val="FFFFFF"/>
+                  </a:solidFill>
+                  <a:latin typeface="+mn-lt"/>
+                  <a:ea typeface="+mn-ea"/>
+                  <a:cs typeface="+mn-cs"/>
+                </a:defRPr>
+              </a:lvl1pPr>
+              <a:lvl2pPr marL="457200" algn="l" defTabSz="457200" rtl="0" eaLnBrk="1" latinLnBrk="0" hangingPunct="1">
+                <a:defRPr sz="1800" kern="1200">
+                  <a:solidFill>
+                    <a:schemeClr val="tx1"/>
+                  </a:solidFill>
+                  <a:latin typeface="+mn-lt"/>
+                  <a:ea typeface="+mn-ea"/>
+                  <a:cs typeface="+mn-cs"/>
+                </a:defRPr>
+              </a:lvl2pPr>
+              <a:lvl3pPr marL="914400" algn="l" defTabSz="457200" rtl="0" eaLnBrk="1" latinLnBrk="0" hangingPunct="1">
+                <a:defRPr sz="1800" kern="1200">
+                  <a:solidFill>
+                    <a:schemeClr val="tx1"/>
+                  </a:solidFill>
+                  <a:latin typeface="+mn-lt"/>
+                  <a:ea typeface="+mn-ea"/>
+                  <a:cs typeface="+mn-cs"/>
+                </a:defRPr>
+              </a:lvl3pPr>
+              <a:lvl4pPr marL="1371600" algn="l" defTabSz="457200" rtl="0" eaLnBrk="1" latinLnBrk="0" hangingPunct="1">
+                <a:defRPr sz="1800" kern="1200">
+                  <a:solidFill>
+                    <a:schemeClr val="tx1"/>
+                  </a:solidFill>
+                  <a:latin typeface="+mn-lt"/>
+                  <a:ea typeface="+mn-ea"/>
+                  <a:cs typeface="+mn-cs"/>
+                </a:defRPr>
+              </a:lvl4pPr>
+              <a:lvl5pPr marL="1828800" algn="l" defTabSz="457200" rtl="0" eaLnBrk="1" latinLnBrk="0" hangingPunct="1">
+                <a:defRPr sz="1800" kern="1200">
+                  <a:solidFill>
+                    <a:schemeClr val="tx1"/>
+                  </a:solidFill>
+                  <a:latin typeface="+mn-lt"/>
+                  <a:ea typeface="+mn-ea"/>
+                  <a:cs typeface="+mn-cs"/>
+                </a:defRPr>
+              </a:lvl5pPr>
+              <a:lvl6pPr marL="2286000" algn="l" defTabSz="457200" rtl="0" eaLnBrk="1" latinLnBrk="0" hangingPunct="1">
+                <a:defRPr sz="1800" kern="1200">
+                  <a:solidFill>
+                    <a:schemeClr val="tx1"/>
+                  </a:solidFill>
+                  <a:latin typeface="+mn-lt"/>
+                  <a:ea typeface="+mn-ea"/>
+                  <a:cs typeface="+mn-cs"/>
+                </a:defRPr>
+              </a:lvl6pPr>
+              <a:lvl7pPr marL="2743200" algn="l" defTabSz="457200" rtl="0" eaLnBrk="1" latinLnBrk="0" hangingPunct="1">
+                <a:defRPr sz="1800" kern="1200">
+                  <a:solidFill>
+                    <a:schemeClr val="tx1"/>
+                  </a:solidFill>
+                  <a:latin typeface="+mn-lt"/>
+                  <a:ea typeface="+mn-ea"/>
+                  <a:cs typeface="+mn-cs"/>
+                </a:defRPr>
+              </a:lvl7pPr>
+              <a:lvl8pPr marL="3200400" algn="l" defTabSz="457200" rtl="0" eaLnBrk="1" latinLnBrk="0" hangingPunct="1">
+                <a:defRPr sz="1800" kern="1200">
+                  <a:solidFill>
+                    <a:schemeClr val="tx1"/>
+                  </a:solidFill>
+                  <a:latin typeface="+mn-lt"/>
+                  <a:ea typeface="+mn-ea"/>
+                  <a:cs typeface="+mn-cs"/>
+                </a:defRPr>
+              </a:lvl8pPr>
+              <a:lvl9pPr marL="3657600" algn="l" defTabSz="457200" rtl="0" eaLnBrk="1" latinLnBrk="0" hangingPunct="1">
+                <a:defRPr sz="1800" kern="1200">
+                  <a:solidFill>
+                    <a:schemeClr val="tx1"/>
+                  </a:solidFill>
+                  <a:latin typeface="+mn-lt"/>
+                  <a:ea typeface="+mn-ea"/>
+                  <a:cs typeface="+mn-cs"/>
+                </a:defRPr>
+              </a:lvl9pPr>
+            </a:lstStyle>
+            <a:p>
+              <a:pPr algn="r" defTabSz="536575">
+                <a:tabLst>
+                  <a:tab pos="893763" algn="l"/>
+                  <a:tab pos="1250950" algn="l"/>
+                </a:tabLst>
+              </a:pPr>
+              <a:r>
+                <a:rPr lang="fi-FI" sz="1800" b="0" cap="none" baseline="0" dirty="0"/>
+                <a:t>Osnabr</a:t>
+              </a:r>
+              <a:r>
+                <a:rPr lang="de-DE" sz="1800" b="0" cap="none" baseline="0" dirty="0"/>
+                <a:t>ü</a:t>
+              </a:r>
+              <a:r>
+                <a:rPr lang="en-GB" sz="1800" b="0" cap="none" baseline="0" dirty="0" err="1"/>
+                <a:t>ck</a:t>
+              </a:r>
+              <a:r>
+                <a:rPr lang="en-GB" sz="1800" b="0" cap="none" baseline="0" dirty="0"/>
+                <a:t> University – </a:t>
+              </a:r>
+              <a:r>
+                <a:rPr lang="fi-FI" sz="1800" b="0" cap="none" baseline="0" dirty="0"/>
+                <a:t>SS2018</a:t>
+              </a:r>
+              <a:endParaRPr lang="en-GB" sz="1800" b="0" cap="none" baseline="0" dirty="0"/>
+            </a:p>
+          </p:txBody>
+        </p:sp>
+      </p:grpSp>
+      <p:sp>
+        <p:nvSpPr>
+          <p:cNvPr id="12" name="Footer Placeholder 4">
+            <a:extLst>
+              <a:ext uri="{FF2B5EF4-FFF2-40B4-BE49-F238E27FC236}">
+                <a16:creationId xmlns:a16="http://schemas.microsoft.com/office/drawing/2014/main" id="{3C92ECBB-F845-46AE-9942-09AE2E718DCB}"/>
               </a:ext>
             </a:extLst>
           </p:cNvPr>
@@ -5265,10 +9285,10 @@
       </p:sp>
       <p:grpSp>
         <p:nvGrpSpPr>
-          <p:cNvPr id="11" name="Group 10">
+          <p:cNvPr id="15" name="Group 14">
             <a:extLst>
               <a:ext uri="{FF2B5EF4-FFF2-40B4-BE49-F238E27FC236}">
-                <a16:creationId xmlns:a16="http://schemas.microsoft.com/office/drawing/2014/main" id="{C2B5356F-D6E0-48D5-A64F-970C40D0C516}"/>
+                <a16:creationId xmlns:a16="http://schemas.microsoft.com/office/drawing/2014/main" id="{7A94A42B-83FD-488C-B674-26E790D86A8F}"/>
               </a:ext>
             </a:extLst>
           </p:cNvPr>
@@ -5285,10 +9305,10 @@
         </p:grpSpPr>
         <p:sp>
           <p:nvSpPr>
-            <p:cNvPr id="13" name="Footer Placeholder 4">
+            <p:cNvPr id="16" name="Footer Placeholder 4">
               <a:extLst>
                 <a:ext uri="{FF2B5EF4-FFF2-40B4-BE49-F238E27FC236}">
-                  <a16:creationId xmlns:a16="http://schemas.microsoft.com/office/drawing/2014/main" id="{2BE6C0BC-5BA1-48A0-B5B8-4ED55CE0C94E}"/>
+                  <a16:creationId xmlns:a16="http://schemas.microsoft.com/office/drawing/2014/main" id="{8B67B794-A7E0-4684-8190-D27987608E68}"/>
                 </a:ext>
               </a:extLst>
             </p:cNvPr>
@@ -5420,10 +9440,10 @@
         </p:sp>
         <p:sp>
           <p:nvSpPr>
-            <p:cNvPr id="14" name="Footer Placeholder 4">
+            <p:cNvPr id="17" name="Footer Placeholder 4">
               <a:extLst>
                 <a:ext uri="{FF2B5EF4-FFF2-40B4-BE49-F238E27FC236}">
-                  <a16:creationId xmlns:a16="http://schemas.microsoft.com/office/drawing/2014/main" id="{5D19D18F-D912-4759-85FC-E852CC76A956}"/>
+                  <a16:creationId xmlns:a16="http://schemas.microsoft.com/office/drawing/2014/main" id="{C4C0700E-77D5-4531-8182-3C9E80DF1B3A}"/>
                 </a:ext>
               </a:extLst>
             </p:cNvPr>
@@ -5573,7 +9593,7 @@
     </p:spTree>
     <p:extLst>
       <p:ext uri="{BB962C8B-B14F-4D97-AF65-F5344CB8AC3E}">
-        <p14:creationId xmlns:p14="http://schemas.microsoft.com/office/powerpoint/2010/main" val="3715111230"/>
+        <p14:creationId xmlns:p14="http://schemas.microsoft.com/office/powerpoint/2010/main" val="3650012668"/>
       </p:ext>
     </p:extLst>
   </p:cSld>
@@ -5840,7 +9860,7 @@
           <a:p>
             <a:fld id="{90C1D48F-8DEA-4C52-92C1-302F75FCAD76}" type="datetime1">
               <a:rPr lang="en-GB" smtClean="0"/>
-              <a:t>03/04/2018</a:t>
+              <a:t>05/04/2018</a:t>
             </a:fld>
             <a:endParaRPr lang="en-GB"/>
           </a:p>
@@ -5863,7 +9883,7 @@
           <a:p>
             <a:fld id="{89C4E583-6443-4199-AF95-A2ECCC288D48}" type="slidenum">
               <a:rPr lang="en-GB" smtClean="0"/>
-              <a:t>‹#›</a:t>
+              <a:t>‹Nr.›</a:t>
             </a:fld>
             <a:endParaRPr lang="en-GB"/>
           </a:p>
@@ -5875,6 +9895,519 @@
             <a:extLst>
               <a:ext uri="{FF2B5EF4-FFF2-40B4-BE49-F238E27FC236}">
                 <a16:creationId xmlns:a16="http://schemas.microsoft.com/office/drawing/2014/main" id="{2177C8A1-94B1-4FD8-9B97-0F241A76EF86}"/>
+              </a:ext>
+            </a:extLst>
+          </p:cNvPr>
+          <p:cNvSpPr txBox="1">
+            <a:spLocks/>
+          </p:cNvSpPr>
+          <p:nvPr/>
+        </p:nvSpPr>
+        <p:spPr>
+          <a:xfrm>
+            <a:off x="3684598" y="6449030"/>
+            <a:ext cx="4822804" cy="365125"/>
+          </a:xfrm>
+          <a:prstGeom prst="rect">
+            <a:avLst/>
+          </a:prstGeom>
+        </p:spPr>
+        <p:txBody>
+          <a:bodyPr vert="horz" lIns="91440" tIns="45720" rIns="91440" bIns="45720" rtlCol="0" anchor="ctr"/>
+          <a:lstStyle>
+            <a:defPPr>
+              <a:defRPr lang="en-US"/>
+            </a:defPPr>
+            <a:lvl1pPr marL="0" algn="ctr" defTabSz="457200" rtl="0" eaLnBrk="1" latinLnBrk="0" hangingPunct="1">
+              <a:defRPr sz="900" kern="1200" cap="all" baseline="0">
+                <a:solidFill>
+                  <a:srgbClr val="FFFFFF"/>
+                </a:solidFill>
+                <a:latin typeface="+mn-lt"/>
+                <a:ea typeface="+mn-ea"/>
+                <a:cs typeface="+mn-cs"/>
+              </a:defRPr>
+            </a:lvl1pPr>
+            <a:lvl2pPr marL="457200" algn="l" defTabSz="457200" rtl="0" eaLnBrk="1" latinLnBrk="0" hangingPunct="1">
+              <a:defRPr sz="1800" kern="1200">
+                <a:solidFill>
+                  <a:schemeClr val="tx1"/>
+                </a:solidFill>
+                <a:latin typeface="+mn-lt"/>
+                <a:ea typeface="+mn-ea"/>
+                <a:cs typeface="+mn-cs"/>
+              </a:defRPr>
+            </a:lvl2pPr>
+            <a:lvl3pPr marL="914400" algn="l" defTabSz="457200" rtl="0" eaLnBrk="1" latinLnBrk="0" hangingPunct="1">
+              <a:defRPr sz="1800" kern="1200">
+                <a:solidFill>
+                  <a:schemeClr val="tx1"/>
+                </a:solidFill>
+                <a:latin typeface="+mn-lt"/>
+                <a:ea typeface="+mn-ea"/>
+                <a:cs typeface="+mn-cs"/>
+              </a:defRPr>
+            </a:lvl3pPr>
+            <a:lvl4pPr marL="1371600" algn="l" defTabSz="457200" rtl="0" eaLnBrk="1" latinLnBrk="0" hangingPunct="1">
+              <a:defRPr sz="1800" kern="1200">
+                <a:solidFill>
+                  <a:schemeClr val="tx1"/>
+                </a:solidFill>
+                <a:latin typeface="+mn-lt"/>
+                <a:ea typeface="+mn-ea"/>
+                <a:cs typeface="+mn-cs"/>
+              </a:defRPr>
+            </a:lvl4pPr>
+            <a:lvl5pPr marL="1828800" algn="l" defTabSz="457200" rtl="0" eaLnBrk="1" latinLnBrk="0" hangingPunct="1">
+              <a:defRPr sz="1800" kern="1200">
+                <a:solidFill>
+                  <a:schemeClr val="tx1"/>
+                </a:solidFill>
+                <a:latin typeface="+mn-lt"/>
+                <a:ea typeface="+mn-ea"/>
+                <a:cs typeface="+mn-cs"/>
+              </a:defRPr>
+            </a:lvl5pPr>
+            <a:lvl6pPr marL="2286000" algn="l" defTabSz="457200" rtl="0" eaLnBrk="1" latinLnBrk="0" hangingPunct="1">
+              <a:defRPr sz="1800" kern="1200">
+                <a:solidFill>
+                  <a:schemeClr val="tx1"/>
+                </a:solidFill>
+                <a:latin typeface="+mn-lt"/>
+                <a:ea typeface="+mn-ea"/>
+                <a:cs typeface="+mn-cs"/>
+              </a:defRPr>
+            </a:lvl6pPr>
+            <a:lvl7pPr marL="2743200" algn="l" defTabSz="457200" rtl="0" eaLnBrk="1" latinLnBrk="0" hangingPunct="1">
+              <a:defRPr sz="1800" kern="1200">
+                <a:solidFill>
+                  <a:schemeClr val="tx1"/>
+                </a:solidFill>
+                <a:latin typeface="+mn-lt"/>
+                <a:ea typeface="+mn-ea"/>
+                <a:cs typeface="+mn-cs"/>
+              </a:defRPr>
+            </a:lvl7pPr>
+            <a:lvl8pPr marL="3200400" algn="l" defTabSz="457200" rtl="0" eaLnBrk="1" latinLnBrk="0" hangingPunct="1">
+              <a:defRPr sz="1800" kern="1200">
+                <a:solidFill>
+                  <a:schemeClr val="tx1"/>
+                </a:solidFill>
+                <a:latin typeface="+mn-lt"/>
+                <a:ea typeface="+mn-ea"/>
+                <a:cs typeface="+mn-cs"/>
+              </a:defRPr>
+            </a:lvl8pPr>
+            <a:lvl9pPr marL="3657600" algn="l" defTabSz="457200" rtl="0" eaLnBrk="1" latinLnBrk="0" hangingPunct="1">
+              <a:defRPr sz="1800" kern="1200">
+                <a:solidFill>
+                  <a:schemeClr val="tx1"/>
+                </a:solidFill>
+                <a:latin typeface="+mn-lt"/>
+                <a:ea typeface="+mn-ea"/>
+                <a:cs typeface="+mn-cs"/>
+              </a:defRPr>
+            </a:lvl9pPr>
+          </a:lstStyle>
+          <a:p>
+            <a:pPr marL="0" lvl="0" indent="0" algn="ctr" defTabSz="536575">
+              <a:tabLst>
+                <a:tab pos="2511425" algn="r"/>
+              </a:tabLst>
+            </a:pPr>
+            <a:r>
+              <a:rPr lang="fi-FI" sz="1000" b="0" cap="none" baseline="0" dirty="0"/>
+              <a:t>Moritz Nipshagen	</a:t>
+            </a:r>
+            <a:r>
+              <a:rPr lang="fi-FI" sz="1000" b="0" cap="none" baseline="0" dirty="0">
+                <a:hlinkClick r:id="rId2"/>
+              </a:rPr>
+              <a:t>mnipshagen@uos.de</a:t>
+            </a:r>
+            <a:endParaRPr lang="fi-FI" sz="1000" b="0" cap="none" baseline="0" dirty="0"/>
+          </a:p>
+          <a:p>
+            <a:pPr marL="0" lvl="0" indent="0" algn="ctr" defTabSz="536575">
+              <a:tabLst>
+                <a:tab pos="2511425" algn="r"/>
+              </a:tabLst>
+            </a:pPr>
+            <a:r>
+              <a:rPr lang="fi-FI" sz="1000" b="0" cap="none" baseline="0" dirty="0"/>
+              <a:t>Antonia Hain	</a:t>
+            </a:r>
+            <a:r>
+              <a:rPr lang="fi-FI" sz="1000" b="0" cap="none" baseline="0" dirty="0">
+                <a:hlinkClick r:id="rId3"/>
+              </a:rPr>
+              <a:t>ahain@uos.de</a:t>
+            </a:r>
+            <a:r>
+              <a:rPr lang="fi-FI" sz="1000" b="0" cap="none" baseline="0" dirty="0"/>
+              <a:t> </a:t>
+            </a:r>
+            <a:endParaRPr lang="en-GB" sz="1000" b="0" cap="none" baseline="0" dirty="0"/>
+          </a:p>
+        </p:txBody>
+      </p:sp>
+      <p:grpSp>
+        <p:nvGrpSpPr>
+          <p:cNvPr id="11" name="Group 10">
+            <a:extLst>
+              <a:ext uri="{FF2B5EF4-FFF2-40B4-BE49-F238E27FC236}">
+                <a16:creationId xmlns:a16="http://schemas.microsoft.com/office/drawing/2014/main" id="{61D9C402-508F-40AA-B227-41A2183FAC31}"/>
+              </a:ext>
+            </a:extLst>
+          </p:cNvPr>
+          <p:cNvGrpSpPr/>
+          <p:nvPr/>
+        </p:nvGrpSpPr>
+        <p:grpSpPr>
+          <a:xfrm>
+            <a:off x="0" y="-13903"/>
+            <a:ext cx="12192002" cy="457200"/>
+            <a:chOff x="0" y="-13903"/>
+            <a:chExt cx="12192002" cy="457200"/>
+          </a:xfrm>
+        </p:grpSpPr>
+        <p:sp>
+          <p:nvSpPr>
+            <p:cNvPr id="12" name="Rectangle 11">
+              <a:extLst>
+                <a:ext uri="{FF2B5EF4-FFF2-40B4-BE49-F238E27FC236}">
+                  <a16:creationId xmlns:a16="http://schemas.microsoft.com/office/drawing/2014/main" id="{3B03AD29-EF48-424D-9D68-861B4710F692}"/>
+                </a:ext>
+              </a:extLst>
+            </p:cNvPr>
+            <p:cNvSpPr/>
+            <p:nvPr/>
+          </p:nvSpPr>
+          <p:spPr>
+            <a:xfrm>
+              <a:off x="0" y="-13903"/>
+              <a:ext cx="12192000" cy="457200"/>
+            </a:xfrm>
+            <a:prstGeom prst="rect">
+              <a:avLst/>
+            </a:prstGeom>
+            <a:solidFill>
+              <a:schemeClr val="accent2"/>
+            </a:solidFill>
+            <a:ln>
+              <a:noFill/>
+            </a:ln>
+          </p:spPr>
+          <p:style>
+            <a:lnRef idx="2">
+              <a:schemeClr val="accent1">
+                <a:shade val="50000"/>
+              </a:schemeClr>
+            </a:lnRef>
+            <a:fillRef idx="1">
+              <a:schemeClr val="accent1"/>
+            </a:fillRef>
+            <a:effectRef idx="0">
+              <a:schemeClr val="accent1"/>
+            </a:effectRef>
+            <a:fontRef idx="minor">
+              <a:schemeClr val="lt1"/>
+            </a:fontRef>
+          </p:style>
+        </p:sp>
+        <p:sp>
+          <p:nvSpPr>
+            <p:cNvPr id="13" name="Footer Placeholder 4">
+              <a:extLst>
+                <a:ext uri="{FF2B5EF4-FFF2-40B4-BE49-F238E27FC236}">
+                  <a16:creationId xmlns:a16="http://schemas.microsoft.com/office/drawing/2014/main" id="{88F740E0-500D-4EDD-A6C2-24CCA29F4CD4}"/>
+                </a:ext>
+              </a:extLst>
+            </p:cNvPr>
+            <p:cNvSpPr txBox="1">
+              <a:spLocks/>
+            </p:cNvSpPr>
+            <p:nvPr/>
+          </p:nvSpPr>
+          <p:spPr>
+            <a:xfrm>
+              <a:off x="0" y="43845"/>
+              <a:ext cx="4822804" cy="365125"/>
+            </a:xfrm>
+            <a:prstGeom prst="rect">
+              <a:avLst/>
+            </a:prstGeom>
+          </p:spPr>
+          <p:txBody>
+            <a:bodyPr vert="horz" lIns="91440" tIns="45720" rIns="91440" bIns="45720" rtlCol="0" anchor="ctr"/>
+            <a:lstStyle>
+              <a:defPPr>
+                <a:defRPr lang="en-US"/>
+              </a:defPPr>
+              <a:lvl1pPr marL="0" algn="ctr" defTabSz="457200" rtl="0" eaLnBrk="1" latinLnBrk="0" hangingPunct="1">
+                <a:defRPr sz="900" kern="1200" cap="all" baseline="0">
+                  <a:solidFill>
+                    <a:srgbClr val="FFFFFF"/>
+                  </a:solidFill>
+                  <a:latin typeface="+mn-lt"/>
+                  <a:ea typeface="+mn-ea"/>
+                  <a:cs typeface="+mn-cs"/>
+                </a:defRPr>
+              </a:lvl1pPr>
+              <a:lvl2pPr marL="457200" algn="l" defTabSz="457200" rtl="0" eaLnBrk="1" latinLnBrk="0" hangingPunct="1">
+                <a:defRPr sz="1800" kern="1200">
+                  <a:solidFill>
+                    <a:schemeClr val="tx1"/>
+                  </a:solidFill>
+                  <a:latin typeface="+mn-lt"/>
+                  <a:ea typeface="+mn-ea"/>
+                  <a:cs typeface="+mn-cs"/>
+                </a:defRPr>
+              </a:lvl2pPr>
+              <a:lvl3pPr marL="914400" algn="l" defTabSz="457200" rtl="0" eaLnBrk="1" latinLnBrk="0" hangingPunct="1">
+                <a:defRPr sz="1800" kern="1200">
+                  <a:solidFill>
+                    <a:schemeClr val="tx1"/>
+                  </a:solidFill>
+                  <a:latin typeface="+mn-lt"/>
+                  <a:ea typeface="+mn-ea"/>
+                  <a:cs typeface="+mn-cs"/>
+                </a:defRPr>
+              </a:lvl3pPr>
+              <a:lvl4pPr marL="1371600" algn="l" defTabSz="457200" rtl="0" eaLnBrk="1" latinLnBrk="0" hangingPunct="1">
+                <a:defRPr sz="1800" kern="1200">
+                  <a:solidFill>
+                    <a:schemeClr val="tx1"/>
+                  </a:solidFill>
+                  <a:latin typeface="+mn-lt"/>
+                  <a:ea typeface="+mn-ea"/>
+                  <a:cs typeface="+mn-cs"/>
+                </a:defRPr>
+              </a:lvl4pPr>
+              <a:lvl5pPr marL="1828800" algn="l" defTabSz="457200" rtl="0" eaLnBrk="1" latinLnBrk="0" hangingPunct="1">
+                <a:defRPr sz="1800" kern="1200">
+                  <a:solidFill>
+                    <a:schemeClr val="tx1"/>
+                  </a:solidFill>
+                  <a:latin typeface="+mn-lt"/>
+                  <a:ea typeface="+mn-ea"/>
+                  <a:cs typeface="+mn-cs"/>
+                </a:defRPr>
+              </a:lvl5pPr>
+              <a:lvl6pPr marL="2286000" algn="l" defTabSz="457200" rtl="0" eaLnBrk="1" latinLnBrk="0" hangingPunct="1">
+                <a:defRPr sz="1800" kern="1200">
+                  <a:solidFill>
+                    <a:schemeClr val="tx1"/>
+                  </a:solidFill>
+                  <a:latin typeface="+mn-lt"/>
+                  <a:ea typeface="+mn-ea"/>
+                  <a:cs typeface="+mn-cs"/>
+                </a:defRPr>
+              </a:lvl6pPr>
+              <a:lvl7pPr marL="2743200" algn="l" defTabSz="457200" rtl="0" eaLnBrk="1" latinLnBrk="0" hangingPunct="1">
+                <a:defRPr sz="1800" kern="1200">
+                  <a:solidFill>
+                    <a:schemeClr val="tx1"/>
+                  </a:solidFill>
+                  <a:latin typeface="+mn-lt"/>
+                  <a:ea typeface="+mn-ea"/>
+                  <a:cs typeface="+mn-cs"/>
+                </a:defRPr>
+              </a:lvl7pPr>
+              <a:lvl8pPr marL="3200400" algn="l" defTabSz="457200" rtl="0" eaLnBrk="1" latinLnBrk="0" hangingPunct="1">
+                <a:defRPr sz="1800" kern="1200">
+                  <a:solidFill>
+                    <a:schemeClr val="tx1"/>
+                  </a:solidFill>
+                  <a:latin typeface="+mn-lt"/>
+                  <a:ea typeface="+mn-ea"/>
+                  <a:cs typeface="+mn-cs"/>
+                </a:defRPr>
+              </a:lvl8pPr>
+              <a:lvl9pPr marL="3657600" algn="l" defTabSz="457200" rtl="0" eaLnBrk="1" latinLnBrk="0" hangingPunct="1">
+                <a:defRPr sz="1800" kern="1200">
+                  <a:solidFill>
+                    <a:schemeClr val="tx1"/>
+                  </a:solidFill>
+                  <a:latin typeface="+mn-lt"/>
+                  <a:ea typeface="+mn-ea"/>
+                  <a:cs typeface="+mn-cs"/>
+                </a:defRPr>
+              </a:lvl9pPr>
+            </a:lstStyle>
+            <a:p>
+              <a:pPr algn="l" defTabSz="536575">
+                <a:tabLst>
+                  <a:tab pos="893763" algn="l"/>
+                  <a:tab pos="1250950" algn="l"/>
+                </a:tabLst>
+              </a:pPr>
+              <a:r>
+                <a:rPr lang="fi-FI" sz="1800" b="0" cap="none" baseline="0" dirty="0"/>
+                <a:t>Basic Programming in Python</a:t>
+              </a:r>
+              <a:endParaRPr lang="en-GB" sz="1800" b="0" cap="none" baseline="0" dirty="0"/>
+            </a:p>
+          </p:txBody>
+        </p:sp>
+        <p:sp>
+          <p:nvSpPr>
+            <p:cNvPr id="14" name="Footer Placeholder 4">
+              <a:extLst>
+                <a:ext uri="{FF2B5EF4-FFF2-40B4-BE49-F238E27FC236}">
+                  <a16:creationId xmlns:a16="http://schemas.microsoft.com/office/drawing/2014/main" id="{95DD8512-A089-483C-8D5C-E00C1BBEA20E}"/>
+                </a:ext>
+              </a:extLst>
+            </p:cNvPr>
+            <p:cNvSpPr txBox="1">
+              <a:spLocks/>
+            </p:cNvSpPr>
+            <p:nvPr/>
+          </p:nvSpPr>
+          <p:spPr>
+            <a:xfrm>
+              <a:off x="7369198" y="32134"/>
+              <a:ext cx="4822804" cy="365125"/>
+            </a:xfrm>
+            <a:prstGeom prst="rect">
+              <a:avLst/>
+            </a:prstGeom>
+          </p:spPr>
+          <p:txBody>
+            <a:bodyPr vert="horz" lIns="91440" tIns="45720" rIns="91440" bIns="45720" rtlCol="0" anchor="ctr"/>
+            <a:lstStyle>
+              <a:defPPr>
+                <a:defRPr lang="en-US"/>
+              </a:defPPr>
+              <a:lvl1pPr marL="0" algn="ctr" defTabSz="457200" rtl="0" eaLnBrk="1" latinLnBrk="0" hangingPunct="1">
+                <a:defRPr sz="900" kern="1200" cap="all" baseline="0">
+                  <a:solidFill>
+                    <a:srgbClr val="FFFFFF"/>
+                  </a:solidFill>
+                  <a:latin typeface="+mn-lt"/>
+                  <a:ea typeface="+mn-ea"/>
+                  <a:cs typeface="+mn-cs"/>
+                </a:defRPr>
+              </a:lvl1pPr>
+              <a:lvl2pPr marL="457200" algn="l" defTabSz="457200" rtl="0" eaLnBrk="1" latinLnBrk="0" hangingPunct="1">
+                <a:defRPr sz="1800" kern="1200">
+                  <a:solidFill>
+                    <a:schemeClr val="tx1"/>
+                  </a:solidFill>
+                  <a:latin typeface="+mn-lt"/>
+                  <a:ea typeface="+mn-ea"/>
+                  <a:cs typeface="+mn-cs"/>
+                </a:defRPr>
+              </a:lvl2pPr>
+              <a:lvl3pPr marL="914400" algn="l" defTabSz="457200" rtl="0" eaLnBrk="1" latinLnBrk="0" hangingPunct="1">
+                <a:defRPr sz="1800" kern="1200">
+                  <a:solidFill>
+                    <a:schemeClr val="tx1"/>
+                  </a:solidFill>
+                  <a:latin typeface="+mn-lt"/>
+                  <a:ea typeface="+mn-ea"/>
+                  <a:cs typeface="+mn-cs"/>
+                </a:defRPr>
+              </a:lvl3pPr>
+              <a:lvl4pPr marL="1371600" algn="l" defTabSz="457200" rtl="0" eaLnBrk="1" latinLnBrk="0" hangingPunct="1">
+                <a:defRPr sz="1800" kern="1200">
+                  <a:solidFill>
+                    <a:schemeClr val="tx1"/>
+                  </a:solidFill>
+                  <a:latin typeface="+mn-lt"/>
+                  <a:ea typeface="+mn-ea"/>
+                  <a:cs typeface="+mn-cs"/>
+                </a:defRPr>
+              </a:lvl4pPr>
+              <a:lvl5pPr marL="1828800" algn="l" defTabSz="457200" rtl="0" eaLnBrk="1" latinLnBrk="0" hangingPunct="1">
+                <a:defRPr sz="1800" kern="1200">
+                  <a:solidFill>
+                    <a:schemeClr val="tx1"/>
+                  </a:solidFill>
+                  <a:latin typeface="+mn-lt"/>
+                  <a:ea typeface="+mn-ea"/>
+                  <a:cs typeface="+mn-cs"/>
+                </a:defRPr>
+              </a:lvl5pPr>
+              <a:lvl6pPr marL="2286000" algn="l" defTabSz="457200" rtl="0" eaLnBrk="1" latinLnBrk="0" hangingPunct="1">
+                <a:defRPr sz="1800" kern="1200">
+                  <a:solidFill>
+                    <a:schemeClr val="tx1"/>
+                  </a:solidFill>
+                  <a:latin typeface="+mn-lt"/>
+                  <a:ea typeface="+mn-ea"/>
+                  <a:cs typeface="+mn-cs"/>
+                </a:defRPr>
+              </a:lvl6pPr>
+              <a:lvl7pPr marL="2743200" algn="l" defTabSz="457200" rtl="0" eaLnBrk="1" latinLnBrk="0" hangingPunct="1">
+                <a:defRPr sz="1800" kern="1200">
+                  <a:solidFill>
+                    <a:schemeClr val="tx1"/>
+                  </a:solidFill>
+                  <a:latin typeface="+mn-lt"/>
+                  <a:ea typeface="+mn-ea"/>
+                  <a:cs typeface="+mn-cs"/>
+                </a:defRPr>
+              </a:lvl7pPr>
+              <a:lvl8pPr marL="3200400" algn="l" defTabSz="457200" rtl="0" eaLnBrk="1" latinLnBrk="0" hangingPunct="1">
+                <a:defRPr sz="1800" kern="1200">
+                  <a:solidFill>
+                    <a:schemeClr val="tx1"/>
+                  </a:solidFill>
+                  <a:latin typeface="+mn-lt"/>
+                  <a:ea typeface="+mn-ea"/>
+                  <a:cs typeface="+mn-cs"/>
+                </a:defRPr>
+              </a:lvl8pPr>
+              <a:lvl9pPr marL="3657600" algn="l" defTabSz="457200" rtl="0" eaLnBrk="1" latinLnBrk="0" hangingPunct="1">
+                <a:defRPr sz="1800" kern="1200">
+                  <a:solidFill>
+                    <a:schemeClr val="tx1"/>
+                  </a:solidFill>
+                  <a:latin typeface="+mn-lt"/>
+                  <a:ea typeface="+mn-ea"/>
+                  <a:cs typeface="+mn-cs"/>
+                </a:defRPr>
+              </a:lvl9pPr>
+            </a:lstStyle>
+            <a:p>
+              <a:pPr algn="r" defTabSz="536575">
+                <a:tabLst>
+                  <a:tab pos="893763" algn="l"/>
+                  <a:tab pos="1250950" algn="l"/>
+                </a:tabLst>
+              </a:pPr>
+              <a:r>
+                <a:rPr lang="fi-FI" sz="1800" b="0" cap="none" baseline="0" dirty="0"/>
+                <a:t>Osnabr</a:t>
+              </a:r>
+              <a:r>
+                <a:rPr lang="de-DE" sz="1800" b="0" cap="none" baseline="0" dirty="0"/>
+                <a:t>ü</a:t>
+              </a:r>
+              <a:r>
+                <a:rPr lang="en-GB" sz="1800" b="0" cap="none" baseline="0" dirty="0" err="1"/>
+                <a:t>ck</a:t>
+              </a:r>
+              <a:r>
+                <a:rPr lang="en-GB" sz="1800" b="0" cap="none" baseline="0" dirty="0"/>
+                <a:t> University – </a:t>
+              </a:r>
+              <a:r>
+                <a:rPr lang="fi-FI" sz="1800" b="0" cap="none" baseline="0" dirty="0"/>
+                <a:t>SS2018</a:t>
+              </a:r>
+              <a:endParaRPr lang="en-GB" sz="1800" b="0" cap="none" baseline="0" dirty="0"/>
+            </a:p>
+          </p:txBody>
+        </p:sp>
+      </p:grpSp>
+      <p:sp>
+        <p:nvSpPr>
+          <p:cNvPr id="15" name="Footer Placeholder 4">
+            <a:extLst>
+              <a:ext uri="{FF2B5EF4-FFF2-40B4-BE49-F238E27FC236}">
+                <a16:creationId xmlns:a16="http://schemas.microsoft.com/office/drawing/2014/main" id="{075B6DB2-7B4F-4918-BD1B-7420DCCC734F}"/>
               </a:ext>
             </a:extLst>
           </p:cNvPr>
@@ -6033,10 +10566,10 @@
       </p:sp>
       <p:grpSp>
         <p:nvGrpSpPr>
-          <p:cNvPr id="11" name="Group 10">
+          <p:cNvPr id="16" name="Group 15">
             <a:extLst>
               <a:ext uri="{FF2B5EF4-FFF2-40B4-BE49-F238E27FC236}">
-                <a16:creationId xmlns:a16="http://schemas.microsoft.com/office/drawing/2014/main" id="{61D9C402-508F-40AA-B227-41A2183FAC31}"/>
+                <a16:creationId xmlns:a16="http://schemas.microsoft.com/office/drawing/2014/main" id="{8E5A53CF-1787-4164-A6EB-12F59C4395FB}"/>
               </a:ext>
             </a:extLst>
           </p:cNvPr>
@@ -6053,10 +10586,10 @@
         </p:grpSpPr>
         <p:sp>
           <p:nvSpPr>
-            <p:cNvPr id="12" name="Rectangle 11">
+            <p:cNvPr id="17" name="Rectangle 16">
               <a:extLst>
                 <a:ext uri="{FF2B5EF4-FFF2-40B4-BE49-F238E27FC236}">
-                  <a16:creationId xmlns:a16="http://schemas.microsoft.com/office/drawing/2014/main" id="{3B03AD29-EF48-424D-9D68-861B4710F692}"/>
+                  <a16:creationId xmlns:a16="http://schemas.microsoft.com/office/drawing/2014/main" id="{B30213E7-9B80-43D4-B313-4D882BDA1B05}"/>
                 </a:ext>
               </a:extLst>
             </p:cNvPr>
@@ -6097,10 +10630,10 @@
         </p:sp>
         <p:sp>
           <p:nvSpPr>
-            <p:cNvPr id="13" name="Footer Placeholder 4">
+            <p:cNvPr id="18" name="Footer Placeholder 4">
               <a:extLst>
                 <a:ext uri="{FF2B5EF4-FFF2-40B4-BE49-F238E27FC236}">
-                  <a16:creationId xmlns:a16="http://schemas.microsoft.com/office/drawing/2014/main" id="{88F740E0-500D-4EDD-A6C2-24CCA29F4CD4}"/>
+                  <a16:creationId xmlns:a16="http://schemas.microsoft.com/office/drawing/2014/main" id="{56036281-656B-4517-A0A5-E8631B01346D}"/>
                 </a:ext>
               </a:extLst>
             </p:cNvPr>
@@ -6232,10 +10765,10 @@
         </p:sp>
         <p:sp>
           <p:nvSpPr>
-            <p:cNvPr id="14" name="Footer Placeholder 4">
+            <p:cNvPr id="19" name="Footer Placeholder 4">
               <a:extLst>
                 <a:ext uri="{FF2B5EF4-FFF2-40B4-BE49-F238E27FC236}">
-                  <a16:creationId xmlns:a16="http://schemas.microsoft.com/office/drawing/2014/main" id="{95DD8512-A089-483C-8D5C-E00C1BBEA20E}"/>
+                  <a16:creationId xmlns:a16="http://schemas.microsoft.com/office/drawing/2014/main" id="{599353D2-553F-45B6-B68C-261E6189BC19}"/>
                 </a:ext>
               </a:extLst>
             </p:cNvPr>
@@ -6385,7 +10918,7 @@
     </p:spTree>
     <p:extLst>
       <p:ext uri="{BB962C8B-B14F-4D97-AF65-F5344CB8AC3E}">
-        <p14:creationId xmlns:p14="http://schemas.microsoft.com/office/powerpoint/2010/main" val="1374133204"/>
+        <p14:creationId xmlns:p14="http://schemas.microsoft.com/office/powerpoint/2010/main" val="2237981690"/>
       </p:ext>
     </p:extLst>
   </p:cSld>
@@ -6421,7 +10954,7 @@
         <p:nvSpPr>
           <p:cNvPr id="7" name="Rectangle 6"/>
           <p:cNvSpPr/>
-          <p:nvPr userDrawn="1"/>
+          <p:nvPr/>
         </p:nvSpPr>
         <p:spPr>
           <a:xfrm>
@@ -6589,7 +11122,7 @@
           <a:p>
             <a:fld id="{0F5CF901-3F04-46D3-A66D-6A29BDCE7C35}" type="datetime1">
               <a:rPr lang="en-GB" smtClean="0"/>
-              <a:t>03/04/2018</a:t>
+              <a:t>05/04/2018</a:t>
             </a:fld>
             <a:endParaRPr lang="en-GB"/>
           </a:p>
@@ -6628,7 +11161,7 @@
           <a:p>
             <a:fld id="{89C4E583-6443-4199-AF95-A2ECCC288D48}" type="slidenum">
               <a:rPr lang="en-GB" smtClean="0"/>
-              <a:t>‹#›</a:t>
+              <a:t>‹Nr.›</a:t>
             </a:fld>
             <a:endParaRPr lang="en-GB"/>
           </a:p>
@@ -6678,6 +11211,570 @@
             <a:extLst>
               <a:ext uri="{FF2B5EF4-FFF2-40B4-BE49-F238E27FC236}">
                 <a16:creationId xmlns:a16="http://schemas.microsoft.com/office/drawing/2014/main" id="{77F7ACD3-6B5C-4F85-B678-F514CFB10390}"/>
+              </a:ext>
+            </a:extLst>
+          </p:cNvPr>
+          <p:cNvSpPr txBox="1">
+            <a:spLocks/>
+          </p:cNvSpPr>
+          <p:nvPr/>
+        </p:nvSpPr>
+        <p:spPr>
+          <a:xfrm>
+            <a:off x="3684598" y="6449030"/>
+            <a:ext cx="4822804" cy="365125"/>
+          </a:xfrm>
+          <a:prstGeom prst="rect">
+            <a:avLst/>
+          </a:prstGeom>
+        </p:spPr>
+        <p:txBody>
+          <a:bodyPr vert="horz" lIns="91440" tIns="45720" rIns="91440" bIns="45720" rtlCol="0" anchor="ctr"/>
+          <a:lstStyle>
+            <a:defPPr>
+              <a:defRPr lang="en-US"/>
+            </a:defPPr>
+            <a:lvl1pPr marL="0" algn="ctr" defTabSz="457200" rtl="0" eaLnBrk="1" latinLnBrk="0" hangingPunct="1">
+              <a:defRPr sz="900" kern="1200" cap="all" baseline="0">
+                <a:solidFill>
+                  <a:srgbClr val="FFFFFF"/>
+                </a:solidFill>
+                <a:latin typeface="+mn-lt"/>
+                <a:ea typeface="+mn-ea"/>
+                <a:cs typeface="+mn-cs"/>
+              </a:defRPr>
+            </a:lvl1pPr>
+            <a:lvl2pPr marL="457200" algn="l" defTabSz="457200" rtl="0" eaLnBrk="1" latinLnBrk="0" hangingPunct="1">
+              <a:defRPr sz="1800" kern="1200">
+                <a:solidFill>
+                  <a:schemeClr val="tx1"/>
+                </a:solidFill>
+                <a:latin typeface="+mn-lt"/>
+                <a:ea typeface="+mn-ea"/>
+                <a:cs typeface="+mn-cs"/>
+              </a:defRPr>
+            </a:lvl2pPr>
+            <a:lvl3pPr marL="914400" algn="l" defTabSz="457200" rtl="0" eaLnBrk="1" latinLnBrk="0" hangingPunct="1">
+              <a:defRPr sz="1800" kern="1200">
+                <a:solidFill>
+                  <a:schemeClr val="tx1"/>
+                </a:solidFill>
+                <a:latin typeface="+mn-lt"/>
+                <a:ea typeface="+mn-ea"/>
+                <a:cs typeface="+mn-cs"/>
+              </a:defRPr>
+            </a:lvl3pPr>
+            <a:lvl4pPr marL="1371600" algn="l" defTabSz="457200" rtl="0" eaLnBrk="1" latinLnBrk="0" hangingPunct="1">
+              <a:defRPr sz="1800" kern="1200">
+                <a:solidFill>
+                  <a:schemeClr val="tx1"/>
+                </a:solidFill>
+                <a:latin typeface="+mn-lt"/>
+                <a:ea typeface="+mn-ea"/>
+                <a:cs typeface="+mn-cs"/>
+              </a:defRPr>
+            </a:lvl4pPr>
+            <a:lvl5pPr marL="1828800" algn="l" defTabSz="457200" rtl="0" eaLnBrk="1" latinLnBrk="0" hangingPunct="1">
+              <a:defRPr sz="1800" kern="1200">
+                <a:solidFill>
+                  <a:schemeClr val="tx1"/>
+                </a:solidFill>
+                <a:latin typeface="+mn-lt"/>
+                <a:ea typeface="+mn-ea"/>
+                <a:cs typeface="+mn-cs"/>
+              </a:defRPr>
+            </a:lvl5pPr>
+            <a:lvl6pPr marL="2286000" algn="l" defTabSz="457200" rtl="0" eaLnBrk="1" latinLnBrk="0" hangingPunct="1">
+              <a:defRPr sz="1800" kern="1200">
+                <a:solidFill>
+                  <a:schemeClr val="tx1"/>
+                </a:solidFill>
+                <a:latin typeface="+mn-lt"/>
+                <a:ea typeface="+mn-ea"/>
+                <a:cs typeface="+mn-cs"/>
+              </a:defRPr>
+            </a:lvl6pPr>
+            <a:lvl7pPr marL="2743200" algn="l" defTabSz="457200" rtl="0" eaLnBrk="1" latinLnBrk="0" hangingPunct="1">
+              <a:defRPr sz="1800" kern="1200">
+                <a:solidFill>
+                  <a:schemeClr val="tx1"/>
+                </a:solidFill>
+                <a:latin typeface="+mn-lt"/>
+                <a:ea typeface="+mn-ea"/>
+                <a:cs typeface="+mn-cs"/>
+              </a:defRPr>
+            </a:lvl7pPr>
+            <a:lvl8pPr marL="3200400" algn="l" defTabSz="457200" rtl="0" eaLnBrk="1" latinLnBrk="0" hangingPunct="1">
+              <a:defRPr sz="1800" kern="1200">
+                <a:solidFill>
+                  <a:schemeClr val="tx1"/>
+                </a:solidFill>
+                <a:latin typeface="+mn-lt"/>
+                <a:ea typeface="+mn-ea"/>
+                <a:cs typeface="+mn-cs"/>
+              </a:defRPr>
+            </a:lvl8pPr>
+            <a:lvl9pPr marL="3657600" algn="l" defTabSz="457200" rtl="0" eaLnBrk="1" latinLnBrk="0" hangingPunct="1">
+              <a:defRPr sz="1800" kern="1200">
+                <a:solidFill>
+                  <a:schemeClr val="tx1"/>
+                </a:solidFill>
+                <a:latin typeface="+mn-lt"/>
+                <a:ea typeface="+mn-ea"/>
+                <a:cs typeface="+mn-cs"/>
+              </a:defRPr>
+            </a:lvl9pPr>
+          </a:lstStyle>
+          <a:p>
+            <a:pPr marL="0" lvl="0" indent="0" algn="ctr" defTabSz="536575">
+              <a:tabLst>
+                <a:tab pos="2511425" algn="r"/>
+              </a:tabLst>
+            </a:pPr>
+            <a:r>
+              <a:rPr lang="fi-FI" sz="1000" b="0" cap="none" baseline="0" dirty="0"/>
+              <a:t>Moritz Nipshagen	</a:t>
+            </a:r>
+            <a:r>
+              <a:rPr lang="fi-FI" sz="1000" b="0" cap="none" baseline="0" dirty="0">
+                <a:hlinkClick r:id="rId14"/>
+              </a:rPr>
+              <a:t>mnipshagen@uos.de</a:t>
+            </a:r>
+            <a:endParaRPr lang="fi-FI" sz="1000" b="0" cap="none" baseline="0" dirty="0"/>
+          </a:p>
+          <a:p>
+            <a:pPr marL="0" lvl="0" indent="0" algn="ctr" defTabSz="536575">
+              <a:tabLst>
+                <a:tab pos="2511425" algn="r"/>
+              </a:tabLst>
+            </a:pPr>
+            <a:r>
+              <a:rPr lang="fi-FI" sz="1000" b="0" cap="none" baseline="0" dirty="0"/>
+              <a:t>Antonia Hain	</a:t>
+            </a:r>
+            <a:r>
+              <a:rPr lang="fi-FI" sz="1000" b="0" cap="none" baseline="0" dirty="0">
+                <a:hlinkClick r:id="rId15"/>
+              </a:rPr>
+              <a:t>ahain@uos.de</a:t>
+            </a:r>
+            <a:r>
+              <a:rPr lang="fi-FI" sz="1000" b="0" cap="none" baseline="0" dirty="0"/>
+              <a:t> </a:t>
+            </a:r>
+            <a:endParaRPr lang="en-GB" sz="1000" b="0" cap="none" baseline="0" dirty="0"/>
+          </a:p>
+        </p:txBody>
+      </p:sp>
+      <p:grpSp>
+        <p:nvGrpSpPr>
+          <p:cNvPr id="20" name="Group 19">
+            <a:extLst>
+              <a:ext uri="{FF2B5EF4-FFF2-40B4-BE49-F238E27FC236}">
+                <a16:creationId xmlns:a16="http://schemas.microsoft.com/office/drawing/2014/main" id="{C7F9C49F-2AD5-464F-A70C-C11B3D63E7DD}"/>
+              </a:ext>
+            </a:extLst>
+          </p:cNvPr>
+          <p:cNvGrpSpPr/>
+          <p:nvPr/>
+        </p:nvGrpSpPr>
+        <p:grpSpPr>
+          <a:xfrm>
+            <a:off x="0" y="-13903"/>
+            <a:ext cx="12192002" cy="457200"/>
+            <a:chOff x="0" y="-13903"/>
+            <a:chExt cx="12192002" cy="457200"/>
+          </a:xfrm>
+        </p:grpSpPr>
+        <p:sp>
+          <p:nvSpPr>
+            <p:cNvPr id="13" name="Rectangle 12">
+              <a:extLst>
+                <a:ext uri="{FF2B5EF4-FFF2-40B4-BE49-F238E27FC236}">
+                  <a16:creationId xmlns:a16="http://schemas.microsoft.com/office/drawing/2014/main" id="{3EE10AE8-E8FE-4459-A599-CE3DA06F3417}"/>
+                </a:ext>
+              </a:extLst>
+            </p:cNvPr>
+            <p:cNvSpPr/>
+            <p:nvPr/>
+          </p:nvSpPr>
+          <p:spPr>
+            <a:xfrm>
+              <a:off x="0" y="-13903"/>
+              <a:ext cx="12192000" cy="457200"/>
+            </a:xfrm>
+            <a:prstGeom prst="rect">
+              <a:avLst/>
+            </a:prstGeom>
+            <a:solidFill>
+              <a:schemeClr val="accent2"/>
+            </a:solidFill>
+            <a:ln>
+              <a:noFill/>
+            </a:ln>
+          </p:spPr>
+          <p:style>
+            <a:lnRef idx="2">
+              <a:schemeClr val="accent1">
+                <a:shade val="50000"/>
+              </a:schemeClr>
+            </a:lnRef>
+            <a:fillRef idx="1">
+              <a:schemeClr val="accent1"/>
+            </a:fillRef>
+            <a:effectRef idx="0">
+              <a:schemeClr val="accent1"/>
+            </a:effectRef>
+            <a:fontRef idx="minor">
+              <a:schemeClr val="lt1"/>
+            </a:fontRef>
+          </p:style>
+        </p:sp>
+        <p:sp>
+          <p:nvSpPr>
+            <p:cNvPr id="18" name="Footer Placeholder 4">
+              <a:extLst>
+                <a:ext uri="{FF2B5EF4-FFF2-40B4-BE49-F238E27FC236}">
+                  <a16:creationId xmlns:a16="http://schemas.microsoft.com/office/drawing/2014/main" id="{93AA9ECC-926D-4DDB-8178-A028779C294C}"/>
+                </a:ext>
+              </a:extLst>
+            </p:cNvPr>
+            <p:cNvSpPr txBox="1">
+              <a:spLocks/>
+            </p:cNvSpPr>
+            <p:nvPr/>
+          </p:nvSpPr>
+          <p:spPr>
+            <a:xfrm>
+              <a:off x="0" y="43845"/>
+              <a:ext cx="4822804" cy="365125"/>
+            </a:xfrm>
+            <a:prstGeom prst="rect">
+              <a:avLst/>
+            </a:prstGeom>
+          </p:spPr>
+          <p:txBody>
+            <a:bodyPr vert="horz" lIns="91440" tIns="45720" rIns="91440" bIns="45720" rtlCol="0" anchor="ctr"/>
+            <a:lstStyle>
+              <a:defPPr>
+                <a:defRPr lang="en-US"/>
+              </a:defPPr>
+              <a:lvl1pPr marL="0" algn="ctr" defTabSz="457200" rtl="0" eaLnBrk="1" latinLnBrk="0" hangingPunct="1">
+                <a:defRPr sz="900" kern="1200" cap="all" baseline="0">
+                  <a:solidFill>
+                    <a:srgbClr val="FFFFFF"/>
+                  </a:solidFill>
+                  <a:latin typeface="+mn-lt"/>
+                  <a:ea typeface="+mn-ea"/>
+                  <a:cs typeface="+mn-cs"/>
+                </a:defRPr>
+              </a:lvl1pPr>
+              <a:lvl2pPr marL="457200" algn="l" defTabSz="457200" rtl="0" eaLnBrk="1" latinLnBrk="0" hangingPunct="1">
+                <a:defRPr sz="1800" kern="1200">
+                  <a:solidFill>
+                    <a:schemeClr val="tx1"/>
+                  </a:solidFill>
+                  <a:latin typeface="+mn-lt"/>
+                  <a:ea typeface="+mn-ea"/>
+                  <a:cs typeface="+mn-cs"/>
+                </a:defRPr>
+              </a:lvl2pPr>
+              <a:lvl3pPr marL="914400" algn="l" defTabSz="457200" rtl="0" eaLnBrk="1" latinLnBrk="0" hangingPunct="1">
+                <a:defRPr sz="1800" kern="1200">
+                  <a:solidFill>
+                    <a:schemeClr val="tx1"/>
+                  </a:solidFill>
+                  <a:latin typeface="+mn-lt"/>
+                  <a:ea typeface="+mn-ea"/>
+                  <a:cs typeface="+mn-cs"/>
+                </a:defRPr>
+              </a:lvl3pPr>
+              <a:lvl4pPr marL="1371600" algn="l" defTabSz="457200" rtl="0" eaLnBrk="1" latinLnBrk="0" hangingPunct="1">
+                <a:defRPr sz="1800" kern="1200">
+                  <a:solidFill>
+                    <a:schemeClr val="tx1"/>
+                  </a:solidFill>
+                  <a:latin typeface="+mn-lt"/>
+                  <a:ea typeface="+mn-ea"/>
+                  <a:cs typeface="+mn-cs"/>
+                </a:defRPr>
+              </a:lvl4pPr>
+              <a:lvl5pPr marL="1828800" algn="l" defTabSz="457200" rtl="0" eaLnBrk="1" latinLnBrk="0" hangingPunct="1">
+                <a:defRPr sz="1800" kern="1200">
+                  <a:solidFill>
+                    <a:schemeClr val="tx1"/>
+                  </a:solidFill>
+                  <a:latin typeface="+mn-lt"/>
+                  <a:ea typeface="+mn-ea"/>
+                  <a:cs typeface="+mn-cs"/>
+                </a:defRPr>
+              </a:lvl5pPr>
+              <a:lvl6pPr marL="2286000" algn="l" defTabSz="457200" rtl="0" eaLnBrk="1" latinLnBrk="0" hangingPunct="1">
+                <a:defRPr sz="1800" kern="1200">
+                  <a:solidFill>
+                    <a:schemeClr val="tx1"/>
+                  </a:solidFill>
+                  <a:latin typeface="+mn-lt"/>
+                  <a:ea typeface="+mn-ea"/>
+                  <a:cs typeface="+mn-cs"/>
+                </a:defRPr>
+              </a:lvl6pPr>
+              <a:lvl7pPr marL="2743200" algn="l" defTabSz="457200" rtl="0" eaLnBrk="1" latinLnBrk="0" hangingPunct="1">
+                <a:defRPr sz="1800" kern="1200">
+                  <a:solidFill>
+                    <a:schemeClr val="tx1"/>
+                  </a:solidFill>
+                  <a:latin typeface="+mn-lt"/>
+                  <a:ea typeface="+mn-ea"/>
+                  <a:cs typeface="+mn-cs"/>
+                </a:defRPr>
+              </a:lvl7pPr>
+              <a:lvl8pPr marL="3200400" algn="l" defTabSz="457200" rtl="0" eaLnBrk="1" latinLnBrk="0" hangingPunct="1">
+                <a:defRPr sz="1800" kern="1200">
+                  <a:solidFill>
+                    <a:schemeClr val="tx1"/>
+                  </a:solidFill>
+                  <a:latin typeface="+mn-lt"/>
+                  <a:ea typeface="+mn-ea"/>
+                  <a:cs typeface="+mn-cs"/>
+                </a:defRPr>
+              </a:lvl8pPr>
+              <a:lvl9pPr marL="3657600" algn="l" defTabSz="457200" rtl="0" eaLnBrk="1" latinLnBrk="0" hangingPunct="1">
+                <a:defRPr sz="1800" kern="1200">
+                  <a:solidFill>
+                    <a:schemeClr val="tx1"/>
+                  </a:solidFill>
+                  <a:latin typeface="+mn-lt"/>
+                  <a:ea typeface="+mn-ea"/>
+                  <a:cs typeface="+mn-cs"/>
+                </a:defRPr>
+              </a:lvl9pPr>
+            </a:lstStyle>
+            <a:p>
+              <a:pPr algn="l" defTabSz="536575">
+                <a:tabLst>
+                  <a:tab pos="893763" algn="l"/>
+                  <a:tab pos="1250950" algn="l"/>
+                </a:tabLst>
+              </a:pPr>
+              <a:r>
+                <a:rPr lang="fi-FI" sz="1800" b="0" cap="none" baseline="0" dirty="0"/>
+                <a:t>Basic Programming in Python</a:t>
+              </a:r>
+              <a:endParaRPr lang="en-GB" sz="1800" b="0" cap="none" baseline="0" dirty="0"/>
+            </a:p>
+          </p:txBody>
+        </p:sp>
+        <p:sp>
+          <p:nvSpPr>
+            <p:cNvPr id="19" name="Footer Placeholder 4">
+              <a:extLst>
+                <a:ext uri="{FF2B5EF4-FFF2-40B4-BE49-F238E27FC236}">
+                  <a16:creationId xmlns:a16="http://schemas.microsoft.com/office/drawing/2014/main" id="{010A8F88-99CB-48C3-98C1-9E27A56262E9}"/>
+                </a:ext>
+              </a:extLst>
+            </p:cNvPr>
+            <p:cNvSpPr txBox="1">
+              <a:spLocks/>
+            </p:cNvSpPr>
+            <p:nvPr/>
+          </p:nvSpPr>
+          <p:spPr>
+            <a:xfrm>
+              <a:off x="7369198" y="32134"/>
+              <a:ext cx="4822804" cy="365125"/>
+            </a:xfrm>
+            <a:prstGeom prst="rect">
+              <a:avLst/>
+            </a:prstGeom>
+          </p:spPr>
+          <p:txBody>
+            <a:bodyPr vert="horz" lIns="91440" tIns="45720" rIns="91440" bIns="45720" rtlCol="0" anchor="ctr"/>
+            <a:lstStyle>
+              <a:defPPr>
+                <a:defRPr lang="en-US"/>
+              </a:defPPr>
+              <a:lvl1pPr marL="0" algn="ctr" defTabSz="457200" rtl="0" eaLnBrk="1" latinLnBrk="0" hangingPunct="1">
+                <a:defRPr sz="900" kern="1200" cap="all" baseline="0">
+                  <a:solidFill>
+                    <a:srgbClr val="FFFFFF"/>
+                  </a:solidFill>
+                  <a:latin typeface="+mn-lt"/>
+                  <a:ea typeface="+mn-ea"/>
+                  <a:cs typeface="+mn-cs"/>
+                </a:defRPr>
+              </a:lvl1pPr>
+              <a:lvl2pPr marL="457200" algn="l" defTabSz="457200" rtl="0" eaLnBrk="1" latinLnBrk="0" hangingPunct="1">
+                <a:defRPr sz="1800" kern="1200">
+                  <a:solidFill>
+                    <a:schemeClr val="tx1"/>
+                  </a:solidFill>
+                  <a:latin typeface="+mn-lt"/>
+                  <a:ea typeface="+mn-ea"/>
+                  <a:cs typeface="+mn-cs"/>
+                </a:defRPr>
+              </a:lvl2pPr>
+              <a:lvl3pPr marL="914400" algn="l" defTabSz="457200" rtl="0" eaLnBrk="1" latinLnBrk="0" hangingPunct="1">
+                <a:defRPr sz="1800" kern="1200">
+                  <a:solidFill>
+                    <a:schemeClr val="tx1"/>
+                  </a:solidFill>
+                  <a:latin typeface="+mn-lt"/>
+                  <a:ea typeface="+mn-ea"/>
+                  <a:cs typeface="+mn-cs"/>
+                </a:defRPr>
+              </a:lvl3pPr>
+              <a:lvl4pPr marL="1371600" algn="l" defTabSz="457200" rtl="0" eaLnBrk="1" latinLnBrk="0" hangingPunct="1">
+                <a:defRPr sz="1800" kern="1200">
+                  <a:solidFill>
+                    <a:schemeClr val="tx1"/>
+                  </a:solidFill>
+                  <a:latin typeface="+mn-lt"/>
+                  <a:ea typeface="+mn-ea"/>
+                  <a:cs typeface="+mn-cs"/>
+                </a:defRPr>
+              </a:lvl4pPr>
+              <a:lvl5pPr marL="1828800" algn="l" defTabSz="457200" rtl="0" eaLnBrk="1" latinLnBrk="0" hangingPunct="1">
+                <a:defRPr sz="1800" kern="1200">
+                  <a:solidFill>
+                    <a:schemeClr val="tx1"/>
+                  </a:solidFill>
+                  <a:latin typeface="+mn-lt"/>
+                  <a:ea typeface="+mn-ea"/>
+                  <a:cs typeface="+mn-cs"/>
+                </a:defRPr>
+              </a:lvl5pPr>
+              <a:lvl6pPr marL="2286000" algn="l" defTabSz="457200" rtl="0" eaLnBrk="1" latinLnBrk="0" hangingPunct="1">
+                <a:defRPr sz="1800" kern="1200">
+                  <a:solidFill>
+                    <a:schemeClr val="tx1"/>
+                  </a:solidFill>
+                  <a:latin typeface="+mn-lt"/>
+                  <a:ea typeface="+mn-ea"/>
+                  <a:cs typeface="+mn-cs"/>
+                </a:defRPr>
+              </a:lvl6pPr>
+              <a:lvl7pPr marL="2743200" algn="l" defTabSz="457200" rtl="0" eaLnBrk="1" latinLnBrk="0" hangingPunct="1">
+                <a:defRPr sz="1800" kern="1200">
+                  <a:solidFill>
+                    <a:schemeClr val="tx1"/>
+                  </a:solidFill>
+                  <a:latin typeface="+mn-lt"/>
+                  <a:ea typeface="+mn-ea"/>
+                  <a:cs typeface="+mn-cs"/>
+                </a:defRPr>
+              </a:lvl7pPr>
+              <a:lvl8pPr marL="3200400" algn="l" defTabSz="457200" rtl="0" eaLnBrk="1" latinLnBrk="0" hangingPunct="1">
+                <a:defRPr sz="1800" kern="1200">
+                  <a:solidFill>
+                    <a:schemeClr val="tx1"/>
+                  </a:solidFill>
+                  <a:latin typeface="+mn-lt"/>
+                  <a:ea typeface="+mn-ea"/>
+                  <a:cs typeface="+mn-cs"/>
+                </a:defRPr>
+              </a:lvl8pPr>
+              <a:lvl9pPr marL="3657600" algn="l" defTabSz="457200" rtl="0" eaLnBrk="1" latinLnBrk="0" hangingPunct="1">
+                <a:defRPr sz="1800" kern="1200">
+                  <a:solidFill>
+                    <a:schemeClr val="tx1"/>
+                  </a:solidFill>
+                  <a:latin typeface="+mn-lt"/>
+                  <a:ea typeface="+mn-ea"/>
+                  <a:cs typeface="+mn-cs"/>
+                </a:defRPr>
+              </a:lvl9pPr>
+            </a:lstStyle>
+            <a:p>
+              <a:pPr algn="r" defTabSz="536575">
+                <a:tabLst>
+                  <a:tab pos="893763" algn="l"/>
+                  <a:tab pos="1250950" algn="l"/>
+                </a:tabLst>
+              </a:pPr>
+              <a:r>
+                <a:rPr lang="fi-FI" sz="1800" b="0" cap="none" baseline="0" dirty="0"/>
+                <a:t>Osnabr</a:t>
+              </a:r>
+              <a:r>
+                <a:rPr lang="de-DE" sz="1800" b="0" cap="none" baseline="0" dirty="0"/>
+                <a:t>ü</a:t>
+              </a:r>
+              <a:r>
+                <a:rPr lang="en-GB" sz="1800" b="0" cap="none" baseline="0" dirty="0" err="1"/>
+                <a:t>ck</a:t>
+              </a:r>
+              <a:r>
+                <a:rPr lang="en-GB" sz="1800" b="0" cap="none" baseline="0" dirty="0"/>
+                <a:t> University – </a:t>
+              </a:r>
+              <a:r>
+                <a:rPr lang="fi-FI" sz="1800" b="0" cap="none" baseline="0" dirty="0"/>
+                <a:t>SS2018</a:t>
+              </a:r>
+              <a:endParaRPr lang="en-GB" sz="1800" b="0" cap="none" baseline="0" dirty="0"/>
+            </a:p>
+          </p:txBody>
+        </p:sp>
+      </p:grpSp>
+      <p:sp>
+        <p:nvSpPr>
+          <p:cNvPr id="15" name="Rectangle 14">
+            <a:extLst>
+              <a:ext uri="{FF2B5EF4-FFF2-40B4-BE49-F238E27FC236}">
+                <a16:creationId xmlns:a16="http://schemas.microsoft.com/office/drawing/2014/main" id="{FCBBDA65-3F7C-4949-9994-6608FE083720}"/>
+              </a:ext>
+            </a:extLst>
+          </p:cNvPr>
+          <p:cNvSpPr/>
+          <p:nvPr userDrawn="1"/>
+        </p:nvSpPr>
+        <p:spPr>
+          <a:xfrm>
+            <a:off x="1" y="6400800"/>
+            <a:ext cx="12192000" cy="457200"/>
+          </a:xfrm>
+          <a:prstGeom prst="rect">
+            <a:avLst/>
+          </a:prstGeom>
+          <a:solidFill>
+            <a:schemeClr val="accent2"/>
+          </a:solidFill>
+          <a:ln>
+            <a:noFill/>
+          </a:ln>
+        </p:spPr>
+        <p:style>
+          <a:lnRef idx="2">
+            <a:schemeClr val="accent1">
+              <a:shade val="50000"/>
+            </a:schemeClr>
+          </a:lnRef>
+          <a:fillRef idx="1">
+            <a:schemeClr val="accent1"/>
+          </a:fillRef>
+          <a:effectRef idx="0">
+            <a:schemeClr val="accent1"/>
+          </a:effectRef>
+          <a:fontRef idx="minor">
+            <a:schemeClr val="lt1"/>
+          </a:fontRef>
+        </p:style>
+        <p:txBody>
+          <a:bodyPr/>
+          <a:lstStyle/>
+          <a:p>
+            <a:endParaRPr lang="en-GB" dirty="0"/>
+          </a:p>
+        </p:txBody>
+      </p:sp>
+      <p:sp>
+        <p:nvSpPr>
+          <p:cNvPr id="16" name="Footer Placeholder 4">
+            <a:extLst>
+              <a:ext uri="{FF2B5EF4-FFF2-40B4-BE49-F238E27FC236}">
+                <a16:creationId xmlns:a16="http://schemas.microsoft.com/office/drawing/2014/main" id="{21CBE2C8-AF8D-4442-9F48-F3EA5B4303C8}"/>
               </a:ext>
             </a:extLst>
           </p:cNvPr>
@@ -6804,7 +11901,7 @@
             </a:r>
             <a:r>
               <a:rPr lang="fi-FI" sz="1000" b="0" cap="none" baseline="0" dirty="0">
-                <a:hlinkClick r:id="rId13"/>
+                <a:hlinkClick r:id="rId14"/>
               </a:rPr>
               <a:t>mnipshagen@uos.de</a:t>
             </a:r>
@@ -6822,7 +11919,7 @@
             </a:r>
             <a:r>
               <a:rPr lang="fi-FI" sz="1000" b="0" cap="none" baseline="0" dirty="0">
-                <a:hlinkClick r:id="rId14"/>
+                <a:hlinkClick r:id="rId15"/>
               </a:rPr>
               <a:t>ahain@uos.de</a:t>
             </a:r>
@@ -6836,10 +11933,10 @@
       </p:sp>
       <p:grpSp>
         <p:nvGrpSpPr>
-          <p:cNvPr id="20" name="Group 19">
+          <p:cNvPr id="17" name="Group 16">
             <a:extLst>
               <a:ext uri="{FF2B5EF4-FFF2-40B4-BE49-F238E27FC236}">
-                <a16:creationId xmlns:a16="http://schemas.microsoft.com/office/drawing/2014/main" id="{C7F9C49F-2AD5-464F-A70C-C11B3D63E7DD}"/>
+                <a16:creationId xmlns:a16="http://schemas.microsoft.com/office/drawing/2014/main" id="{857DC2AB-96CD-4F94-9886-200D53105D83}"/>
               </a:ext>
             </a:extLst>
           </p:cNvPr>
@@ -6856,10 +11953,10 @@
         </p:grpSpPr>
         <p:sp>
           <p:nvSpPr>
-            <p:cNvPr id="13" name="Rectangle 12">
+            <p:cNvPr id="21" name="Rectangle 20">
               <a:extLst>
                 <a:ext uri="{FF2B5EF4-FFF2-40B4-BE49-F238E27FC236}">
-                  <a16:creationId xmlns:a16="http://schemas.microsoft.com/office/drawing/2014/main" id="{3EE10AE8-E8FE-4459-A599-CE3DA06F3417}"/>
+                  <a16:creationId xmlns:a16="http://schemas.microsoft.com/office/drawing/2014/main" id="{98EB7B81-B10C-4DBA-B2FB-6C7D4D0423BF}"/>
                 </a:ext>
               </a:extLst>
             </p:cNvPr>
@@ -6900,10 +11997,10 @@
         </p:sp>
         <p:sp>
           <p:nvSpPr>
-            <p:cNvPr id="18" name="Footer Placeholder 4">
+            <p:cNvPr id="22" name="Footer Placeholder 4">
               <a:extLst>
                 <a:ext uri="{FF2B5EF4-FFF2-40B4-BE49-F238E27FC236}">
-                  <a16:creationId xmlns:a16="http://schemas.microsoft.com/office/drawing/2014/main" id="{93AA9ECC-926D-4DDB-8178-A028779C294C}"/>
+                  <a16:creationId xmlns:a16="http://schemas.microsoft.com/office/drawing/2014/main" id="{525909D2-EE72-4BCC-95E2-727C5B77F488}"/>
                 </a:ext>
               </a:extLst>
             </p:cNvPr>
@@ -7035,10 +12132,10 @@
         </p:sp>
         <p:sp>
           <p:nvSpPr>
-            <p:cNvPr id="19" name="Footer Placeholder 4">
+            <p:cNvPr id="23" name="Footer Placeholder 4">
               <a:extLst>
                 <a:ext uri="{FF2B5EF4-FFF2-40B4-BE49-F238E27FC236}">
-                  <a16:creationId xmlns:a16="http://schemas.microsoft.com/office/drawing/2014/main" id="{010A8F88-99CB-48C3-98C1-9E27A56262E9}"/>
+                  <a16:creationId xmlns:a16="http://schemas.microsoft.com/office/drawing/2014/main" id="{05E1FC53-9924-41D0-B600-560CD8FDCC8B}"/>
                 </a:ext>
               </a:extLst>
             </p:cNvPr>
@@ -7188,23 +12285,24 @@
     </p:spTree>
     <p:extLst>
       <p:ext uri="{BB962C8B-B14F-4D97-AF65-F5344CB8AC3E}">
-        <p14:creationId xmlns:p14="http://schemas.microsoft.com/office/powerpoint/2010/main" val="3634374941"/>
+        <p14:creationId xmlns:p14="http://schemas.microsoft.com/office/powerpoint/2010/main" val="283249128"/>
       </p:ext>
     </p:extLst>
   </p:cSld>
   <p:clrMap bg1="lt1" tx1="dk1" bg2="lt2" tx2="dk2" accent1="accent1" accent2="accent2" accent3="accent3" accent4="accent4" accent5="accent5" accent6="accent6" hlink="hlink" folHlink="folHlink"/>
   <p:sldLayoutIdLst>
-    <p:sldLayoutId id="2147483673" r:id="rId1"/>
-    <p:sldLayoutId id="2147483674" r:id="rId2"/>
-    <p:sldLayoutId id="2147483675" r:id="rId3"/>
-    <p:sldLayoutId id="2147483676" r:id="rId4"/>
-    <p:sldLayoutId id="2147483677" r:id="rId5"/>
-    <p:sldLayoutId id="2147483678" r:id="rId6"/>
-    <p:sldLayoutId id="2147483679" r:id="rId7"/>
-    <p:sldLayoutId id="2147483680" r:id="rId8"/>
-    <p:sldLayoutId id="2147483681" r:id="rId9"/>
-    <p:sldLayoutId id="2147483682" r:id="rId10"/>
-    <p:sldLayoutId id="2147483683" r:id="rId11"/>
+    <p:sldLayoutId id="2147483685" r:id="rId1"/>
+    <p:sldLayoutId id="2147483686" r:id="rId2"/>
+    <p:sldLayoutId id="2147483687" r:id="rId3"/>
+    <p:sldLayoutId id="2147483688" r:id="rId4"/>
+    <p:sldLayoutId id="2147483689" r:id="rId5"/>
+    <p:sldLayoutId id="2147483690" r:id="rId6"/>
+    <p:sldLayoutId id="2147483691" r:id="rId7"/>
+    <p:sldLayoutId id="2147483692" r:id="rId8"/>
+    <p:sldLayoutId id="2147483693" r:id="rId9"/>
+    <p:sldLayoutId id="2147483694" r:id="rId10"/>
+    <p:sldLayoutId id="2147483695" r:id="rId11"/>
+    <p:sldLayoutId id="2147483675" r:id="rId12"/>
   </p:sldLayoutIdLst>
   <p:hf hdr="0" ftr="0" dt="0"/>
   <p:txStyles>
@@ -7617,7 +12715,7 @@
               <a:rPr lang="en-GB" dirty="0">
                 <a:cs typeface="Calibri Light"/>
               </a:rPr>
-              <a:t>The very basics</a:t>
+              <a:t>The Very Basics</a:t>
             </a:r>
             <a:endParaRPr lang="en-GB" dirty="0"/>
           </a:p>
@@ -7860,19 +12958,7 @@
               <a:rPr lang="de-DE" dirty="0">
                 <a:cs typeface="Calibri Light"/>
               </a:rPr>
-              <a:t> </a:t>
-            </a:r>
-            <a:r>
-              <a:rPr lang="de-DE" dirty="0" err="1">
-                <a:cs typeface="Calibri Light"/>
-              </a:rPr>
-              <a:t>are</a:t>
-            </a:r>
-            <a:r>
-              <a:rPr lang="de-DE" dirty="0">
-                <a:cs typeface="Calibri Light"/>
-              </a:rPr>
-              <a:t> variables?</a:t>
+              <a:t> Are Variables?</a:t>
             </a:r>
             <a:endParaRPr lang="de-DE" dirty="0"/>
           </a:p>
@@ -8829,19 +13915,7 @@
               <a:rPr lang="de-DE" dirty="0">
                 <a:cs typeface="Calibri Light"/>
               </a:rPr>
-              <a:t> </a:t>
-            </a:r>
-            <a:r>
-              <a:rPr lang="de-DE" dirty="0" err="1">
-                <a:cs typeface="Calibri Light"/>
-              </a:rPr>
-              <a:t>are</a:t>
-            </a:r>
-            <a:r>
-              <a:rPr lang="de-DE" dirty="0">
-                <a:cs typeface="Calibri Light"/>
-              </a:rPr>
-              <a:t> variables?</a:t>
+              <a:t> Are Variables?</a:t>
             </a:r>
             <a:endParaRPr lang="de-DE" dirty="0"/>
           </a:p>
@@ -9468,13 +14542,13 @@
               <a:rPr lang="de-DE" dirty="0">
                 <a:cs typeface="Calibri Light"/>
               </a:rPr>
-              <a:t>Do variables </a:t>
+              <a:t>Do Variables </a:t>
             </a:r>
             <a:r>
               <a:rPr lang="de-DE" dirty="0" err="1">
                 <a:cs typeface="Calibri Light"/>
               </a:rPr>
-              <a:t>have</a:t>
+              <a:t>Have</a:t>
             </a:r>
             <a:r>
               <a:rPr lang="de-DE" dirty="0">
@@ -9492,31 +14566,19 @@
               <a:rPr lang="de-DE" dirty="0">
                 <a:cs typeface="Calibri Light"/>
               </a:rPr>
-              <a:t> </a:t>
+              <a:t> </a:t>
             </a:r>
             <a:r>
               <a:rPr lang="de-DE" dirty="0" err="1">
                 <a:cs typeface="Calibri Light"/>
               </a:rPr>
-              <a:t>contain</a:t>
+              <a:t>Contain</a:t>
             </a:r>
             <a:r>
               <a:rPr lang="de-DE" dirty="0">
                 <a:cs typeface="Calibri Light"/>
               </a:rPr>
-              <a:t> </a:t>
-            </a:r>
-            <a:r>
-              <a:rPr lang="de-DE" dirty="0" err="1">
-                <a:cs typeface="Calibri Light"/>
-              </a:rPr>
-              <a:t>numbers</a:t>
-            </a:r>
-            <a:r>
-              <a:rPr lang="de-DE" dirty="0">
-                <a:cs typeface="Calibri Light"/>
-              </a:rPr>
-              <a:t>?</a:t>
+              <a:t> Numbers?</a:t>
             </a:r>
             <a:endParaRPr lang="de-DE" dirty="0"/>
           </a:p>
@@ -9945,13 +15007,13 @@
               <a:rPr lang="de-DE" dirty="0">
                 <a:cs typeface="Calibri Light"/>
               </a:rPr>
-              <a:t> </a:t>
+              <a:t> </a:t>
             </a:r>
             <a:r>
               <a:rPr lang="de-DE" dirty="0" err="1">
                 <a:cs typeface="Calibri Light"/>
               </a:rPr>
-              <a:t>types</a:t>
+              <a:t>Types</a:t>
             </a:r>
             <a:endParaRPr lang="de-DE" dirty="0" err="1"/>
           </a:p>
@@ -10323,7 +15385,7 @@
               <a:rPr lang="de-DE" dirty="0" err="1">
                 <a:cs typeface="Calibri Light"/>
               </a:rPr>
-              <a:t>types</a:t>
+              <a:t>Types</a:t>
             </a:r>
             <a:endParaRPr lang="de-DE" dirty="0" err="1"/>
           </a:p>
@@ -10937,13 +15999,7 @@
               <a:rPr lang="de-DE" dirty="0">
                 <a:cs typeface="Calibri Light"/>
               </a:rPr>
-              <a:t>Truth </a:t>
-            </a:r>
-            <a:r>
-              <a:rPr lang="de-DE" dirty="0" err="1">
-                <a:cs typeface="Calibri Light"/>
-              </a:rPr>
-              <a:t>values</a:t>
+              <a:t>Truth Values</a:t>
             </a:r>
             <a:endParaRPr lang="de-DE" dirty="0" err="1"/>
           </a:p>
@@ -11379,31 +16435,19 @@
               <a:rPr lang="de-DE" dirty="0">
                 <a:cs typeface="Calibri Light"/>
               </a:rPr>
-              <a:t> </a:t>
+              <a:t> Use </a:t>
             </a:r>
             <a:r>
               <a:rPr lang="de-DE" dirty="0" err="1">
                 <a:cs typeface="Calibri Light"/>
               </a:rPr>
-              <a:t>use</a:t>
+              <a:t>Which</a:t>
             </a:r>
             <a:r>
               <a:rPr lang="de-DE" dirty="0">
                 <a:cs typeface="Calibri Light"/>
               </a:rPr>
-              <a:t> </a:t>
-            </a:r>
-            <a:r>
-              <a:rPr lang="de-DE" dirty="0" err="1">
-                <a:cs typeface="Calibri Light"/>
-              </a:rPr>
-              <a:t>which</a:t>
-            </a:r>
-            <a:r>
-              <a:rPr lang="de-DE">
-                <a:cs typeface="Calibri Light"/>
-              </a:rPr>
-              <a:t> type</a:t>
+              <a:t> Type</a:t>
             </a:r>
             <a:endParaRPr lang="de-DE" dirty="0" err="1"/>
           </a:p>
@@ -12404,7 +17448,7 @@
               <a:rPr lang="de-DE" dirty="0">
                 <a:cs typeface="Calibri Light"/>
               </a:rPr>
-              <a:t> variables in Python</a:t>
+              <a:t> Variables in Python</a:t>
             </a:r>
             <a:endParaRPr lang="de-DE" dirty="0"/>
           </a:p>
@@ -12920,130 +17964,6 @@
 </file>
 
 <file path=ppt/slides/slide21.xml><?xml version="1.0" encoding="utf-8"?>
-<p:sld xmlns:a="http://schemas.openxmlformats.org/drawingml/2006/main" xmlns:r="http://schemas.openxmlformats.org/officeDocument/2006/relationships" xmlns:p="http://schemas.openxmlformats.org/presentationml/2006/main">
-  <p:cSld>
-    <p:spTree>
-      <p:nvGrpSpPr>
-        <p:cNvPr id="1" name=""/>
-        <p:cNvGrpSpPr/>
-        <p:nvPr/>
-      </p:nvGrpSpPr>
-      <p:grpSpPr>
-        <a:xfrm>
-          <a:off x="0" y="0"/>
-          <a:ext cx="0" cy="0"/>
-          <a:chOff x="0" y="0"/>
-          <a:chExt cx="0" cy="0"/>
-        </a:xfrm>
-      </p:grpSpPr>
-      <p:sp>
-        <p:nvSpPr>
-          <p:cNvPr id="2" name="Title 1">
-            <a:extLst>
-              <a:ext uri="{FF2B5EF4-FFF2-40B4-BE49-F238E27FC236}">
-                <a16:creationId xmlns:a16="http://schemas.microsoft.com/office/drawing/2014/main" id="{29045564-8F40-4250-B66B-2937A1CD5F7F}"/>
-              </a:ext>
-            </a:extLst>
-          </p:cNvPr>
-          <p:cNvSpPr>
-            <a:spLocks noGrp="1"/>
-          </p:cNvSpPr>
-          <p:nvPr>
-            <p:ph type="title"/>
-          </p:nvPr>
-        </p:nvSpPr>
-        <p:spPr/>
-        <p:txBody>
-          <a:bodyPr/>
-          <a:lstStyle/>
-          <a:p>
-            <a:r>
-              <a:rPr lang="de-DE" dirty="0" err="1">
-                <a:cs typeface="Calibri Light"/>
-              </a:rPr>
-              <a:t>Assigning</a:t>
-            </a:r>
-            <a:r>
-              <a:rPr lang="de-DE" dirty="0">
-                <a:cs typeface="Calibri Light"/>
-              </a:rPr>
-              <a:t> variables in Python</a:t>
-            </a:r>
-            <a:endParaRPr lang="en-GB" dirty="0"/>
-          </a:p>
-        </p:txBody>
-      </p:sp>
-      <p:sp>
-        <p:nvSpPr>
-          <p:cNvPr id="3" name="Content Placeholder 2">
-            <a:extLst>
-              <a:ext uri="{FF2B5EF4-FFF2-40B4-BE49-F238E27FC236}">
-                <a16:creationId xmlns:a16="http://schemas.microsoft.com/office/drawing/2014/main" id="{D0375329-7EB3-4AC5-9AE6-A1B025F6C766}"/>
-              </a:ext>
-            </a:extLst>
-          </p:cNvPr>
-          <p:cNvSpPr>
-            <a:spLocks noGrp="1"/>
-          </p:cNvSpPr>
-          <p:nvPr>
-            <p:ph idx="1"/>
-          </p:nvPr>
-        </p:nvSpPr>
-        <p:spPr/>
-        <p:txBody>
-          <a:bodyPr/>
-          <a:lstStyle/>
-          <a:p>
-            <a:pPr marL="0" indent="0">
-              <a:buNone/>
-            </a:pPr>
-            <a:endParaRPr lang="en-GB" dirty="0"/>
-          </a:p>
-        </p:txBody>
-      </p:sp>
-      <p:sp>
-        <p:nvSpPr>
-          <p:cNvPr id="4" name="Slide Number Placeholder 3">
-            <a:extLst>
-              <a:ext uri="{FF2B5EF4-FFF2-40B4-BE49-F238E27FC236}">
-                <a16:creationId xmlns:a16="http://schemas.microsoft.com/office/drawing/2014/main" id="{796015E6-CC2B-4B61-967F-31DD71D0386F}"/>
-              </a:ext>
-            </a:extLst>
-          </p:cNvPr>
-          <p:cNvSpPr>
-            <a:spLocks noGrp="1"/>
-          </p:cNvSpPr>
-          <p:nvPr>
-            <p:ph type="sldNum" sz="quarter" idx="12"/>
-          </p:nvPr>
-        </p:nvSpPr>
-        <p:spPr/>
-        <p:txBody>
-          <a:bodyPr/>
-          <a:lstStyle/>
-          <a:p>
-            <a:fld id="{89C4E583-6443-4199-AF95-A2ECCC288D48}" type="slidenum">
-              <a:rPr lang="en-GB" smtClean="0"/>
-              <a:t>21</a:t>
-            </a:fld>
-            <a:endParaRPr lang="en-GB"/>
-          </a:p>
-        </p:txBody>
-      </p:sp>
-    </p:spTree>
-    <p:extLst>
-      <p:ext uri="{BB962C8B-B14F-4D97-AF65-F5344CB8AC3E}">
-        <p14:creationId xmlns:p14="http://schemas.microsoft.com/office/powerpoint/2010/main" val="658612866"/>
-      </p:ext>
-    </p:extLst>
-  </p:cSld>
-  <p:clrMapOvr>
-    <a:masterClrMapping/>
-  </p:clrMapOvr>
-</p:sld>
-</file>
-
-<file path=ppt/slides/slide22.xml><?xml version="1.0" encoding="utf-8"?>
 <p:sld xmlns:a="http://schemas.openxmlformats.org/drawingml/2006/main" xmlns:r="http://schemas.openxmlformats.org/officeDocument/2006/relationships" xmlns:p="http://schemas.openxmlformats.org/presentationml/2006/main">
   <p:cSld>
     <p:spTree>
@@ -13091,7 +18011,7 @@
               <a:rPr lang="de-DE" dirty="0">
                 <a:cs typeface="Calibri Light"/>
               </a:rPr>
-              <a:t> variables in Python</a:t>
+              <a:t> Variables in Python</a:t>
             </a:r>
             <a:endParaRPr lang="de-DE" dirty="0"/>
           </a:p>
@@ -13300,12 +18220,7 @@
             <p:ph sz="quarter" idx="4"/>
           </p:nvPr>
         </p:nvSpPr>
-        <p:spPr>
-          <a:xfrm>
-            <a:off x="6217920" y="2582334"/>
-            <a:ext cx="4937760" cy="3378200"/>
-          </a:xfrm>
-        </p:spPr>
+        <p:spPr/>
         <p:txBody>
           <a:bodyPr vert="horz" lIns="0" tIns="45720" rIns="0" bIns="45720" rtlCol="0" anchor="t">
             <a:normAutofit/>
@@ -13698,7 +18613,7 @@
           <a:p>
             <a:fld id="{89C4E583-6443-4199-AF95-A2ECCC288D48}" type="slidenum">
               <a:rPr lang="en-GB" smtClean="0"/>
-              <a:t>22</a:t>
+              <a:t>21</a:t>
             </a:fld>
             <a:endParaRPr lang="en-GB" dirty="0"/>
           </a:p>
@@ -14184,7 +19099,7 @@
     </p:spTree>
     <p:extLst>
       <p:ext uri="{BB962C8B-B14F-4D97-AF65-F5344CB8AC3E}">
-        <p14:creationId xmlns:p14="http://schemas.microsoft.com/office/powerpoint/2010/main" val="1761527965"/>
+        <p14:creationId xmlns:p14="http://schemas.microsoft.com/office/powerpoint/2010/main" val="525158212"/>
       </p:ext>
     </p:extLst>
   </p:cSld>
@@ -14194,7 +19109,7 @@
 </p:sld>
 </file>
 
-<file path=ppt/slides/slide23.xml><?xml version="1.0" encoding="utf-8"?>
+<file path=ppt/slides/slide22.xml><?xml version="1.0" encoding="utf-8"?>
 <p:sld xmlns:a="http://schemas.openxmlformats.org/drawingml/2006/main" xmlns:r="http://schemas.openxmlformats.org/officeDocument/2006/relationships" xmlns:p="http://schemas.openxmlformats.org/presentationml/2006/main">
   <p:cSld>
     <p:spTree>
@@ -14236,15 +19151,15 @@
               <a:rPr lang="de-DE" dirty="0">
                 <a:cs typeface="Calibri Light"/>
               </a:rPr>
-              <a:t>Python and variable </a:t>
+              <a:t>Python and Variable </a:t>
             </a:r>
             <a:r>
               <a:rPr lang="de-DE" dirty="0" err="1">
                 <a:cs typeface="Calibri Light"/>
               </a:rPr>
-              <a:t>types</a:t>
-            </a:r>
-            <a:endParaRPr lang="de-DE" dirty="0"/>
+              <a:t>Types</a:t>
+            </a:r>
+            <a:endParaRPr lang="de-DE" dirty="0" err="1"/>
           </a:p>
         </p:txBody>
       </p:sp>
@@ -14692,7 +19607,7 @@
           <a:p>
             <a:fld id="{89C4E583-6443-4199-AF95-A2ECCC288D48}" type="slidenum">
               <a:rPr lang="en-GB" smtClean="0"/>
-              <a:t>23</a:t>
+              <a:t>22</a:t>
             </a:fld>
             <a:endParaRPr lang="en-GB"/>
           </a:p>
@@ -14711,7 +19626,7 @@
 </p:sld>
 </file>
 
-<file path=ppt/slides/slide24.xml><?xml version="1.0" encoding="utf-8"?>
+<file path=ppt/slides/slide23.xml><?xml version="1.0" encoding="utf-8"?>
 <p:sld xmlns:a="http://schemas.openxmlformats.org/drawingml/2006/main" xmlns:r="http://schemas.openxmlformats.org/officeDocument/2006/relationships" xmlns:p="http://schemas.openxmlformats.org/presentationml/2006/main">
   <p:cSld>
     <p:spTree>
@@ -14759,31 +19674,19 @@
               <a:rPr lang="de-DE" dirty="0" err="1">
                 <a:cs typeface="Calibri Light"/>
               </a:rPr>
-              <a:t>types</a:t>
+              <a:t>Types</a:t>
             </a:r>
             <a:r>
               <a:rPr lang="de-DE" dirty="0">
                 <a:cs typeface="Calibri Light"/>
               </a:rPr>
-              <a:t> in </a:t>
+              <a:t> in Other </a:t>
             </a:r>
             <a:r>
               <a:rPr lang="de-DE" dirty="0" err="1">
                 <a:cs typeface="Calibri Light"/>
               </a:rPr>
-              <a:t>other</a:t>
-            </a:r>
-            <a:r>
-              <a:rPr lang="de-DE" dirty="0">
-                <a:cs typeface="Calibri Light"/>
-              </a:rPr>
-              <a:t> </a:t>
-            </a:r>
-            <a:r>
-              <a:rPr lang="de-DE" dirty="0" err="1">
-                <a:cs typeface="Calibri Light"/>
-              </a:rPr>
-              <a:t>languages</a:t>
+              <a:t>Languages</a:t>
             </a:r>
             <a:endParaRPr lang="de-DE" dirty="0" err="1"/>
           </a:p>
@@ -15320,7 +20223,7 @@
           <a:p>
             <a:fld id="{89C4E583-6443-4199-AF95-A2ECCC288D48}" type="slidenum">
               <a:rPr lang="en-GB" smtClean="0"/>
-              <a:t>24</a:t>
+              <a:t>23</a:t>
             </a:fld>
             <a:endParaRPr lang="en-GB"/>
           </a:p>
@@ -15339,7 +20242,7 @@
 </p:sld>
 </file>
 
-<file path=ppt/slides/slide25.xml><?xml version="1.0" encoding="utf-8"?>
+<file path=ppt/slides/slide24.xml><?xml version="1.0" encoding="utf-8"?>
 <p:sld xmlns:a="http://schemas.openxmlformats.org/drawingml/2006/main" xmlns:r="http://schemas.openxmlformats.org/officeDocument/2006/relationships" xmlns:p="http://schemas.openxmlformats.org/presentationml/2006/main">
   <p:cSld>
     <p:spTree>
@@ -15478,10 +20381,7 @@
           <a:bodyPr/>
           <a:lstStyle/>
           <a:p>
-            <a:r>
-              <a:rPr lang="de-DE" dirty="0"/>
-              <a:t>SO VERY SO VERY</a:t>
-            </a:r>
+            <a:endParaRPr lang="de-DE"/>
           </a:p>
         </p:txBody>
       </p:sp>
@@ -15508,7 +20408,7 @@
           <a:p>
             <a:fld id="{89C4E583-6443-4199-AF95-A2ECCC288D48}" type="slidenum">
               <a:rPr lang="en-GB" smtClean="0"/>
-              <a:t>25</a:t>
+              <a:t>24</a:t>
             </a:fld>
             <a:endParaRPr lang="en-GB"/>
           </a:p>
@@ -15527,7 +20427,7 @@
 </p:sld>
 </file>
 
-<file path=ppt/slides/slide26.xml><?xml version="1.0" encoding="utf-8"?>
+<file path=ppt/slides/slide25.xml><?xml version="1.0" encoding="utf-8"?>
 <p:sld xmlns:a="http://schemas.openxmlformats.org/drawingml/2006/main" xmlns:r="http://schemas.openxmlformats.org/officeDocument/2006/relationships" xmlns:p="http://schemas.openxmlformats.org/presentationml/2006/main">
   <p:cSld>
     <p:spTree>
@@ -16336,7 +21236,7 @@
           <a:p>
             <a:fld id="{89C4E583-6443-4199-AF95-A2ECCC288D48}" type="slidenum">
               <a:rPr lang="en-GB" smtClean="0"/>
-              <a:t>26</a:t>
+              <a:t>25</a:t>
             </a:fld>
             <a:endParaRPr lang="en-GB"/>
           </a:p>
@@ -16355,7 +21255,7 @@
 </p:sld>
 </file>
 
-<file path=ppt/slides/slide27.xml><?xml version="1.0" encoding="utf-8"?>
+<file path=ppt/slides/slide26.xml><?xml version="1.0" encoding="utf-8"?>
 <p:sld xmlns:a="http://schemas.openxmlformats.org/drawingml/2006/main" xmlns:r="http://schemas.openxmlformats.org/officeDocument/2006/relationships" xmlns:p="http://schemas.openxmlformats.org/presentationml/2006/main">
   <p:cSld>
     <p:spTree>
@@ -16426,7 +21326,7 @@
           <a:p>
             <a:fld id="{89C4E583-6443-4199-AF95-A2ECCC288D48}" type="slidenum">
               <a:rPr lang="en-GB" smtClean="0"/>
-              <a:t>27</a:t>
+              <a:t>26</a:t>
             </a:fld>
             <a:endParaRPr lang="en-GB"/>
           </a:p>
@@ -16445,7 +21345,7 @@
 </p:sld>
 </file>
 
-<file path=ppt/slides/slide28.xml><?xml version="1.0" encoding="utf-8"?>
+<file path=ppt/slides/slide27.xml><?xml version="1.0" encoding="utf-8"?>
 <p:sld xmlns:a="http://schemas.openxmlformats.org/drawingml/2006/main" xmlns:r="http://schemas.openxmlformats.org/officeDocument/2006/relationships" xmlns:p="http://schemas.openxmlformats.org/presentationml/2006/main">
   <p:cSld>
     <p:spTree>
@@ -16512,7 +21412,7 @@
         <p:spPr/>
         <p:txBody>
           <a:bodyPr vert="horz" lIns="0" tIns="45720" rIns="0" bIns="45720" rtlCol="0" anchor="t">
-            <a:normAutofit/>
+            <a:normAutofit fontScale="85000" lnSpcReduction="20000"/>
           </a:bodyPr>
           <a:lstStyle/>
           <a:p>
@@ -16521,7 +21421,7 @@
               <a:rPr lang="en-US" dirty="0">
                 <a:cs typeface="Calibri"/>
               </a:rPr>
-              <a:t>Basic mathematical operations in Python are rather straightforward</a:t>
+              <a:t>Python makes it really easy to perform basic mathematical operations</a:t>
             </a:r>
           </a:p>
           <a:p>
@@ -16530,7 +21430,7 @@
               <a:rPr lang="en-US" dirty="0">
                 <a:cs typeface="Calibri"/>
               </a:rPr>
-              <a:t>We can use variables and numbers in these operations</a:t>
+              <a:t>We can use variables as well as numbers in these operations</a:t>
             </a:r>
           </a:p>
           <a:p>
@@ -16541,6 +21441,140 @@
               </a:rPr>
               <a:t>We can use multiple operators in one line</a:t>
             </a:r>
+          </a:p>
+          <a:p>
+            <a:pPr marL="182245" indent="-182245"/>
+            <a:endParaRPr lang="en-US" dirty="0">
+              <a:cs typeface="Calibri"/>
+            </a:endParaRPr>
+          </a:p>
+          <a:p>
+            <a:pPr marL="182245" indent="-182245"/>
+            <a:r>
+              <a:rPr lang="en-US" b="1" dirty="0">
+                <a:cs typeface="Calibri"/>
+              </a:rPr>
+              <a:t>Addition:</a:t>
+            </a:r>
+          </a:p>
+          <a:p>
+            <a:pPr marL="383540" lvl="1"/>
+            <a:r>
+              <a:rPr lang="en-US" dirty="0">
+                <a:latin typeface="Conolas"/>
+                <a:cs typeface="Calibri"/>
+              </a:rPr>
+              <a:t>a = 3 + 8 </a:t>
+            </a:r>
+          </a:p>
+          <a:p>
+            <a:pPr marL="383540" lvl="1"/>
+            <a:r>
+              <a:rPr lang="en-US" dirty="0">
+                <a:solidFill>
+                  <a:srgbClr val="000000"/>
+                </a:solidFill>
+                <a:latin typeface="Conolas"/>
+                <a:cs typeface="Calibri"/>
+              </a:rPr>
+              <a:t>a = 5 + b</a:t>
+            </a:r>
+          </a:p>
+          <a:p>
+            <a:pPr marL="383540" lvl="1"/>
+            <a:r>
+              <a:rPr lang="en-US" dirty="0">
+                <a:solidFill>
+                  <a:schemeClr val="tx1"/>
+                </a:solidFill>
+                <a:latin typeface="Conolas"/>
+                <a:cs typeface="Calibri"/>
+              </a:rPr>
+              <a:t>a = b + c</a:t>
+            </a:r>
+          </a:p>
+          <a:p>
+            <a:pPr marL="383540" lvl="1"/>
+            <a:endParaRPr lang="en-US" dirty="0">
+              <a:solidFill>
+                <a:schemeClr val="tx1"/>
+              </a:solidFill>
+              <a:latin typeface="Conolas"/>
+              <a:cs typeface="Calibri"/>
+            </a:endParaRPr>
+          </a:p>
+          <a:p>
+            <a:pPr marL="182245" indent="-182245"/>
+            <a:r>
+              <a:rPr lang="en-US" b="1" dirty="0">
+                <a:solidFill>
+                  <a:schemeClr val="tx1"/>
+                </a:solidFill>
+                <a:latin typeface="Calibri"/>
+                <a:cs typeface="Calibri"/>
+              </a:rPr>
+              <a:t>Subtraction</a:t>
+            </a:r>
+            <a:r>
+              <a:rPr lang="en-US" b="1" dirty="0">
+                <a:solidFill>
+                  <a:schemeClr val="tx1"/>
+                </a:solidFill>
+                <a:latin typeface="Conolas"/>
+                <a:cs typeface="Calibri"/>
+              </a:rPr>
+              <a:t>:</a:t>
+            </a:r>
+            <a:r>
+              <a:rPr lang="en-US" dirty="0">
+                <a:solidFill>
+                  <a:schemeClr val="tx1"/>
+                </a:solidFill>
+                <a:latin typeface="Conolas"/>
+                <a:cs typeface="Calibri"/>
+              </a:rPr>
+              <a:t> </a:t>
+            </a:r>
+          </a:p>
+          <a:p>
+            <a:pPr marL="383540" lvl="1"/>
+            <a:r>
+              <a:rPr lang="en-US" dirty="0">
+                <a:solidFill>
+                  <a:schemeClr val="tx1"/>
+                </a:solidFill>
+                <a:latin typeface="Conolas"/>
+                <a:cs typeface="Calibri"/>
+              </a:rPr>
+              <a:t>a = 10 - b</a:t>
+            </a:r>
+          </a:p>
+          <a:p>
+            <a:pPr marL="383540" lvl="1"/>
+            <a:r>
+              <a:rPr lang="en-US" dirty="0">
+                <a:solidFill>
+                  <a:schemeClr val="tx1"/>
+                </a:solidFill>
+                <a:latin typeface="Conolas"/>
+                <a:cs typeface="Calibri"/>
+              </a:rPr>
+              <a:t>a = b – c -</a:t>
+            </a:r>
+            <a:r>
+              <a:rPr lang="en-US" dirty="0">
+                <a:solidFill>
+                  <a:schemeClr val="tx1"/>
+                </a:solidFill>
+                <a:latin typeface="Conolas"/>
+              </a:rPr>
+              <a:t> d</a:t>
+            </a:r>
+            <a:endParaRPr lang="en-US" dirty="0">
+              <a:solidFill>
+                <a:schemeClr val="tx1"/>
+              </a:solidFill>
+            </a:endParaRPr>
           </a:p>
         </p:txBody>
       </p:sp>
@@ -16567,7 +21601,7 @@
           <a:p>
             <a:fld id="{89C4E583-6443-4199-AF95-A2ECCC288D48}" type="slidenum">
               <a:rPr lang="en-GB" smtClean="0"/>
-              <a:t>28</a:t>
+              <a:t>27</a:t>
             </a:fld>
             <a:endParaRPr lang="en-GB"/>
           </a:p>
@@ -16586,7 +21620,7 @@
 </p:sld>
 </file>
 
-<file path=ppt/slides/slide29.xml><?xml version="1.0" encoding="utf-8"?>
+<file path=ppt/slides/slide28.xml><?xml version="1.0" encoding="utf-8"?>
 <p:sld xmlns:a="http://schemas.openxmlformats.org/drawingml/2006/main" xmlns:r="http://schemas.openxmlformats.org/officeDocument/2006/relationships" xmlns:p="http://schemas.openxmlformats.org/presentationml/2006/main">
   <p:cSld>
     <p:spTree>
@@ -16625,7 +21659,9 @@
           <a:lstStyle/>
           <a:p>
             <a:r>
-              <a:rPr lang="en-US"/>
+              <a:rPr lang="en-US" dirty="0">
+                <a:cs typeface="Calibri Light"/>
+              </a:rPr>
               <a:t>Math Operators</a:t>
             </a:r>
             <a:endParaRPr lang="en-US" dirty="0"/>
@@ -16645,163 +21681,106 @@
             <a:spLocks noGrp="1"/>
           </p:cNvSpPr>
           <p:nvPr>
-            <p:ph sz="half" idx="1"/>
+            <p:ph idx="1"/>
           </p:nvPr>
         </p:nvSpPr>
         <p:spPr/>
         <p:txBody>
-          <a:bodyPr/>
+          <a:bodyPr vert="horz" lIns="0" tIns="45720" rIns="0" bIns="45720" rtlCol="0" anchor="t">
+            <a:normAutofit/>
+          </a:bodyPr>
           <a:lstStyle/>
           <a:p>
-            <a:r>
-              <a:rPr lang="en-US" b="1" dirty="0"/>
-              <a:t>Addition:</a:t>
-            </a:r>
-          </a:p>
-          <a:p>
-            <a:pPr lvl="1"/>
-            <a:r>
-              <a:rPr lang="en-US" dirty="0"/>
-              <a:t>a = 3 + 3</a:t>
-            </a:r>
-          </a:p>
-          <a:p>
-            <a:pPr lvl="1"/>
-            <a:r>
-              <a:rPr lang="en-US" dirty="0"/>
-              <a:t>a = 5 + b</a:t>
-            </a:r>
-          </a:p>
-          <a:p>
-            <a:pPr lvl="1"/>
-            <a:r>
-              <a:rPr lang="en-US" dirty="0"/>
-              <a:t>a = b + c</a:t>
-            </a:r>
-          </a:p>
-          <a:p>
-            <a:r>
-              <a:rPr lang="en-US" b="1" dirty="0"/>
-              <a:t>Subtraction: </a:t>
-            </a:r>
-          </a:p>
-          <a:p>
-            <a:pPr lvl="1"/>
-            <a:r>
-              <a:rPr lang="en-US" dirty="0"/>
-              <a:t>a = 12 - 15</a:t>
-            </a:r>
-          </a:p>
-          <a:p>
-            <a:pPr lvl="1"/>
-            <a:r>
-              <a:rPr lang="en-US" dirty="0"/>
-              <a:t>a = 10 - b</a:t>
-            </a:r>
-          </a:p>
-          <a:p>
-            <a:pPr lvl="1"/>
-            <a:r>
-              <a:rPr lang="en-US" dirty="0"/>
-              <a:t>a = b – c - d</a:t>
-            </a:r>
-          </a:p>
-        </p:txBody>
-      </p:sp>
-      <p:sp>
-        <p:nvSpPr>
-          <p:cNvPr id="5" name="Content Placeholder 4">
-            <a:extLst>
-              <a:ext uri="{FF2B5EF4-FFF2-40B4-BE49-F238E27FC236}">
-                <a16:creationId xmlns:a16="http://schemas.microsoft.com/office/drawing/2014/main" id="{1127A935-2416-4FAE-A329-E9AAB509D4AC}"/>
-              </a:ext>
-            </a:extLst>
-          </p:cNvPr>
-          <p:cNvSpPr>
-            <a:spLocks noGrp="1"/>
-          </p:cNvSpPr>
-          <p:nvPr>
-            <p:ph sz="half" idx="2"/>
-          </p:nvPr>
-        </p:nvSpPr>
-        <p:spPr/>
-        <p:txBody>
-          <a:bodyPr/>
-          <a:lstStyle/>
-          <a:p>
-            <a:r>
-              <a:rPr lang="en-US" b="1" dirty="0"/>
+            <a:pPr marL="182245" indent="-182245"/>
+            <a:r>
+              <a:rPr lang="en-US" b="1" dirty="0">
+                <a:cs typeface="Calibri"/>
+              </a:rPr>
               <a:t>Multiplication:</a:t>
             </a:r>
-          </a:p>
-          <a:p>
-            <a:pPr lvl="1"/>
-            <a:r>
-              <a:rPr lang="en-US" dirty="0"/>
-              <a:t>a = 3 * -3</a:t>
-            </a:r>
-          </a:p>
-          <a:p>
-            <a:pPr lvl="1"/>
-            <a:r>
-              <a:rPr lang="en-US" dirty="0"/>
+            <a:endParaRPr lang="en-US" dirty="0">
+              <a:cs typeface="Calibri"/>
+            </a:endParaRPr>
+          </a:p>
+          <a:p>
+            <a:pPr marL="383540" lvl="1"/>
+            <a:r>
+              <a:rPr lang="en-US" dirty="0">
+                <a:cs typeface="Calibri"/>
+              </a:rPr>
               <a:t>a = 2 * b</a:t>
             </a:r>
           </a:p>
           <a:p>
-            <a:pPr lvl="1"/>
-            <a:r>
-              <a:rPr lang="en-US" dirty="0"/>
+            <a:pPr marL="383540" lvl="1"/>
+            <a:r>
+              <a:rPr lang="en-US" dirty="0">
+                <a:cs typeface="Calibri"/>
+              </a:rPr>
               <a:t>a = b * c</a:t>
             </a:r>
-          </a:p>
-          <a:p>
-            <a:r>
-              <a:rPr lang="en-US" b="1" dirty="0"/>
+            <a:endParaRPr lang="en-US" dirty="0">
+              <a:solidFill>
+                <a:srgbClr val="000000"/>
+              </a:solidFill>
+              <a:cs typeface="Calibri"/>
+            </a:endParaRPr>
+          </a:p>
+          <a:p>
+            <a:pPr marL="383540" lvl="1"/>
+            <a:endParaRPr lang="en-US" dirty="0">
+              <a:solidFill>
+                <a:srgbClr val="404040"/>
+              </a:solidFill>
+              <a:cs typeface="Calibri"/>
+            </a:endParaRPr>
+          </a:p>
+          <a:p>
+            <a:pPr marL="182245" indent="-182245"/>
+            <a:r>
+              <a:rPr lang="en-US" b="1" dirty="0">
+                <a:solidFill>
+                  <a:srgbClr val="404040"/>
+                </a:solidFill>
+                <a:cs typeface="Calibri"/>
+              </a:rPr>
               <a:t>Division:</a:t>
             </a:r>
-          </a:p>
-          <a:p>
-            <a:pPr lvl="1"/>
-            <a:r>
-              <a:rPr lang="en-US" dirty="0"/>
-              <a:t>a = 14 / 8</a:t>
-            </a:r>
-          </a:p>
-          <a:p>
-            <a:pPr lvl="1"/>
-            <a:r>
-              <a:rPr lang="en-US" dirty="0"/>
+            <a:endParaRPr lang="en-US" dirty="0">
+              <a:solidFill>
+                <a:srgbClr val="404040"/>
+              </a:solidFill>
+              <a:cs typeface="Calibri"/>
+            </a:endParaRPr>
+          </a:p>
+          <a:p>
+            <a:pPr marL="383540" lvl="1"/>
+            <a:r>
+              <a:rPr lang="en-US" dirty="0">
+                <a:solidFill>
+                  <a:srgbClr val="404040"/>
+                </a:solidFill>
+                <a:cs typeface="Calibri"/>
+              </a:rPr>
               <a:t>a = b / 10 </a:t>
             </a:r>
           </a:p>
           <a:p>
-            <a:pPr lvl="1"/>
-            <a:r>
-              <a:rPr lang="en-US" dirty="0"/>
+            <a:pPr marL="383540" lvl="1"/>
+            <a:r>
+              <a:rPr lang="en-US" dirty="0">
+                <a:solidFill>
+                  <a:srgbClr val="404040"/>
+                </a:solidFill>
+                <a:cs typeface="Calibri"/>
+              </a:rPr>
               <a:t>a = b / c</a:t>
             </a:r>
-          </a:p>
-          <a:p>
-            <a:r>
-              <a:rPr lang="en-GB" b="1" dirty="0"/>
-              <a:t>Modulo:</a:t>
-            </a:r>
-            <a:endParaRPr lang="en-GB" dirty="0"/>
-          </a:p>
-          <a:p>
-            <a:pPr lvl="1"/>
-            <a:r>
-              <a:rPr lang="en-GB" dirty="0"/>
-              <a:t>a = 13 % 4</a:t>
-            </a:r>
-          </a:p>
-          <a:p>
-            <a:pPr lvl="1"/>
-            <a:r>
-              <a:rPr lang="en-GB" dirty="0"/>
-              <a:t>a = b % c</a:t>
-            </a:r>
+            <a:endParaRPr lang="en-US" dirty="0">
+              <a:solidFill>
+                <a:schemeClr val="tx1"/>
+              </a:solidFill>
+            </a:endParaRPr>
           </a:p>
         </p:txBody>
       </p:sp>
@@ -16828,8 +21807,7 @@
           <a:p>
             <a:fld id="{89C4E583-6443-4199-AF95-A2ECCC288D48}" type="slidenum">
               <a:rPr lang="en-GB" smtClean="0"/>
-              <a:pPr/>
-              <a:t>29</a:t>
+              <a:t>28</a:t>
             </a:fld>
             <a:endParaRPr lang="en-GB"/>
           </a:p>
@@ -16839,6 +21817,175 @@
     <p:extLst>
       <p:ext uri="{BB962C8B-B14F-4D97-AF65-F5344CB8AC3E}">
         <p14:creationId xmlns:p14="http://schemas.microsoft.com/office/powerpoint/2010/main" val="1424355676"/>
+      </p:ext>
+    </p:extLst>
+  </p:cSld>
+  <p:clrMapOvr>
+    <a:masterClrMapping/>
+  </p:clrMapOvr>
+</p:sld>
+</file>
+
+<file path=ppt/slides/slide29.xml><?xml version="1.0" encoding="utf-8"?>
+<p:sld xmlns:a="http://schemas.openxmlformats.org/drawingml/2006/main" xmlns:r="http://schemas.openxmlformats.org/officeDocument/2006/relationships" xmlns:p="http://schemas.openxmlformats.org/presentationml/2006/main">
+  <p:cSld>
+    <p:spTree>
+      <p:nvGrpSpPr>
+        <p:cNvPr id="1" name=""/>
+        <p:cNvGrpSpPr/>
+        <p:nvPr/>
+      </p:nvGrpSpPr>
+      <p:grpSpPr>
+        <a:xfrm>
+          <a:off x="0" y="0"/>
+          <a:ext cx="0" cy="0"/>
+          <a:chOff x="0" y="0"/>
+          <a:chExt cx="0" cy="0"/>
+        </a:xfrm>
+      </p:grpSpPr>
+      <p:sp>
+        <p:nvSpPr>
+          <p:cNvPr id="2" name="Title 1">
+            <a:extLst>
+              <a:ext uri="{FF2B5EF4-FFF2-40B4-BE49-F238E27FC236}">
+                <a16:creationId xmlns:a16="http://schemas.microsoft.com/office/drawing/2014/main" id="{B97A0DDA-6525-4DE7-9C7E-C57DFE0A7008}"/>
+              </a:ext>
+            </a:extLst>
+          </p:cNvPr>
+          <p:cNvSpPr>
+            <a:spLocks noGrp="1"/>
+          </p:cNvSpPr>
+          <p:nvPr>
+            <p:ph type="title"/>
+          </p:nvPr>
+        </p:nvSpPr>
+        <p:spPr/>
+        <p:txBody>
+          <a:bodyPr/>
+          <a:lstStyle/>
+          <a:p>
+            <a:r>
+              <a:rPr lang="en-GB" dirty="0"/>
+              <a:t>Math Operators</a:t>
+            </a:r>
+          </a:p>
+        </p:txBody>
+      </p:sp>
+      <p:sp>
+        <p:nvSpPr>
+          <p:cNvPr id="6" name="Content Placeholder 5">
+            <a:extLst>
+              <a:ext uri="{FF2B5EF4-FFF2-40B4-BE49-F238E27FC236}">
+                <a16:creationId xmlns:a16="http://schemas.microsoft.com/office/drawing/2014/main" id="{2BD31D06-ECA4-4D11-AD90-8442716DCDA1}"/>
+              </a:ext>
+            </a:extLst>
+          </p:cNvPr>
+          <p:cNvSpPr>
+            <a:spLocks noGrp="1"/>
+          </p:cNvSpPr>
+          <p:nvPr>
+            <p:ph idx="1"/>
+          </p:nvPr>
+        </p:nvSpPr>
+        <p:spPr/>
+        <p:txBody>
+          <a:bodyPr/>
+          <a:lstStyle/>
+          <a:p>
+            <a:r>
+              <a:rPr lang="en-GB" dirty="0"/>
+              <a:t>The not so straightforward ones</a:t>
+            </a:r>
+          </a:p>
+          <a:p>
+            <a:pPr lvl="1"/>
+            <a:r>
+              <a:rPr lang="en-GB" dirty="0"/>
+              <a:t>**</a:t>
+            </a:r>
+          </a:p>
+          <a:p>
+            <a:pPr lvl="1"/>
+            <a:r>
+              <a:rPr lang="en-GB" dirty="0"/>
+              <a:t>//</a:t>
+            </a:r>
+          </a:p>
+          <a:p>
+            <a:r>
+              <a:rPr lang="en-GB" dirty="0"/>
+              <a:t>** is exponentiation</a:t>
+            </a:r>
+          </a:p>
+          <a:p>
+            <a:pPr lvl="1"/>
+            <a:r>
+              <a:rPr lang="en-GB" dirty="0"/>
+              <a:t>2 ** 3 = 8</a:t>
+            </a:r>
+          </a:p>
+          <a:p>
+            <a:r>
+              <a:rPr lang="en-GB" dirty="0"/>
+              <a:t>// is integer division</a:t>
+            </a:r>
+          </a:p>
+          <a:p>
+            <a:pPr lvl="1"/>
+            <a:r>
+              <a:rPr lang="en-GB" dirty="0"/>
+              <a:t>It always floors the result</a:t>
+            </a:r>
+          </a:p>
+          <a:p>
+            <a:pPr lvl="1"/>
+            <a:r>
+              <a:rPr lang="en-GB" dirty="0"/>
+              <a:t>5 // 6 = 0</a:t>
+            </a:r>
+          </a:p>
+          <a:p>
+            <a:pPr lvl="1"/>
+            <a:r>
+              <a:rPr lang="en-GB" dirty="0"/>
+              <a:t>13 // 10 = 1</a:t>
+            </a:r>
+          </a:p>
+        </p:txBody>
+      </p:sp>
+      <p:sp>
+        <p:nvSpPr>
+          <p:cNvPr id="5" name="Slide Number Placeholder 4">
+            <a:extLst>
+              <a:ext uri="{FF2B5EF4-FFF2-40B4-BE49-F238E27FC236}">
+                <a16:creationId xmlns:a16="http://schemas.microsoft.com/office/drawing/2014/main" id="{4B63BC69-50D3-43FE-98E7-7E0360133C4F}"/>
+              </a:ext>
+            </a:extLst>
+          </p:cNvPr>
+          <p:cNvSpPr>
+            <a:spLocks noGrp="1"/>
+          </p:cNvSpPr>
+          <p:nvPr>
+            <p:ph type="sldNum" sz="quarter" idx="12"/>
+          </p:nvPr>
+        </p:nvSpPr>
+        <p:spPr/>
+        <p:txBody>
+          <a:bodyPr/>
+          <a:lstStyle/>
+          <a:p>
+            <a:fld id="{89C4E583-6443-4199-AF95-A2ECCC288D48}" type="slidenum">
+              <a:rPr lang="en-GB" smtClean="0"/>
+              <a:t>29</a:t>
+            </a:fld>
+            <a:endParaRPr lang="en-GB"/>
+          </a:p>
+        </p:txBody>
+      </p:sp>
+    </p:spTree>
+    <p:extLst>
+      <p:ext uri="{BB962C8B-B14F-4D97-AF65-F5344CB8AC3E}">
+        <p14:creationId xmlns:p14="http://schemas.microsoft.com/office/powerpoint/2010/main" val="834229125"/>
       </p:ext>
     </p:extLst>
   </p:cSld>
@@ -16954,175 +22101,6 @@
       </p:grpSpPr>
       <p:sp>
         <p:nvSpPr>
-          <p:cNvPr id="2" name="Title 1">
-            <a:extLst>
-              <a:ext uri="{FF2B5EF4-FFF2-40B4-BE49-F238E27FC236}">
-                <a16:creationId xmlns:a16="http://schemas.microsoft.com/office/drawing/2014/main" id="{B97A0DDA-6525-4DE7-9C7E-C57DFE0A7008}"/>
-              </a:ext>
-            </a:extLst>
-          </p:cNvPr>
-          <p:cNvSpPr>
-            <a:spLocks noGrp="1"/>
-          </p:cNvSpPr>
-          <p:nvPr>
-            <p:ph type="title"/>
-          </p:nvPr>
-        </p:nvSpPr>
-        <p:spPr/>
-        <p:txBody>
-          <a:bodyPr/>
-          <a:lstStyle/>
-          <a:p>
-            <a:r>
-              <a:rPr lang="en-GB" dirty="0"/>
-              <a:t>Math Operators</a:t>
-            </a:r>
-          </a:p>
-        </p:txBody>
-      </p:sp>
-      <p:sp>
-        <p:nvSpPr>
-          <p:cNvPr id="6" name="Content Placeholder 5">
-            <a:extLst>
-              <a:ext uri="{FF2B5EF4-FFF2-40B4-BE49-F238E27FC236}">
-                <a16:creationId xmlns:a16="http://schemas.microsoft.com/office/drawing/2014/main" id="{2BD31D06-ECA4-4D11-AD90-8442716DCDA1}"/>
-              </a:ext>
-            </a:extLst>
-          </p:cNvPr>
-          <p:cNvSpPr>
-            <a:spLocks noGrp="1"/>
-          </p:cNvSpPr>
-          <p:nvPr>
-            <p:ph idx="1"/>
-          </p:nvPr>
-        </p:nvSpPr>
-        <p:spPr/>
-        <p:txBody>
-          <a:bodyPr/>
-          <a:lstStyle/>
-          <a:p>
-            <a:r>
-              <a:rPr lang="en-GB" dirty="0"/>
-              <a:t>The not so straightforward ones</a:t>
-            </a:r>
-          </a:p>
-          <a:p>
-            <a:pPr lvl="1"/>
-            <a:r>
-              <a:rPr lang="en-GB" dirty="0"/>
-              <a:t>**</a:t>
-            </a:r>
-          </a:p>
-          <a:p>
-            <a:pPr lvl="1"/>
-            <a:r>
-              <a:rPr lang="en-GB" dirty="0"/>
-              <a:t>//</a:t>
-            </a:r>
-          </a:p>
-          <a:p>
-            <a:r>
-              <a:rPr lang="en-GB" dirty="0"/>
-              <a:t>** is exponentiation</a:t>
-            </a:r>
-          </a:p>
-          <a:p>
-            <a:pPr lvl="1"/>
-            <a:r>
-              <a:rPr lang="en-GB" dirty="0"/>
-              <a:t>2 ** 3 = 8</a:t>
-            </a:r>
-          </a:p>
-          <a:p>
-            <a:r>
-              <a:rPr lang="en-GB" dirty="0"/>
-              <a:t>// is integer division</a:t>
-            </a:r>
-          </a:p>
-          <a:p>
-            <a:pPr lvl="1"/>
-            <a:r>
-              <a:rPr lang="en-GB" dirty="0"/>
-              <a:t>It always floors the result</a:t>
-            </a:r>
-          </a:p>
-          <a:p>
-            <a:pPr lvl="1"/>
-            <a:r>
-              <a:rPr lang="en-GB" dirty="0"/>
-              <a:t>5 // 6 = 0</a:t>
-            </a:r>
-          </a:p>
-          <a:p>
-            <a:pPr lvl="1"/>
-            <a:r>
-              <a:rPr lang="en-GB" dirty="0"/>
-              <a:t>13 // 10 = 1</a:t>
-            </a:r>
-          </a:p>
-        </p:txBody>
-      </p:sp>
-      <p:sp>
-        <p:nvSpPr>
-          <p:cNvPr id="5" name="Slide Number Placeholder 4">
-            <a:extLst>
-              <a:ext uri="{FF2B5EF4-FFF2-40B4-BE49-F238E27FC236}">
-                <a16:creationId xmlns:a16="http://schemas.microsoft.com/office/drawing/2014/main" id="{4B63BC69-50D3-43FE-98E7-7E0360133C4F}"/>
-              </a:ext>
-            </a:extLst>
-          </p:cNvPr>
-          <p:cNvSpPr>
-            <a:spLocks noGrp="1"/>
-          </p:cNvSpPr>
-          <p:nvPr>
-            <p:ph type="sldNum" sz="quarter" idx="12"/>
-          </p:nvPr>
-        </p:nvSpPr>
-        <p:spPr/>
-        <p:txBody>
-          <a:bodyPr/>
-          <a:lstStyle/>
-          <a:p>
-            <a:fld id="{89C4E583-6443-4199-AF95-A2ECCC288D48}" type="slidenum">
-              <a:rPr lang="en-GB" smtClean="0"/>
-              <a:t>30</a:t>
-            </a:fld>
-            <a:endParaRPr lang="en-GB"/>
-          </a:p>
-        </p:txBody>
-      </p:sp>
-    </p:spTree>
-    <p:extLst>
-      <p:ext uri="{BB962C8B-B14F-4D97-AF65-F5344CB8AC3E}">
-        <p14:creationId xmlns:p14="http://schemas.microsoft.com/office/powerpoint/2010/main" val="834229125"/>
-      </p:ext>
-    </p:extLst>
-  </p:cSld>
-  <p:clrMapOvr>
-    <a:masterClrMapping/>
-  </p:clrMapOvr>
-</p:sld>
-</file>
-
-<file path=ppt/slides/slide31.xml><?xml version="1.0" encoding="utf-8"?>
-<p:sld xmlns:a="http://schemas.openxmlformats.org/drawingml/2006/main" xmlns:r="http://schemas.openxmlformats.org/officeDocument/2006/relationships" xmlns:p="http://schemas.openxmlformats.org/presentationml/2006/main">
-  <p:cSld>
-    <p:spTree>
-      <p:nvGrpSpPr>
-        <p:cNvPr id="1" name=""/>
-        <p:cNvGrpSpPr/>
-        <p:nvPr/>
-      </p:nvGrpSpPr>
-      <p:grpSpPr>
-        <a:xfrm>
-          <a:off x="0" y="0"/>
-          <a:ext cx="0" cy="0"/>
-          <a:chOff x="0" y="0"/>
-          <a:chExt cx="0" cy="0"/>
-        </a:xfrm>
-      </p:grpSpPr>
-      <p:sp>
-        <p:nvSpPr>
           <p:cNvPr id="6" name="Title 5">
             <a:extLst>
               <a:ext uri="{FF2B5EF4-FFF2-40B4-BE49-F238E27FC236}">
@@ -17234,7 +22212,7 @@
           <a:p>
             <a:fld id="{89C4E583-6443-4199-AF95-A2ECCC288D48}" type="slidenum">
               <a:rPr lang="en-GB" smtClean="0"/>
-              <a:t>31</a:t>
+              <a:t>30</a:t>
             </a:fld>
             <a:endParaRPr lang="en-GB"/>
           </a:p>
@@ -17253,7 +22231,7 @@
 </p:sld>
 </file>
 
-<file path=ppt/slides/slide32.xml><?xml version="1.0" encoding="utf-8"?>
+<file path=ppt/slides/slide31.xml><?xml version="1.0" encoding="utf-8"?>
 <p:sld xmlns:a="http://schemas.openxmlformats.org/drawingml/2006/main" xmlns:r="http://schemas.openxmlformats.org/officeDocument/2006/relationships" xmlns:p="http://schemas.openxmlformats.org/presentationml/2006/main">
   <p:cSld>
     <p:spTree>
@@ -17383,7 +22361,7 @@
           <a:p>
             <a:fld id="{89C4E583-6443-4199-AF95-A2ECCC288D48}" type="slidenum">
               <a:rPr lang="en-GB" smtClean="0"/>
-              <a:t>32</a:t>
+              <a:t>31</a:t>
             </a:fld>
             <a:endParaRPr lang="en-GB"/>
           </a:p>
@@ -17402,7 +22380,7 @@
 </p:sld>
 </file>
 
-<file path=ppt/slides/slide33.xml><?xml version="1.0" encoding="utf-8"?>
+<file path=ppt/slides/slide32.xml><?xml version="1.0" encoding="utf-8"?>
 <p:sld xmlns:a="http://schemas.openxmlformats.org/drawingml/2006/main" xmlns:r="http://schemas.openxmlformats.org/officeDocument/2006/relationships" xmlns:p="http://schemas.openxmlformats.org/presentationml/2006/main">
   <p:cSld>
     <p:spTree>
@@ -17470,7 +22448,7 @@
         </p:nvGraphicFramePr>
         <p:xfrm>
           <a:off x="1096963" y="1846263"/>
-          <a:ext cx="10058400" cy="2595880"/>
+          <a:ext cx="10058400" cy="4022725"/>
         </p:xfrm>
         <a:graphic>
           <a:graphicData uri="http://schemas.openxmlformats.org/drawingml/2006/table">
@@ -17877,7 +22855,7 @@
           <a:p>
             <a:fld id="{89C4E583-6443-4199-AF95-A2ECCC288D48}" type="slidenum">
               <a:rPr lang="en-GB" smtClean="0"/>
-              <a:t>33</a:t>
+              <a:t>32</a:t>
             </a:fld>
             <a:endParaRPr lang="en-GB"/>
           </a:p>
@@ -18031,7 +23009,7 @@
 </p:sld>
 </file>
 
-<file path=ppt/slides/slide34.xml><?xml version="1.0" encoding="utf-8"?>
+<file path=ppt/slides/slide33.xml><?xml version="1.0" encoding="utf-8"?>
 <p:sld xmlns:a="http://schemas.openxmlformats.org/drawingml/2006/main" xmlns:r="http://schemas.openxmlformats.org/officeDocument/2006/relationships" xmlns:p="http://schemas.openxmlformats.org/presentationml/2006/main">
   <p:cSld>
     <p:spTree>
@@ -18071,7 +23049,7 @@
           <a:p>
             <a:r>
               <a:rPr lang="en-GB" dirty="0"/>
-              <a:t>Python and numbers</a:t>
+              <a:t>Python and Numbers</a:t>
             </a:r>
           </a:p>
         </p:txBody>
@@ -18127,7 +23105,7 @@
           <a:p>
             <a:fld id="{89C4E583-6443-4199-AF95-A2ECCC288D48}" type="slidenum">
               <a:rPr lang="en-GB" smtClean="0"/>
-              <a:t>34</a:t>
+              <a:t>33</a:t>
             </a:fld>
             <a:endParaRPr lang="en-GB"/>
           </a:p>
@@ -18146,7 +23124,7 @@
 </p:sld>
 </file>
 
-<file path=ppt/slides/slide35.xml><?xml version="1.0" encoding="utf-8"?>
+<file path=ppt/slides/slide34.xml><?xml version="1.0" encoding="utf-8"?>
 <p:sld xmlns:a="http://schemas.openxmlformats.org/drawingml/2006/main" xmlns:r="http://schemas.openxmlformats.org/officeDocument/2006/relationships" xmlns:p="http://schemas.openxmlformats.org/presentationml/2006/main">
   <p:cSld>
     <p:spTree>
@@ -18592,7 +23570,7 @@
           <a:p>
             <a:fld id="{89C4E583-6443-4199-AF95-A2ECCC288D48}" type="slidenum">
               <a:rPr lang="en-GB" smtClean="0"/>
-              <a:t>35</a:t>
+              <a:t>34</a:t>
             </a:fld>
             <a:endParaRPr lang="en-GB"/>
           </a:p>
@@ -18611,7 +23589,7 @@
 </p:sld>
 </file>
 
-<file path=ppt/slides/slide36.xml><?xml version="1.0" encoding="utf-8"?>
+<file path=ppt/slides/slide35.xml><?xml version="1.0" encoding="utf-8"?>
 <p:sld xmlns:a="http://schemas.openxmlformats.org/drawingml/2006/main" xmlns:r="http://schemas.openxmlformats.org/officeDocument/2006/relationships" xmlns:p="http://schemas.openxmlformats.org/presentationml/2006/main">
   <p:cSld>
     <p:spTree>
@@ -18682,7 +23660,7 @@
           <a:p>
             <a:fld id="{89C4E583-6443-4199-AF95-A2ECCC288D48}" type="slidenum">
               <a:rPr lang="en-GB" smtClean="0"/>
-              <a:t>36</a:t>
+              <a:t>35</a:t>
             </a:fld>
             <a:endParaRPr lang="en-GB"/>
           </a:p>
@@ -18701,7 +23679,7 @@
 </p:sld>
 </file>
 
-<file path=ppt/slides/slide37.xml><?xml version="1.0" encoding="utf-8"?>
+<file path=ppt/slides/slide36.xml><?xml version="1.0" encoding="utf-8"?>
 <p:sld xmlns:a="http://schemas.openxmlformats.org/drawingml/2006/main" xmlns:r="http://schemas.openxmlformats.org/officeDocument/2006/relationships" xmlns:p="http://schemas.openxmlformats.org/presentationml/2006/main">
   <p:cSld>
     <p:spTree>
@@ -18852,7 +23830,7 @@
           <a:p>
             <a:fld id="{89C4E583-6443-4199-AF95-A2ECCC288D48}" type="slidenum">
               <a:rPr lang="en-GB" smtClean="0"/>
-              <a:t>37</a:t>
+              <a:t>36</a:t>
             </a:fld>
             <a:endParaRPr lang="en-GB"/>
           </a:p>
@@ -18871,7 +23849,7 @@
 </p:sld>
 </file>
 
-<file path=ppt/slides/slide38.xml><?xml version="1.0" encoding="utf-8"?>
+<file path=ppt/slides/slide37.xml><?xml version="1.0" encoding="utf-8"?>
 <p:sld xmlns:a="http://schemas.openxmlformats.org/drawingml/2006/main" xmlns:r="http://schemas.openxmlformats.org/officeDocument/2006/relationships" xmlns:p="http://schemas.openxmlformats.org/presentationml/2006/main">
   <p:cSld>
     <p:spTree>
@@ -19026,7 +24004,7 @@
           <a:p>
             <a:fld id="{89C4E583-6443-4199-AF95-A2ECCC288D48}" type="slidenum">
               <a:rPr lang="en-GB" smtClean="0"/>
-              <a:t>38</a:t>
+              <a:t>37</a:t>
             </a:fld>
             <a:endParaRPr lang="en-GB"/>
           </a:p>
@@ -19045,7 +24023,7 @@
 </p:sld>
 </file>
 
-<file path=ppt/slides/slide39.xml><?xml version="1.0" encoding="utf-8"?>
+<file path=ppt/slides/slide38.xml><?xml version="1.0" encoding="utf-8"?>
 <p:sld xmlns:a="http://schemas.openxmlformats.org/drawingml/2006/main" xmlns:r="http://schemas.openxmlformats.org/officeDocument/2006/relationships" xmlns:p="http://schemas.openxmlformats.org/presentationml/2006/main">
   <p:cSld>
     <p:spTree>
@@ -19200,7 +24178,7 @@
           <a:p>
             <a:fld id="{89C4E583-6443-4199-AF95-A2ECCC288D48}" type="slidenum">
               <a:rPr lang="en-GB" smtClean="0"/>
-              <a:t>39</a:t>
+              <a:t>38</a:t>
             </a:fld>
             <a:endParaRPr lang="en-GB"/>
           </a:p>
@@ -19210,6 +24188,355 @@
     <p:extLst>
       <p:ext uri="{BB962C8B-B14F-4D97-AF65-F5344CB8AC3E}">
         <p14:creationId xmlns:p14="http://schemas.microsoft.com/office/powerpoint/2010/main" val="785293548"/>
+      </p:ext>
+    </p:extLst>
+  </p:cSld>
+  <p:clrMapOvr>
+    <a:masterClrMapping/>
+  </p:clrMapOvr>
+</p:sld>
+</file>
+
+<file path=ppt/slides/slide39.xml><?xml version="1.0" encoding="utf-8"?>
+<p:sld xmlns:a="http://schemas.openxmlformats.org/drawingml/2006/main" xmlns:r="http://schemas.openxmlformats.org/officeDocument/2006/relationships" xmlns:p="http://schemas.openxmlformats.org/presentationml/2006/main">
+  <p:cSld>
+    <p:spTree>
+      <p:nvGrpSpPr>
+        <p:cNvPr id="1" name=""/>
+        <p:cNvGrpSpPr/>
+        <p:nvPr/>
+      </p:nvGrpSpPr>
+      <p:grpSpPr>
+        <a:xfrm>
+          <a:off x="0" y="0"/>
+          <a:ext cx="0" cy="0"/>
+          <a:chOff x="0" y="0"/>
+          <a:chExt cx="0" cy="0"/>
+        </a:xfrm>
+      </p:grpSpPr>
+      <p:sp>
+        <p:nvSpPr>
+          <p:cNvPr id="2" name="Title 1">
+            <a:extLst>
+              <a:ext uri="{FF2B5EF4-FFF2-40B4-BE49-F238E27FC236}">
+                <a16:creationId xmlns:a16="http://schemas.microsoft.com/office/drawing/2014/main" id="{A25E683A-EAB8-4919-A2B3-118F2B2238D4}"/>
+              </a:ext>
+            </a:extLst>
+          </p:cNvPr>
+          <p:cNvSpPr>
+            <a:spLocks noGrp="1"/>
+          </p:cNvSpPr>
+          <p:nvPr>
+            <p:ph type="title"/>
+          </p:nvPr>
+        </p:nvSpPr>
+        <p:spPr/>
+        <p:txBody>
+          <a:bodyPr/>
+          <a:lstStyle/>
+          <a:p>
+            <a:r>
+              <a:rPr lang="en-US" dirty="0">
+                <a:cs typeface="Calibri Light"/>
+              </a:rPr>
+              <a:t>Math Operators</a:t>
+            </a:r>
+            <a:endParaRPr lang="en-US" dirty="0"/>
+          </a:p>
+        </p:txBody>
+      </p:sp>
+      <p:sp>
+        <p:nvSpPr>
+          <p:cNvPr id="5" name="Content Placeholder 4">
+            <a:extLst>
+              <a:ext uri="{FF2B5EF4-FFF2-40B4-BE49-F238E27FC236}">
+                <a16:creationId xmlns:a16="http://schemas.microsoft.com/office/drawing/2014/main" id="{86C1040D-5C35-45DE-B9C4-5B62421BFF2C}"/>
+              </a:ext>
+            </a:extLst>
+          </p:cNvPr>
+          <p:cNvSpPr>
+            <a:spLocks noGrp="1"/>
+          </p:cNvSpPr>
+          <p:nvPr>
+            <p:ph sz="half" idx="2"/>
+          </p:nvPr>
+        </p:nvSpPr>
+        <p:spPr>
+          <a:xfrm>
+            <a:off x="1096963" y="3443434"/>
+            <a:ext cx="4938712" cy="2517629"/>
+          </a:xfrm>
+        </p:spPr>
+        <p:txBody>
+          <a:bodyPr vert="horz" lIns="0" tIns="45720" rIns="0" bIns="45720" rtlCol="0" anchor="t">
+            <a:normAutofit lnSpcReduction="10000"/>
+          </a:bodyPr>
+          <a:lstStyle/>
+          <a:p>
+            <a:pPr marL="182245" indent="-182245"/>
+            <a:r>
+              <a:rPr lang="en-US" dirty="0">
+                <a:cs typeface="Calibri"/>
+              </a:rPr>
+              <a:t>a = a + 2</a:t>
+            </a:r>
+          </a:p>
+          <a:p>
+            <a:pPr marL="182245" indent="-182245"/>
+            <a:r>
+              <a:rPr lang="en-US" dirty="0">
+                <a:cs typeface="Calibri"/>
+              </a:rPr>
+              <a:t>a = a – 5</a:t>
+            </a:r>
+          </a:p>
+          <a:p>
+            <a:pPr marL="182245" indent="-182245"/>
+            <a:r>
+              <a:rPr lang="en-US" dirty="0">
+                <a:cs typeface="Calibri"/>
+              </a:rPr>
+              <a:t>a = 3 * a</a:t>
+            </a:r>
+          </a:p>
+          <a:p>
+            <a:pPr marL="182245" indent="-182245"/>
+            <a:r>
+              <a:rPr lang="en-US" dirty="0">
+                <a:cs typeface="Calibri"/>
+              </a:rPr>
+              <a:t>a = a / 4</a:t>
+            </a:r>
+          </a:p>
+          <a:p>
+            <a:pPr marL="182245" indent="-182245"/>
+            <a:r>
+              <a:rPr lang="en-US" dirty="0">
+                <a:cs typeface="Calibri"/>
+              </a:rPr>
+              <a:t>a = a**2</a:t>
+            </a:r>
+          </a:p>
+          <a:p>
+            <a:pPr marL="182245" indent="-182245"/>
+            <a:r>
+              <a:rPr lang="en-US" dirty="0">
+                <a:cs typeface="Calibri"/>
+              </a:rPr>
+              <a:t>a = a % 5</a:t>
+            </a:r>
+          </a:p>
+        </p:txBody>
+      </p:sp>
+      <p:sp>
+        <p:nvSpPr>
+          <p:cNvPr id="10" name="Content Placeholder 9">
+            <a:extLst>
+              <a:ext uri="{FF2B5EF4-FFF2-40B4-BE49-F238E27FC236}">
+                <a16:creationId xmlns:a16="http://schemas.microsoft.com/office/drawing/2014/main" id="{9ECB72FA-DA72-4206-AFBF-7C14EDF12131}"/>
+              </a:ext>
+            </a:extLst>
+          </p:cNvPr>
+          <p:cNvSpPr>
+            <a:spLocks noGrp="1"/>
+          </p:cNvSpPr>
+          <p:nvPr>
+            <p:ph sz="quarter" idx="4"/>
+          </p:nvPr>
+        </p:nvSpPr>
+        <p:spPr>
+          <a:xfrm>
+            <a:off x="6218238" y="3463204"/>
+            <a:ext cx="4937125" cy="2497859"/>
+          </a:xfrm>
+        </p:spPr>
+        <p:txBody>
+          <a:bodyPr vert="horz" lIns="0" tIns="45720" rIns="0" bIns="45720" rtlCol="0" anchor="t">
+            <a:normAutofit lnSpcReduction="10000"/>
+          </a:bodyPr>
+          <a:lstStyle/>
+          <a:p>
+            <a:pPr marL="182245" indent="-182245"/>
+            <a:r>
+              <a:rPr lang="en-US" dirty="0">
+                <a:cs typeface="Calibri"/>
+              </a:rPr>
+              <a:t>a += 2</a:t>
+            </a:r>
+          </a:p>
+          <a:p>
+            <a:pPr marL="182245" indent="-182245"/>
+            <a:r>
+              <a:rPr lang="en-US" dirty="0">
+                <a:cs typeface="Calibri"/>
+              </a:rPr>
+              <a:t>a -= 5</a:t>
+            </a:r>
+          </a:p>
+          <a:p>
+            <a:pPr marL="182245" indent="-182245"/>
+            <a:r>
+              <a:rPr lang="en-US" dirty="0">
+                <a:cs typeface="Calibri"/>
+              </a:rPr>
+              <a:t>a *= 3</a:t>
+            </a:r>
+          </a:p>
+          <a:p>
+            <a:pPr marL="182245" indent="-182245"/>
+            <a:r>
+              <a:rPr lang="en-US" dirty="0">
+                <a:cs typeface="Calibri"/>
+              </a:rPr>
+              <a:t>a /= 4</a:t>
+            </a:r>
+          </a:p>
+          <a:p>
+            <a:pPr marL="182245" indent="-182245"/>
+            <a:r>
+              <a:rPr lang="en-US" dirty="0">
+                <a:cs typeface="Calibri"/>
+              </a:rPr>
+              <a:t>a **= 2</a:t>
+            </a:r>
+          </a:p>
+          <a:p>
+            <a:pPr marL="182245" indent="-182245"/>
+            <a:r>
+              <a:rPr lang="en-US" dirty="0">
+                <a:cs typeface="Calibri"/>
+              </a:rPr>
+              <a:t>a %= 5</a:t>
+            </a:r>
+          </a:p>
+        </p:txBody>
+      </p:sp>
+      <p:sp>
+        <p:nvSpPr>
+          <p:cNvPr id="3" name="Slide Number Placeholder 2">
+            <a:extLst>
+              <a:ext uri="{FF2B5EF4-FFF2-40B4-BE49-F238E27FC236}">
+                <a16:creationId xmlns:a16="http://schemas.microsoft.com/office/drawing/2014/main" id="{8C93FE57-8C1A-4F04-B8E2-A3111126B3AE}"/>
+              </a:ext>
+            </a:extLst>
+          </p:cNvPr>
+          <p:cNvSpPr>
+            <a:spLocks noGrp="1"/>
+          </p:cNvSpPr>
+          <p:nvPr>
+            <p:ph type="sldNum" sz="quarter" idx="12"/>
+          </p:nvPr>
+        </p:nvSpPr>
+        <p:spPr/>
+        <p:txBody>
+          <a:bodyPr/>
+          <a:lstStyle/>
+          <a:p>
+            <a:fld id="{89C4E583-6443-4199-AF95-A2ECCC288D48}" type="slidenum">
+              <a:rPr lang="en-GB" smtClean="0"/>
+              <a:t>39</a:t>
+            </a:fld>
+            <a:endParaRPr lang="en-GB"/>
+          </a:p>
+        </p:txBody>
+      </p:sp>
+      <p:sp>
+        <p:nvSpPr>
+          <p:cNvPr id="11" name="TextBox 10">
+            <a:extLst>
+              <a:ext uri="{FF2B5EF4-FFF2-40B4-BE49-F238E27FC236}">
+                <a16:creationId xmlns:a16="http://schemas.microsoft.com/office/drawing/2014/main" id="{8D2AC46A-AC0C-4734-9A93-D237A8D82025}"/>
+              </a:ext>
+            </a:extLst>
+          </p:cNvPr>
+          <p:cNvSpPr txBox="1"/>
+          <p:nvPr/>
+        </p:nvSpPr>
+        <p:spPr>
+          <a:xfrm>
+            <a:off x="1096963" y="2127250"/>
+            <a:ext cx="10045700" cy="1051570"/>
+          </a:xfrm>
+          <a:prstGeom prst="rect">
+            <a:avLst/>
+          </a:prstGeom>
+        </p:spPr>
+        <p:txBody>
+          <a:bodyPr rot="0" spcFirstLastPara="0" vertOverflow="overflow" horzOverflow="overflow" vert="horz" wrap="square" lIns="91440" tIns="45720" rIns="91440" bIns="45720" numCol="1" spcCol="0" rtlCol="0" fromWordArt="0" anchor="t" anchorCtr="0" forceAA="0" compatLnSpc="1">
+            <a:prstTxWarp prst="textNoShape">
+              <a:avLst/>
+            </a:prstTxWarp>
+            <a:spAutoFit/>
+          </a:bodyPr>
+          <a:lstStyle/>
+          <a:p>
+            <a:pPr marL="182245" indent="-182245">
+              <a:lnSpc>
+                <a:spcPct val="90000"/>
+              </a:lnSpc>
+              <a:spcBef>
+                <a:spcPts val="1200"/>
+              </a:spcBef>
+              <a:spcAft>
+                <a:spcPts val="200"/>
+              </a:spcAft>
+              <a:buChar char="•"/>
+            </a:pPr>
+            <a:r>
+              <a:rPr lang="en-US" sz="2000" dirty="0"/>
+              <a:t>the variable that we want to assign the result to can also be used in the operation itself</a:t>
+            </a:r>
+            <a:endParaRPr lang="en-US" sz="2000" dirty="0">
+              <a:cs typeface="Calibri"/>
+            </a:endParaRPr>
+          </a:p>
+          <a:p>
+            <a:pPr marL="383540" lvl="1" indent="-182880">
+              <a:lnSpc>
+                <a:spcPct val="90000"/>
+              </a:lnSpc>
+              <a:spcBef>
+                <a:spcPts val="200"/>
+              </a:spcBef>
+              <a:spcAft>
+                <a:spcPts val="400"/>
+              </a:spcAft>
+              <a:buChar char="•"/>
+            </a:pPr>
+            <a:r>
+              <a:rPr lang="en-US" sz="2000" dirty="0"/>
+              <a:t>e.g.: a = a / 2</a:t>
+            </a:r>
+            <a:endParaRPr lang="en-US" sz="2000" dirty="0">
+              <a:cs typeface="Calibri"/>
+            </a:endParaRPr>
+          </a:p>
+          <a:p>
+            <a:pPr indent="-256540">
+              <a:lnSpc>
+                <a:spcPct val="90000"/>
+              </a:lnSpc>
+              <a:spcBef>
+                <a:spcPts val="200"/>
+              </a:spcBef>
+              <a:spcAft>
+                <a:spcPts val="400"/>
+              </a:spcAft>
+              <a:buChar char="•"/>
+            </a:pPr>
+            <a:r>
+              <a:rPr lang="en-US" sz="2000" dirty="0">
+                <a:cs typeface="Calibri"/>
+              </a:rPr>
+              <a:t>In these cases, we can make the notation of the operation a little shorter:</a:t>
+            </a:r>
+          </a:p>
+        </p:txBody>
+      </p:sp>
+    </p:spTree>
+    <p:extLst>
+      <p:ext uri="{BB962C8B-B14F-4D97-AF65-F5344CB8AC3E}">
+        <p14:creationId xmlns:p14="http://schemas.microsoft.com/office/powerpoint/2010/main" val="198626347"/>
       </p:ext>
     </p:extLst>
   </p:cSld>
@@ -19259,7 +24586,7 @@
           <a:p>
             <a:r>
               <a:rPr lang="en-GB" dirty="0"/>
-              <a:t>What is a script?</a:t>
+              <a:t>What Is a Script?</a:t>
             </a:r>
           </a:p>
         </p:txBody>
@@ -19282,15 +24609,20 @@
         </p:nvSpPr>
         <p:spPr/>
         <p:txBody>
-          <a:bodyPr/>
+          <a:bodyPr vert="horz" lIns="0" tIns="45720" rIns="0" bIns="45720" rtlCol="0" anchor="t">
+            <a:normAutofit/>
+          </a:bodyPr>
           <a:lstStyle/>
           <a:p>
+            <a:pPr marL="182245" indent="-182245"/>
             <a:r>
               <a:rPr lang="en-GB" dirty="0"/>
               <a:t>Last week we asked you to write your commands into a file</a:t>
             </a:r>
-          </a:p>
-          <a:p>
+            <a:endParaRPr lang="de-DE"/>
+          </a:p>
+          <a:p>
+            <a:pPr marL="182245" indent="-182245"/>
             <a:r>
               <a:rPr lang="en-GB" dirty="0"/>
               <a:t>That file ended in </a:t>
@@ -19303,25 +24635,39 @@
               <a:rPr lang="en-GB" i="1" dirty="0" err="1"/>
               <a:t>py</a:t>
             </a:r>
-            <a:endParaRPr lang="en-GB" i="1" dirty="0"/>
-          </a:p>
-          <a:p>
+            <a:endParaRPr lang="en-GB" i="1" dirty="0">
+              <a:cs typeface="Calibri"/>
+            </a:endParaRPr>
+          </a:p>
+          <a:p>
+            <a:pPr marL="182245" indent="-182245"/>
             <a:r>
               <a:rPr lang="en-GB" dirty="0"/>
-              <a:t>This is a python script</a:t>
-            </a:r>
-          </a:p>
-          <a:p>
+              <a:t>This is a Python script</a:t>
+            </a:r>
+            <a:endParaRPr lang="en-GB" dirty="0">
+              <a:cs typeface="Calibri"/>
+            </a:endParaRPr>
+          </a:p>
+          <a:p>
+            <a:pPr marL="182245" indent="-182245"/>
             <a:r>
               <a:rPr lang="en-GB" dirty="0"/>
               <a:t>It is a file containing a series of commands to be executed</a:t>
             </a:r>
-          </a:p>
-          <a:p>
+            <a:endParaRPr lang="en-GB" dirty="0">
+              <a:cs typeface="Calibri"/>
+            </a:endParaRPr>
+          </a:p>
+          <a:p>
+            <a:pPr marL="182245" indent="-182245"/>
             <a:r>
               <a:rPr lang="en-GB" dirty="0"/>
               <a:t>But how can you execute it?</a:t>
             </a:r>
+            <a:endParaRPr lang="en-GB" dirty="0">
+              <a:cs typeface="Calibri"/>
+            </a:endParaRPr>
           </a:p>
         </p:txBody>
       </p:sp>
@@ -19358,355 +24704,6 @@
     <p:extLst>
       <p:ext uri="{BB962C8B-B14F-4D97-AF65-F5344CB8AC3E}">
         <p14:creationId xmlns:p14="http://schemas.microsoft.com/office/powerpoint/2010/main" val="2250377317"/>
-      </p:ext>
-    </p:extLst>
-  </p:cSld>
-  <p:clrMapOvr>
-    <a:masterClrMapping/>
-  </p:clrMapOvr>
-</p:sld>
-</file>
-
-<file path=ppt/slides/slide40.xml><?xml version="1.0" encoding="utf-8"?>
-<p:sld xmlns:a="http://schemas.openxmlformats.org/drawingml/2006/main" xmlns:r="http://schemas.openxmlformats.org/officeDocument/2006/relationships" xmlns:p="http://schemas.openxmlformats.org/presentationml/2006/main">
-  <p:cSld>
-    <p:spTree>
-      <p:nvGrpSpPr>
-        <p:cNvPr id="1" name=""/>
-        <p:cNvGrpSpPr/>
-        <p:nvPr/>
-      </p:nvGrpSpPr>
-      <p:grpSpPr>
-        <a:xfrm>
-          <a:off x="0" y="0"/>
-          <a:ext cx="0" cy="0"/>
-          <a:chOff x="0" y="0"/>
-          <a:chExt cx="0" cy="0"/>
-        </a:xfrm>
-      </p:grpSpPr>
-      <p:sp>
-        <p:nvSpPr>
-          <p:cNvPr id="2" name="Title 1">
-            <a:extLst>
-              <a:ext uri="{FF2B5EF4-FFF2-40B4-BE49-F238E27FC236}">
-                <a16:creationId xmlns:a16="http://schemas.microsoft.com/office/drawing/2014/main" id="{A25E683A-EAB8-4919-A2B3-118F2B2238D4}"/>
-              </a:ext>
-            </a:extLst>
-          </p:cNvPr>
-          <p:cNvSpPr>
-            <a:spLocks noGrp="1"/>
-          </p:cNvSpPr>
-          <p:nvPr>
-            <p:ph type="title"/>
-          </p:nvPr>
-        </p:nvSpPr>
-        <p:spPr/>
-        <p:txBody>
-          <a:bodyPr/>
-          <a:lstStyle/>
-          <a:p>
-            <a:r>
-              <a:rPr lang="en-US" dirty="0">
-                <a:cs typeface="Calibri Light"/>
-              </a:rPr>
-              <a:t>Syntax: Math Operators</a:t>
-            </a:r>
-            <a:endParaRPr lang="en-US" dirty="0"/>
-          </a:p>
-        </p:txBody>
-      </p:sp>
-      <p:sp>
-        <p:nvSpPr>
-          <p:cNvPr id="5" name="Content Placeholder 4">
-            <a:extLst>
-              <a:ext uri="{FF2B5EF4-FFF2-40B4-BE49-F238E27FC236}">
-                <a16:creationId xmlns:a16="http://schemas.microsoft.com/office/drawing/2014/main" id="{86C1040D-5C35-45DE-B9C4-5B62421BFF2C}"/>
-              </a:ext>
-            </a:extLst>
-          </p:cNvPr>
-          <p:cNvSpPr>
-            <a:spLocks noGrp="1"/>
-          </p:cNvSpPr>
-          <p:nvPr>
-            <p:ph sz="half" idx="2"/>
-          </p:nvPr>
-        </p:nvSpPr>
-        <p:spPr>
-          <a:xfrm>
-            <a:off x="1096963" y="3443434"/>
-            <a:ext cx="4938712" cy="2517629"/>
-          </a:xfrm>
-        </p:spPr>
-        <p:txBody>
-          <a:bodyPr vert="horz" lIns="0" tIns="45720" rIns="0" bIns="45720" rtlCol="0" anchor="t">
-            <a:normAutofit lnSpcReduction="10000"/>
-          </a:bodyPr>
-          <a:lstStyle/>
-          <a:p>
-            <a:pPr marL="182245" indent="-182245"/>
-            <a:r>
-              <a:rPr lang="en-US" dirty="0">
-                <a:cs typeface="Calibri"/>
-              </a:rPr>
-              <a:t>a = a + 2</a:t>
-            </a:r>
-          </a:p>
-          <a:p>
-            <a:pPr marL="182245" indent="-182245"/>
-            <a:r>
-              <a:rPr lang="en-US" dirty="0">
-                <a:cs typeface="Calibri"/>
-              </a:rPr>
-              <a:t>a = a – 5</a:t>
-            </a:r>
-          </a:p>
-          <a:p>
-            <a:pPr marL="182245" indent="-182245"/>
-            <a:r>
-              <a:rPr lang="en-US" dirty="0">
-                <a:cs typeface="Calibri"/>
-              </a:rPr>
-              <a:t>a = 3 * a</a:t>
-            </a:r>
-          </a:p>
-          <a:p>
-            <a:pPr marL="182245" indent="-182245"/>
-            <a:r>
-              <a:rPr lang="en-US" dirty="0">
-                <a:cs typeface="Calibri"/>
-              </a:rPr>
-              <a:t>a = a / 4</a:t>
-            </a:r>
-          </a:p>
-          <a:p>
-            <a:pPr marL="182245" indent="-182245"/>
-            <a:r>
-              <a:rPr lang="en-US" dirty="0">
-                <a:cs typeface="Calibri"/>
-              </a:rPr>
-              <a:t>a = a**2</a:t>
-            </a:r>
-          </a:p>
-          <a:p>
-            <a:pPr marL="182245" indent="-182245"/>
-            <a:r>
-              <a:rPr lang="en-US" dirty="0">
-                <a:cs typeface="Calibri"/>
-              </a:rPr>
-              <a:t>a = a % 5</a:t>
-            </a:r>
-          </a:p>
-        </p:txBody>
-      </p:sp>
-      <p:sp>
-        <p:nvSpPr>
-          <p:cNvPr id="10" name="Content Placeholder 9">
-            <a:extLst>
-              <a:ext uri="{FF2B5EF4-FFF2-40B4-BE49-F238E27FC236}">
-                <a16:creationId xmlns:a16="http://schemas.microsoft.com/office/drawing/2014/main" id="{9ECB72FA-DA72-4206-AFBF-7C14EDF12131}"/>
-              </a:ext>
-            </a:extLst>
-          </p:cNvPr>
-          <p:cNvSpPr>
-            <a:spLocks noGrp="1"/>
-          </p:cNvSpPr>
-          <p:nvPr>
-            <p:ph sz="quarter" idx="4"/>
-          </p:nvPr>
-        </p:nvSpPr>
-        <p:spPr>
-          <a:xfrm>
-            <a:off x="6218238" y="3463204"/>
-            <a:ext cx="4937125" cy="2497859"/>
-          </a:xfrm>
-        </p:spPr>
-        <p:txBody>
-          <a:bodyPr vert="horz" lIns="0" tIns="45720" rIns="0" bIns="45720" rtlCol="0" anchor="t">
-            <a:normAutofit lnSpcReduction="10000"/>
-          </a:bodyPr>
-          <a:lstStyle/>
-          <a:p>
-            <a:pPr marL="182245" indent="-182245"/>
-            <a:r>
-              <a:rPr lang="en-US" dirty="0">
-                <a:cs typeface="Calibri"/>
-              </a:rPr>
-              <a:t>a += 2</a:t>
-            </a:r>
-          </a:p>
-          <a:p>
-            <a:pPr marL="182245" indent="-182245"/>
-            <a:r>
-              <a:rPr lang="en-US" dirty="0">
-                <a:cs typeface="Calibri"/>
-              </a:rPr>
-              <a:t>a -= 5</a:t>
-            </a:r>
-          </a:p>
-          <a:p>
-            <a:pPr marL="182245" indent="-182245"/>
-            <a:r>
-              <a:rPr lang="en-US" dirty="0">
-                <a:cs typeface="Calibri"/>
-              </a:rPr>
-              <a:t>a *= 3</a:t>
-            </a:r>
-          </a:p>
-          <a:p>
-            <a:pPr marL="182245" indent="-182245"/>
-            <a:r>
-              <a:rPr lang="en-US" dirty="0">
-                <a:cs typeface="Calibri"/>
-              </a:rPr>
-              <a:t>a /= 4</a:t>
-            </a:r>
-          </a:p>
-          <a:p>
-            <a:pPr marL="182245" indent="-182245"/>
-            <a:r>
-              <a:rPr lang="en-US" dirty="0">
-                <a:cs typeface="Calibri"/>
-              </a:rPr>
-              <a:t>a **= 2</a:t>
-            </a:r>
-          </a:p>
-          <a:p>
-            <a:pPr marL="182245" indent="-182245"/>
-            <a:r>
-              <a:rPr lang="en-US" dirty="0">
-                <a:cs typeface="Calibri"/>
-              </a:rPr>
-              <a:t>a %= 5</a:t>
-            </a:r>
-          </a:p>
-        </p:txBody>
-      </p:sp>
-      <p:sp>
-        <p:nvSpPr>
-          <p:cNvPr id="3" name="Slide Number Placeholder 2">
-            <a:extLst>
-              <a:ext uri="{FF2B5EF4-FFF2-40B4-BE49-F238E27FC236}">
-                <a16:creationId xmlns:a16="http://schemas.microsoft.com/office/drawing/2014/main" id="{8C93FE57-8C1A-4F04-B8E2-A3111126B3AE}"/>
-              </a:ext>
-            </a:extLst>
-          </p:cNvPr>
-          <p:cNvSpPr>
-            <a:spLocks noGrp="1"/>
-          </p:cNvSpPr>
-          <p:nvPr>
-            <p:ph type="sldNum" sz="quarter" idx="12"/>
-          </p:nvPr>
-        </p:nvSpPr>
-        <p:spPr/>
-        <p:txBody>
-          <a:bodyPr/>
-          <a:lstStyle/>
-          <a:p>
-            <a:fld id="{89C4E583-6443-4199-AF95-A2ECCC288D48}" type="slidenum">
-              <a:rPr lang="en-GB" smtClean="0"/>
-              <a:t>40</a:t>
-            </a:fld>
-            <a:endParaRPr lang="en-GB"/>
-          </a:p>
-        </p:txBody>
-      </p:sp>
-      <p:sp>
-        <p:nvSpPr>
-          <p:cNvPr id="11" name="TextBox 10">
-            <a:extLst>
-              <a:ext uri="{FF2B5EF4-FFF2-40B4-BE49-F238E27FC236}">
-                <a16:creationId xmlns:a16="http://schemas.microsoft.com/office/drawing/2014/main" id="{8D2AC46A-AC0C-4734-9A93-D237A8D82025}"/>
-              </a:ext>
-            </a:extLst>
-          </p:cNvPr>
-          <p:cNvSpPr txBox="1"/>
-          <p:nvPr/>
-        </p:nvSpPr>
-        <p:spPr>
-          <a:xfrm>
-            <a:off x="1096963" y="2127250"/>
-            <a:ext cx="10045700" cy="1051570"/>
-          </a:xfrm>
-          <a:prstGeom prst="rect">
-            <a:avLst/>
-          </a:prstGeom>
-        </p:spPr>
-        <p:txBody>
-          <a:bodyPr rot="0" spcFirstLastPara="0" vertOverflow="overflow" horzOverflow="overflow" vert="horz" wrap="square" lIns="91440" tIns="45720" rIns="91440" bIns="45720" numCol="1" spcCol="0" rtlCol="0" fromWordArt="0" anchor="t" anchorCtr="0" forceAA="0" compatLnSpc="1">
-            <a:prstTxWarp prst="textNoShape">
-              <a:avLst/>
-            </a:prstTxWarp>
-            <a:spAutoFit/>
-          </a:bodyPr>
-          <a:lstStyle/>
-          <a:p>
-            <a:pPr marL="182245" indent="-182245">
-              <a:lnSpc>
-                <a:spcPct val="90000"/>
-              </a:lnSpc>
-              <a:spcBef>
-                <a:spcPts val="1200"/>
-              </a:spcBef>
-              <a:spcAft>
-                <a:spcPts val="200"/>
-              </a:spcAft>
-              <a:buChar char="•"/>
-            </a:pPr>
-            <a:r>
-              <a:rPr lang="en-US" sz="2000" dirty="0"/>
-              <a:t>the variable that we want to assign the result to can also be used in the operation itself</a:t>
-            </a:r>
-            <a:endParaRPr lang="en-US" sz="2000" dirty="0">
-              <a:cs typeface="Calibri"/>
-            </a:endParaRPr>
-          </a:p>
-          <a:p>
-            <a:pPr marL="383540" lvl="1" indent="-182880">
-              <a:lnSpc>
-                <a:spcPct val="90000"/>
-              </a:lnSpc>
-              <a:spcBef>
-                <a:spcPts val="200"/>
-              </a:spcBef>
-              <a:spcAft>
-                <a:spcPts val="400"/>
-              </a:spcAft>
-              <a:buChar char="•"/>
-            </a:pPr>
-            <a:r>
-              <a:rPr lang="en-US" sz="2000" dirty="0"/>
-              <a:t>e.g.: a = a / 2</a:t>
-            </a:r>
-            <a:endParaRPr lang="en-US" sz="2000" dirty="0">
-              <a:cs typeface="Calibri"/>
-            </a:endParaRPr>
-          </a:p>
-          <a:p>
-            <a:pPr indent="-256540">
-              <a:lnSpc>
-                <a:spcPct val="90000"/>
-              </a:lnSpc>
-              <a:spcBef>
-                <a:spcPts val="200"/>
-              </a:spcBef>
-              <a:spcAft>
-                <a:spcPts val="400"/>
-              </a:spcAft>
-              <a:buChar char="•"/>
-            </a:pPr>
-            <a:r>
-              <a:rPr lang="en-US" sz="2000" dirty="0">
-                <a:cs typeface="Calibri"/>
-              </a:rPr>
-              <a:t>In these cases, we can make the notation of the operation a little shorter:</a:t>
-            </a:r>
-          </a:p>
-        </p:txBody>
-      </p:sp>
-    </p:spTree>
-    <p:extLst>
-      <p:ext uri="{BB962C8B-B14F-4D97-AF65-F5344CB8AC3E}">
-        <p14:creationId xmlns:p14="http://schemas.microsoft.com/office/powerpoint/2010/main" val="198626347"/>
       </p:ext>
     </p:extLst>
   </p:cSld>
@@ -19756,7 +24753,7 @@
           <a:p>
             <a:r>
               <a:rPr lang="en-GB" dirty="0"/>
-              <a:t>A short excursion: The Terminal</a:t>
+              <a:t>A Short Excursion: The Terminal</a:t>
             </a:r>
           </a:p>
         </p:txBody>
@@ -19931,7 +24928,7 @@
           <a:p>
             <a:r>
               <a:rPr lang="en-GB" dirty="0"/>
-              <a:t>A short excursion: Terminal Commands</a:t>
+              <a:t>A Short Excursion: Terminal Commands</a:t>
             </a:r>
           </a:p>
         </p:txBody>
@@ -20205,7 +25202,7 @@
           <a:p>
             <a:r>
               <a:rPr lang="en-GB" dirty="0"/>
-              <a:t>A short excursion: Terminal “Tricks”</a:t>
+              <a:t>A Short Excursion: Terminal “Tricks”</a:t>
             </a:r>
           </a:p>
         </p:txBody>
@@ -20228,21 +25225,30 @@
         </p:nvSpPr>
         <p:spPr/>
         <p:txBody>
-          <a:bodyPr/>
+          <a:bodyPr vert="horz" lIns="0" tIns="45720" rIns="0" bIns="45720" rtlCol="0" anchor="t">
+            <a:normAutofit/>
+          </a:bodyPr>
           <a:lstStyle/>
           <a:p>
+            <a:pPr marL="182245" indent="-182245"/>
             <a:r>
               <a:rPr lang="en-GB" dirty="0"/>
               <a:t>You can press the up-arrow to copy your last commands</a:t>
             </a:r>
-          </a:p>
-          <a:p>
+            <a:endParaRPr lang="de-DE"/>
+          </a:p>
+          <a:p>
+            <a:pPr marL="182245" indent="-182245"/>
             <a:r>
               <a:rPr lang="en-GB" dirty="0"/>
               <a:t>Many (not all) terminals allow auto completion of commands and names with tab (that’s the key with two arrows next to the “q”-key)</a:t>
             </a:r>
-          </a:p>
-          <a:p>
+            <a:endParaRPr lang="en-GB" dirty="0">
+              <a:cs typeface="Calibri"/>
+            </a:endParaRPr>
+          </a:p>
+          <a:p>
+            <a:pPr marL="182245" indent="-182245"/>
             <a:r>
               <a:rPr lang="en-GB" dirty="0"/>
               <a:t>Many terminals block </a:t>
@@ -20263,9 +25269,12 @@
               <a:rPr lang="en-GB" dirty="0"/>
               <a:t> for copy and paste</a:t>
             </a:r>
-          </a:p>
-          <a:p>
-            <a:pPr lvl="1"/>
+            <a:endParaRPr lang="en-GB" dirty="0">
+              <a:cs typeface="Calibri"/>
+            </a:endParaRPr>
+          </a:p>
+          <a:p>
+            <a:pPr marL="383540" lvl="1"/>
             <a:r>
               <a:rPr lang="en-GB" dirty="0"/>
               <a:t>Most default to </a:t>
@@ -20286,15 +25295,22 @@
               <a:rPr lang="en-GB" dirty="0"/>
               <a:t> for that</a:t>
             </a:r>
-          </a:p>
-          <a:p>
+            <a:endParaRPr lang="en-GB" dirty="0">
+              <a:cs typeface="Calibri"/>
+            </a:endParaRPr>
+          </a:p>
+          <a:p>
+            <a:pPr marL="182245" indent="-182245"/>
             <a:r>
               <a:rPr lang="en-GB" dirty="0"/>
               <a:t>You can start your editor to edit your files straight from the terminal (for most editors)</a:t>
             </a:r>
-          </a:p>
-          <a:p>
-            <a:pPr lvl="1"/>
+            <a:endParaRPr lang="en-GB" dirty="0">
+              <a:cs typeface="Calibri"/>
+            </a:endParaRPr>
+          </a:p>
+          <a:p>
+            <a:pPr marL="383540" lvl="1"/>
             <a:r>
               <a:rPr lang="en-GB" dirty="0"/>
               <a:t>e.g. </a:t>
@@ -20317,20 +25333,28 @@
             </a:r>
           </a:p>
           <a:p>
-            <a:pPr lvl="2"/>
+            <a:pPr marL="566420" lvl="2"/>
             <a:r>
               <a:rPr lang="en-GB" dirty="0">
                 <a:latin typeface="Consolas" panose="020B0609020204030204" pitchFamily="49" charset="0"/>
               </a:rPr>
               <a:t>Squared brackets around parts of a command imply that they are optional</a:t>
             </a:r>
-            <a:endParaRPr lang="en-GB" dirty="0"/>
-          </a:p>
-          <a:p>
-            <a:endParaRPr lang="en-GB" dirty="0"/>
-          </a:p>
-          <a:p>
-            <a:endParaRPr lang="en-GB" dirty="0"/>
+            <a:endParaRPr lang="en-GB" dirty="0">
+              <a:cs typeface="Calibri"/>
+            </a:endParaRPr>
+          </a:p>
+          <a:p>
+            <a:pPr marL="182245" indent="-182245"/>
+            <a:endParaRPr lang="en-GB" dirty="0">
+              <a:cs typeface="Calibri"/>
+            </a:endParaRPr>
+          </a:p>
+          <a:p>
+            <a:pPr marL="182245" indent="-182245"/>
+            <a:endParaRPr lang="en-GB" dirty="0">
+              <a:cs typeface="Calibri"/>
+            </a:endParaRPr>
           </a:p>
         </p:txBody>
       </p:sp>
@@ -20504,7 +25528,7 @@
           <a:p>
             <a:r>
               <a:rPr lang="en-GB" dirty="0"/>
-              <a:t>Common mistakes &amp; bonus solutions</a:t>
+              <a:t>Common Mistakes &amp; Bonus Solutions</a:t>
             </a:r>
           </a:p>
         </p:txBody>
@@ -20592,9 +25616,9 @@
 </file>
 
 <file path=ppt/theme/theme1.xml><?xml version="1.0" encoding="utf-8"?>
-<a:theme xmlns:a="http://schemas.openxmlformats.org/drawingml/2006/main" name="Retrospect">
+<a:theme xmlns:a="http://schemas.openxmlformats.org/drawingml/2006/main" name="PP_Theme">
   <a:themeElements>
-    <a:clrScheme name="Custom 4">
+    <a:clrScheme name="Custom 1">
       <a:dk1>
         <a:sysClr val="windowText" lastClr="000000"/>
       </a:dk1>
@@ -20626,7 +25650,7 @@
         <a:srgbClr val="2683C6"/>
       </a:accent6>
       <a:hlink>
-        <a:srgbClr val="D8D8D8"/>
+        <a:srgbClr val="636378"/>
       </a:hlink>
       <a:folHlink>
         <a:srgbClr val="E7AA50"/>
@@ -20902,7 +25926,7 @@
   <a:extraClrSchemeLst/>
   <a:extLst>
     <a:ext uri="{05A4C25C-085E-4340-85A3-A5531E510DB2}">
-      <thm15:themeFamily xmlns:thm15="http://schemas.microsoft.com/office/thememl/2012/main" name="template.pptx" id="{44647F27-30A9-41FF-8AAD-C4EA196F5CB9}" vid="{2A8CAD35-B4B3-463D-9CF5-84126DD16859}"/>
+      <thm15:themeFamily xmlns:thm15="http://schemas.microsoft.com/office/thememl/2012/main" name="PP_Theme" id="{7EBD3D0E-388A-4CC4-8389-0953E52DB8DA}" vid="{B2361EDD-5D3F-4BE8-AD3F-EBA87BE8E293}"/>
     </a:ext>
   </a:extLst>
 </a:theme>
